--- a/Documents/设计文档.pptx
+++ b/Documents/设计文档.pptx
@@ -105,6 +105,11 @@
       </a:defRPr>
     </a:lvl9pPr>
   </p:defaultTextStyle>
+  <p:extLst>
+    <p:ext uri="{EFAFB233-063F-42B5-8137-9DF3F51BA10A}">
+      <p15:sldGuideLst xmlns:p15="http://schemas.microsoft.com/office/powerpoint/2012/main"/>
+    </p:ext>
+  </p:extLst>
 </p:presentation>
 </file>
 
@@ -255,7 +260,7 @@
           <a:p>
             <a:fld id="{9B0E3EAA-B7E2-4AD8-AC36-E88450B893C6}" type="datetimeFigureOut">
               <a:rPr lang="zh-CN" altLang="en-US" smtClean="0"/>
-              <a:t>2023/4/13</a:t>
+              <a:t>2023/4/18</a:t>
             </a:fld>
             <a:endParaRPr lang="zh-CN" altLang="en-US"/>
           </a:p>
@@ -453,7 +458,7 @@
           <a:p>
             <a:fld id="{9B0E3EAA-B7E2-4AD8-AC36-E88450B893C6}" type="datetimeFigureOut">
               <a:rPr lang="zh-CN" altLang="en-US" smtClean="0"/>
-              <a:t>2023/4/13</a:t>
+              <a:t>2023/4/18</a:t>
             </a:fld>
             <a:endParaRPr lang="zh-CN" altLang="en-US"/>
           </a:p>
@@ -661,7 +666,7 @@
           <a:p>
             <a:fld id="{9B0E3EAA-B7E2-4AD8-AC36-E88450B893C6}" type="datetimeFigureOut">
               <a:rPr lang="zh-CN" altLang="en-US" smtClean="0"/>
-              <a:t>2023/4/13</a:t>
+              <a:t>2023/4/18</a:t>
             </a:fld>
             <a:endParaRPr lang="zh-CN" altLang="en-US"/>
           </a:p>
@@ -859,7 +864,7 @@
           <a:p>
             <a:fld id="{9B0E3EAA-B7E2-4AD8-AC36-E88450B893C6}" type="datetimeFigureOut">
               <a:rPr lang="zh-CN" altLang="en-US" smtClean="0"/>
-              <a:t>2023/4/13</a:t>
+              <a:t>2023/4/18</a:t>
             </a:fld>
             <a:endParaRPr lang="zh-CN" altLang="en-US"/>
           </a:p>
@@ -1134,7 +1139,7 @@
           <a:p>
             <a:fld id="{9B0E3EAA-B7E2-4AD8-AC36-E88450B893C6}" type="datetimeFigureOut">
               <a:rPr lang="zh-CN" altLang="en-US" smtClean="0"/>
-              <a:t>2023/4/13</a:t>
+              <a:t>2023/4/18</a:t>
             </a:fld>
             <a:endParaRPr lang="zh-CN" altLang="en-US"/>
           </a:p>
@@ -1399,7 +1404,7 @@
           <a:p>
             <a:fld id="{9B0E3EAA-B7E2-4AD8-AC36-E88450B893C6}" type="datetimeFigureOut">
               <a:rPr lang="zh-CN" altLang="en-US" smtClean="0"/>
-              <a:t>2023/4/13</a:t>
+              <a:t>2023/4/18</a:t>
             </a:fld>
             <a:endParaRPr lang="zh-CN" altLang="en-US"/>
           </a:p>
@@ -1811,7 +1816,7 @@
           <a:p>
             <a:fld id="{9B0E3EAA-B7E2-4AD8-AC36-E88450B893C6}" type="datetimeFigureOut">
               <a:rPr lang="zh-CN" altLang="en-US" smtClean="0"/>
-              <a:t>2023/4/13</a:t>
+              <a:t>2023/4/18</a:t>
             </a:fld>
             <a:endParaRPr lang="zh-CN" altLang="en-US"/>
           </a:p>
@@ -1952,7 +1957,7 @@
           <a:p>
             <a:fld id="{9B0E3EAA-B7E2-4AD8-AC36-E88450B893C6}" type="datetimeFigureOut">
               <a:rPr lang="zh-CN" altLang="en-US" smtClean="0"/>
-              <a:t>2023/4/13</a:t>
+              <a:t>2023/4/18</a:t>
             </a:fld>
             <a:endParaRPr lang="zh-CN" altLang="en-US"/>
           </a:p>
@@ -2065,7 +2070,7 @@
           <a:p>
             <a:fld id="{9B0E3EAA-B7E2-4AD8-AC36-E88450B893C6}" type="datetimeFigureOut">
               <a:rPr lang="zh-CN" altLang="en-US" smtClean="0"/>
-              <a:t>2023/4/13</a:t>
+              <a:t>2023/4/18</a:t>
             </a:fld>
             <a:endParaRPr lang="zh-CN" altLang="en-US"/>
           </a:p>
@@ -2376,7 +2381,7 @@
           <a:p>
             <a:fld id="{9B0E3EAA-B7E2-4AD8-AC36-E88450B893C6}" type="datetimeFigureOut">
               <a:rPr lang="zh-CN" altLang="en-US" smtClean="0"/>
-              <a:t>2023/4/13</a:t>
+              <a:t>2023/4/18</a:t>
             </a:fld>
             <a:endParaRPr lang="zh-CN" altLang="en-US"/>
           </a:p>
@@ -2664,7 +2669,7 @@
           <a:p>
             <a:fld id="{9B0E3EAA-B7E2-4AD8-AC36-E88450B893C6}" type="datetimeFigureOut">
               <a:rPr lang="zh-CN" altLang="en-US" smtClean="0"/>
-              <a:t>2023/4/13</a:t>
+              <a:t>2023/4/18</a:t>
             </a:fld>
             <a:endParaRPr lang="zh-CN" altLang="en-US"/>
           </a:p>
@@ -2905,7 +2910,7 @@
           <a:p>
             <a:fld id="{9B0E3EAA-B7E2-4AD8-AC36-E88450B893C6}" type="datetimeFigureOut">
               <a:rPr lang="zh-CN" altLang="en-US" smtClean="0"/>
-              <a:t>2023/4/13</a:t>
+              <a:t>2023/4/18</a:t>
             </a:fld>
             <a:endParaRPr lang="zh-CN" altLang="en-US"/>
           </a:p>
@@ -4479,7 +4484,7 @@
         </p:nvSpPr>
         <p:spPr>
           <a:xfrm>
-            <a:off x="7816871" y="4854006"/>
+            <a:off x="7816870" y="4841076"/>
             <a:ext cx="2566331" cy="285225"/>
           </a:xfrm>
           <a:prstGeom prst="rect">
@@ -4514,16 +4519,16 @@
           <a:p>
             <a:pPr algn="ctr"/>
             <a:r>
-              <a:rPr lang="en-US" altLang="zh-CN" dirty="0">
+              <a:rPr lang="en-US" altLang="zh-CN" b="1" dirty="0">
                 <a:solidFill>
-                  <a:schemeClr val="tx1"/>
+                  <a:srgbClr val="FF0000"/>
                 </a:solidFill>
               </a:rPr>
-              <a:t>1</a:t>
-            </a:r>
-            <a:endParaRPr lang="zh-CN" altLang="en-US" dirty="0">
+              <a:t>1 - Reuse</a:t>
+            </a:r>
+            <a:endParaRPr lang="zh-CN" altLang="en-US" b="1" dirty="0">
               <a:solidFill>
-                <a:schemeClr val="tx1"/>
+                <a:srgbClr val="FF0000"/>
               </a:solidFill>
             </a:endParaRPr>
           </a:p>

--- a/Documents/设计文档.pptx
+++ b/Documents/设计文档.pptx
@@ -260,7 +260,7 @@
           <a:p>
             <a:fld id="{9B0E3EAA-B7E2-4AD8-AC36-E88450B893C6}" type="datetimeFigureOut">
               <a:rPr lang="zh-CN" altLang="en-US" smtClean="0"/>
-              <a:t>2023/4/18</a:t>
+              <a:t>2023/5/9</a:t>
             </a:fld>
             <a:endParaRPr lang="zh-CN" altLang="en-US"/>
           </a:p>
@@ -458,7 +458,7 @@
           <a:p>
             <a:fld id="{9B0E3EAA-B7E2-4AD8-AC36-E88450B893C6}" type="datetimeFigureOut">
               <a:rPr lang="zh-CN" altLang="en-US" smtClean="0"/>
-              <a:t>2023/4/18</a:t>
+              <a:t>2023/5/9</a:t>
             </a:fld>
             <a:endParaRPr lang="zh-CN" altLang="en-US"/>
           </a:p>
@@ -666,7 +666,7 @@
           <a:p>
             <a:fld id="{9B0E3EAA-B7E2-4AD8-AC36-E88450B893C6}" type="datetimeFigureOut">
               <a:rPr lang="zh-CN" altLang="en-US" smtClean="0"/>
-              <a:t>2023/4/18</a:t>
+              <a:t>2023/5/9</a:t>
             </a:fld>
             <a:endParaRPr lang="zh-CN" altLang="en-US"/>
           </a:p>
@@ -864,7 +864,7 @@
           <a:p>
             <a:fld id="{9B0E3EAA-B7E2-4AD8-AC36-E88450B893C6}" type="datetimeFigureOut">
               <a:rPr lang="zh-CN" altLang="en-US" smtClean="0"/>
-              <a:t>2023/4/18</a:t>
+              <a:t>2023/5/9</a:t>
             </a:fld>
             <a:endParaRPr lang="zh-CN" altLang="en-US"/>
           </a:p>
@@ -1139,7 +1139,7 @@
           <a:p>
             <a:fld id="{9B0E3EAA-B7E2-4AD8-AC36-E88450B893C6}" type="datetimeFigureOut">
               <a:rPr lang="zh-CN" altLang="en-US" smtClean="0"/>
-              <a:t>2023/4/18</a:t>
+              <a:t>2023/5/9</a:t>
             </a:fld>
             <a:endParaRPr lang="zh-CN" altLang="en-US"/>
           </a:p>
@@ -1404,7 +1404,7 @@
           <a:p>
             <a:fld id="{9B0E3EAA-B7E2-4AD8-AC36-E88450B893C6}" type="datetimeFigureOut">
               <a:rPr lang="zh-CN" altLang="en-US" smtClean="0"/>
-              <a:t>2023/4/18</a:t>
+              <a:t>2023/5/9</a:t>
             </a:fld>
             <a:endParaRPr lang="zh-CN" altLang="en-US"/>
           </a:p>
@@ -1816,7 +1816,7 @@
           <a:p>
             <a:fld id="{9B0E3EAA-B7E2-4AD8-AC36-E88450B893C6}" type="datetimeFigureOut">
               <a:rPr lang="zh-CN" altLang="en-US" smtClean="0"/>
-              <a:t>2023/4/18</a:t>
+              <a:t>2023/5/9</a:t>
             </a:fld>
             <a:endParaRPr lang="zh-CN" altLang="en-US"/>
           </a:p>
@@ -1957,7 +1957,7 @@
           <a:p>
             <a:fld id="{9B0E3EAA-B7E2-4AD8-AC36-E88450B893C6}" type="datetimeFigureOut">
               <a:rPr lang="zh-CN" altLang="en-US" smtClean="0"/>
-              <a:t>2023/4/18</a:t>
+              <a:t>2023/5/9</a:t>
             </a:fld>
             <a:endParaRPr lang="zh-CN" altLang="en-US"/>
           </a:p>
@@ -2070,7 +2070,7 @@
           <a:p>
             <a:fld id="{9B0E3EAA-B7E2-4AD8-AC36-E88450B893C6}" type="datetimeFigureOut">
               <a:rPr lang="zh-CN" altLang="en-US" smtClean="0"/>
-              <a:t>2023/4/18</a:t>
+              <a:t>2023/5/9</a:t>
             </a:fld>
             <a:endParaRPr lang="zh-CN" altLang="en-US"/>
           </a:p>
@@ -2381,7 +2381,7 @@
           <a:p>
             <a:fld id="{9B0E3EAA-B7E2-4AD8-AC36-E88450B893C6}" type="datetimeFigureOut">
               <a:rPr lang="zh-CN" altLang="en-US" smtClean="0"/>
-              <a:t>2023/4/18</a:t>
+              <a:t>2023/5/9</a:t>
             </a:fld>
             <a:endParaRPr lang="zh-CN" altLang="en-US"/>
           </a:p>
@@ -2669,7 +2669,7 @@
           <a:p>
             <a:fld id="{9B0E3EAA-B7E2-4AD8-AC36-E88450B893C6}" type="datetimeFigureOut">
               <a:rPr lang="zh-CN" altLang="en-US" smtClean="0"/>
-              <a:t>2023/4/18</a:t>
+              <a:t>2023/5/9</a:t>
             </a:fld>
             <a:endParaRPr lang="zh-CN" altLang="en-US"/>
           </a:p>
@@ -2910,7 +2910,7 @@
           <a:p>
             <a:fld id="{9B0E3EAA-B7E2-4AD8-AC36-E88450B893C6}" type="datetimeFigureOut">
               <a:rPr lang="zh-CN" altLang="en-US" smtClean="0"/>
-              <a:t>2023/4/18</a:t>
+              <a:t>2023/5/9</a:t>
             </a:fld>
             <a:endParaRPr lang="zh-CN" altLang="en-US"/>
           </a:p>
@@ -3348,7 +3348,7 @@
           <a:bodyPr/>
           <a:lstStyle/>
           <a:p>
-            <a:endParaRPr lang="zh-CN" altLang="en-US" dirty="0"/>
+            <a:endParaRPr lang="zh-CN" altLang="en-US"/>
           </a:p>
         </p:txBody>
       </p:sp>
@@ -3434,18 +3434,18 @@
           <a:lstStyle/>
           <a:p>
             <a:r>
-              <a:rPr lang="zh-CN" altLang="en-US" dirty="0"/>
+              <a:rPr lang="zh-CN" altLang="en-US"/>
               <a:t>文档模型 </a:t>
             </a:r>
             <a:r>
-              <a:rPr lang="en-US" altLang="zh-CN" dirty="0"/>
+              <a:rPr lang="en-US" altLang="zh-CN"/>
               <a:t>- </a:t>
             </a:r>
             <a:r>
-              <a:rPr lang="en-US" altLang="zh-CN" dirty="0" err="1"/>
+              <a:rPr lang="en-US" altLang="zh-CN" err="1"/>
               <a:t>VTDocument</a:t>
             </a:r>
-            <a:endParaRPr lang="zh-CN" altLang="en-US" dirty="0"/>
+            <a:endParaRPr lang="zh-CN" altLang="en-US"/>
           </a:p>
         </p:txBody>
       </p:sp>
@@ -3463,7 +3463,7 @@
         </p:nvSpPr>
         <p:spPr>
           <a:xfrm>
-            <a:off x="980414" y="2567031"/>
+            <a:off x="972025" y="3070370"/>
             <a:ext cx="2566331" cy="285225"/>
           </a:xfrm>
           <a:prstGeom prst="rect">
@@ -3498,14 +3498,22 @@
           <a:p>
             <a:pPr algn="ctr"/>
             <a:r>
-              <a:rPr lang="en-US" altLang="zh-CN" dirty="0">
+              <a:rPr lang="en-US" altLang="zh-CN" err="1">
                 <a:solidFill>
                   <a:schemeClr val="tx1"/>
                 </a:solidFill>
               </a:rPr>
-              <a:t>1</a:t>
-            </a:r>
-            <a:endParaRPr lang="zh-CN" altLang="en-US" dirty="0">
+              <a:t>VTextLine</a:t>
+            </a:r>
+            <a:r>
+              <a:rPr lang="en-US" altLang="zh-CN">
+                <a:solidFill>
+                  <a:schemeClr val="tx1"/>
+                </a:solidFill>
+              </a:rPr>
+              <a:t> - 3</a:t>
+            </a:r>
+            <a:endParaRPr lang="zh-CN" altLang="en-US">
               <a:solidFill>
                 <a:schemeClr val="tx1"/>
               </a:solidFill>
@@ -3527,7 +3535,7 @@
         </p:nvSpPr>
         <p:spPr>
           <a:xfrm>
-            <a:off x="980414" y="2852256"/>
+            <a:off x="972025" y="3355595"/>
             <a:ext cx="2566331" cy="285225"/>
           </a:xfrm>
           <a:prstGeom prst="rect">
@@ -3562,14 +3570,22 @@
           <a:p>
             <a:pPr algn="ctr"/>
             <a:r>
-              <a:rPr lang="en-US" altLang="zh-CN" dirty="0">
+              <a:rPr lang="en-US" altLang="zh-CN" err="1">
                 <a:solidFill>
                   <a:schemeClr val="tx1"/>
                 </a:solidFill>
               </a:rPr>
-              <a:t>2</a:t>
-            </a:r>
-            <a:endParaRPr lang="zh-CN" altLang="en-US" dirty="0">
+              <a:t>VTextLine</a:t>
+            </a:r>
+            <a:r>
+              <a:rPr lang="en-US" altLang="zh-CN">
+                <a:solidFill>
+                  <a:schemeClr val="tx1"/>
+                </a:solidFill>
+              </a:rPr>
+              <a:t> - 4</a:t>
+            </a:r>
+            <a:endParaRPr lang="zh-CN" altLang="en-US">
               <a:solidFill>
                 <a:schemeClr val="tx1"/>
               </a:solidFill>
@@ -3591,7 +3607,7 @@
         </p:nvSpPr>
         <p:spPr>
           <a:xfrm>
-            <a:off x="980414" y="3137481"/>
+            <a:off x="972025" y="3640820"/>
             <a:ext cx="2566331" cy="285225"/>
           </a:xfrm>
           <a:prstGeom prst="rect">
@@ -3626,14 +3642,22 @@
           <a:p>
             <a:pPr algn="ctr"/>
             <a:r>
-              <a:rPr lang="en-US" altLang="zh-CN" dirty="0">
+              <a:rPr lang="en-US" altLang="zh-CN" err="1">
                 <a:solidFill>
                   <a:schemeClr val="tx1"/>
                 </a:solidFill>
               </a:rPr>
-              <a:t>3</a:t>
-            </a:r>
-            <a:endParaRPr lang="zh-CN" altLang="en-US" dirty="0">
+              <a:t>VTextLine</a:t>
+            </a:r>
+            <a:r>
+              <a:rPr lang="en-US" altLang="zh-CN">
+                <a:solidFill>
+                  <a:schemeClr val="tx1"/>
+                </a:solidFill>
+              </a:rPr>
+              <a:t> - 5</a:t>
+            </a:r>
+            <a:endParaRPr lang="zh-CN" altLang="en-US">
               <a:solidFill>
                 <a:schemeClr val="tx1"/>
               </a:solidFill>
@@ -3655,7 +3679,7 @@
         </p:nvSpPr>
         <p:spPr>
           <a:xfrm>
-            <a:off x="980414" y="3422705"/>
+            <a:off x="972025" y="3926044"/>
             <a:ext cx="2566331" cy="285225"/>
           </a:xfrm>
           <a:prstGeom prst="rect">
@@ -3690,14 +3714,22 @@
           <a:p>
             <a:pPr algn="ctr"/>
             <a:r>
-              <a:rPr lang="en-US" altLang="zh-CN" dirty="0">
+              <a:rPr lang="en-US" altLang="zh-CN" err="1">
                 <a:solidFill>
                   <a:schemeClr val="tx1"/>
                 </a:solidFill>
               </a:rPr>
-              <a:t>4</a:t>
-            </a:r>
-            <a:endParaRPr lang="zh-CN" altLang="en-US" dirty="0">
+              <a:t>VTextLine</a:t>
+            </a:r>
+            <a:r>
+              <a:rPr lang="en-US" altLang="zh-CN">
+                <a:solidFill>
+                  <a:schemeClr val="tx1"/>
+                </a:solidFill>
+              </a:rPr>
+              <a:t> - 6</a:t>
+            </a:r>
+            <a:endParaRPr lang="zh-CN" altLang="en-US">
               <a:solidFill>
                 <a:schemeClr val="tx1"/>
               </a:solidFill>
@@ -3719,7 +3751,7 @@
         </p:nvSpPr>
         <p:spPr>
           <a:xfrm>
-            <a:off x="980414" y="3707930"/>
+            <a:off x="972025" y="4211269"/>
             <a:ext cx="2566331" cy="285225"/>
           </a:xfrm>
           <a:prstGeom prst="rect">
@@ -3754,14 +3786,22 @@
           <a:p>
             <a:pPr algn="ctr"/>
             <a:r>
-              <a:rPr lang="en-US" altLang="zh-CN" dirty="0">
+              <a:rPr lang="en-US" altLang="zh-CN" err="1">
                 <a:solidFill>
                   <a:schemeClr val="tx1"/>
                 </a:solidFill>
               </a:rPr>
-              <a:t>5</a:t>
-            </a:r>
-            <a:endParaRPr lang="zh-CN" altLang="en-US" dirty="0">
+              <a:t>VTextLine</a:t>
+            </a:r>
+            <a:r>
+              <a:rPr lang="en-US" altLang="zh-CN">
+                <a:solidFill>
+                  <a:schemeClr val="tx1"/>
+                </a:solidFill>
+              </a:rPr>
+              <a:t> - 7</a:t>
+            </a:r>
+            <a:endParaRPr lang="zh-CN" altLang="en-US">
               <a:solidFill>
                 <a:schemeClr val="tx1"/>
               </a:solidFill>
@@ -3783,7 +3823,7 @@
         </p:nvSpPr>
         <p:spPr>
           <a:xfrm>
-            <a:off x="980414" y="3993154"/>
+            <a:off x="972025" y="4496493"/>
             <a:ext cx="2566331" cy="285225"/>
           </a:xfrm>
           <a:prstGeom prst="rect">
@@ -3818,14 +3858,22 @@
           <a:p>
             <a:pPr algn="ctr"/>
             <a:r>
-              <a:rPr lang="en-US" altLang="zh-CN" dirty="0">
+              <a:rPr lang="en-US" altLang="zh-CN" err="1">
                 <a:solidFill>
                   <a:schemeClr val="tx1"/>
                 </a:solidFill>
               </a:rPr>
-              <a:t>6</a:t>
-            </a:r>
-            <a:endParaRPr lang="zh-CN" altLang="en-US" dirty="0">
+              <a:t>VTextLine</a:t>
+            </a:r>
+            <a:r>
+              <a:rPr lang="en-US" altLang="zh-CN">
+                <a:solidFill>
+                  <a:schemeClr val="tx1"/>
+                </a:solidFill>
+              </a:rPr>
+              <a:t> - 8</a:t>
+            </a:r>
+            <a:endParaRPr lang="zh-CN" altLang="en-US">
               <a:solidFill>
                 <a:schemeClr val="tx1"/>
               </a:solidFill>
@@ -3847,7 +3895,7 @@
         </p:nvSpPr>
         <p:spPr>
           <a:xfrm>
-            <a:off x="980414" y="4278379"/>
+            <a:off x="972025" y="4781718"/>
             <a:ext cx="2566331" cy="285225"/>
           </a:xfrm>
           <a:prstGeom prst="rect">
@@ -3882,14 +3930,22 @@
           <a:p>
             <a:pPr algn="ctr"/>
             <a:r>
-              <a:rPr lang="en-US" altLang="zh-CN" dirty="0">
+              <a:rPr lang="en-US" altLang="zh-CN" err="1">
                 <a:solidFill>
                   <a:schemeClr val="tx1"/>
                 </a:solidFill>
               </a:rPr>
-              <a:t>7</a:t>
-            </a:r>
-            <a:endParaRPr lang="zh-CN" altLang="en-US" dirty="0">
+              <a:t>VTextLine</a:t>
+            </a:r>
+            <a:r>
+              <a:rPr lang="en-US" altLang="zh-CN">
+                <a:solidFill>
+                  <a:schemeClr val="tx1"/>
+                </a:solidFill>
+              </a:rPr>
+              <a:t> - 9</a:t>
+            </a:r>
+            <a:endParaRPr lang="zh-CN" altLang="en-US">
               <a:solidFill>
                 <a:schemeClr val="tx1"/>
               </a:solidFill>
@@ -3911,7 +3967,7 @@
         </p:nvSpPr>
         <p:spPr>
           <a:xfrm>
-            <a:off x="980414" y="4563603"/>
+            <a:off x="972025" y="5066942"/>
             <a:ext cx="2566331" cy="285225"/>
           </a:xfrm>
           <a:prstGeom prst="rect">
@@ -3946,14 +4002,22 @@
           <a:p>
             <a:pPr algn="ctr"/>
             <a:r>
-              <a:rPr lang="en-US" altLang="zh-CN" dirty="0">
+              <a:rPr lang="en-US" altLang="zh-CN" err="1">
                 <a:solidFill>
                   <a:schemeClr val="tx1"/>
                 </a:solidFill>
               </a:rPr>
-              <a:t>8</a:t>
-            </a:r>
-            <a:endParaRPr lang="zh-CN" altLang="en-US" dirty="0">
+              <a:t>VTextLine</a:t>
+            </a:r>
+            <a:r>
+              <a:rPr lang="en-US" altLang="zh-CN">
+                <a:solidFill>
+                  <a:schemeClr val="tx1"/>
+                </a:solidFill>
+              </a:rPr>
+              <a:t> - 10</a:t>
+            </a:r>
+            <a:endParaRPr lang="zh-CN" altLang="en-US">
               <a:solidFill>
                 <a:schemeClr val="tx1"/>
               </a:solidFill>
@@ -3975,7 +4039,7 @@
         </p:nvSpPr>
         <p:spPr>
           <a:xfrm>
-            <a:off x="980414" y="4848828"/>
+            <a:off x="972025" y="5352167"/>
             <a:ext cx="2566331" cy="285225"/>
           </a:xfrm>
           <a:prstGeom prst="rect">
@@ -4010,14 +4074,22 @@
           <a:p>
             <a:pPr algn="ctr"/>
             <a:r>
-              <a:rPr lang="en-US" altLang="zh-CN" dirty="0">
+              <a:rPr lang="en-US" altLang="zh-CN" err="1">
                 <a:solidFill>
                   <a:schemeClr val="tx1"/>
                 </a:solidFill>
               </a:rPr>
-              <a:t>9</a:t>
-            </a:r>
-            <a:endParaRPr lang="zh-CN" altLang="en-US" dirty="0">
+              <a:t>VTextLine</a:t>
+            </a:r>
+            <a:r>
+              <a:rPr lang="en-US" altLang="zh-CN">
+                <a:solidFill>
+                  <a:schemeClr val="tx1"/>
+                </a:solidFill>
+              </a:rPr>
+              <a:t> - 11</a:t>
+            </a:r>
+            <a:endParaRPr lang="zh-CN" altLang="en-US">
               <a:solidFill>
                 <a:schemeClr val="tx1"/>
               </a:solidFill>
@@ -4039,7 +4111,7 @@
         </p:nvSpPr>
         <p:spPr>
           <a:xfrm>
-            <a:off x="980414" y="2281806"/>
+            <a:off x="972025" y="2785145"/>
             <a:ext cx="2566331" cy="285225"/>
           </a:xfrm>
           <a:prstGeom prst="rect">
@@ -4073,7 +4145,27 @@
           <a:lstStyle/>
           <a:p>
             <a:pPr algn="ctr"/>
-            <a:endParaRPr lang="zh-CN" altLang="en-US"/>
+            <a:r>
+              <a:rPr lang="en-US" altLang="zh-CN" err="1">
+                <a:solidFill>
+                  <a:schemeClr val="tx1"/>
+                </a:solidFill>
+              </a:rPr>
+              <a:t>VTextLine</a:t>
+            </a:r>
+            <a:r>
+              <a:rPr lang="en-US" altLang="zh-CN">
+                <a:solidFill>
+                  <a:schemeClr val="tx1"/>
+                </a:solidFill>
+              </a:rPr>
+              <a:t> - 2</a:t>
+            </a:r>
+            <a:endParaRPr lang="zh-CN" altLang="en-US">
+              <a:solidFill>
+                <a:schemeClr val="tx1"/>
+              </a:solidFill>
+            </a:endParaRPr>
           </a:p>
         </p:txBody>
       </p:sp>
@@ -4091,7 +4183,7 @@
         </p:nvSpPr>
         <p:spPr>
           <a:xfrm>
-            <a:off x="980414" y="1996581"/>
+            <a:off x="972025" y="2499920"/>
             <a:ext cx="2566331" cy="285225"/>
           </a:xfrm>
           <a:prstGeom prst="rect">
@@ -4125,7 +4217,27 @@
           <a:lstStyle/>
           <a:p>
             <a:pPr algn="ctr"/>
-            <a:endParaRPr lang="zh-CN" altLang="en-US"/>
+            <a:r>
+              <a:rPr lang="en-US" altLang="zh-CN" err="1">
+                <a:solidFill>
+                  <a:schemeClr val="tx1"/>
+                </a:solidFill>
+              </a:rPr>
+              <a:t>VTextLine</a:t>
+            </a:r>
+            <a:r>
+              <a:rPr lang="en-US" altLang="zh-CN">
+                <a:solidFill>
+                  <a:schemeClr val="tx1"/>
+                </a:solidFill>
+              </a:rPr>
+              <a:t> - 1</a:t>
+            </a:r>
+            <a:endParaRPr lang="zh-CN" altLang="en-US">
+              <a:solidFill>
+                <a:schemeClr val="tx1"/>
+              </a:solidFill>
+            </a:endParaRPr>
           </a:p>
         </p:txBody>
       </p:sp>
@@ -4143,7 +4255,7 @@
         </p:nvSpPr>
         <p:spPr>
           <a:xfrm>
-            <a:off x="980414" y="5134052"/>
+            <a:off x="972025" y="5637391"/>
             <a:ext cx="2566331" cy="285225"/>
           </a:xfrm>
           <a:prstGeom prst="rect">
@@ -4177,7 +4289,27 @@
           <a:lstStyle/>
           <a:p>
             <a:pPr algn="ctr"/>
-            <a:endParaRPr lang="zh-CN" altLang="en-US"/>
+            <a:r>
+              <a:rPr lang="en-US" altLang="zh-CN" err="1">
+                <a:solidFill>
+                  <a:schemeClr val="tx1"/>
+                </a:solidFill>
+              </a:rPr>
+              <a:t>VTextLine</a:t>
+            </a:r>
+            <a:r>
+              <a:rPr lang="en-US" altLang="zh-CN">
+                <a:solidFill>
+                  <a:schemeClr val="tx1"/>
+                </a:solidFill>
+              </a:rPr>
+              <a:t> - 12</a:t>
+            </a:r>
+            <a:endParaRPr lang="zh-CN" altLang="en-US">
+              <a:solidFill>
+                <a:schemeClr val="tx1"/>
+              </a:solidFill>
+            </a:endParaRPr>
           </a:p>
         </p:txBody>
       </p:sp>
@@ -4195,7 +4327,7 @@
         </p:nvSpPr>
         <p:spPr>
           <a:xfrm>
-            <a:off x="980414" y="5408942"/>
+            <a:off x="972025" y="5912281"/>
             <a:ext cx="2566331" cy="285225"/>
           </a:xfrm>
           <a:prstGeom prst="rect">
@@ -4229,7 +4361,27 @@
           <a:lstStyle/>
           <a:p>
             <a:pPr algn="ctr"/>
-            <a:endParaRPr lang="zh-CN" altLang="en-US"/>
+            <a:r>
+              <a:rPr lang="en-US" altLang="zh-CN" err="1">
+                <a:solidFill>
+                  <a:schemeClr val="tx1"/>
+                </a:solidFill>
+              </a:rPr>
+              <a:t>VTextLine</a:t>
+            </a:r>
+            <a:r>
+              <a:rPr lang="en-US" altLang="zh-CN">
+                <a:solidFill>
+                  <a:schemeClr val="tx1"/>
+                </a:solidFill>
+              </a:rPr>
+              <a:t> - 13</a:t>
+            </a:r>
+            <a:endParaRPr lang="zh-CN" altLang="en-US">
+              <a:solidFill>
+                <a:schemeClr val="tx1"/>
+              </a:solidFill>
+            </a:endParaRPr>
           </a:p>
         </p:txBody>
       </p:sp>
@@ -4247,7 +4399,7 @@
         </p:nvSpPr>
         <p:spPr>
           <a:xfrm>
-            <a:off x="3614558" y="2567031"/>
+            <a:off x="3606169" y="3070370"/>
             <a:ext cx="328268" cy="2567021"/>
           </a:xfrm>
           <a:prstGeom prst="rightBrace">
@@ -4302,7 +4454,7 @@
         </p:nvSpPr>
         <p:spPr>
           <a:xfrm>
-            <a:off x="3614558" y="1991065"/>
+            <a:off x="3606169" y="2494404"/>
             <a:ext cx="328268" cy="560813"/>
           </a:xfrm>
           <a:prstGeom prst="rightBrace">
@@ -4339,7 +4491,7 @@
           <a:lstStyle/>
           <a:p>
             <a:pPr algn="ctr"/>
-            <a:endParaRPr lang="zh-CN" altLang="en-US" dirty="0"/>
+            <a:endParaRPr lang="zh-CN" altLang="en-US"/>
           </a:p>
         </p:txBody>
       </p:sp>
@@ -4357,7 +4509,7 @@
         </p:nvSpPr>
         <p:spPr>
           <a:xfrm>
-            <a:off x="4062195" y="2086587"/>
+            <a:off x="4053806" y="2589926"/>
             <a:ext cx="910827" cy="276999"/>
           </a:xfrm>
           <a:prstGeom prst="rect">
@@ -4372,10 +4524,10 @@
           <a:lstStyle/>
           <a:p>
             <a:r>
-              <a:rPr lang="en-US" altLang="zh-CN" sz="1200" dirty="0" err="1"/>
+              <a:rPr lang="en-US" altLang="zh-CN" sz="1200" err="1"/>
               <a:t>MarginTop</a:t>
             </a:r>
-            <a:endParaRPr lang="zh-CN" altLang="en-US" sz="1200" dirty="0"/>
+            <a:endParaRPr lang="zh-CN" altLang="en-US" sz="1200"/>
           </a:p>
         </p:txBody>
       </p:sp>
@@ -4393,7 +4545,7 @@
         </p:nvSpPr>
         <p:spPr>
           <a:xfrm>
-            <a:off x="4023697" y="5224275"/>
+            <a:off x="4015308" y="5727614"/>
             <a:ext cx="1146468" cy="276999"/>
           </a:xfrm>
           <a:prstGeom prst="rect">
@@ -4408,10 +4560,10 @@
           <a:lstStyle/>
           <a:p>
             <a:r>
-              <a:rPr lang="en-US" altLang="zh-CN" sz="1200" dirty="0" err="1"/>
+              <a:rPr lang="en-US" altLang="zh-CN" sz="1200" err="1"/>
               <a:t>MarginBottom</a:t>
             </a:r>
-            <a:endParaRPr lang="zh-CN" altLang="en-US" sz="1200" dirty="0"/>
+            <a:endParaRPr lang="zh-CN" altLang="en-US" sz="1200"/>
           </a:p>
         </p:txBody>
       </p:sp>
@@ -4429,7 +4581,7 @@
         </p:nvSpPr>
         <p:spPr>
           <a:xfrm>
-            <a:off x="3614558" y="5149205"/>
+            <a:off x="3606169" y="5652544"/>
             <a:ext cx="328268" cy="560813"/>
           </a:xfrm>
           <a:prstGeom prst="rightBrace">
@@ -4484,7 +4636,7 @@
         </p:nvSpPr>
         <p:spPr>
           <a:xfrm>
-            <a:off x="7816870" y="4841076"/>
+            <a:off x="7808481" y="5344415"/>
             <a:ext cx="2566331" cy="285225"/>
           </a:xfrm>
           <a:prstGeom prst="rect">
@@ -4519,14 +4671,14 @@
           <a:p>
             <a:pPr algn="ctr"/>
             <a:r>
-              <a:rPr lang="en-US" altLang="zh-CN" b="1" dirty="0">
+              <a:rPr lang="en-US" altLang="zh-CN" b="1">
                 <a:solidFill>
                   <a:srgbClr val="FF0000"/>
                 </a:solidFill>
               </a:rPr>
-              <a:t>1 - Reuse</a:t>
-            </a:r>
-            <a:endParaRPr lang="zh-CN" altLang="en-US" b="1" dirty="0">
+              <a:t>VTextLine - 3</a:t>
+            </a:r>
+            <a:endParaRPr lang="zh-CN" altLang="en-US" b="1">
               <a:solidFill>
                 <a:srgbClr val="FF0000"/>
               </a:solidFill>
@@ -4548,7 +4700,7 @@
         </p:nvSpPr>
         <p:spPr>
           <a:xfrm>
-            <a:off x="7816871" y="2561864"/>
+            <a:off x="7808480" y="3065202"/>
             <a:ext cx="2566331" cy="285225"/>
           </a:xfrm>
           <a:prstGeom prst="rect">
@@ -4583,16 +4735,16 @@
           <a:p>
             <a:pPr algn="ctr"/>
             <a:r>
-              <a:rPr lang="en-US" altLang="zh-CN" dirty="0">
+              <a:rPr lang="en-US" altLang="zh-CN" b="1">
                 <a:solidFill>
-                  <a:schemeClr val="tx1"/>
+                  <a:srgbClr val="FF0000"/>
                 </a:solidFill>
               </a:rPr>
-              <a:t>2</a:t>
-            </a:r>
-            <a:endParaRPr lang="zh-CN" altLang="en-US" dirty="0">
+              <a:t>VTextLine - 4</a:t>
+            </a:r>
+            <a:endParaRPr lang="zh-CN" altLang="en-US" b="1">
               <a:solidFill>
-                <a:schemeClr val="tx1"/>
+                <a:srgbClr val="FF0000"/>
               </a:solidFill>
             </a:endParaRPr>
           </a:p>
@@ -4612,7 +4764,7 @@
         </p:nvSpPr>
         <p:spPr>
           <a:xfrm>
-            <a:off x="7816871" y="2847089"/>
+            <a:off x="7808482" y="3350428"/>
             <a:ext cx="2566331" cy="285225"/>
           </a:xfrm>
           <a:prstGeom prst="rect">
@@ -4647,14 +4799,14 @@
           <a:p>
             <a:pPr algn="ctr"/>
             <a:r>
-              <a:rPr lang="en-US" altLang="zh-CN" dirty="0">
+              <a:rPr lang="en-US" altLang="zh-CN">
                 <a:solidFill>
                   <a:schemeClr val="tx1"/>
                 </a:solidFill>
               </a:rPr>
-              <a:t>3</a:t>
-            </a:r>
-            <a:endParaRPr lang="zh-CN" altLang="en-US" dirty="0">
+              <a:t>VTextLine – 5</a:t>
+            </a:r>
+            <a:endParaRPr lang="zh-CN" altLang="en-US">
               <a:solidFill>
                 <a:schemeClr val="tx1"/>
               </a:solidFill>
@@ -4676,7 +4828,7 @@
         </p:nvSpPr>
         <p:spPr>
           <a:xfrm>
-            <a:off x="7816871" y="3132313"/>
+            <a:off x="7808482" y="3635652"/>
             <a:ext cx="2566331" cy="285225"/>
           </a:xfrm>
           <a:prstGeom prst="rect">
@@ -4711,14 +4863,14 @@
           <a:p>
             <a:pPr algn="ctr"/>
             <a:r>
-              <a:rPr lang="en-US" altLang="zh-CN" dirty="0">
+              <a:rPr lang="en-US" altLang="zh-CN">
                 <a:solidFill>
                   <a:schemeClr val="tx1"/>
                 </a:solidFill>
               </a:rPr>
-              <a:t>4</a:t>
-            </a:r>
-            <a:endParaRPr lang="zh-CN" altLang="en-US" dirty="0">
+              <a:t>VTextLine - 6</a:t>
+            </a:r>
+            <a:endParaRPr lang="zh-CN" altLang="en-US">
               <a:solidFill>
                 <a:schemeClr val="tx1"/>
               </a:solidFill>
@@ -4740,7 +4892,7 @@
         </p:nvSpPr>
         <p:spPr>
           <a:xfrm>
-            <a:off x="7816871" y="3417538"/>
+            <a:off x="7808482" y="3920877"/>
             <a:ext cx="2566331" cy="285225"/>
           </a:xfrm>
           <a:prstGeom prst="rect">
@@ -4775,14 +4927,14 @@
           <a:p>
             <a:pPr algn="ctr"/>
             <a:r>
-              <a:rPr lang="en-US" altLang="zh-CN" dirty="0">
+              <a:rPr lang="en-US" altLang="zh-CN">
                 <a:solidFill>
                   <a:schemeClr val="tx1"/>
                 </a:solidFill>
               </a:rPr>
-              <a:t>5</a:t>
-            </a:r>
-            <a:endParaRPr lang="zh-CN" altLang="en-US" dirty="0">
+              <a:t>VTextLine - 7</a:t>
+            </a:r>
+            <a:endParaRPr lang="zh-CN" altLang="en-US">
               <a:solidFill>
                 <a:schemeClr val="tx1"/>
               </a:solidFill>
@@ -4804,7 +4956,7 @@
         </p:nvSpPr>
         <p:spPr>
           <a:xfrm>
-            <a:off x="7816871" y="3702762"/>
+            <a:off x="7808482" y="4206101"/>
             <a:ext cx="2566331" cy="285225"/>
           </a:xfrm>
           <a:prstGeom prst="rect">
@@ -4839,14 +4991,14 @@
           <a:p>
             <a:pPr algn="ctr"/>
             <a:r>
-              <a:rPr lang="en-US" altLang="zh-CN" dirty="0">
+              <a:rPr lang="en-US" altLang="zh-CN">
                 <a:solidFill>
                   <a:schemeClr val="tx1"/>
                 </a:solidFill>
               </a:rPr>
-              <a:t>6</a:t>
-            </a:r>
-            <a:endParaRPr lang="zh-CN" altLang="en-US" dirty="0">
+              <a:t>VTextLine - 8</a:t>
+            </a:r>
+            <a:endParaRPr lang="zh-CN" altLang="en-US">
               <a:solidFill>
                 <a:schemeClr val="tx1"/>
               </a:solidFill>
@@ -4868,7 +5020,7 @@
         </p:nvSpPr>
         <p:spPr>
           <a:xfrm>
-            <a:off x="7816871" y="3987987"/>
+            <a:off x="7808482" y="4491326"/>
             <a:ext cx="2566331" cy="285225"/>
           </a:xfrm>
           <a:prstGeom prst="rect">
@@ -4903,14 +5055,14 @@
           <a:p>
             <a:pPr algn="ctr"/>
             <a:r>
-              <a:rPr lang="en-US" altLang="zh-CN" dirty="0">
+              <a:rPr lang="en-US" altLang="zh-CN">
                 <a:solidFill>
                   <a:schemeClr val="tx1"/>
                 </a:solidFill>
               </a:rPr>
-              <a:t>7</a:t>
-            </a:r>
-            <a:endParaRPr lang="zh-CN" altLang="en-US" dirty="0">
+              <a:t>VTextLine - 9</a:t>
+            </a:r>
+            <a:endParaRPr lang="zh-CN" altLang="en-US">
               <a:solidFill>
                 <a:schemeClr val="tx1"/>
               </a:solidFill>
@@ -4932,7 +5084,7 @@
         </p:nvSpPr>
         <p:spPr>
           <a:xfrm>
-            <a:off x="7816871" y="4273211"/>
+            <a:off x="7808482" y="4776550"/>
             <a:ext cx="2566331" cy="285225"/>
           </a:xfrm>
           <a:prstGeom prst="rect">
@@ -4967,14 +5119,14 @@
           <a:p>
             <a:pPr algn="ctr"/>
             <a:r>
-              <a:rPr lang="en-US" altLang="zh-CN" dirty="0">
+              <a:rPr lang="en-US" altLang="zh-CN">
                 <a:solidFill>
                   <a:schemeClr val="tx1"/>
                 </a:solidFill>
               </a:rPr>
-              <a:t>8</a:t>
-            </a:r>
-            <a:endParaRPr lang="zh-CN" altLang="en-US" dirty="0">
+              <a:t>VTextLine - 10</a:t>
+            </a:r>
+            <a:endParaRPr lang="zh-CN" altLang="en-US">
               <a:solidFill>
                 <a:schemeClr val="tx1"/>
               </a:solidFill>
@@ -4996,7 +5148,7 @@
         </p:nvSpPr>
         <p:spPr>
           <a:xfrm>
-            <a:off x="7816871" y="4558436"/>
+            <a:off x="7808482" y="5061775"/>
             <a:ext cx="2566331" cy="285225"/>
           </a:xfrm>
           <a:prstGeom prst="rect">
@@ -5031,14 +5183,14 @@
           <a:p>
             <a:pPr algn="ctr"/>
             <a:r>
-              <a:rPr lang="en-US" altLang="zh-CN" dirty="0">
+              <a:rPr lang="en-US" altLang="zh-CN">
                 <a:solidFill>
                   <a:schemeClr val="tx1"/>
                 </a:solidFill>
               </a:rPr>
-              <a:t>9</a:t>
-            </a:r>
-            <a:endParaRPr lang="zh-CN" altLang="en-US" dirty="0">
+              <a:t>VTextLine - 11</a:t>
+            </a:r>
+            <a:endParaRPr lang="zh-CN" altLang="en-US">
               <a:solidFill>
                 <a:schemeClr val="tx1"/>
               </a:solidFill>
@@ -5060,7 +5212,7 @@
         </p:nvSpPr>
         <p:spPr>
           <a:xfrm>
-            <a:off x="7819291" y="2281806"/>
+            <a:off x="7810902" y="2785145"/>
             <a:ext cx="2566331" cy="285225"/>
           </a:xfrm>
           <a:prstGeom prst="rect">
@@ -5094,7 +5246,19 @@
           <a:lstStyle/>
           <a:p>
             <a:pPr algn="ctr"/>
-            <a:endParaRPr lang="zh-CN" altLang="en-US"/>
+            <a:r>
+              <a:rPr lang="en-US" altLang="zh-CN">
+                <a:solidFill>
+                  <a:schemeClr val="tx1"/>
+                </a:solidFill>
+              </a:rPr>
+              <a:t>VTextLine - 2</a:t>
+            </a:r>
+            <a:endParaRPr lang="zh-CN" altLang="en-US">
+              <a:solidFill>
+                <a:schemeClr val="tx1"/>
+              </a:solidFill>
+            </a:endParaRPr>
           </a:p>
         </p:txBody>
       </p:sp>
@@ -5112,7 +5276,7 @@
         </p:nvSpPr>
         <p:spPr>
           <a:xfrm>
-            <a:off x="7819291" y="1996581"/>
+            <a:off x="7810902" y="2499920"/>
             <a:ext cx="2566331" cy="285225"/>
           </a:xfrm>
           <a:prstGeom prst="rect">
@@ -5146,7 +5310,19 @@
           <a:lstStyle/>
           <a:p>
             <a:pPr algn="ctr"/>
-            <a:endParaRPr lang="zh-CN" altLang="en-US"/>
+            <a:r>
+              <a:rPr lang="en-US" altLang="zh-CN">
+                <a:solidFill>
+                  <a:schemeClr val="tx1"/>
+                </a:solidFill>
+              </a:rPr>
+              <a:t>VTextLine - 1</a:t>
+            </a:r>
+            <a:endParaRPr lang="zh-CN" altLang="en-US">
+              <a:solidFill>
+                <a:schemeClr val="tx1"/>
+              </a:solidFill>
+            </a:endParaRPr>
           </a:p>
         </p:txBody>
       </p:sp>
@@ -5164,7 +5340,7 @@
         </p:nvSpPr>
         <p:spPr>
           <a:xfrm>
-            <a:off x="7819291" y="5134052"/>
+            <a:off x="7810902" y="5637391"/>
             <a:ext cx="2566331" cy="285225"/>
           </a:xfrm>
           <a:prstGeom prst="rect">
@@ -5198,7 +5374,19 @@
           <a:lstStyle/>
           <a:p>
             <a:pPr algn="ctr"/>
-            <a:endParaRPr lang="zh-CN" altLang="en-US"/>
+            <a:r>
+              <a:rPr lang="en-US" altLang="zh-CN">
+                <a:solidFill>
+                  <a:schemeClr val="tx1"/>
+                </a:solidFill>
+              </a:rPr>
+              <a:t>VTextLine - 12</a:t>
+            </a:r>
+            <a:endParaRPr lang="zh-CN" altLang="en-US">
+              <a:solidFill>
+                <a:schemeClr val="tx1"/>
+              </a:solidFill>
+            </a:endParaRPr>
           </a:p>
         </p:txBody>
       </p:sp>
@@ -5216,7 +5404,7 @@
         </p:nvSpPr>
         <p:spPr>
           <a:xfrm>
-            <a:off x="7819291" y="5408942"/>
+            <a:off x="7810902" y="5912281"/>
             <a:ext cx="2566331" cy="285225"/>
           </a:xfrm>
           <a:prstGeom prst="rect">
@@ -5250,7 +5438,19 @@
           <a:lstStyle/>
           <a:p>
             <a:pPr algn="ctr"/>
-            <a:endParaRPr lang="zh-CN" altLang="en-US"/>
+            <a:r>
+              <a:rPr lang="en-US" altLang="zh-CN">
+                <a:solidFill>
+                  <a:schemeClr val="tx1"/>
+                </a:solidFill>
+              </a:rPr>
+              <a:t>VTextLine - 13</a:t>
+            </a:r>
+            <a:endParaRPr lang="zh-CN" altLang="en-US">
+              <a:solidFill>
+                <a:schemeClr val="tx1"/>
+              </a:solidFill>
+            </a:endParaRPr>
           </a:p>
         </p:txBody>
       </p:sp>
@@ -5268,7 +5468,7 @@
         </p:nvSpPr>
         <p:spPr>
           <a:xfrm>
-            <a:off x="10453435" y="2567031"/>
+            <a:off x="10445046" y="3070370"/>
             <a:ext cx="328268" cy="2567021"/>
           </a:xfrm>
           <a:prstGeom prst="rightBrace">
@@ -5323,7 +5523,7 @@
         </p:nvSpPr>
         <p:spPr>
           <a:xfrm>
-            <a:off x="10453435" y="1991065"/>
+            <a:off x="10445046" y="2494404"/>
             <a:ext cx="328268" cy="560813"/>
           </a:xfrm>
           <a:prstGeom prst="rightBrace">
@@ -5378,7 +5578,7 @@
         </p:nvSpPr>
         <p:spPr>
           <a:xfrm>
-            <a:off x="10453435" y="5149205"/>
+            <a:off x="10445046" y="5652544"/>
             <a:ext cx="328268" cy="560813"/>
           </a:xfrm>
           <a:prstGeom prst="rightBrace">
@@ -5433,7 +5633,7 @@
         </p:nvSpPr>
         <p:spPr>
           <a:xfrm>
-            <a:off x="10968885" y="2086588"/>
+            <a:off x="10960496" y="2589927"/>
             <a:ext cx="910827" cy="276999"/>
           </a:xfrm>
           <a:prstGeom prst="rect">
@@ -5448,10 +5648,10 @@
           <a:lstStyle/>
           <a:p>
             <a:r>
-              <a:rPr lang="en-US" altLang="zh-CN" sz="1200" dirty="0" err="1"/>
+              <a:rPr lang="en-US" altLang="zh-CN" sz="1200" err="1"/>
               <a:t>MarginTop</a:t>
             </a:r>
-            <a:endParaRPr lang="zh-CN" altLang="en-US" sz="1200" dirty="0"/>
+            <a:endParaRPr lang="zh-CN" altLang="en-US" sz="1200"/>
           </a:p>
         </p:txBody>
       </p:sp>
@@ -5469,7 +5669,7 @@
         </p:nvSpPr>
         <p:spPr>
           <a:xfrm>
-            <a:off x="10930387" y="5224276"/>
+            <a:off x="10921998" y="5727615"/>
             <a:ext cx="1146468" cy="276999"/>
           </a:xfrm>
           <a:prstGeom prst="rect">
@@ -5484,10 +5684,10 @@
           <a:lstStyle/>
           <a:p>
             <a:r>
-              <a:rPr lang="en-US" altLang="zh-CN" sz="1200" dirty="0" err="1"/>
+              <a:rPr lang="en-US" altLang="zh-CN" sz="1200" err="1"/>
               <a:t>MarginBottom</a:t>
             </a:r>
-            <a:endParaRPr lang="zh-CN" altLang="en-US" sz="1200" dirty="0"/>
+            <a:endParaRPr lang="zh-CN" altLang="en-US" sz="1200"/>
           </a:p>
         </p:txBody>
       </p:sp>
@@ -5505,7 +5705,7 @@
         </p:nvSpPr>
         <p:spPr>
           <a:xfrm>
-            <a:off x="4605556" y="3707930"/>
+            <a:off x="4597167" y="4211269"/>
             <a:ext cx="2566331" cy="45719"/>
           </a:xfrm>
           <a:prstGeom prst="rightArrow">
@@ -5557,7 +5757,7 @@
         </p:nvSpPr>
         <p:spPr>
           <a:xfrm>
-            <a:off x="5170165" y="3238039"/>
+            <a:off x="5161776" y="3741378"/>
             <a:ext cx="1253869" cy="369332"/>
           </a:xfrm>
           <a:prstGeom prst="rect">
@@ -5572,14 +5772,53 @@
           <a:lstStyle/>
           <a:p>
             <a:r>
-              <a:rPr lang="en-US" altLang="zh-CN" dirty="0" err="1"/>
+              <a:rPr lang="en-US" altLang="zh-CN" err="1"/>
               <a:t>LineFeed</a:t>
             </a:r>
             <a:r>
-              <a:rPr lang="en-US" altLang="zh-CN" dirty="0"/>
+              <a:rPr lang="en-US" altLang="zh-CN"/>
               <a:t> 1</a:t>
             </a:r>
-            <a:endParaRPr lang="zh-CN" altLang="en-US" dirty="0"/>
+            <a:endParaRPr lang="zh-CN" altLang="en-US"/>
+          </a:p>
+        </p:txBody>
+      </p:sp>
+      <p:sp>
+        <p:nvSpPr>
+          <p:cNvPr id="3" name="文本框 2">
+            <a:extLst>
+              <a:ext uri="{FF2B5EF4-FFF2-40B4-BE49-F238E27FC236}">
+                <a16:creationId xmlns:a16="http://schemas.microsoft.com/office/drawing/2014/main" id="{EF5D832E-4C80-4E1B-8A6A-49FB5BA16A18}"/>
+              </a:ext>
+            </a:extLst>
+          </p:cNvPr>
+          <p:cNvSpPr txBox="1"/>
+          <p:nvPr/>
+        </p:nvSpPr>
+        <p:spPr>
+          <a:xfrm>
+            <a:off x="876815" y="1568733"/>
+            <a:ext cx="8175636" cy="369332"/>
+          </a:xfrm>
+          <a:prstGeom prst="rect">
+            <a:avLst/>
+          </a:prstGeom>
+          <a:noFill/>
+        </p:spPr>
+        <p:txBody>
+          <a:bodyPr wrap="none" rtlCol="0">
+            <a:spAutoFit/>
+          </a:bodyPr>
+          <a:lstStyle/>
+          <a:p>
+            <a:r>
+              <a:rPr lang="en-US" altLang="zh-CN"/>
+              <a:t>VTDocument</a:t>
+            </a:r>
+            <a:r>
+              <a:rPr lang="zh-CN" altLang="en-US"/>
+              <a:t>是一个链表结构，其中一行就是链表里的一个节点。如下图所示：</a:t>
+            </a:r>
           </a:p>
         </p:txBody>
       </p:sp>

--- a/Documents/设计文档.pptx
+++ b/Documents/设计文档.pptx
@@ -7,6 +7,8 @@
   <p:sldIdLst>
     <p:sldId id="256" r:id="rId2"/>
     <p:sldId id="257" r:id="rId3"/>
+    <p:sldId id="259" r:id="rId4"/>
+    <p:sldId id="258" r:id="rId5"/>
   </p:sldIdLst>
   <p:sldSz cx="12192000" cy="6858000"/>
   <p:notesSz cx="6858000" cy="9144000"/>
@@ -260,7 +262,7 @@
           <a:p>
             <a:fld id="{9B0E3EAA-B7E2-4AD8-AC36-E88450B893C6}" type="datetimeFigureOut">
               <a:rPr lang="zh-CN" altLang="en-US" smtClean="0"/>
-              <a:t>2023/5/9</a:t>
+              <a:t>2023/6/27</a:t>
             </a:fld>
             <a:endParaRPr lang="zh-CN" altLang="en-US"/>
           </a:p>
@@ -458,7 +460,7 @@
           <a:p>
             <a:fld id="{9B0E3EAA-B7E2-4AD8-AC36-E88450B893C6}" type="datetimeFigureOut">
               <a:rPr lang="zh-CN" altLang="en-US" smtClean="0"/>
-              <a:t>2023/5/9</a:t>
+              <a:t>2023/6/27</a:t>
             </a:fld>
             <a:endParaRPr lang="zh-CN" altLang="en-US"/>
           </a:p>
@@ -666,7 +668,7 @@
           <a:p>
             <a:fld id="{9B0E3EAA-B7E2-4AD8-AC36-E88450B893C6}" type="datetimeFigureOut">
               <a:rPr lang="zh-CN" altLang="en-US" smtClean="0"/>
-              <a:t>2023/5/9</a:t>
+              <a:t>2023/6/27</a:t>
             </a:fld>
             <a:endParaRPr lang="zh-CN" altLang="en-US"/>
           </a:p>
@@ -864,7 +866,7 @@
           <a:p>
             <a:fld id="{9B0E3EAA-B7E2-4AD8-AC36-E88450B893C6}" type="datetimeFigureOut">
               <a:rPr lang="zh-CN" altLang="en-US" smtClean="0"/>
-              <a:t>2023/5/9</a:t>
+              <a:t>2023/6/27</a:t>
             </a:fld>
             <a:endParaRPr lang="zh-CN" altLang="en-US"/>
           </a:p>
@@ -1139,7 +1141,7 @@
           <a:p>
             <a:fld id="{9B0E3EAA-B7E2-4AD8-AC36-E88450B893C6}" type="datetimeFigureOut">
               <a:rPr lang="zh-CN" altLang="en-US" smtClean="0"/>
-              <a:t>2023/5/9</a:t>
+              <a:t>2023/6/27</a:t>
             </a:fld>
             <a:endParaRPr lang="zh-CN" altLang="en-US"/>
           </a:p>
@@ -1404,7 +1406,7 @@
           <a:p>
             <a:fld id="{9B0E3EAA-B7E2-4AD8-AC36-E88450B893C6}" type="datetimeFigureOut">
               <a:rPr lang="zh-CN" altLang="en-US" smtClean="0"/>
-              <a:t>2023/5/9</a:t>
+              <a:t>2023/6/27</a:t>
             </a:fld>
             <a:endParaRPr lang="zh-CN" altLang="en-US"/>
           </a:p>
@@ -1816,7 +1818,7 @@
           <a:p>
             <a:fld id="{9B0E3EAA-B7E2-4AD8-AC36-E88450B893C6}" type="datetimeFigureOut">
               <a:rPr lang="zh-CN" altLang="en-US" smtClean="0"/>
-              <a:t>2023/5/9</a:t>
+              <a:t>2023/6/27</a:t>
             </a:fld>
             <a:endParaRPr lang="zh-CN" altLang="en-US"/>
           </a:p>
@@ -1957,7 +1959,7 @@
           <a:p>
             <a:fld id="{9B0E3EAA-B7E2-4AD8-AC36-E88450B893C6}" type="datetimeFigureOut">
               <a:rPr lang="zh-CN" altLang="en-US" smtClean="0"/>
-              <a:t>2023/5/9</a:t>
+              <a:t>2023/6/27</a:t>
             </a:fld>
             <a:endParaRPr lang="zh-CN" altLang="en-US"/>
           </a:p>
@@ -2070,7 +2072,7 @@
           <a:p>
             <a:fld id="{9B0E3EAA-B7E2-4AD8-AC36-E88450B893C6}" type="datetimeFigureOut">
               <a:rPr lang="zh-CN" altLang="en-US" smtClean="0"/>
-              <a:t>2023/5/9</a:t>
+              <a:t>2023/6/27</a:t>
             </a:fld>
             <a:endParaRPr lang="zh-CN" altLang="en-US"/>
           </a:p>
@@ -2381,7 +2383,7 @@
           <a:p>
             <a:fld id="{9B0E3EAA-B7E2-4AD8-AC36-E88450B893C6}" type="datetimeFigureOut">
               <a:rPr lang="zh-CN" altLang="en-US" smtClean="0"/>
-              <a:t>2023/5/9</a:t>
+              <a:t>2023/6/27</a:t>
             </a:fld>
             <a:endParaRPr lang="zh-CN" altLang="en-US"/>
           </a:p>
@@ -2669,7 +2671,7 @@
           <a:p>
             <a:fld id="{9B0E3EAA-B7E2-4AD8-AC36-E88450B893C6}" type="datetimeFigureOut">
               <a:rPr lang="zh-CN" altLang="en-US" smtClean="0"/>
-              <a:t>2023/5/9</a:t>
+              <a:t>2023/6/27</a:t>
             </a:fld>
             <a:endParaRPr lang="zh-CN" altLang="en-US"/>
           </a:p>
@@ -2910,7 +2912,7 @@
           <a:p>
             <a:fld id="{9B0E3EAA-B7E2-4AD8-AC36-E88450B893C6}" type="datetimeFigureOut">
               <a:rPr lang="zh-CN" altLang="en-US" smtClean="0"/>
-              <a:t>2023/5/9</a:t>
+              <a:t>2023/6/27</a:t>
             </a:fld>
             <a:endParaRPr lang="zh-CN" altLang="en-US"/>
           </a:p>
@@ -3463,7 +3465,7 @@
         </p:nvSpPr>
         <p:spPr>
           <a:xfrm>
-            <a:off x="972025" y="3070370"/>
+            <a:off x="1081082" y="2639323"/>
             <a:ext cx="2566331" cy="285225"/>
           </a:xfrm>
           <a:prstGeom prst="rect">
@@ -3535,7 +3537,7 @@
         </p:nvSpPr>
         <p:spPr>
           <a:xfrm>
-            <a:off x="972025" y="3355595"/>
+            <a:off x="1081082" y="2924548"/>
             <a:ext cx="2566331" cy="285225"/>
           </a:xfrm>
           <a:prstGeom prst="rect">
@@ -3607,7 +3609,7 @@
         </p:nvSpPr>
         <p:spPr>
           <a:xfrm>
-            <a:off x="972025" y="3640820"/>
+            <a:off x="1081082" y="3209773"/>
             <a:ext cx="2566331" cy="285225"/>
           </a:xfrm>
           <a:prstGeom prst="rect">
@@ -3679,7 +3681,7 @@
         </p:nvSpPr>
         <p:spPr>
           <a:xfrm>
-            <a:off x="972025" y="3926044"/>
+            <a:off x="1081082" y="3494997"/>
             <a:ext cx="2566331" cy="285225"/>
           </a:xfrm>
           <a:prstGeom prst="rect">
@@ -3751,7 +3753,7 @@
         </p:nvSpPr>
         <p:spPr>
           <a:xfrm>
-            <a:off x="972025" y="4211269"/>
+            <a:off x="1081082" y="3780222"/>
             <a:ext cx="2566331" cy="285225"/>
           </a:xfrm>
           <a:prstGeom prst="rect">
@@ -3823,7 +3825,7 @@
         </p:nvSpPr>
         <p:spPr>
           <a:xfrm>
-            <a:off x="972025" y="4496493"/>
+            <a:off x="1081082" y="4065446"/>
             <a:ext cx="2566331" cy="285225"/>
           </a:xfrm>
           <a:prstGeom prst="rect">
@@ -3895,7 +3897,7 @@
         </p:nvSpPr>
         <p:spPr>
           <a:xfrm>
-            <a:off x="972025" y="4781718"/>
+            <a:off x="1081082" y="4350671"/>
             <a:ext cx="2566331" cy="285225"/>
           </a:xfrm>
           <a:prstGeom prst="rect">
@@ -3967,7 +3969,7 @@
         </p:nvSpPr>
         <p:spPr>
           <a:xfrm>
-            <a:off x="972025" y="5066942"/>
+            <a:off x="1081082" y="4635895"/>
             <a:ext cx="2566331" cy="285225"/>
           </a:xfrm>
           <a:prstGeom prst="rect">
@@ -4039,7 +4041,7 @@
         </p:nvSpPr>
         <p:spPr>
           <a:xfrm>
-            <a:off x="972025" y="5352167"/>
+            <a:off x="1081082" y="4921120"/>
             <a:ext cx="2566331" cy="285225"/>
           </a:xfrm>
           <a:prstGeom prst="rect">
@@ -4111,7 +4113,7 @@
         </p:nvSpPr>
         <p:spPr>
           <a:xfrm>
-            <a:off x="972025" y="2785145"/>
+            <a:off x="1081082" y="2354098"/>
             <a:ext cx="2566331" cy="285225"/>
           </a:xfrm>
           <a:prstGeom prst="rect">
@@ -4183,7 +4185,7 @@
         </p:nvSpPr>
         <p:spPr>
           <a:xfrm>
-            <a:off x="972025" y="2499920"/>
+            <a:off x="1081082" y="2068873"/>
             <a:ext cx="2566331" cy="285225"/>
           </a:xfrm>
           <a:prstGeom prst="rect">
@@ -4255,7 +4257,7 @@
         </p:nvSpPr>
         <p:spPr>
           <a:xfrm>
-            <a:off x="972025" y="5637391"/>
+            <a:off x="1081082" y="5206344"/>
             <a:ext cx="2566331" cy="285225"/>
           </a:xfrm>
           <a:prstGeom prst="rect">
@@ -4327,7 +4329,7 @@
         </p:nvSpPr>
         <p:spPr>
           <a:xfrm>
-            <a:off x="972025" y="5912281"/>
+            <a:off x="1081082" y="5481234"/>
             <a:ext cx="2566331" cy="285225"/>
           </a:xfrm>
           <a:prstGeom prst="rect">
@@ -4387,10 +4389,157 @@
       </p:sp>
       <p:sp>
         <p:nvSpPr>
-          <p:cNvPr id="17" name="右大括号 16">
-            <a:extLst>
-              <a:ext uri="{FF2B5EF4-FFF2-40B4-BE49-F238E27FC236}">
-                <a16:creationId xmlns:a16="http://schemas.microsoft.com/office/drawing/2014/main" id="{13401BDB-C0BC-447B-AAB3-6FE07881891A}"/>
+          <p:cNvPr id="3" name="文本框 2">
+            <a:extLst>
+              <a:ext uri="{FF2B5EF4-FFF2-40B4-BE49-F238E27FC236}">
+                <a16:creationId xmlns:a16="http://schemas.microsoft.com/office/drawing/2014/main" id="{EF5D832E-4C80-4E1B-8A6A-49FB5BA16A18}"/>
+              </a:ext>
+            </a:extLst>
+          </p:cNvPr>
+          <p:cNvSpPr txBox="1"/>
+          <p:nvPr/>
+        </p:nvSpPr>
+        <p:spPr>
+          <a:xfrm>
+            <a:off x="876815" y="1376766"/>
+            <a:ext cx="8175636" cy="369332"/>
+          </a:xfrm>
+          <a:prstGeom prst="rect">
+            <a:avLst/>
+          </a:prstGeom>
+          <a:noFill/>
+        </p:spPr>
+        <p:txBody>
+          <a:bodyPr wrap="none" rtlCol="0">
+            <a:spAutoFit/>
+          </a:bodyPr>
+          <a:lstStyle/>
+          <a:p>
+            <a:r>
+              <a:rPr lang="en-US" altLang="zh-CN"/>
+              <a:t>VTDocument</a:t>
+            </a:r>
+            <a:r>
+              <a:rPr lang="zh-CN" altLang="en-US"/>
+              <a:t>是一个链表结构，其中一行就是链表里的一个节点。如下图所示：</a:t>
+            </a:r>
+          </a:p>
+        </p:txBody>
+      </p:sp>
+      <p:sp>
+        <p:nvSpPr>
+          <p:cNvPr id="48" name="文本框 47">
+            <a:extLst>
+              <a:ext uri="{FF2B5EF4-FFF2-40B4-BE49-F238E27FC236}">
+                <a16:creationId xmlns:a16="http://schemas.microsoft.com/office/drawing/2014/main" id="{3C2D22A9-42AF-4B06-9AD3-6F4AAE14CC5D}"/>
+              </a:ext>
+            </a:extLst>
+          </p:cNvPr>
+          <p:cNvSpPr txBox="1"/>
+          <p:nvPr/>
+        </p:nvSpPr>
+        <p:spPr>
+          <a:xfrm>
+            <a:off x="4016364" y="2383654"/>
+            <a:ext cx="7375737" cy="369332"/>
+          </a:xfrm>
+          <a:prstGeom prst="rect">
+            <a:avLst/>
+          </a:prstGeom>
+          <a:noFill/>
+        </p:spPr>
+        <p:txBody>
+          <a:bodyPr wrap="none" rtlCol="0">
+            <a:spAutoFit/>
+          </a:bodyPr>
+          <a:lstStyle/>
+          <a:p>
+            <a:r>
+              <a:rPr lang="zh-CN" altLang="en-US"/>
+              <a:t>每个</a:t>
+            </a:r>
+            <a:r>
+              <a:rPr lang="en-US" altLang="zh-CN"/>
+              <a:t>VTextLine</a:t>
+            </a:r>
+            <a:r>
+              <a:rPr lang="zh-CN" altLang="en-US"/>
+              <a:t>表示一个行对象，用来存储该行要显示的字符数据和样式</a:t>
+            </a:r>
+            <a:endParaRPr lang="en-US" altLang="zh-CN"/>
+          </a:p>
+        </p:txBody>
+      </p:sp>
+    </p:spTree>
+    <p:extLst>
+      <p:ext uri="{BB962C8B-B14F-4D97-AF65-F5344CB8AC3E}">
+        <p14:creationId xmlns:p14="http://schemas.microsoft.com/office/powerpoint/2010/main" val="3123254510"/>
+      </p:ext>
+    </p:extLst>
+  </p:cSld>
+  <p:clrMapOvr>
+    <a:masterClrMapping/>
+  </p:clrMapOvr>
+</p:sld>
+</file>
+
+<file path=ppt/slides/slide3.xml><?xml version="1.0" encoding="utf-8"?>
+<p:sld xmlns:a="http://schemas.openxmlformats.org/drawingml/2006/main" xmlns:r="http://schemas.openxmlformats.org/officeDocument/2006/relationships" xmlns:p="http://schemas.openxmlformats.org/presentationml/2006/main">
+  <p:cSld>
+    <p:spTree>
+      <p:nvGrpSpPr>
+        <p:cNvPr id="1" name=""/>
+        <p:cNvGrpSpPr/>
+        <p:nvPr/>
+      </p:nvGrpSpPr>
+      <p:grpSpPr>
+        <a:xfrm>
+          <a:off x="0" y="0"/>
+          <a:ext cx="0" cy="0"/>
+          <a:chOff x="0" y="0"/>
+          <a:chExt cx="0" cy="0"/>
+        </a:xfrm>
+      </p:grpSpPr>
+      <p:sp>
+        <p:nvSpPr>
+          <p:cNvPr id="4" name="标题 1">
+            <a:extLst>
+              <a:ext uri="{FF2B5EF4-FFF2-40B4-BE49-F238E27FC236}">
+                <a16:creationId xmlns:a16="http://schemas.microsoft.com/office/drawing/2014/main" id="{336B2E42-59C8-44D1-8453-C16EF9D50CEE}"/>
+              </a:ext>
+            </a:extLst>
+          </p:cNvPr>
+          <p:cNvSpPr>
+            <a:spLocks noGrp="1"/>
+          </p:cNvSpPr>
+          <p:nvPr>
+            <p:ph type="title"/>
+          </p:nvPr>
+        </p:nvSpPr>
+        <p:spPr>
+          <a:xfrm>
+            <a:off x="838200" y="150849"/>
+            <a:ext cx="10515600" cy="1325563"/>
+          </a:xfrm>
+        </p:spPr>
+        <p:txBody>
+          <a:bodyPr/>
+          <a:lstStyle/>
+          <a:p>
+            <a:r>
+              <a:rPr lang="en-US" altLang="zh-CN"/>
+              <a:t>VTDocument Margin</a:t>
+            </a:r>
+            <a:endParaRPr lang="zh-CN" altLang="en-US"/>
+          </a:p>
+        </p:txBody>
+      </p:sp>
+      <p:sp>
+        <p:nvSpPr>
+          <p:cNvPr id="5" name="矩形 4">
+            <a:extLst>
+              <a:ext uri="{FF2B5EF4-FFF2-40B4-BE49-F238E27FC236}">
+                <a16:creationId xmlns:a16="http://schemas.microsoft.com/office/drawing/2014/main" id="{1677C897-8CAC-40B2-9466-DDDC4D6A4B51}"/>
               </a:ext>
             </a:extLst>
           </p:cNvPr>
@@ -4399,7 +4548,1021 @@
         </p:nvSpPr>
         <p:spPr>
           <a:xfrm>
-            <a:off x="3606169" y="3070370"/>
+            <a:off x="1138232" y="2991748"/>
+            <a:ext cx="2566331" cy="285225"/>
+          </a:xfrm>
+          <a:prstGeom prst="rect">
+            <a:avLst/>
+          </a:prstGeom>
+          <a:solidFill>
+            <a:schemeClr val="accent1">
+              <a:lumMod val="40000"/>
+              <a:lumOff val="60000"/>
+            </a:schemeClr>
+          </a:solidFill>
+        </p:spPr>
+        <p:style>
+          <a:lnRef idx="2">
+            <a:schemeClr val="accent1">
+              <a:shade val="50000"/>
+            </a:schemeClr>
+          </a:lnRef>
+          <a:fillRef idx="1">
+            <a:schemeClr val="accent1"/>
+          </a:fillRef>
+          <a:effectRef idx="0">
+            <a:schemeClr val="accent1"/>
+          </a:effectRef>
+          <a:fontRef idx="minor">
+            <a:schemeClr val="lt1"/>
+          </a:fontRef>
+        </p:style>
+        <p:txBody>
+          <a:bodyPr rtlCol="0" anchor="ctr"/>
+          <a:lstStyle/>
+          <a:p>
+            <a:pPr algn="ctr"/>
+            <a:r>
+              <a:rPr lang="en-US" altLang="zh-CN" err="1">
+                <a:solidFill>
+                  <a:schemeClr val="tx1"/>
+                </a:solidFill>
+              </a:rPr>
+              <a:t>VTextLine</a:t>
+            </a:r>
+            <a:r>
+              <a:rPr lang="en-US" altLang="zh-CN">
+                <a:solidFill>
+                  <a:schemeClr val="tx1"/>
+                </a:solidFill>
+              </a:rPr>
+              <a:t> - 3</a:t>
+            </a:r>
+            <a:endParaRPr lang="zh-CN" altLang="en-US">
+              <a:solidFill>
+                <a:schemeClr val="tx1"/>
+              </a:solidFill>
+            </a:endParaRPr>
+          </a:p>
+        </p:txBody>
+      </p:sp>
+      <p:sp>
+        <p:nvSpPr>
+          <p:cNvPr id="6" name="矩形 5">
+            <a:extLst>
+              <a:ext uri="{FF2B5EF4-FFF2-40B4-BE49-F238E27FC236}">
+                <a16:creationId xmlns:a16="http://schemas.microsoft.com/office/drawing/2014/main" id="{874A1423-9512-45C3-B2B7-D83A7D98ECEC}"/>
+              </a:ext>
+            </a:extLst>
+          </p:cNvPr>
+          <p:cNvSpPr/>
+          <p:nvPr/>
+        </p:nvSpPr>
+        <p:spPr>
+          <a:xfrm>
+            <a:off x="1138232" y="3276973"/>
+            <a:ext cx="2566331" cy="285225"/>
+          </a:xfrm>
+          <a:prstGeom prst="rect">
+            <a:avLst/>
+          </a:prstGeom>
+          <a:solidFill>
+            <a:schemeClr val="accent1">
+              <a:lumMod val="40000"/>
+              <a:lumOff val="60000"/>
+            </a:schemeClr>
+          </a:solidFill>
+        </p:spPr>
+        <p:style>
+          <a:lnRef idx="2">
+            <a:schemeClr val="accent1">
+              <a:shade val="50000"/>
+            </a:schemeClr>
+          </a:lnRef>
+          <a:fillRef idx="1">
+            <a:schemeClr val="accent1"/>
+          </a:fillRef>
+          <a:effectRef idx="0">
+            <a:schemeClr val="accent1"/>
+          </a:effectRef>
+          <a:fontRef idx="minor">
+            <a:schemeClr val="lt1"/>
+          </a:fontRef>
+        </p:style>
+        <p:txBody>
+          <a:bodyPr rtlCol="0" anchor="ctr"/>
+          <a:lstStyle/>
+          <a:p>
+            <a:pPr algn="ctr"/>
+            <a:r>
+              <a:rPr lang="en-US" altLang="zh-CN" err="1">
+                <a:solidFill>
+                  <a:schemeClr val="tx1"/>
+                </a:solidFill>
+              </a:rPr>
+              <a:t>VTextLine</a:t>
+            </a:r>
+            <a:r>
+              <a:rPr lang="en-US" altLang="zh-CN">
+                <a:solidFill>
+                  <a:schemeClr val="tx1"/>
+                </a:solidFill>
+              </a:rPr>
+              <a:t> - 4</a:t>
+            </a:r>
+            <a:endParaRPr lang="zh-CN" altLang="en-US">
+              <a:solidFill>
+                <a:schemeClr val="tx1"/>
+              </a:solidFill>
+            </a:endParaRPr>
+          </a:p>
+        </p:txBody>
+      </p:sp>
+      <p:sp>
+        <p:nvSpPr>
+          <p:cNvPr id="7" name="矩形 6">
+            <a:extLst>
+              <a:ext uri="{FF2B5EF4-FFF2-40B4-BE49-F238E27FC236}">
+                <a16:creationId xmlns:a16="http://schemas.microsoft.com/office/drawing/2014/main" id="{9CA35F9D-2253-464B-B3E7-02EB62138976}"/>
+              </a:ext>
+            </a:extLst>
+          </p:cNvPr>
+          <p:cNvSpPr/>
+          <p:nvPr/>
+        </p:nvSpPr>
+        <p:spPr>
+          <a:xfrm>
+            <a:off x="1138232" y="3562198"/>
+            <a:ext cx="2566331" cy="285225"/>
+          </a:xfrm>
+          <a:prstGeom prst="rect">
+            <a:avLst/>
+          </a:prstGeom>
+          <a:solidFill>
+            <a:schemeClr val="accent1">
+              <a:lumMod val="40000"/>
+              <a:lumOff val="60000"/>
+            </a:schemeClr>
+          </a:solidFill>
+        </p:spPr>
+        <p:style>
+          <a:lnRef idx="2">
+            <a:schemeClr val="accent1">
+              <a:shade val="50000"/>
+            </a:schemeClr>
+          </a:lnRef>
+          <a:fillRef idx="1">
+            <a:schemeClr val="accent1"/>
+          </a:fillRef>
+          <a:effectRef idx="0">
+            <a:schemeClr val="accent1"/>
+          </a:effectRef>
+          <a:fontRef idx="minor">
+            <a:schemeClr val="lt1"/>
+          </a:fontRef>
+        </p:style>
+        <p:txBody>
+          <a:bodyPr rtlCol="0" anchor="ctr"/>
+          <a:lstStyle/>
+          <a:p>
+            <a:pPr algn="ctr"/>
+            <a:r>
+              <a:rPr lang="en-US" altLang="zh-CN" err="1">
+                <a:solidFill>
+                  <a:schemeClr val="tx1"/>
+                </a:solidFill>
+              </a:rPr>
+              <a:t>VTextLine</a:t>
+            </a:r>
+            <a:r>
+              <a:rPr lang="en-US" altLang="zh-CN">
+                <a:solidFill>
+                  <a:schemeClr val="tx1"/>
+                </a:solidFill>
+              </a:rPr>
+              <a:t> - 5</a:t>
+            </a:r>
+            <a:endParaRPr lang="zh-CN" altLang="en-US">
+              <a:solidFill>
+                <a:schemeClr val="tx1"/>
+              </a:solidFill>
+            </a:endParaRPr>
+          </a:p>
+        </p:txBody>
+      </p:sp>
+      <p:sp>
+        <p:nvSpPr>
+          <p:cNvPr id="8" name="矩形 7">
+            <a:extLst>
+              <a:ext uri="{FF2B5EF4-FFF2-40B4-BE49-F238E27FC236}">
+                <a16:creationId xmlns:a16="http://schemas.microsoft.com/office/drawing/2014/main" id="{7C4B3430-E471-4C40-AEB9-BC6A4B0BE0EE}"/>
+              </a:ext>
+            </a:extLst>
+          </p:cNvPr>
+          <p:cNvSpPr/>
+          <p:nvPr/>
+        </p:nvSpPr>
+        <p:spPr>
+          <a:xfrm>
+            <a:off x="1138232" y="3847422"/>
+            <a:ext cx="2566331" cy="285225"/>
+          </a:xfrm>
+          <a:prstGeom prst="rect">
+            <a:avLst/>
+          </a:prstGeom>
+          <a:solidFill>
+            <a:schemeClr val="accent1">
+              <a:lumMod val="40000"/>
+              <a:lumOff val="60000"/>
+            </a:schemeClr>
+          </a:solidFill>
+        </p:spPr>
+        <p:style>
+          <a:lnRef idx="2">
+            <a:schemeClr val="accent1">
+              <a:shade val="50000"/>
+            </a:schemeClr>
+          </a:lnRef>
+          <a:fillRef idx="1">
+            <a:schemeClr val="accent1"/>
+          </a:fillRef>
+          <a:effectRef idx="0">
+            <a:schemeClr val="accent1"/>
+          </a:effectRef>
+          <a:fontRef idx="minor">
+            <a:schemeClr val="lt1"/>
+          </a:fontRef>
+        </p:style>
+        <p:txBody>
+          <a:bodyPr rtlCol="0" anchor="ctr"/>
+          <a:lstStyle/>
+          <a:p>
+            <a:pPr algn="ctr"/>
+            <a:r>
+              <a:rPr lang="en-US" altLang="zh-CN" err="1">
+                <a:solidFill>
+                  <a:schemeClr val="tx1"/>
+                </a:solidFill>
+              </a:rPr>
+              <a:t>VTextLine</a:t>
+            </a:r>
+            <a:r>
+              <a:rPr lang="en-US" altLang="zh-CN">
+                <a:solidFill>
+                  <a:schemeClr val="tx1"/>
+                </a:solidFill>
+              </a:rPr>
+              <a:t> - 6</a:t>
+            </a:r>
+            <a:endParaRPr lang="zh-CN" altLang="en-US">
+              <a:solidFill>
+                <a:schemeClr val="tx1"/>
+              </a:solidFill>
+            </a:endParaRPr>
+          </a:p>
+        </p:txBody>
+      </p:sp>
+      <p:sp>
+        <p:nvSpPr>
+          <p:cNvPr id="9" name="矩形 8">
+            <a:extLst>
+              <a:ext uri="{FF2B5EF4-FFF2-40B4-BE49-F238E27FC236}">
+                <a16:creationId xmlns:a16="http://schemas.microsoft.com/office/drawing/2014/main" id="{B204E7DE-2878-48A3-84A9-770818722994}"/>
+              </a:ext>
+            </a:extLst>
+          </p:cNvPr>
+          <p:cNvSpPr/>
+          <p:nvPr/>
+        </p:nvSpPr>
+        <p:spPr>
+          <a:xfrm>
+            <a:off x="1138232" y="4132647"/>
+            <a:ext cx="2566331" cy="285225"/>
+          </a:xfrm>
+          <a:prstGeom prst="rect">
+            <a:avLst/>
+          </a:prstGeom>
+          <a:solidFill>
+            <a:schemeClr val="accent1">
+              <a:lumMod val="40000"/>
+              <a:lumOff val="60000"/>
+            </a:schemeClr>
+          </a:solidFill>
+        </p:spPr>
+        <p:style>
+          <a:lnRef idx="2">
+            <a:schemeClr val="accent1">
+              <a:shade val="50000"/>
+            </a:schemeClr>
+          </a:lnRef>
+          <a:fillRef idx="1">
+            <a:schemeClr val="accent1"/>
+          </a:fillRef>
+          <a:effectRef idx="0">
+            <a:schemeClr val="accent1"/>
+          </a:effectRef>
+          <a:fontRef idx="minor">
+            <a:schemeClr val="lt1"/>
+          </a:fontRef>
+        </p:style>
+        <p:txBody>
+          <a:bodyPr rtlCol="0" anchor="ctr"/>
+          <a:lstStyle/>
+          <a:p>
+            <a:pPr algn="ctr"/>
+            <a:r>
+              <a:rPr lang="en-US" altLang="zh-CN" err="1">
+                <a:solidFill>
+                  <a:schemeClr val="tx1"/>
+                </a:solidFill>
+              </a:rPr>
+              <a:t>VTextLine</a:t>
+            </a:r>
+            <a:r>
+              <a:rPr lang="en-US" altLang="zh-CN">
+                <a:solidFill>
+                  <a:schemeClr val="tx1"/>
+                </a:solidFill>
+              </a:rPr>
+              <a:t> - 7</a:t>
+            </a:r>
+            <a:endParaRPr lang="zh-CN" altLang="en-US">
+              <a:solidFill>
+                <a:schemeClr val="tx1"/>
+              </a:solidFill>
+            </a:endParaRPr>
+          </a:p>
+        </p:txBody>
+      </p:sp>
+      <p:sp>
+        <p:nvSpPr>
+          <p:cNvPr id="10" name="矩形 9">
+            <a:extLst>
+              <a:ext uri="{FF2B5EF4-FFF2-40B4-BE49-F238E27FC236}">
+                <a16:creationId xmlns:a16="http://schemas.microsoft.com/office/drawing/2014/main" id="{09FA5C70-3A9B-4E6D-8153-46BAC69FADEF}"/>
+              </a:ext>
+            </a:extLst>
+          </p:cNvPr>
+          <p:cNvSpPr/>
+          <p:nvPr/>
+        </p:nvSpPr>
+        <p:spPr>
+          <a:xfrm>
+            <a:off x="1138232" y="4417871"/>
+            <a:ext cx="2566331" cy="285225"/>
+          </a:xfrm>
+          <a:prstGeom prst="rect">
+            <a:avLst/>
+          </a:prstGeom>
+          <a:solidFill>
+            <a:schemeClr val="accent1">
+              <a:lumMod val="40000"/>
+              <a:lumOff val="60000"/>
+            </a:schemeClr>
+          </a:solidFill>
+        </p:spPr>
+        <p:style>
+          <a:lnRef idx="2">
+            <a:schemeClr val="accent1">
+              <a:shade val="50000"/>
+            </a:schemeClr>
+          </a:lnRef>
+          <a:fillRef idx="1">
+            <a:schemeClr val="accent1"/>
+          </a:fillRef>
+          <a:effectRef idx="0">
+            <a:schemeClr val="accent1"/>
+          </a:effectRef>
+          <a:fontRef idx="minor">
+            <a:schemeClr val="lt1"/>
+          </a:fontRef>
+        </p:style>
+        <p:txBody>
+          <a:bodyPr rtlCol="0" anchor="ctr"/>
+          <a:lstStyle/>
+          <a:p>
+            <a:pPr algn="ctr"/>
+            <a:r>
+              <a:rPr lang="en-US" altLang="zh-CN" err="1">
+                <a:solidFill>
+                  <a:schemeClr val="tx1"/>
+                </a:solidFill>
+              </a:rPr>
+              <a:t>VTextLine</a:t>
+            </a:r>
+            <a:r>
+              <a:rPr lang="en-US" altLang="zh-CN">
+                <a:solidFill>
+                  <a:schemeClr val="tx1"/>
+                </a:solidFill>
+              </a:rPr>
+              <a:t> - 8</a:t>
+            </a:r>
+            <a:endParaRPr lang="zh-CN" altLang="en-US">
+              <a:solidFill>
+                <a:schemeClr val="tx1"/>
+              </a:solidFill>
+            </a:endParaRPr>
+          </a:p>
+        </p:txBody>
+      </p:sp>
+      <p:sp>
+        <p:nvSpPr>
+          <p:cNvPr id="11" name="矩形 10">
+            <a:extLst>
+              <a:ext uri="{FF2B5EF4-FFF2-40B4-BE49-F238E27FC236}">
+                <a16:creationId xmlns:a16="http://schemas.microsoft.com/office/drawing/2014/main" id="{6DB4A30A-47F2-40B8-BBCC-6F219546D534}"/>
+              </a:ext>
+            </a:extLst>
+          </p:cNvPr>
+          <p:cNvSpPr/>
+          <p:nvPr/>
+        </p:nvSpPr>
+        <p:spPr>
+          <a:xfrm>
+            <a:off x="1138232" y="4703096"/>
+            <a:ext cx="2566331" cy="285225"/>
+          </a:xfrm>
+          <a:prstGeom prst="rect">
+            <a:avLst/>
+          </a:prstGeom>
+          <a:solidFill>
+            <a:schemeClr val="accent1">
+              <a:lumMod val="40000"/>
+              <a:lumOff val="60000"/>
+            </a:schemeClr>
+          </a:solidFill>
+        </p:spPr>
+        <p:style>
+          <a:lnRef idx="2">
+            <a:schemeClr val="accent1">
+              <a:shade val="50000"/>
+            </a:schemeClr>
+          </a:lnRef>
+          <a:fillRef idx="1">
+            <a:schemeClr val="accent1"/>
+          </a:fillRef>
+          <a:effectRef idx="0">
+            <a:schemeClr val="accent1"/>
+          </a:effectRef>
+          <a:fontRef idx="minor">
+            <a:schemeClr val="lt1"/>
+          </a:fontRef>
+        </p:style>
+        <p:txBody>
+          <a:bodyPr rtlCol="0" anchor="ctr"/>
+          <a:lstStyle/>
+          <a:p>
+            <a:pPr algn="ctr"/>
+            <a:r>
+              <a:rPr lang="en-US" altLang="zh-CN" err="1">
+                <a:solidFill>
+                  <a:schemeClr val="tx1"/>
+                </a:solidFill>
+              </a:rPr>
+              <a:t>VTextLine</a:t>
+            </a:r>
+            <a:r>
+              <a:rPr lang="en-US" altLang="zh-CN">
+                <a:solidFill>
+                  <a:schemeClr val="tx1"/>
+                </a:solidFill>
+              </a:rPr>
+              <a:t> - 9</a:t>
+            </a:r>
+            <a:endParaRPr lang="zh-CN" altLang="en-US">
+              <a:solidFill>
+                <a:schemeClr val="tx1"/>
+              </a:solidFill>
+            </a:endParaRPr>
+          </a:p>
+        </p:txBody>
+      </p:sp>
+      <p:sp>
+        <p:nvSpPr>
+          <p:cNvPr id="12" name="矩形 11">
+            <a:extLst>
+              <a:ext uri="{FF2B5EF4-FFF2-40B4-BE49-F238E27FC236}">
+                <a16:creationId xmlns:a16="http://schemas.microsoft.com/office/drawing/2014/main" id="{78F63940-3999-40B0-ACD5-453E1747BA00}"/>
+              </a:ext>
+            </a:extLst>
+          </p:cNvPr>
+          <p:cNvSpPr/>
+          <p:nvPr/>
+        </p:nvSpPr>
+        <p:spPr>
+          <a:xfrm>
+            <a:off x="1138232" y="4988320"/>
+            <a:ext cx="2566331" cy="285225"/>
+          </a:xfrm>
+          <a:prstGeom prst="rect">
+            <a:avLst/>
+          </a:prstGeom>
+          <a:solidFill>
+            <a:schemeClr val="accent1">
+              <a:lumMod val="40000"/>
+              <a:lumOff val="60000"/>
+            </a:schemeClr>
+          </a:solidFill>
+        </p:spPr>
+        <p:style>
+          <a:lnRef idx="2">
+            <a:schemeClr val="accent1">
+              <a:shade val="50000"/>
+            </a:schemeClr>
+          </a:lnRef>
+          <a:fillRef idx="1">
+            <a:schemeClr val="accent1"/>
+          </a:fillRef>
+          <a:effectRef idx="0">
+            <a:schemeClr val="accent1"/>
+          </a:effectRef>
+          <a:fontRef idx="minor">
+            <a:schemeClr val="lt1"/>
+          </a:fontRef>
+        </p:style>
+        <p:txBody>
+          <a:bodyPr rtlCol="0" anchor="ctr"/>
+          <a:lstStyle/>
+          <a:p>
+            <a:pPr algn="ctr"/>
+            <a:r>
+              <a:rPr lang="en-US" altLang="zh-CN" err="1">
+                <a:solidFill>
+                  <a:schemeClr val="tx1"/>
+                </a:solidFill>
+              </a:rPr>
+              <a:t>VTextLine</a:t>
+            </a:r>
+            <a:r>
+              <a:rPr lang="en-US" altLang="zh-CN">
+                <a:solidFill>
+                  <a:schemeClr val="tx1"/>
+                </a:solidFill>
+              </a:rPr>
+              <a:t> - 10</a:t>
+            </a:r>
+            <a:endParaRPr lang="zh-CN" altLang="en-US">
+              <a:solidFill>
+                <a:schemeClr val="tx1"/>
+              </a:solidFill>
+            </a:endParaRPr>
+          </a:p>
+        </p:txBody>
+      </p:sp>
+      <p:sp>
+        <p:nvSpPr>
+          <p:cNvPr id="13" name="矩形 12">
+            <a:extLst>
+              <a:ext uri="{FF2B5EF4-FFF2-40B4-BE49-F238E27FC236}">
+                <a16:creationId xmlns:a16="http://schemas.microsoft.com/office/drawing/2014/main" id="{252204C2-7C1E-444D-A300-6DB4CCDF84C8}"/>
+              </a:ext>
+            </a:extLst>
+          </p:cNvPr>
+          <p:cNvSpPr/>
+          <p:nvPr/>
+        </p:nvSpPr>
+        <p:spPr>
+          <a:xfrm>
+            <a:off x="1138232" y="5273545"/>
+            <a:ext cx="2566331" cy="285225"/>
+          </a:xfrm>
+          <a:prstGeom prst="rect">
+            <a:avLst/>
+          </a:prstGeom>
+          <a:solidFill>
+            <a:schemeClr val="accent1">
+              <a:lumMod val="40000"/>
+              <a:lumOff val="60000"/>
+            </a:schemeClr>
+          </a:solidFill>
+        </p:spPr>
+        <p:style>
+          <a:lnRef idx="2">
+            <a:schemeClr val="accent1">
+              <a:shade val="50000"/>
+            </a:schemeClr>
+          </a:lnRef>
+          <a:fillRef idx="1">
+            <a:schemeClr val="accent1"/>
+          </a:fillRef>
+          <a:effectRef idx="0">
+            <a:schemeClr val="accent1"/>
+          </a:effectRef>
+          <a:fontRef idx="minor">
+            <a:schemeClr val="lt1"/>
+          </a:fontRef>
+        </p:style>
+        <p:txBody>
+          <a:bodyPr rtlCol="0" anchor="ctr"/>
+          <a:lstStyle/>
+          <a:p>
+            <a:pPr algn="ctr"/>
+            <a:r>
+              <a:rPr lang="en-US" altLang="zh-CN" err="1">
+                <a:solidFill>
+                  <a:schemeClr val="tx1"/>
+                </a:solidFill>
+              </a:rPr>
+              <a:t>VTextLine</a:t>
+            </a:r>
+            <a:r>
+              <a:rPr lang="en-US" altLang="zh-CN">
+                <a:solidFill>
+                  <a:schemeClr val="tx1"/>
+                </a:solidFill>
+              </a:rPr>
+              <a:t> - 11</a:t>
+            </a:r>
+            <a:endParaRPr lang="zh-CN" altLang="en-US">
+              <a:solidFill>
+                <a:schemeClr val="tx1"/>
+              </a:solidFill>
+            </a:endParaRPr>
+          </a:p>
+        </p:txBody>
+      </p:sp>
+      <p:sp>
+        <p:nvSpPr>
+          <p:cNvPr id="14" name="矩形 13">
+            <a:extLst>
+              <a:ext uri="{FF2B5EF4-FFF2-40B4-BE49-F238E27FC236}">
+                <a16:creationId xmlns:a16="http://schemas.microsoft.com/office/drawing/2014/main" id="{3A84C36F-0344-4B98-AFAA-EA3E9542E69F}"/>
+              </a:ext>
+            </a:extLst>
+          </p:cNvPr>
+          <p:cNvSpPr/>
+          <p:nvPr/>
+        </p:nvSpPr>
+        <p:spPr>
+          <a:xfrm>
+            <a:off x="1138232" y="2706523"/>
+            <a:ext cx="2566331" cy="285225"/>
+          </a:xfrm>
+          <a:prstGeom prst="rect">
+            <a:avLst/>
+          </a:prstGeom>
+          <a:solidFill>
+            <a:schemeClr val="accent2">
+              <a:lumMod val="20000"/>
+              <a:lumOff val="80000"/>
+            </a:schemeClr>
+          </a:solidFill>
+        </p:spPr>
+        <p:style>
+          <a:lnRef idx="2">
+            <a:schemeClr val="accent1">
+              <a:shade val="50000"/>
+            </a:schemeClr>
+          </a:lnRef>
+          <a:fillRef idx="1">
+            <a:schemeClr val="accent1"/>
+          </a:fillRef>
+          <a:effectRef idx="0">
+            <a:schemeClr val="accent1"/>
+          </a:effectRef>
+          <a:fontRef idx="minor">
+            <a:schemeClr val="lt1"/>
+          </a:fontRef>
+        </p:style>
+        <p:txBody>
+          <a:bodyPr rtlCol="0" anchor="ctr"/>
+          <a:lstStyle/>
+          <a:p>
+            <a:pPr algn="ctr"/>
+            <a:r>
+              <a:rPr lang="en-US" altLang="zh-CN" err="1">
+                <a:solidFill>
+                  <a:schemeClr val="tx1"/>
+                </a:solidFill>
+              </a:rPr>
+              <a:t>VTextLine</a:t>
+            </a:r>
+            <a:r>
+              <a:rPr lang="en-US" altLang="zh-CN">
+                <a:solidFill>
+                  <a:schemeClr val="tx1"/>
+                </a:solidFill>
+              </a:rPr>
+              <a:t> - 2</a:t>
+            </a:r>
+            <a:endParaRPr lang="zh-CN" altLang="en-US">
+              <a:solidFill>
+                <a:schemeClr val="tx1"/>
+              </a:solidFill>
+            </a:endParaRPr>
+          </a:p>
+        </p:txBody>
+      </p:sp>
+      <p:sp>
+        <p:nvSpPr>
+          <p:cNvPr id="15" name="矩形 14">
+            <a:extLst>
+              <a:ext uri="{FF2B5EF4-FFF2-40B4-BE49-F238E27FC236}">
+                <a16:creationId xmlns:a16="http://schemas.microsoft.com/office/drawing/2014/main" id="{F3F0046F-B614-4A72-8C24-20C9C4C4B055}"/>
+              </a:ext>
+            </a:extLst>
+          </p:cNvPr>
+          <p:cNvSpPr/>
+          <p:nvPr/>
+        </p:nvSpPr>
+        <p:spPr>
+          <a:xfrm>
+            <a:off x="1138232" y="2421298"/>
+            <a:ext cx="2566331" cy="285225"/>
+          </a:xfrm>
+          <a:prstGeom prst="rect">
+            <a:avLst/>
+          </a:prstGeom>
+          <a:solidFill>
+            <a:schemeClr val="accent2">
+              <a:lumMod val="20000"/>
+              <a:lumOff val="80000"/>
+            </a:schemeClr>
+          </a:solidFill>
+        </p:spPr>
+        <p:style>
+          <a:lnRef idx="2">
+            <a:schemeClr val="accent1">
+              <a:shade val="50000"/>
+            </a:schemeClr>
+          </a:lnRef>
+          <a:fillRef idx="1">
+            <a:schemeClr val="accent1"/>
+          </a:fillRef>
+          <a:effectRef idx="0">
+            <a:schemeClr val="accent1"/>
+          </a:effectRef>
+          <a:fontRef idx="minor">
+            <a:schemeClr val="lt1"/>
+          </a:fontRef>
+        </p:style>
+        <p:txBody>
+          <a:bodyPr rtlCol="0" anchor="ctr"/>
+          <a:lstStyle/>
+          <a:p>
+            <a:pPr algn="ctr"/>
+            <a:r>
+              <a:rPr lang="en-US" altLang="zh-CN" err="1">
+                <a:solidFill>
+                  <a:schemeClr val="tx1"/>
+                </a:solidFill>
+              </a:rPr>
+              <a:t>VTextLine</a:t>
+            </a:r>
+            <a:r>
+              <a:rPr lang="en-US" altLang="zh-CN">
+                <a:solidFill>
+                  <a:schemeClr val="tx1"/>
+                </a:solidFill>
+              </a:rPr>
+              <a:t> - 1</a:t>
+            </a:r>
+            <a:endParaRPr lang="zh-CN" altLang="en-US">
+              <a:solidFill>
+                <a:schemeClr val="tx1"/>
+              </a:solidFill>
+            </a:endParaRPr>
+          </a:p>
+        </p:txBody>
+      </p:sp>
+      <p:sp>
+        <p:nvSpPr>
+          <p:cNvPr id="16" name="矩形 15">
+            <a:extLst>
+              <a:ext uri="{FF2B5EF4-FFF2-40B4-BE49-F238E27FC236}">
+                <a16:creationId xmlns:a16="http://schemas.microsoft.com/office/drawing/2014/main" id="{2A8887CF-EA6E-4BAD-B8CE-CD90AA632522}"/>
+              </a:ext>
+            </a:extLst>
+          </p:cNvPr>
+          <p:cNvSpPr/>
+          <p:nvPr/>
+        </p:nvSpPr>
+        <p:spPr>
+          <a:xfrm>
+            <a:off x="1138232" y="5558769"/>
+            <a:ext cx="2566331" cy="285225"/>
+          </a:xfrm>
+          <a:prstGeom prst="rect">
+            <a:avLst/>
+          </a:prstGeom>
+          <a:solidFill>
+            <a:schemeClr val="accent2">
+              <a:lumMod val="20000"/>
+              <a:lumOff val="80000"/>
+            </a:schemeClr>
+          </a:solidFill>
+        </p:spPr>
+        <p:style>
+          <a:lnRef idx="2">
+            <a:schemeClr val="accent1">
+              <a:shade val="50000"/>
+            </a:schemeClr>
+          </a:lnRef>
+          <a:fillRef idx="1">
+            <a:schemeClr val="accent1"/>
+          </a:fillRef>
+          <a:effectRef idx="0">
+            <a:schemeClr val="accent1"/>
+          </a:effectRef>
+          <a:fontRef idx="minor">
+            <a:schemeClr val="lt1"/>
+          </a:fontRef>
+        </p:style>
+        <p:txBody>
+          <a:bodyPr rtlCol="0" anchor="ctr"/>
+          <a:lstStyle/>
+          <a:p>
+            <a:pPr algn="ctr"/>
+            <a:r>
+              <a:rPr lang="en-US" altLang="zh-CN" err="1">
+                <a:solidFill>
+                  <a:schemeClr val="tx1"/>
+                </a:solidFill>
+              </a:rPr>
+              <a:t>VTextLine</a:t>
+            </a:r>
+            <a:r>
+              <a:rPr lang="en-US" altLang="zh-CN">
+                <a:solidFill>
+                  <a:schemeClr val="tx1"/>
+                </a:solidFill>
+              </a:rPr>
+              <a:t> - 12</a:t>
+            </a:r>
+            <a:endParaRPr lang="zh-CN" altLang="en-US">
+              <a:solidFill>
+                <a:schemeClr val="tx1"/>
+              </a:solidFill>
+            </a:endParaRPr>
+          </a:p>
+        </p:txBody>
+      </p:sp>
+      <p:sp>
+        <p:nvSpPr>
+          <p:cNvPr id="17" name="矩形 16">
+            <a:extLst>
+              <a:ext uri="{FF2B5EF4-FFF2-40B4-BE49-F238E27FC236}">
+                <a16:creationId xmlns:a16="http://schemas.microsoft.com/office/drawing/2014/main" id="{3DA1C25D-6A3C-4FF7-B541-FC2730A7CE99}"/>
+              </a:ext>
+            </a:extLst>
+          </p:cNvPr>
+          <p:cNvSpPr/>
+          <p:nvPr/>
+        </p:nvSpPr>
+        <p:spPr>
+          <a:xfrm>
+            <a:off x="1138232" y="5833659"/>
+            <a:ext cx="2566331" cy="285225"/>
+          </a:xfrm>
+          <a:prstGeom prst="rect">
+            <a:avLst/>
+          </a:prstGeom>
+          <a:solidFill>
+            <a:schemeClr val="accent2">
+              <a:lumMod val="20000"/>
+              <a:lumOff val="80000"/>
+            </a:schemeClr>
+          </a:solidFill>
+        </p:spPr>
+        <p:style>
+          <a:lnRef idx="2">
+            <a:schemeClr val="accent1">
+              <a:shade val="50000"/>
+            </a:schemeClr>
+          </a:lnRef>
+          <a:fillRef idx="1">
+            <a:schemeClr val="accent1"/>
+          </a:fillRef>
+          <a:effectRef idx="0">
+            <a:schemeClr val="accent1"/>
+          </a:effectRef>
+          <a:fontRef idx="minor">
+            <a:schemeClr val="lt1"/>
+          </a:fontRef>
+        </p:style>
+        <p:txBody>
+          <a:bodyPr rtlCol="0" anchor="ctr"/>
+          <a:lstStyle/>
+          <a:p>
+            <a:pPr algn="ctr"/>
+            <a:r>
+              <a:rPr lang="en-US" altLang="zh-CN" err="1">
+                <a:solidFill>
+                  <a:schemeClr val="tx1"/>
+                </a:solidFill>
+              </a:rPr>
+              <a:t>VTextLine</a:t>
+            </a:r>
+            <a:r>
+              <a:rPr lang="en-US" altLang="zh-CN">
+                <a:solidFill>
+                  <a:schemeClr val="tx1"/>
+                </a:solidFill>
+              </a:rPr>
+              <a:t> - 13</a:t>
+            </a:r>
+            <a:endParaRPr lang="zh-CN" altLang="en-US">
+              <a:solidFill>
+                <a:schemeClr val="tx1"/>
+              </a:solidFill>
+            </a:endParaRPr>
+          </a:p>
+        </p:txBody>
+      </p:sp>
+      <p:sp>
+        <p:nvSpPr>
+          <p:cNvPr id="18" name="文本框 17">
+            <a:extLst>
+              <a:ext uri="{FF2B5EF4-FFF2-40B4-BE49-F238E27FC236}">
+                <a16:creationId xmlns:a16="http://schemas.microsoft.com/office/drawing/2014/main" id="{FBC85271-AC7D-4740-969E-D6AC09DDF9F7}"/>
+              </a:ext>
+            </a:extLst>
+          </p:cNvPr>
+          <p:cNvSpPr txBox="1"/>
+          <p:nvPr/>
+        </p:nvSpPr>
+        <p:spPr>
+          <a:xfrm>
+            <a:off x="876815" y="1376766"/>
+            <a:ext cx="9892452" cy="646331"/>
+          </a:xfrm>
+          <a:prstGeom prst="rect">
+            <a:avLst/>
+          </a:prstGeom>
+          <a:noFill/>
+        </p:spPr>
+        <p:txBody>
+          <a:bodyPr wrap="none" rtlCol="0">
+            <a:spAutoFit/>
+          </a:bodyPr>
+          <a:lstStyle/>
+          <a:p>
+            <a:r>
+              <a:rPr lang="en-US" altLang="zh-CN"/>
+              <a:t>Margin</a:t>
+            </a:r>
+            <a:r>
+              <a:rPr lang="zh-CN" altLang="en-US"/>
+              <a:t>表示文档的边距，协议规定，只有在边距内部的行才可以滚动，边距外的行不能进行滚动</a:t>
+            </a:r>
+            <a:endParaRPr lang="en-US" altLang="zh-CN"/>
+          </a:p>
+          <a:p>
+            <a:r>
+              <a:rPr lang="zh-CN" altLang="en-US"/>
+              <a:t>如下图所示，</a:t>
+            </a:r>
+            <a:r>
+              <a:rPr lang="en-US" altLang="zh-CN"/>
+              <a:t>VTextLine1</a:t>
+            </a:r>
+            <a:r>
+              <a:rPr lang="zh-CN" altLang="en-US"/>
+              <a:t>和</a:t>
+            </a:r>
+            <a:r>
+              <a:rPr lang="en-US" altLang="zh-CN"/>
+              <a:t>VTextLine2</a:t>
+            </a:r>
+            <a:r>
+              <a:rPr lang="zh-CN" altLang="en-US"/>
+              <a:t>是上边距，</a:t>
+            </a:r>
+            <a:r>
+              <a:rPr lang="en-US" altLang="zh-CN"/>
+              <a:t>VTextLine12</a:t>
+            </a:r>
+            <a:r>
+              <a:rPr lang="zh-CN" altLang="en-US"/>
+              <a:t>和</a:t>
+            </a:r>
+            <a:r>
+              <a:rPr lang="en-US" altLang="zh-CN"/>
+              <a:t>VTextLine13</a:t>
+            </a:r>
+            <a:r>
+              <a:rPr lang="zh-CN" altLang="en-US"/>
+              <a:t>是下边距：</a:t>
+            </a:r>
+          </a:p>
+        </p:txBody>
+      </p:sp>
+      <p:sp>
+        <p:nvSpPr>
+          <p:cNvPr id="20" name="右大括号 19">
+            <a:extLst>
+              <a:ext uri="{FF2B5EF4-FFF2-40B4-BE49-F238E27FC236}">
+                <a16:creationId xmlns:a16="http://schemas.microsoft.com/office/drawing/2014/main" id="{1496C7B0-44F9-4499-83E2-97A46C5BBD3E}"/>
+              </a:ext>
+            </a:extLst>
+          </p:cNvPr>
+          <p:cNvSpPr/>
+          <p:nvPr/>
+        </p:nvSpPr>
+        <p:spPr>
+          <a:xfrm>
+            <a:off x="3704563" y="2991748"/>
             <a:ext cx="328268" cy="2567021"/>
           </a:xfrm>
           <a:prstGeom prst="rightBrace">
@@ -4442,10 +5605,10 @@
       </p:sp>
       <p:sp>
         <p:nvSpPr>
-          <p:cNvPr id="18" name="右大括号 17">
-            <a:extLst>
-              <a:ext uri="{FF2B5EF4-FFF2-40B4-BE49-F238E27FC236}">
-                <a16:creationId xmlns:a16="http://schemas.microsoft.com/office/drawing/2014/main" id="{9EBF877E-CB7C-4A39-8FB1-A5B05416B42E}"/>
+          <p:cNvPr id="21" name="右大括号 20">
+            <a:extLst>
+              <a:ext uri="{FF2B5EF4-FFF2-40B4-BE49-F238E27FC236}">
+                <a16:creationId xmlns:a16="http://schemas.microsoft.com/office/drawing/2014/main" id="{9837E4E3-FCD9-4AA3-AE51-1E3D8BD2580F}"/>
               </a:ext>
             </a:extLst>
           </p:cNvPr>
@@ -4454,7 +5617,7 @@
         </p:nvSpPr>
         <p:spPr>
           <a:xfrm>
-            <a:off x="3606169" y="2494404"/>
+            <a:off x="3704563" y="2415782"/>
             <a:ext cx="328268" cy="560813"/>
           </a:xfrm>
           <a:prstGeom prst="rightBrace">
@@ -4497,10 +5660,10 @@
       </p:sp>
       <p:sp>
         <p:nvSpPr>
-          <p:cNvPr id="21" name="文本框 20">
-            <a:extLst>
-              <a:ext uri="{FF2B5EF4-FFF2-40B4-BE49-F238E27FC236}">
-                <a16:creationId xmlns:a16="http://schemas.microsoft.com/office/drawing/2014/main" id="{2ED08A93-1093-423D-9E75-63F0D309116D}"/>
+          <p:cNvPr id="22" name="文本框 21">
+            <a:extLst>
+              <a:ext uri="{FF2B5EF4-FFF2-40B4-BE49-F238E27FC236}">
+                <a16:creationId xmlns:a16="http://schemas.microsoft.com/office/drawing/2014/main" id="{A94F348A-0B8D-4827-8D3E-DF4BEACB38E7}"/>
               </a:ext>
             </a:extLst>
           </p:cNvPr>
@@ -4509,7 +5672,7 @@
         </p:nvSpPr>
         <p:spPr>
           <a:xfrm>
-            <a:off x="4053806" y="2589926"/>
+            <a:off x="4152200" y="2511304"/>
             <a:ext cx="910827" cy="276999"/>
           </a:xfrm>
           <a:prstGeom prst="rect">
@@ -4533,10 +5696,10 @@
       </p:sp>
       <p:sp>
         <p:nvSpPr>
-          <p:cNvPr id="22" name="文本框 21">
-            <a:extLst>
-              <a:ext uri="{FF2B5EF4-FFF2-40B4-BE49-F238E27FC236}">
-                <a16:creationId xmlns:a16="http://schemas.microsoft.com/office/drawing/2014/main" id="{97859F93-9C4C-4B51-8D00-DBF817736E83}"/>
+          <p:cNvPr id="23" name="文本框 22">
+            <a:extLst>
+              <a:ext uri="{FF2B5EF4-FFF2-40B4-BE49-F238E27FC236}">
+                <a16:creationId xmlns:a16="http://schemas.microsoft.com/office/drawing/2014/main" id="{5209992B-86B9-45A8-A9EF-9D22A6C7CD5B}"/>
               </a:ext>
             </a:extLst>
           </p:cNvPr>
@@ -4545,7 +5708,7 @@
         </p:nvSpPr>
         <p:spPr>
           <a:xfrm>
-            <a:off x="4015308" y="5727614"/>
+            <a:off x="4113702" y="5648992"/>
             <a:ext cx="1146468" cy="276999"/>
           </a:xfrm>
           <a:prstGeom prst="rect">
@@ -4569,10 +5732,10 @@
       </p:sp>
       <p:sp>
         <p:nvSpPr>
-          <p:cNvPr id="23" name="右大括号 22">
-            <a:extLst>
-              <a:ext uri="{FF2B5EF4-FFF2-40B4-BE49-F238E27FC236}">
-                <a16:creationId xmlns:a16="http://schemas.microsoft.com/office/drawing/2014/main" id="{A0CE386B-CBFB-4BDD-B2D4-E87B055D508E}"/>
+          <p:cNvPr id="24" name="右大括号 23">
+            <a:extLst>
+              <a:ext uri="{FF2B5EF4-FFF2-40B4-BE49-F238E27FC236}">
+                <a16:creationId xmlns:a16="http://schemas.microsoft.com/office/drawing/2014/main" id="{6BD88DE6-E415-4111-9FB1-BE7839142AEC}"/>
               </a:ext>
             </a:extLst>
           </p:cNvPr>
@@ -4581,7 +5744,7 @@
         </p:nvSpPr>
         <p:spPr>
           <a:xfrm>
-            <a:off x="3606169" y="5652544"/>
+            <a:off x="3704563" y="5573922"/>
             <a:ext cx="328268" cy="560813"/>
           </a:xfrm>
           <a:prstGeom prst="rightBrace">
@@ -4622,12 +5785,42 @@
           </a:p>
         </p:txBody>
       </p:sp>
-      <p:sp>
-        <p:nvSpPr>
-          <p:cNvPr id="24" name="矩形 23">
-            <a:extLst>
-              <a:ext uri="{FF2B5EF4-FFF2-40B4-BE49-F238E27FC236}">
-                <a16:creationId xmlns:a16="http://schemas.microsoft.com/office/drawing/2014/main" id="{9F4B14F5-F0DD-4FF1-8BE3-1388E10390A7}"/>
+    </p:spTree>
+    <p:extLst>
+      <p:ext uri="{BB962C8B-B14F-4D97-AF65-F5344CB8AC3E}">
+        <p14:creationId xmlns:p14="http://schemas.microsoft.com/office/powerpoint/2010/main" val="2767121219"/>
+      </p:ext>
+    </p:extLst>
+  </p:cSld>
+  <p:clrMapOvr>
+    <a:masterClrMapping/>
+  </p:clrMapOvr>
+</p:sld>
+</file>
+
+<file path=ppt/slides/slide4.xml><?xml version="1.0" encoding="utf-8"?>
+<p:sld xmlns:a="http://schemas.openxmlformats.org/drawingml/2006/main" xmlns:r="http://schemas.openxmlformats.org/officeDocument/2006/relationships" xmlns:p="http://schemas.openxmlformats.org/presentationml/2006/main">
+  <p:cSld>
+    <p:spTree>
+      <p:nvGrpSpPr>
+        <p:cNvPr id="1" name=""/>
+        <p:cNvGrpSpPr/>
+        <p:nvPr/>
+      </p:nvGrpSpPr>
+      <p:grpSpPr>
+        <a:xfrm>
+          <a:off x="0" y="0"/>
+          <a:ext cx="0" cy="0"/>
+          <a:chOff x="0" y="0"/>
+          <a:chExt cx="0" cy="0"/>
+        </a:xfrm>
+      </p:grpSpPr>
+      <p:sp>
+        <p:nvSpPr>
+          <p:cNvPr id="4" name="矩形 3">
+            <a:extLst>
+              <a:ext uri="{FF2B5EF4-FFF2-40B4-BE49-F238E27FC236}">
+                <a16:creationId xmlns:a16="http://schemas.microsoft.com/office/drawing/2014/main" id="{8230FB77-21B8-4899-B364-AA61DF18FD61}"/>
               </a:ext>
             </a:extLst>
           </p:cNvPr>
@@ -4636,7 +5829,7 @@
         </p:nvSpPr>
         <p:spPr>
           <a:xfrm>
-            <a:off x="7808481" y="5344415"/>
+            <a:off x="977817" y="3058568"/>
             <a:ext cx="2566331" cy="285225"/>
           </a:xfrm>
           <a:prstGeom prst="rect">
@@ -4671,16 +5864,24 @@
           <a:p>
             <a:pPr algn="ctr"/>
             <a:r>
-              <a:rPr lang="en-US" altLang="zh-CN" b="1">
-                <a:solidFill>
-                  <a:srgbClr val="FF0000"/>
-                </a:solidFill>
-              </a:rPr>
-              <a:t>VTextLine - 3</a:t>
-            </a:r>
-            <a:endParaRPr lang="zh-CN" altLang="en-US" b="1">
+              <a:rPr lang="en-US" altLang="zh-CN" err="1">
+                <a:solidFill>
+                  <a:schemeClr val="tx1"/>
+                </a:solidFill>
+              </a:rPr>
+              <a:t>VTextLine</a:t>
+            </a:r>
+            <a:r>
+              <a:rPr lang="en-US" altLang="zh-CN">
+                <a:solidFill>
+                  <a:schemeClr val="tx1"/>
+                </a:solidFill>
+              </a:rPr>
+              <a:t> - 3</a:t>
+            </a:r>
+            <a:endParaRPr lang="zh-CN" altLang="en-US">
               <a:solidFill>
-                <a:srgbClr val="FF0000"/>
+                <a:schemeClr val="tx1"/>
               </a:solidFill>
             </a:endParaRPr>
           </a:p>
@@ -4688,10 +5889,10 @@
       </p:sp>
       <p:sp>
         <p:nvSpPr>
-          <p:cNvPr id="25" name="矩形 24">
-            <a:extLst>
-              <a:ext uri="{FF2B5EF4-FFF2-40B4-BE49-F238E27FC236}">
-                <a16:creationId xmlns:a16="http://schemas.microsoft.com/office/drawing/2014/main" id="{31D60C5F-DF77-45EE-9DF8-CC4C8F10554F}"/>
+          <p:cNvPr id="5" name="矩形 4">
+            <a:extLst>
+              <a:ext uri="{FF2B5EF4-FFF2-40B4-BE49-F238E27FC236}">
+                <a16:creationId xmlns:a16="http://schemas.microsoft.com/office/drawing/2014/main" id="{3918EE88-BC68-492C-9CCB-6BBE292F02FC}"/>
               </a:ext>
             </a:extLst>
           </p:cNvPr>
@@ -4700,7 +5901,7 @@
         </p:nvSpPr>
         <p:spPr>
           <a:xfrm>
-            <a:off x="7808480" y="3065202"/>
+            <a:off x="977817" y="3343793"/>
             <a:ext cx="2566331" cy="285225"/>
           </a:xfrm>
           <a:prstGeom prst="rect">
@@ -4735,16 +5936,24 @@
           <a:p>
             <a:pPr algn="ctr"/>
             <a:r>
-              <a:rPr lang="en-US" altLang="zh-CN" b="1">
-                <a:solidFill>
-                  <a:srgbClr val="FF0000"/>
-                </a:solidFill>
-              </a:rPr>
-              <a:t>VTextLine - 4</a:t>
-            </a:r>
-            <a:endParaRPr lang="zh-CN" altLang="en-US" b="1">
+              <a:rPr lang="en-US" altLang="zh-CN" err="1">
+                <a:solidFill>
+                  <a:schemeClr val="tx1"/>
+                </a:solidFill>
+              </a:rPr>
+              <a:t>VTextLine</a:t>
+            </a:r>
+            <a:r>
+              <a:rPr lang="en-US" altLang="zh-CN">
+                <a:solidFill>
+                  <a:schemeClr val="tx1"/>
+                </a:solidFill>
+              </a:rPr>
+              <a:t> - 4</a:t>
+            </a:r>
+            <a:endParaRPr lang="zh-CN" altLang="en-US">
               <a:solidFill>
-                <a:srgbClr val="FF0000"/>
+                <a:schemeClr val="tx1"/>
               </a:solidFill>
             </a:endParaRPr>
           </a:p>
@@ -4752,10 +5961,10 @@
       </p:sp>
       <p:sp>
         <p:nvSpPr>
-          <p:cNvPr id="26" name="矩形 25">
-            <a:extLst>
-              <a:ext uri="{FF2B5EF4-FFF2-40B4-BE49-F238E27FC236}">
-                <a16:creationId xmlns:a16="http://schemas.microsoft.com/office/drawing/2014/main" id="{36178CC6-01D3-44FA-AB91-DE1988835E57}"/>
+          <p:cNvPr id="6" name="矩形 5">
+            <a:extLst>
+              <a:ext uri="{FF2B5EF4-FFF2-40B4-BE49-F238E27FC236}">
+                <a16:creationId xmlns:a16="http://schemas.microsoft.com/office/drawing/2014/main" id="{72CE1266-73FB-4386-9A83-2442C8938876}"/>
               </a:ext>
             </a:extLst>
           </p:cNvPr>
@@ -4764,7 +5973,7 @@
         </p:nvSpPr>
         <p:spPr>
           <a:xfrm>
-            <a:off x="7808482" y="3350428"/>
+            <a:off x="977817" y="3629018"/>
             <a:ext cx="2566331" cy="285225"/>
           </a:xfrm>
           <a:prstGeom prst="rect">
@@ -4799,12 +6008,20 @@
           <a:p>
             <a:pPr algn="ctr"/>
             <a:r>
+              <a:rPr lang="en-US" altLang="zh-CN" err="1">
+                <a:solidFill>
+                  <a:schemeClr val="tx1"/>
+                </a:solidFill>
+              </a:rPr>
+              <a:t>VTextLine</a:t>
+            </a:r>
+            <a:r>
               <a:rPr lang="en-US" altLang="zh-CN">
                 <a:solidFill>
                   <a:schemeClr val="tx1"/>
                 </a:solidFill>
               </a:rPr>
-              <a:t>VTextLine – 5</a:t>
+              <a:t> - 5</a:t>
             </a:r>
             <a:endParaRPr lang="zh-CN" altLang="en-US">
               <a:solidFill>
@@ -4816,10 +6033,10 @@
       </p:sp>
       <p:sp>
         <p:nvSpPr>
-          <p:cNvPr id="27" name="矩形 26">
-            <a:extLst>
-              <a:ext uri="{FF2B5EF4-FFF2-40B4-BE49-F238E27FC236}">
-                <a16:creationId xmlns:a16="http://schemas.microsoft.com/office/drawing/2014/main" id="{9DCC5FE8-3375-4B3F-B132-4031F12C1A58}"/>
+          <p:cNvPr id="7" name="矩形 6">
+            <a:extLst>
+              <a:ext uri="{FF2B5EF4-FFF2-40B4-BE49-F238E27FC236}">
+                <a16:creationId xmlns:a16="http://schemas.microsoft.com/office/drawing/2014/main" id="{1DD4A0AA-3DAB-4E00-ABE9-18F88FDB50B4}"/>
               </a:ext>
             </a:extLst>
           </p:cNvPr>
@@ -4828,7 +6045,7 @@
         </p:nvSpPr>
         <p:spPr>
           <a:xfrm>
-            <a:off x="7808482" y="3635652"/>
+            <a:off x="977817" y="3914242"/>
             <a:ext cx="2566331" cy="285225"/>
           </a:xfrm>
           <a:prstGeom prst="rect">
@@ -4863,12 +6080,20 @@
           <a:p>
             <a:pPr algn="ctr"/>
             <a:r>
+              <a:rPr lang="en-US" altLang="zh-CN" err="1">
+                <a:solidFill>
+                  <a:schemeClr val="tx1"/>
+                </a:solidFill>
+              </a:rPr>
+              <a:t>VTextLine</a:t>
+            </a:r>
+            <a:r>
               <a:rPr lang="en-US" altLang="zh-CN">
                 <a:solidFill>
                   <a:schemeClr val="tx1"/>
                 </a:solidFill>
               </a:rPr>
-              <a:t>VTextLine - 6</a:t>
+              <a:t> - 6</a:t>
             </a:r>
             <a:endParaRPr lang="zh-CN" altLang="en-US">
               <a:solidFill>
@@ -4880,10 +6105,10 @@
       </p:sp>
       <p:sp>
         <p:nvSpPr>
-          <p:cNvPr id="28" name="矩形 27">
-            <a:extLst>
-              <a:ext uri="{FF2B5EF4-FFF2-40B4-BE49-F238E27FC236}">
-                <a16:creationId xmlns:a16="http://schemas.microsoft.com/office/drawing/2014/main" id="{AE2C4134-AC4F-4CDB-91DB-12111664CB53}"/>
+          <p:cNvPr id="8" name="矩形 7">
+            <a:extLst>
+              <a:ext uri="{FF2B5EF4-FFF2-40B4-BE49-F238E27FC236}">
+                <a16:creationId xmlns:a16="http://schemas.microsoft.com/office/drawing/2014/main" id="{B7F2DE8E-DF70-4C12-8F25-1D4804CA8F81}"/>
               </a:ext>
             </a:extLst>
           </p:cNvPr>
@@ -4892,7 +6117,7 @@
         </p:nvSpPr>
         <p:spPr>
           <a:xfrm>
-            <a:off x="7808482" y="3920877"/>
+            <a:off x="977817" y="4199467"/>
             <a:ext cx="2566331" cy="285225"/>
           </a:xfrm>
           <a:prstGeom prst="rect">
@@ -4927,12 +6152,20 @@
           <a:p>
             <a:pPr algn="ctr"/>
             <a:r>
+              <a:rPr lang="en-US" altLang="zh-CN" err="1">
+                <a:solidFill>
+                  <a:schemeClr val="tx1"/>
+                </a:solidFill>
+              </a:rPr>
+              <a:t>VTextLine</a:t>
+            </a:r>
+            <a:r>
               <a:rPr lang="en-US" altLang="zh-CN">
                 <a:solidFill>
                   <a:schemeClr val="tx1"/>
                 </a:solidFill>
               </a:rPr>
-              <a:t>VTextLine - 7</a:t>
+              <a:t> - 7</a:t>
             </a:r>
             <a:endParaRPr lang="zh-CN" altLang="en-US">
               <a:solidFill>
@@ -4944,10 +6177,10 @@
       </p:sp>
       <p:sp>
         <p:nvSpPr>
-          <p:cNvPr id="29" name="矩形 28">
-            <a:extLst>
-              <a:ext uri="{FF2B5EF4-FFF2-40B4-BE49-F238E27FC236}">
-                <a16:creationId xmlns:a16="http://schemas.microsoft.com/office/drawing/2014/main" id="{3F66C2C1-4E31-440C-8C55-45F26898D99A}"/>
+          <p:cNvPr id="9" name="矩形 8">
+            <a:extLst>
+              <a:ext uri="{FF2B5EF4-FFF2-40B4-BE49-F238E27FC236}">
+                <a16:creationId xmlns:a16="http://schemas.microsoft.com/office/drawing/2014/main" id="{080CE9E2-5905-44B1-A35D-596BBFD79F9F}"/>
               </a:ext>
             </a:extLst>
           </p:cNvPr>
@@ -4956,7 +6189,7 @@
         </p:nvSpPr>
         <p:spPr>
           <a:xfrm>
-            <a:off x="7808482" y="4206101"/>
+            <a:off x="977817" y="4484691"/>
             <a:ext cx="2566331" cy="285225"/>
           </a:xfrm>
           <a:prstGeom prst="rect">
@@ -4991,12 +6224,20 @@
           <a:p>
             <a:pPr algn="ctr"/>
             <a:r>
+              <a:rPr lang="en-US" altLang="zh-CN" err="1">
+                <a:solidFill>
+                  <a:schemeClr val="tx1"/>
+                </a:solidFill>
+              </a:rPr>
+              <a:t>VTextLine</a:t>
+            </a:r>
+            <a:r>
               <a:rPr lang="en-US" altLang="zh-CN">
                 <a:solidFill>
                   <a:schemeClr val="tx1"/>
                 </a:solidFill>
               </a:rPr>
-              <a:t>VTextLine - 8</a:t>
+              <a:t> - 8</a:t>
             </a:r>
             <a:endParaRPr lang="zh-CN" altLang="en-US">
               <a:solidFill>
@@ -5008,10 +6249,10 @@
       </p:sp>
       <p:sp>
         <p:nvSpPr>
-          <p:cNvPr id="30" name="矩形 29">
-            <a:extLst>
-              <a:ext uri="{FF2B5EF4-FFF2-40B4-BE49-F238E27FC236}">
-                <a16:creationId xmlns:a16="http://schemas.microsoft.com/office/drawing/2014/main" id="{1BD23F7D-421E-4FF6-9726-FF406CB356FD}"/>
+          <p:cNvPr id="10" name="矩形 9">
+            <a:extLst>
+              <a:ext uri="{FF2B5EF4-FFF2-40B4-BE49-F238E27FC236}">
+                <a16:creationId xmlns:a16="http://schemas.microsoft.com/office/drawing/2014/main" id="{B4800CEF-402D-405F-BE43-11AB7330105E}"/>
               </a:ext>
             </a:extLst>
           </p:cNvPr>
@@ -5020,7 +6261,7 @@
         </p:nvSpPr>
         <p:spPr>
           <a:xfrm>
-            <a:off x="7808482" y="4491326"/>
+            <a:off x="977817" y="4769916"/>
             <a:ext cx="2566331" cy="285225"/>
           </a:xfrm>
           <a:prstGeom prst="rect">
@@ -5055,12 +6296,20 @@
           <a:p>
             <a:pPr algn="ctr"/>
             <a:r>
+              <a:rPr lang="en-US" altLang="zh-CN" err="1">
+                <a:solidFill>
+                  <a:schemeClr val="tx1"/>
+                </a:solidFill>
+              </a:rPr>
+              <a:t>VTextLine</a:t>
+            </a:r>
+            <a:r>
               <a:rPr lang="en-US" altLang="zh-CN">
                 <a:solidFill>
                   <a:schemeClr val="tx1"/>
                 </a:solidFill>
               </a:rPr>
-              <a:t>VTextLine - 9</a:t>
+              <a:t> - 9</a:t>
             </a:r>
             <a:endParaRPr lang="zh-CN" altLang="en-US">
               <a:solidFill>
@@ -5072,10 +6321,10 @@
       </p:sp>
       <p:sp>
         <p:nvSpPr>
-          <p:cNvPr id="31" name="矩形 30">
-            <a:extLst>
-              <a:ext uri="{FF2B5EF4-FFF2-40B4-BE49-F238E27FC236}">
-                <a16:creationId xmlns:a16="http://schemas.microsoft.com/office/drawing/2014/main" id="{5FE57FAC-36E1-40A9-A045-39FE27545F18}"/>
+          <p:cNvPr id="11" name="矩形 10">
+            <a:extLst>
+              <a:ext uri="{FF2B5EF4-FFF2-40B4-BE49-F238E27FC236}">
+                <a16:creationId xmlns:a16="http://schemas.microsoft.com/office/drawing/2014/main" id="{B972735A-33EC-4211-BBE2-3E71486144A8}"/>
               </a:ext>
             </a:extLst>
           </p:cNvPr>
@@ -5084,7 +6333,7 @@
         </p:nvSpPr>
         <p:spPr>
           <a:xfrm>
-            <a:off x="7808482" y="4776550"/>
+            <a:off x="977817" y="5055140"/>
             <a:ext cx="2566331" cy="285225"/>
           </a:xfrm>
           <a:prstGeom prst="rect">
@@ -5119,12 +6368,20 @@
           <a:p>
             <a:pPr algn="ctr"/>
             <a:r>
+              <a:rPr lang="en-US" altLang="zh-CN" err="1">
+                <a:solidFill>
+                  <a:schemeClr val="tx1"/>
+                </a:solidFill>
+              </a:rPr>
+              <a:t>VTextLine</a:t>
+            </a:r>
+            <a:r>
               <a:rPr lang="en-US" altLang="zh-CN">
                 <a:solidFill>
                   <a:schemeClr val="tx1"/>
                 </a:solidFill>
               </a:rPr>
-              <a:t>VTextLine - 10</a:t>
+              <a:t> - 10</a:t>
             </a:r>
             <a:endParaRPr lang="zh-CN" altLang="en-US">
               <a:solidFill>
@@ -5136,10 +6393,10 @@
       </p:sp>
       <p:sp>
         <p:nvSpPr>
-          <p:cNvPr id="32" name="矩形 31">
-            <a:extLst>
-              <a:ext uri="{FF2B5EF4-FFF2-40B4-BE49-F238E27FC236}">
-                <a16:creationId xmlns:a16="http://schemas.microsoft.com/office/drawing/2014/main" id="{FF1D1CC4-7E66-4414-BBC1-F9AAA895CD54}"/>
+          <p:cNvPr id="12" name="矩形 11">
+            <a:extLst>
+              <a:ext uri="{FF2B5EF4-FFF2-40B4-BE49-F238E27FC236}">
+                <a16:creationId xmlns:a16="http://schemas.microsoft.com/office/drawing/2014/main" id="{DF4ED5E9-05AF-4C8D-8A0B-7AD301807B0E}"/>
               </a:ext>
             </a:extLst>
           </p:cNvPr>
@@ -5148,7 +6405,7 @@
         </p:nvSpPr>
         <p:spPr>
           <a:xfrm>
-            <a:off x="7808482" y="5061775"/>
+            <a:off x="977817" y="5340365"/>
             <a:ext cx="2566331" cy="285225"/>
           </a:xfrm>
           <a:prstGeom prst="rect">
@@ -5183,12 +6440,20 @@
           <a:p>
             <a:pPr algn="ctr"/>
             <a:r>
+              <a:rPr lang="en-US" altLang="zh-CN" err="1">
+                <a:solidFill>
+                  <a:schemeClr val="tx1"/>
+                </a:solidFill>
+              </a:rPr>
+              <a:t>VTextLine</a:t>
+            </a:r>
+            <a:r>
               <a:rPr lang="en-US" altLang="zh-CN">
                 <a:solidFill>
                   <a:schemeClr val="tx1"/>
                 </a:solidFill>
               </a:rPr>
-              <a:t>VTextLine - 11</a:t>
+              <a:t> - 11</a:t>
             </a:r>
             <a:endParaRPr lang="zh-CN" altLang="en-US">
               <a:solidFill>
@@ -5200,10 +6465,10 @@
       </p:sp>
       <p:sp>
         <p:nvSpPr>
-          <p:cNvPr id="33" name="矩形 32">
-            <a:extLst>
-              <a:ext uri="{FF2B5EF4-FFF2-40B4-BE49-F238E27FC236}">
-                <a16:creationId xmlns:a16="http://schemas.microsoft.com/office/drawing/2014/main" id="{D530877C-AA61-4894-9818-DD83B801E27E}"/>
+          <p:cNvPr id="13" name="矩形 12">
+            <a:extLst>
+              <a:ext uri="{FF2B5EF4-FFF2-40B4-BE49-F238E27FC236}">
+                <a16:creationId xmlns:a16="http://schemas.microsoft.com/office/drawing/2014/main" id="{61C5C45C-581B-4AAA-8034-36DBAE996EDB}"/>
               </a:ext>
             </a:extLst>
           </p:cNvPr>
@@ -5212,7 +6477,7 @@
         </p:nvSpPr>
         <p:spPr>
           <a:xfrm>
-            <a:off x="7810902" y="2785145"/>
+            <a:off x="977817" y="2773343"/>
             <a:ext cx="2566331" cy="285225"/>
           </a:xfrm>
           <a:prstGeom prst="rect">
@@ -5247,12 +6512,20 @@
           <a:p>
             <a:pPr algn="ctr"/>
             <a:r>
+              <a:rPr lang="en-US" altLang="zh-CN" err="1">
+                <a:solidFill>
+                  <a:schemeClr val="tx1"/>
+                </a:solidFill>
+              </a:rPr>
+              <a:t>VTextLine</a:t>
+            </a:r>
+            <a:r>
               <a:rPr lang="en-US" altLang="zh-CN">
                 <a:solidFill>
                   <a:schemeClr val="tx1"/>
                 </a:solidFill>
               </a:rPr>
-              <a:t>VTextLine - 2</a:t>
+              <a:t> - 2</a:t>
             </a:r>
             <a:endParaRPr lang="zh-CN" altLang="en-US">
               <a:solidFill>
@@ -5264,10 +6537,10 @@
       </p:sp>
       <p:sp>
         <p:nvSpPr>
-          <p:cNvPr id="34" name="矩形 33">
-            <a:extLst>
-              <a:ext uri="{FF2B5EF4-FFF2-40B4-BE49-F238E27FC236}">
-                <a16:creationId xmlns:a16="http://schemas.microsoft.com/office/drawing/2014/main" id="{00D5322C-CE9D-4AA3-91BA-DF6FB6C8BE34}"/>
+          <p:cNvPr id="14" name="矩形 13">
+            <a:extLst>
+              <a:ext uri="{FF2B5EF4-FFF2-40B4-BE49-F238E27FC236}">
+                <a16:creationId xmlns:a16="http://schemas.microsoft.com/office/drawing/2014/main" id="{56BCA8BF-214A-4CE0-824B-31F7AAA6D3BC}"/>
               </a:ext>
             </a:extLst>
           </p:cNvPr>
@@ -5276,7 +6549,7 @@
         </p:nvSpPr>
         <p:spPr>
           <a:xfrm>
-            <a:off x="7810902" y="2499920"/>
+            <a:off x="977817" y="2488118"/>
             <a:ext cx="2566331" cy="285225"/>
           </a:xfrm>
           <a:prstGeom prst="rect">
@@ -5311,12 +6584,20 @@
           <a:p>
             <a:pPr algn="ctr"/>
             <a:r>
+              <a:rPr lang="en-US" altLang="zh-CN" err="1">
+                <a:solidFill>
+                  <a:schemeClr val="tx1"/>
+                </a:solidFill>
+              </a:rPr>
+              <a:t>VTextLine</a:t>
+            </a:r>
+            <a:r>
               <a:rPr lang="en-US" altLang="zh-CN">
                 <a:solidFill>
                   <a:schemeClr val="tx1"/>
                 </a:solidFill>
               </a:rPr>
-              <a:t>VTextLine - 1</a:t>
+              <a:t> - 1</a:t>
             </a:r>
             <a:endParaRPr lang="zh-CN" altLang="en-US">
               <a:solidFill>
@@ -5328,10 +6609,10 @@
       </p:sp>
       <p:sp>
         <p:nvSpPr>
-          <p:cNvPr id="35" name="矩形 34">
-            <a:extLst>
-              <a:ext uri="{FF2B5EF4-FFF2-40B4-BE49-F238E27FC236}">
-                <a16:creationId xmlns:a16="http://schemas.microsoft.com/office/drawing/2014/main" id="{13311B81-2500-4CB9-884C-469DAF0F61C4}"/>
+          <p:cNvPr id="15" name="矩形 14">
+            <a:extLst>
+              <a:ext uri="{FF2B5EF4-FFF2-40B4-BE49-F238E27FC236}">
+                <a16:creationId xmlns:a16="http://schemas.microsoft.com/office/drawing/2014/main" id="{8B666A1B-BA6F-4197-8639-DE403CAD462C}"/>
               </a:ext>
             </a:extLst>
           </p:cNvPr>
@@ -5340,7 +6621,7 @@
         </p:nvSpPr>
         <p:spPr>
           <a:xfrm>
-            <a:off x="7810902" y="5637391"/>
+            <a:off x="977817" y="5625589"/>
             <a:ext cx="2566331" cy="285225"/>
           </a:xfrm>
           <a:prstGeom prst="rect">
@@ -5375,12 +6656,20 @@
           <a:p>
             <a:pPr algn="ctr"/>
             <a:r>
+              <a:rPr lang="en-US" altLang="zh-CN" err="1">
+                <a:solidFill>
+                  <a:schemeClr val="tx1"/>
+                </a:solidFill>
+              </a:rPr>
+              <a:t>VTextLine</a:t>
+            </a:r>
+            <a:r>
               <a:rPr lang="en-US" altLang="zh-CN">
                 <a:solidFill>
                   <a:schemeClr val="tx1"/>
                 </a:solidFill>
               </a:rPr>
-              <a:t>VTextLine - 12</a:t>
+              <a:t> - 12</a:t>
             </a:r>
             <a:endParaRPr lang="zh-CN" altLang="en-US">
               <a:solidFill>
@@ -5392,10 +6681,10 @@
       </p:sp>
       <p:sp>
         <p:nvSpPr>
-          <p:cNvPr id="36" name="矩形 35">
-            <a:extLst>
-              <a:ext uri="{FF2B5EF4-FFF2-40B4-BE49-F238E27FC236}">
-                <a16:creationId xmlns:a16="http://schemas.microsoft.com/office/drawing/2014/main" id="{87CBC3FB-B3FD-4344-B7E3-CA2934595712}"/>
+          <p:cNvPr id="16" name="矩形 15">
+            <a:extLst>
+              <a:ext uri="{FF2B5EF4-FFF2-40B4-BE49-F238E27FC236}">
+                <a16:creationId xmlns:a16="http://schemas.microsoft.com/office/drawing/2014/main" id="{B8B52E5D-BC6A-4FE1-87A4-E69F4B8C05D3}"/>
               </a:ext>
             </a:extLst>
           </p:cNvPr>
@@ -5404,7 +6693,7 @@
         </p:nvSpPr>
         <p:spPr>
           <a:xfrm>
-            <a:off x="7810902" y="5912281"/>
+            <a:off x="977817" y="5900479"/>
             <a:ext cx="2566331" cy="285225"/>
           </a:xfrm>
           <a:prstGeom prst="rect">
@@ -5439,12 +6728,20 @@
           <a:p>
             <a:pPr algn="ctr"/>
             <a:r>
+              <a:rPr lang="en-US" altLang="zh-CN" err="1">
+                <a:solidFill>
+                  <a:schemeClr val="tx1"/>
+                </a:solidFill>
+              </a:rPr>
+              <a:t>VTextLine</a:t>
+            </a:r>
+            <a:r>
               <a:rPr lang="en-US" altLang="zh-CN">
                 <a:solidFill>
                   <a:schemeClr val="tx1"/>
                 </a:solidFill>
               </a:rPr>
-              <a:t>VTextLine - 13</a:t>
+              <a:t> - 13</a:t>
             </a:r>
             <a:endParaRPr lang="zh-CN" altLang="en-US">
               <a:solidFill>
@@ -5456,10 +6753,10 @@
       </p:sp>
       <p:sp>
         <p:nvSpPr>
-          <p:cNvPr id="37" name="右大括号 36">
-            <a:extLst>
-              <a:ext uri="{FF2B5EF4-FFF2-40B4-BE49-F238E27FC236}">
-                <a16:creationId xmlns:a16="http://schemas.microsoft.com/office/drawing/2014/main" id="{AAE75E34-6DF5-4364-9C0B-F5309EBE9A23}"/>
+          <p:cNvPr id="17" name="右大括号 16">
+            <a:extLst>
+              <a:ext uri="{FF2B5EF4-FFF2-40B4-BE49-F238E27FC236}">
+                <a16:creationId xmlns:a16="http://schemas.microsoft.com/office/drawing/2014/main" id="{B0199B34-8B66-4D79-9E2E-B8C3A6E63D5F}"/>
               </a:ext>
             </a:extLst>
           </p:cNvPr>
@@ -5468,7 +6765,7 @@
         </p:nvSpPr>
         <p:spPr>
           <a:xfrm>
-            <a:off x="10445046" y="3070370"/>
+            <a:off x="3611961" y="3058568"/>
             <a:ext cx="328268" cy="2567021"/>
           </a:xfrm>
           <a:prstGeom prst="rightBrace">
@@ -5511,10 +6808,10 @@
       </p:sp>
       <p:sp>
         <p:nvSpPr>
-          <p:cNvPr id="38" name="右大括号 37">
-            <a:extLst>
-              <a:ext uri="{FF2B5EF4-FFF2-40B4-BE49-F238E27FC236}">
-                <a16:creationId xmlns:a16="http://schemas.microsoft.com/office/drawing/2014/main" id="{C52E6B6C-6DC5-4D2A-B25A-33B20DFEAAAD}"/>
+          <p:cNvPr id="18" name="右大括号 17">
+            <a:extLst>
+              <a:ext uri="{FF2B5EF4-FFF2-40B4-BE49-F238E27FC236}">
+                <a16:creationId xmlns:a16="http://schemas.microsoft.com/office/drawing/2014/main" id="{4C0E4661-86B1-4BD3-ABFD-948AE85B1D1F}"/>
               </a:ext>
             </a:extLst>
           </p:cNvPr>
@@ -5523,7 +6820,7 @@
         </p:nvSpPr>
         <p:spPr>
           <a:xfrm>
-            <a:off x="10445046" y="2494404"/>
+            <a:off x="3611961" y="2482602"/>
             <a:ext cx="328268" cy="560813"/>
           </a:xfrm>
           <a:prstGeom prst="rightBrace">
@@ -5566,10 +6863,82 @@
       </p:sp>
       <p:sp>
         <p:nvSpPr>
-          <p:cNvPr id="41" name="右大括号 40">
-            <a:extLst>
-              <a:ext uri="{FF2B5EF4-FFF2-40B4-BE49-F238E27FC236}">
-                <a16:creationId xmlns:a16="http://schemas.microsoft.com/office/drawing/2014/main" id="{F556DE8D-7022-430C-BFAE-64D8FD491C17}"/>
+          <p:cNvPr id="19" name="文本框 18">
+            <a:extLst>
+              <a:ext uri="{FF2B5EF4-FFF2-40B4-BE49-F238E27FC236}">
+                <a16:creationId xmlns:a16="http://schemas.microsoft.com/office/drawing/2014/main" id="{0B82790C-A616-478B-9A1B-21062106AD06}"/>
+              </a:ext>
+            </a:extLst>
+          </p:cNvPr>
+          <p:cNvSpPr txBox="1"/>
+          <p:nvPr/>
+        </p:nvSpPr>
+        <p:spPr>
+          <a:xfrm>
+            <a:off x="4059598" y="2578124"/>
+            <a:ext cx="910827" cy="276999"/>
+          </a:xfrm>
+          <a:prstGeom prst="rect">
+            <a:avLst/>
+          </a:prstGeom>
+          <a:noFill/>
+        </p:spPr>
+        <p:txBody>
+          <a:bodyPr wrap="none" rtlCol="0">
+            <a:spAutoFit/>
+          </a:bodyPr>
+          <a:lstStyle/>
+          <a:p>
+            <a:r>
+              <a:rPr lang="en-US" altLang="zh-CN" sz="1200" err="1"/>
+              <a:t>MarginTop</a:t>
+            </a:r>
+            <a:endParaRPr lang="zh-CN" altLang="en-US" sz="1200"/>
+          </a:p>
+        </p:txBody>
+      </p:sp>
+      <p:sp>
+        <p:nvSpPr>
+          <p:cNvPr id="20" name="文本框 19">
+            <a:extLst>
+              <a:ext uri="{FF2B5EF4-FFF2-40B4-BE49-F238E27FC236}">
+                <a16:creationId xmlns:a16="http://schemas.microsoft.com/office/drawing/2014/main" id="{CB156010-F427-4587-8C62-601316A6DAAA}"/>
+              </a:ext>
+            </a:extLst>
+          </p:cNvPr>
+          <p:cNvSpPr txBox="1"/>
+          <p:nvPr/>
+        </p:nvSpPr>
+        <p:spPr>
+          <a:xfrm>
+            <a:off x="4021100" y="5715812"/>
+            <a:ext cx="1146468" cy="276999"/>
+          </a:xfrm>
+          <a:prstGeom prst="rect">
+            <a:avLst/>
+          </a:prstGeom>
+          <a:noFill/>
+        </p:spPr>
+        <p:txBody>
+          <a:bodyPr wrap="none" rtlCol="0">
+            <a:spAutoFit/>
+          </a:bodyPr>
+          <a:lstStyle/>
+          <a:p>
+            <a:r>
+              <a:rPr lang="en-US" altLang="zh-CN" sz="1200" err="1"/>
+              <a:t>MarginBottom</a:t>
+            </a:r>
+            <a:endParaRPr lang="zh-CN" altLang="en-US" sz="1200"/>
+          </a:p>
+        </p:txBody>
+      </p:sp>
+      <p:sp>
+        <p:nvSpPr>
+          <p:cNvPr id="21" name="右大括号 20">
+            <a:extLst>
+              <a:ext uri="{FF2B5EF4-FFF2-40B4-BE49-F238E27FC236}">
+                <a16:creationId xmlns:a16="http://schemas.microsoft.com/office/drawing/2014/main" id="{F2871CAC-A2D2-41B0-A536-E5C96CB5EAEE}"/>
               </a:ext>
             </a:extLst>
           </p:cNvPr>
@@ -5578,7 +6947,7 @@
         </p:nvSpPr>
         <p:spPr>
           <a:xfrm>
-            <a:off x="10445046" y="5652544"/>
+            <a:off x="3611961" y="5640742"/>
             <a:ext cx="328268" cy="560813"/>
           </a:xfrm>
           <a:prstGeom prst="rightBrace">
@@ -5621,10 +6990,1007 @@
       </p:sp>
       <p:sp>
         <p:nvSpPr>
-          <p:cNvPr id="42" name="文本框 41">
-            <a:extLst>
-              <a:ext uri="{FF2B5EF4-FFF2-40B4-BE49-F238E27FC236}">
-                <a16:creationId xmlns:a16="http://schemas.microsoft.com/office/drawing/2014/main" id="{6BAAB60E-554F-4043-8A41-5391EE92050B}"/>
+          <p:cNvPr id="22" name="矩形 21">
+            <a:extLst>
+              <a:ext uri="{FF2B5EF4-FFF2-40B4-BE49-F238E27FC236}">
+                <a16:creationId xmlns:a16="http://schemas.microsoft.com/office/drawing/2014/main" id="{B98ED97C-CFBC-4CBA-B590-51C0ADE58FD1}"/>
+              </a:ext>
+            </a:extLst>
+          </p:cNvPr>
+          <p:cNvSpPr/>
+          <p:nvPr/>
+        </p:nvSpPr>
+        <p:spPr>
+          <a:xfrm>
+            <a:off x="7395502" y="5305488"/>
+            <a:ext cx="2566331" cy="285225"/>
+          </a:xfrm>
+          <a:prstGeom prst="rect">
+            <a:avLst/>
+          </a:prstGeom>
+          <a:solidFill>
+            <a:schemeClr val="accent1">
+              <a:lumMod val="40000"/>
+              <a:lumOff val="60000"/>
+            </a:schemeClr>
+          </a:solidFill>
+        </p:spPr>
+        <p:style>
+          <a:lnRef idx="2">
+            <a:schemeClr val="accent1">
+              <a:shade val="50000"/>
+            </a:schemeClr>
+          </a:lnRef>
+          <a:fillRef idx="1">
+            <a:schemeClr val="accent1"/>
+          </a:fillRef>
+          <a:effectRef idx="0">
+            <a:schemeClr val="accent1"/>
+          </a:effectRef>
+          <a:fontRef idx="minor">
+            <a:schemeClr val="lt1"/>
+          </a:fontRef>
+        </p:style>
+        <p:txBody>
+          <a:bodyPr rtlCol="0" anchor="ctr"/>
+          <a:lstStyle/>
+          <a:p>
+            <a:pPr algn="ctr"/>
+            <a:r>
+              <a:rPr lang="en-US" altLang="zh-CN" b="1">
+                <a:solidFill>
+                  <a:srgbClr val="FF0000"/>
+                </a:solidFill>
+              </a:rPr>
+              <a:t>VTextLine - 3</a:t>
+            </a:r>
+            <a:endParaRPr lang="zh-CN" altLang="en-US" b="1">
+              <a:solidFill>
+                <a:srgbClr val="FF0000"/>
+              </a:solidFill>
+            </a:endParaRPr>
+          </a:p>
+        </p:txBody>
+      </p:sp>
+      <p:sp>
+        <p:nvSpPr>
+          <p:cNvPr id="23" name="矩形 22">
+            <a:extLst>
+              <a:ext uri="{FF2B5EF4-FFF2-40B4-BE49-F238E27FC236}">
+                <a16:creationId xmlns:a16="http://schemas.microsoft.com/office/drawing/2014/main" id="{A7C2727D-BACB-4002-BCE3-FAD7826B6B05}"/>
+              </a:ext>
+            </a:extLst>
+          </p:cNvPr>
+          <p:cNvSpPr/>
+          <p:nvPr/>
+        </p:nvSpPr>
+        <p:spPr>
+          <a:xfrm>
+            <a:off x="7395501" y="3026275"/>
+            <a:ext cx="2566331" cy="285225"/>
+          </a:xfrm>
+          <a:prstGeom prst="rect">
+            <a:avLst/>
+          </a:prstGeom>
+          <a:solidFill>
+            <a:schemeClr val="accent1">
+              <a:lumMod val="40000"/>
+              <a:lumOff val="60000"/>
+            </a:schemeClr>
+          </a:solidFill>
+        </p:spPr>
+        <p:style>
+          <a:lnRef idx="2">
+            <a:schemeClr val="accent1">
+              <a:shade val="50000"/>
+            </a:schemeClr>
+          </a:lnRef>
+          <a:fillRef idx="1">
+            <a:schemeClr val="accent1"/>
+          </a:fillRef>
+          <a:effectRef idx="0">
+            <a:schemeClr val="accent1"/>
+          </a:effectRef>
+          <a:fontRef idx="minor">
+            <a:schemeClr val="lt1"/>
+          </a:fontRef>
+        </p:style>
+        <p:txBody>
+          <a:bodyPr rtlCol="0" anchor="ctr"/>
+          <a:lstStyle/>
+          <a:p>
+            <a:pPr algn="ctr"/>
+            <a:r>
+              <a:rPr lang="en-US" altLang="zh-CN" b="1">
+                <a:solidFill>
+                  <a:srgbClr val="FF0000"/>
+                </a:solidFill>
+              </a:rPr>
+              <a:t>VTextLine - 4</a:t>
+            </a:r>
+            <a:endParaRPr lang="zh-CN" altLang="en-US" b="1">
+              <a:solidFill>
+                <a:srgbClr val="FF0000"/>
+              </a:solidFill>
+            </a:endParaRPr>
+          </a:p>
+        </p:txBody>
+      </p:sp>
+      <p:sp>
+        <p:nvSpPr>
+          <p:cNvPr id="24" name="矩形 23">
+            <a:extLst>
+              <a:ext uri="{FF2B5EF4-FFF2-40B4-BE49-F238E27FC236}">
+                <a16:creationId xmlns:a16="http://schemas.microsoft.com/office/drawing/2014/main" id="{1A504B94-D2DE-4F0E-90F5-CFC4B9DBCF42}"/>
+              </a:ext>
+            </a:extLst>
+          </p:cNvPr>
+          <p:cNvSpPr/>
+          <p:nvPr/>
+        </p:nvSpPr>
+        <p:spPr>
+          <a:xfrm>
+            <a:off x="7395503" y="3311501"/>
+            <a:ext cx="2566331" cy="285225"/>
+          </a:xfrm>
+          <a:prstGeom prst="rect">
+            <a:avLst/>
+          </a:prstGeom>
+          <a:solidFill>
+            <a:schemeClr val="accent1">
+              <a:lumMod val="40000"/>
+              <a:lumOff val="60000"/>
+            </a:schemeClr>
+          </a:solidFill>
+        </p:spPr>
+        <p:style>
+          <a:lnRef idx="2">
+            <a:schemeClr val="accent1">
+              <a:shade val="50000"/>
+            </a:schemeClr>
+          </a:lnRef>
+          <a:fillRef idx="1">
+            <a:schemeClr val="accent1"/>
+          </a:fillRef>
+          <a:effectRef idx="0">
+            <a:schemeClr val="accent1"/>
+          </a:effectRef>
+          <a:fontRef idx="minor">
+            <a:schemeClr val="lt1"/>
+          </a:fontRef>
+        </p:style>
+        <p:txBody>
+          <a:bodyPr rtlCol="0" anchor="ctr"/>
+          <a:lstStyle/>
+          <a:p>
+            <a:pPr algn="ctr"/>
+            <a:r>
+              <a:rPr lang="en-US" altLang="zh-CN">
+                <a:solidFill>
+                  <a:schemeClr val="tx1"/>
+                </a:solidFill>
+              </a:rPr>
+              <a:t>VTextLine – 5</a:t>
+            </a:r>
+            <a:endParaRPr lang="zh-CN" altLang="en-US">
+              <a:solidFill>
+                <a:schemeClr val="tx1"/>
+              </a:solidFill>
+            </a:endParaRPr>
+          </a:p>
+        </p:txBody>
+      </p:sp>
+      <p:sp>
+        <p:nvSpPr>
+          <p:cNvPr id="25" name="矩形 24">
+            <a:extLst>
+              <a:ext uri="{FF2B5EF4-FFF2-40B4-BE49-F238E27FC236}">
+                <a16:creationId xmlns:a16="http://schemas.microsoft.com/office/drawing/2014/main" id="{DA50D2C4-4D8E-4E14-BB49-CACA340F7244}"/>
+              </a:ext>
+            </a:extLst>
+          </p:cNvPr>
+          <p:cNvSpPr/>
+          <p:nvPr/>
+        </p:nvSpPr>
+        <p:spPr>
+          <a:xfrm>
+            <a:off x="7395503" y="3596725"/>
+            <a:ext cx="2566331" cy="285225"/>
+          </a:xfrm>
+          <a:prstGeom prst="rect">
+            <a:avLst/>
+          </a:prstGeom>
+          <a:solidFill>
+            <a:schemeClr val="accent1">
+              <a:lumMod val="40000"/>
+              <a:lumOff val="60000"/>
+            </a:schemeClr>
+          </a:solidFill>
+        </p:spPr>
+        <p:style>
+          <a:lnRef idx="2">
+            <a:schemeClr val="accent1">
+              <a:shade val="50000"/>
+            </a:schemeClr>
+          </a:lnRef>
+          <a:fillRef idx="1">
+            <a:schemeClr val="accent1"/>
+          </a:fillRef>
+          <a:effectRef idx="0">
+            <a:schemeClr val="accent1"/>
+          </a:effectRef>
+          <a:fontRef idx="minor">
+            <a:schemeClr val="lt1"/>
+          </a:fontRef>
+        </p:style>
+        <p:txBody>
+          <a:bodyPr rtlCol="0" anchor="ctr"/>
+          <a:lstStyle/>
+          <a:p>
+            <a:pPr algn="ctr"/>
+            <a:r>
+              <a:rPr lang="en-US" altLang="zh-CN">
+                <a:solidFill>
+                  <a:schemeClr val="tx1"/>
+                </a:solidFill>
+              </a:rPr>
+              <a:t>VTextLine - 6</a:t>
+            </a:r>
+            <a:endParaRPr lang="zh-CN" altLang="en-US">
+              <a:solidFill>
+                <a:schemeClr val="tx1"/>
+              </a:solidFill>
+            </a:endParaRPr>
+          </a:p>
+        </p:txBody>
+      </p:sp>
+      <p:sp>
+        <p:nvSpPr>
+          <p:cNvPr id="26" name="矩形 25">
+            <a:extLst>
+              <a:ext uri="{FF2B5EF4-FFF2-40B4-BE49-F238E27FC236}">
+                <a16:creationId xmlns:a16="http://schemas.microsoft.com/office/drawing/2014/main" id="{C0317732-0F34-411B-A949-C13E93E99D16}"/>
+              </a:ext>
+            </a:extLst>
+          </p:cNvPr>
+          <p:cNvSpPr/>
+          <p:nvPr/>
+        </p:nvSpPr>
+        <p:spPr>
+          <a:xfrm>
+            <a:off x="7395503" y="3881950"/>
+            <a:ext cx="2566331" cy="285225"/>
+          </a:xfrm>
+          <a:prstGeom prst="rect">
+            <a:avLst/>
+          </a:prstGeom>
+          <a:solidFill>
+            <a:schemeClr val="accent1">
+              <a:lumMod val="40000"/>
+              <a:lumOff val="60000"/>
+            </a:schemeClr>
+          </a:solidFill>
+        </p:spPr>
+        <p:style>
+          <a:lnRef idx="2">
+            <a:schemeClr val="accent1">
+              <a:shade val="50000"/>
+            </a:schemeClr>
+          </a:lnRef>
+          <a:fillRef idx="1">
+            <a:schemeClr val="accent1"/>
+          </a:fillRef>
+          <a:effectRef idx="0">
+            <a:schemeClr val="accent1"/>
+          </a:effectRef>
+          <a:fontRef idx="minor">
+            <a:schemeClr val="lt1"/>
+          </a:fontRef>
+        </p:style>
+        <p:txBody>
+          <a:bodyPr rtlCol="0" anchor="ctr"/>
+          <a:lstStyle/>
+          <a:p>
+            <a:pPr algn="ctr"/>
+            <a:r>
+              <a:rPr lang="en-US" altLang="zh-CN">
+                <a:solidFill>
+                  <a:schemeClr val="tx1"/>
+                </a:solidFill>
+              </a:rPr>
+              <a:t>VTextLine - 7</a:t>
+            </a:r>
+            <a:endParaRPr lang="zh-CN" altLang="en-US">
+              <a:solidFill>
+                <a:schemeClr val="tx1"/>
+              </a:solidFill>
+            </a:endParaRPr>
+          </a:p>
+        </p:txBody>
+      </p:sp>
+      <p:sp>
+        <p:nvSpPr>
+          <p:cNvPr id="27" name="矩形 26">
+            <a:extLst>
+              <a:ext uri="{FF2B5EF4-FFF2-40B4-BE49-F238E27FC236}">
+                <a16:creationId xmlns:a16="http://schemas.microsoft.com/office/drawing/2014/main" id="{4803045B-45DC-49BD-9811-0A75C0E37E6A}"/>
+              </a:ext>
+            </a:extLst>
+          </p:cNvPr>
+          <p:cNvSpPr/>
+          <p:nvPr/>
+        </p:nvSpPr>
+        <p:spPr>
+          <a:xfrm>
+            <a:off x="7395503" y="4167174"/>
+            <a:ext cx="2566331" cy="285225"/>
+          </a:xfrm>
+          <a:prstGeom prst="rect">
+            <a:avLst/>
+          </a:prstGeom>
+          <a:solidFill>
+            <a:schemeClr val="accent1">
+              <a:lumMod val="40000"/>
+              <a:lumOff val="60000"/>
+            </a:schemeClr>
+          </a:solidFill>
+        </p:spPr>
+        <p:style>
+          <a:lnRef idx="2">
+            <a:schemeClr val="accent1">
+              <a:shade val="50000"/>
+            </a:schemeClr>
+          </a:lnRef>
+          <a:fillRef idx="1">
+            <a:schemeClr val="accent1"/>
+          </a:fillRef>
+          <a:effectRef idx="0">
+            <a:schemeClr val="accent1"/>
+          </a:effectRef>
+          <a:fontRef idx="minor">
+            <a:schemeClr val="lt1"/>
+          </a:fontRef>
+        </p:style>
+        <p:txBody>
+          <a:bodyPr rtlCol="0" anchor="ctr"/>
+          <a:lstStyle/>
+          <a:p>
+            <a:pPr algn="ctr"/>
+            <a:r>
+              <a:rPr lang="en-US" altLang="zh-CN">
+                <a:solidFill>
+                  <a:schemeClr val="tx1"/>
+                </a:solidFill>
+              </a:rPr>
+              <a:t>VTextLine - 8</a:t>
+            </a:r>
+            <a:endParaRPr lang="zh-CN" altLang="en-US">
+              <a:solidFill>
+                <a:schemeClr val="tx1"/>
+              </a:solidFill>
+            </a:endParaRPr>
+          </a:p>
+        </p:txBody>
+      </p:sp>
+      <p:sp>
+        <p:nvSpPr>
+          <p:cNvPr id="28" name="矩形 27">
+            <a:extLst>
+              <a:ext uri="{FF2B5EF4-FFF2-40B4-BE49-F238E27FC236}">
+                <a16:creationId xmlns:a16="http://schemas.microsoft.com/office/drawing/2014/main" id="{D623FDBC-C611-4415-8658-0335DC5CD094}"/>
+              </a:ext>
+            </a:extLst>
+          </p:cNvPr>
+          <p:cNvSpPr/>
+          <p:nvPr/>
+        </p:nvSpPr>
+        <p:spPr>
+          <a:xfrm>
+            <a:off x="7395503" y="4452399"/>
+            <a:ext cx="2566331" cy="285225"/>
+          </a:xfrm>
+          <a:prstGeom prst="rect">
+            <a:avLst/>
+          </a:prstGeom>
+          <a:solidFill>
+            <a:schemeClr val="accent1">
+              <a:lumMod val="40000"/>
+              <a:lumOff val="60000"/>
+            </a:schemeClr>
+          </a:solidFill>
+        </p:spPr>
+        <p:style>
+          <a:lnRef idx="2">
+            <a:schemeClr val="accent1">
+              <a:shade val="50000"/>
+            </a:schemeClr>
+          </a:lnRef>
+          <a:fillRef idx="1">
+            <a:schemeClr val="accent1"/>
+          </a:fillRef>
+          <a:effectRef idx="0">
+            <a:schemeClr val="accent1"/>
+          </a:effectRef>
+          <a:fontRef idx="minor">
+            <a:schemeClr val="lt1"/>
+          </a:fontRef>
+        </p:style>
+        <p:txBody>
+          <a:bodyPr rtlCol="0" anchor="ctr"/>
+          <a:lstStyle/>
+          <a:p>
+            <a:pPr algn="ctr"/>
+            <a:r>
+              <a:rPr lang="en-US" altLang="zh-CN">
+                <a:solidFill>
+                  <a:schemeClr val="tx1"/>
+                </a:solidFill>
+              </a:rPr>
+              <a:t>VTextLine - 9</a:t>
+            </a:r>
+            <a:endParaRPr lang="zh-CN" altLang="en-US">
+              <a:solidFill>
+                <a:schemeClr val="tx1"/>
+              </a:solidFill>
+            </a:endParaRPr>
+          </a:p>
+        </p:txBody>
+      </p:sp>
+      <p:sp>
+        <p:nvSpPr>
+          <p:cNvPr id="29" name="矩形 28">
+            <a:extLst>
+              <a:ext uri="{FF2B5EF4-FFF2-40B4-BE49-F238E27FC236}">
+                <a16:creationId xmlns:a16="http://schemas.microsoft.com/office/drawing/2014/main" id="{2CA8179B-8174-4A4B-882D-621379C53AB5}"/>
+              </a:ext>
+            </a:extLst>
+          </p:cNvPr>
+          <p:cNvSpPr/>
+          <p:nvPr/>
+        </p:nvSpPr>
+        <p:spPr>
+          <a:xfrm>
+            <a:off x="7395503" y="4737623"/>
+            <a:ext cx="2566331" cy="285225"/>
+          </a:xfrm>
+          <a:prstGeom prst="rect">
+            <a:avLst/>
+          </a:prstGeom>
+          <a:solidFill>
+            <a:schemeClr val="accent1">
+              <a:lumMod val="40000"/>
+              <a:lumOff val="60000"/>
+            </a:schemeClr>
+          </a:solidFill>
+        </p:spPr>
+        <p:style>
+          <a:lnRef idx="2">
+            <a:schemeClr val="accent1">
+              <a:shade val="50000"/>
+            </a:schemeClr>
+          </a:lnRef>
+          <a:fillRef idx="1">
+            <a:schemeClr val="accent1"/>
+          </a:fillRef>
+          <a:effectRef idx="0">
+            <a:schemeClr val="accent1"/>
+          </a:effectRef>
+          <a:fontRef idx="minor">
+            <a:schemeClr val="lt1"/>
+          </a:fontRef>
+        </p:style>
+        <p:txBody>
+          <a:bodyPr rtlCol="0" anchor="ctr"/>
+          <a:lstStyle/>
+          <a:p>
+            <a:pPr algn="ctr"/>
+            <a:r>
+              <a:rPr lang="en-US" altLang="zh-CN">
+                <a:solidFill>
+                  <a:schemeClr val="tx1"/>
+                </a:solidFill>
+              </a:rPr>
+              <a:t>VTextLine - 10</a:t>
+            </a:r>
+            <a:endParaRPr lang="zh-CN" altLang="en-US">
+              <a:solidFill>
+                <a:schemeClr val="tx1"/>
+              </a:solidFill>
+            </a:endParaRPr>
+          </a:p>
+        </p:txBody>
+      </p:sp>
+      <p:sp>
+        <p:nvSpPr>
+          <p:cNvPr id="30" name="矩形 29">
+            <a:extLst>
+              <a:ext uri="{FF2B5EF4-FFF2-40B4-BE49-F238E27FC236}">
+                <a16:creationId xmlns:a16="http://schemas.microsoft.com/office/drawing/2014/main" id="{1C6B4649-06BB-4C4E-84B5-25CDB9FED855}"/>
+              </a:ext>
+            </a:extLst>
+          </p:cNvPr>
+          <p:cNvSpPr/>
+          <p:nvPr/>
+        </p:nvSpPr>
+        <p:spPr>
+          <a:xfrm>
+            <a:off x="7395503" y="5022848"/>
+            <a:ext cx="2566331" cy="285225"/>
+          </a:xfrm>
+          <a:prstGeom prst="rect">
+            <a:avLst/>
+          </a:prstGeom>
+          <a:solidFill>
+            <a:schemeClr val="accent1">
+              <a:lumMod val="40000"/>
+              <a:lumOff val="60000"/>
+            </a:schemeClr>
+          </a:solidFill>
+        </p:spPr>
+        <p:style>
+          <a:lnRef idx="2">
+            <a:schemeClr val="accent1">
+              <a:shade val="50000"/>
+            </a:schemeClr>
+          </a:lnRef>
+          <a:fillRef idx="1">
+            <a:schemeClr val="accent1"/>
+          </a:fillRef>
+          <a:effectRef idx="0">
+            <a:schemeClr val="accent1"/>
+          </a:effectRef>
+          <a:fontRef idx="minor">
+            <a:schemeClr val="lt1"/>
+          </a:fontRef>
+        </p:style>
+        <p:txBody>
+          <a:bodyPr rtlCol="0" anchor="ctr"/>
+          <a:lstStyle/>
+          <a:p>
+            <a:pPr algn="ctr"/>
+            <a:r>
+              <a:rPr lang="en-US" altLang="zh-CN">
+                <a:solidFill>
+                  <a:schemeClr val="tx1"/>
+                </a:solidFill>
+              </a:rPr>
+              <a:t>VTextLine - 11</a:t>
+            </a:r>
+            <a:endParaRPr lang="zh-CN" altLang="en-US">
+              <a:solidFill>
+                <a:schemeClr val="tx1"/>
+              </a:solidFill>
+            </a:endParaRPr>
+          </a:p>
+        </p:txBody>
+      </p:sp>
+      <p:sp>
+        <p:nvSpPr>
+          <p:cNvPr id="31" name="矩形 30">
+            <a:extLst>
+              <a:ext uri="{FF2B5EF4-FFF2-40B4-BE49-F238E27FC236}">
+                <a16:creationId xmlns:a16="http://schemas.microsoft.com/office/drawing/2014/main" id="{56657B86-A647-45EB-BDE1-1DA4B58E863B}"/>
+              </a:ext>
+            </a:extLst>
+          </p:cNvPr>
+          <p:cNvSpPr/>
+          <p:nvPr/>
+        </p:nvSpPr>
+        <p:spPr>
+          <a:xfrm>
+            <a:off x="7397923" y="2746218"/>
+            <a:ext cx="2566331" cy="285225"/>
+          </a:xfrm>
+          <a:prstGeom prst="rect">
+            <a:avLst/>
+          </a:prstGeom>
+          <a:solidFill>
+            <a:schemeClr val="accent2">
+              <a:lumMod val="20000"/>
+              <a:lumOff val="80000"/>
+            </a:schemeClr>
+          </a:solidFill>
+        </p:spPr>
+        <p:style>
+          <a:lnRef idx="2">
+            <a:schemeClr val="accent1">
+              <a:shade val="50000"/>
+            </a:schemeClr>
+          </a:lnRef>
+          <a:fillRef idx="1">
+            <a:schemeClr val="accent1"/>
+          </a:fillRef>
+          <a:effectRef idx="0">
+            <a:schemeClr val="accent1"/>
+          </a:effectRef>
+          <a:fontRef idx="minor">
+            <a:schemeClr val="lt1"/>
+          </a:fontRef>
+        </p:style>
+        <p:txBody>
+          <a:bodyPr rtlCol="0" anchor="ctr"/>
+          <a:lstStyle/>
+          <a:p>
+            <a:pPr algn="ctr"/>
+            <a:r>
+              <a:rPr lang="en-US" altLang="zh-CN">
+                <a:solidFill>
+                  <a:schemeClr val="tx1"/>
+                </a:solidFill>
+              </a:rPr>
+              <a:t>VTextLine - 2</a:t>
+            </a:r>
+            <a:endParaRPr lang="zh-CN" altLang="en-US">
+              <a:solidFill>
+                <a:schemeClr val="tx1"/>
+              </a:solidFill>
+            </a:endParaRPr>
+          </a:p>
+        </p:txBody>
+      </p:sp>
+      <p:sp>
+        <p:nvSpPr>
+          <p:cNvPr id="32" name="矩形 31">
+            <a:extLst>
+              <a:ext uri="{FF2B5EF4-FFF2-40B4-BE49-F238E27FC236}">
+                <a16:creationId xmlns:a16="http://schemas.microsoft.com/office/drawing/2014/main" id="{EBCD7821-434A-4F0C-B747-9D63B066022B}"/>
+              </a:ext>
+            </a:extLst>
+          </p:cNvPr>
+          <p:cNvSpPr/>
+          <p:nvPr/>
+        </p:nvSpPr>
+        <p:spPr>
+          <a:xfrm>
+            <a:off x="7397923" y="2460993"/>
+            <a:ext cx="2566331" cy="285225"/>
+          </a:xfrm>
+          <a:prstGeom prst="rect">
+            <a:avLst/>
+          </a:prstGeom>
+          <a:solidFill>
+            <a:schemeClr val="accent2">
+              <a:lumMod val="20000"/>
+              <a:lumOff val="80000"/>
+            </a:schemeClr>
+          </a:solidFill>
+        </p:spPr>
+        <p:style>
+          <a:lnRef idx="2">
+            <a:schemeClr val="accent1">
+              <a:shade val="50000"/>
+            </a:schemeClr>
+          </a:lnRef>
+          <a:fillRef idx="1">
+            <a:schemeClr val="accent1"/>
+          </a:fillRef>
+          <a:effectRef idx="0">
+            <a:schemeClr val="accent1"/>
+          </a:effectRef>
+          <a:fontRef idx="minor">
+            <a:schemeClr val="lt1"/>
+          </a:fontRef>
+        </p:style>
+        <p:txBody>
+          <a:bodyPr rtlCol="0" anchor="ctr"/>
+          <a:lstStyle/>
+          <a:p>
+            <a:pPr algn="ctr"/>
+            <a:r>
+              <a:rPr lang="en-US" altLang="zh-CN">
+                <a:solidFill>
+                  <a:schemeClr val="tx1"/>
+                </a:solidFill>
+              </a:rPr>
+              <a:t>VTextLine - 1</a:t>
+            </a:r>
+            <a:endParaRPr lang="zh-CN" altLang="en-US">
+              <a:solidFill>
+                <a:schemeClr val="tx1"/>
+              </a:solidFill>
+            </a:endParaRPr>
+          </a:p>
+        </p:txBody>
+      </p:sp>
+      <p:sp>
+        <p:nvSpPr>
+          <p:cNvPr id="33" name="矩形 32">
+            <a:extLst>
+              <a:ext uri="{FF2B5EF4-FFF2-40B4-BE49-F238E27FC236}">
+                <a16:creationId xmlns:a16="http://schemas.microsoft.com/office/drawing/2014/main" id="{FCDEB43D-6C5C-4F3E-93CE-689B55C5C125}"/>
+              </a:ext>
+            </a:extLst>
+          </p:cNvPr>
+          <p:cNvSpPr/>
+          <p:nvPr/>
+        </p:nvSpPr>
+        <p:spPr>
+          <a:xfrm>
+            <a:off x="7397923" y="5598464"/>
+            <a:ext cx="2566331" cy="285225"/>
+          </a:xfrm>
+          <a:prstGeom prst="rect">
+            <a:avLst/>
+          </a:prstGeom>
+          <a:solidFill>
+            <a:schemeClr val="accent2">
+              <a:lumMod val="20000"/>
+              <a:lumOff val="80000"/>
+            </a:schemeClr>
+          </a:solidFill>
+        </p:spPr>
+        <p:style>
+          <a:lnRef idx="2">
+            <a:schemeClr val="accent1">
+              <a:shade val="50000"/>
+            </a:schemeClr>
+          </a:lnRef>
+          <a:fillRef idx="1">
+            <a:schemeClr val="accent1"/>
+          </a:fillRef>
+          <a:effectRef idx="0">
+            <a:schemeClr val="accent1"/>
+          </a:effectRef>
+          <a:fontRef idx="minor">
+            <a:schemeClr val="lt1"/>
+          </a:fontRef>
+        </p:style>
+        <p:txBody>
+          <a:bodyPr rtlCol="0" anchor="ctr"/>
+          <a:lstStyle/>
+          <a:p>
+            <a:pPr algn="ctr"/>
+            <a:r>
+              <a:rPr lang="en-US" altLang="zh-CN">
+                <a:solidFill>
+                  <a:schemeClr val="tx1"/>
+                </a:solidFill>
+              </a:rPr>
+              <a:t>VTextLine - 12</a:t>
+            </a:r>
+            <a:endParaRPr lang="zh-CN" altLang="en-US">
+              <a:solidFill>
+                <a:schemeClr val="tx1"/>
+              </a:solidFill>
+            </a:endParaRPr>
+          </a:p>
+        </p:txBody>
+      </p:sp>
+      <p:sp>
+        <p:nvSpPr>
+          <p:cNvPr id="34" name="矩形 33">
+            <a:extLst>
+              <a:ext uri="{FF2B5EF4-FFF2-40B4-BE49-F238E27FC236}">
+                <a16:creationId xmlns:a16="http://schemas.microsoft.com/office/drawing/2014/main" id="{0D91B2CC-7EEF-4B0F-A747-1F29670F2A9E}"/>
+              </a:ext>
+            </a:extLst>
+          </p:cNvPr>
+          <p:cNvSpPr/>
+          <p:nvPr/>
+        </p:nvSpPr>
+        <p:spPr>
+          <a:xfrm>
+            <a:off x="7397923" y="5873354"/>
+            <a:ext cx="2566331" cy="285225"/>
+          </a:xfrm>
+          <a:prstGeom prst="rect">
+            <a:avLst/>
+          </a:prstGeom>
+          <a:solidFill>
+            <a:schemeClr val="accent2">
+              <a:lumMod val="20000"/>
+              <a:lumOff val="80000"/>
+            </a:schemeClr>
+          </a:solidFill>
+        </p:spPr>
+        <p:style>
+          <a:lnRef idx="2">
+            <a:schemeClr val="accent1">
+              <a:shade val="50000"/>
+            </a:schemeClr>
+          </a:lnRef>
+          <a:fillRef idx="1">
+            <a:schemeClr val="accent1"/>
+          </a:fillRef>
+          <a:effectRef idx="0">
+            <a:schemeClr val="accent1"/>
+          </a:effectRef>
+          <a:fontRef idx="minor">
+            <a:schemeClr val="lt1"/>
+          </a:fontRef>
+        </p:style>
+        <p:txBody>
+          <a:bodyPr rtlCol="0" anchor="ctr"/>
+          <a:lstStyle/>
+          <a:p>
+            <a:pPr algn="ctr"/>
+            <a:r>
+              <a:rPr lang="en-US" altLang="zh-CN">
+                <a:solidFill>
+                  <a:schemeClr val="tx1"/>
+                </a:solidFill>
+              </a:rPr>
+              <a:t>VTextLine - 13</a:t>
+            </a:r>
+            <a:endParaRPr lang="zh-CN" altLang="en-US">
+              <a:solidFill>
+                <a:schemeClr val="tx1"/>
+              </a:solidFill>
+            </a:endParaRPr>
+          </a:p>
+        </p:txBody>
+      </p:sp>
+      <p:sp>
+        <p:nvSpPr>
+          <p:cNvPr id="35" name="右大括号 34">
+            <a:extLst>
+              <a:ext uri="{FF2B5EF4-FFF2-40B4-BE49-F238E27FC236}">
+                <a16:creationId xmlns:a16="http://schemas.microsoft.com/office/drawing/2014/main" id="{EB47DF1B-36C2-4798-A994-562061A78E05}"/>
+              </a:ext>
+            </a:extLst>
+          </p:cNvPr>
+          <p:cNvSpPr/>
+          <p:nvPr/>
+        </p:nvSpPr>
+        <p:spPr>
+          <a:xfrm>
+            <a:off x="10032067" y="3031443"/>
+            <a:ext cx="328268" cy="2567021"/>
+          </a:xfrm>
+          <a:prstGeom prst="rightBrace">
+            <a:avLst>
+              <a:gd name="adj1" fmla="val 8333"/>
+              <a:gd name="adj2" fmla="val 48693"/>
+            </a:avLst>
+          </a:prstGeom>
+          <a:ln w="28575">
+            <a:solidFill>
+              <a:schemeClr val="tx1">
+                <a:lumMod val="95000"/>
+                <a:lumOff val="5000"/>
+              </a:schemeClr>
+            </a:solidFill>
+          </a:ln>
+        </p:spPr>
+        <p:style>
+          <a:lnRef idx="1">
+            <a:schemeClr val="accent1"/>
+          </a:lnRef>
+          <a:fillRef idx="0">
+            <a:schemeClr val="accent1"/>
+          </a:fillRef>
+          <a:effectRef idx="0">
+            <a:schemeClr val="accent1"/>
+          </a:effectRef>
+          <a:fontRef idx="minor">
+            <a:schemeClr val="tx1"/>
+          </a:fontRef>
+        </p:style>
+        <p:txBody>
+          <a:bodyPr rtlCol="0" anchor="ctr"/>
+          <a:lstStyle/>
+          <a:p>
+            <a:pPr algn="ctr"/>
+            <a:endParaRPr lang="zh-CN" altLang="en-US"/>
+          </a:p>
+        </p:txBody>
+      </p:sp>
+      <p:sp>
+        <p:nvSpPr>
+          <p:cNvPr id="36" name="右大括号 35">
+            <a:extLst>
+              <a:ext uri="{FF2B5EF4-FFF2-40B4-BE49-F238E27FC236}">
+                <a16:creationId xmlns:a16="http://schemas.microsoft.com/office/drawing/2014/main" id="{A9019A95-386E-439C-85CB-57B5A439E3FF}"/>
+              </a:ext>
+            </a:extLst>
+          </p:cNvPr>
+          <p:cNvSpPr/>
+          <p:nvPr/>
+        </p:nvSpPr>
+        <p:spPr>
+          <a:xfrm>
+            <a:off x="10032067" y="2455477"/>
+            <a:ext cx="328268" cy="560813"/>
+          </a:xfrm>
+          <a:prstGeom prst="rightBrace">
+            <a:avLst>
+              <a:gd name="adj1" fmla="val 8333"/>
+              <a:gd name="adj2" fmla="val 36537"/>
+            </a:avLst>
+          </a:prstGeom>
+          <a:ln w="28575">
+            <a:solidFill>
+              <a:schemeClr val="tx1">
+                <a:lumMod val="95000"/>
+                <a:lumOff val="5000"/>
+              </a:schemeClr>
+            </a:solidFill>
+          </a:ln>
+        </p:spPr>
+        <p:style>
+          <a:lnRef idx="1">
+            <a:schemeClr val="accent1"/>
+          </a:lnRef>
+          <a:fillRef idx="0">
+            <a:schemeClr val="accent1"/>
+          </a:fillRef>
+          <a:effectRef idx="0">
+            <a:schemeClr val="accent1"/>
+          </a:effectRef>
+          <a:fontRef idx="minor">
+            <a:schemeClr val="tx1"/>
+          </a:fontRef>
+        </p:style>
+        <p:txBody>
+          <a:bodyPr rtlCol="0" anchor="ctr"/>
+          <a:lstStyle/>
+          <a:p>
+            <a:pPr algn="ctr"/>
+            <a:endParaRPr lang="zh-CN" altLang="en-US"/>
+          </a:p>
+        </p:txBody>
+      </p:sp>
+      <p:sp>
+        <p:nvSpPr>
+          <p:cNvPr id="37" name="右大括号 36">
+            <a:extLst>
+              <a:ext uri="{FF2B5EF4-FFF2-40B4-BE49-F238E27FC236}">
+                <a16:creationId xmlns:a16="http://schemas.microsoft.com/office/drawing/2014/main" id="{8A79A876-9E4B-4A04-B0BB-1B8413533AC1}"/>
+              </a:ext>
+            </a:extLst>
+          </p:cNvPr>
+          <p:cNvSpPr/>
+          <p:nvPr/>
+        </p:nvSpPr>
+        <p:spPr>
+          <a:xfrm>
+            <a:off x="10032067" y="5613617"/>
+            <a:ext cx="328268" cy="560813"/>
+          </a:xfrm>
+          <a:prstGeom prst="rightBrace">
+            <a:avLst>
+              <a:gd name="adj1" fmla="val 8333"/>
+              <a:gd name="adj2" fmla="val 36537"/>
+            </a:avLst>
+          </a:prstGeom>
+          <a:ln w="28575">
+            <a:solidFill>
+              <a:schemeClr val="tx1">
+                <a:lumMod val="95000"/>
+                <a:lumOff val="5000"/>
+              </a:schemeClr>
+            </a:solidFill>
+          </a:ln>
+        </p:spPr>
+        <p:style>
+          <a:lnRef idx="1">
+            <a:schemeClr val="accent1"/>
+          </a:lnRef>
+          <a:fillRef idx="0">
+            <a:schemeClr val="accent1"/>
+          </a:fillRef>
+          <a:effectRef idx="0">
+            <a:schemeClr val="accent1"/>
+          </a:effectRef>
+          <a:fontRef idx="minor">
+            <a:schemeClr val="tx1"/>
+          </a:fontRef>
+        </p:style>
+        <p:txBody>
+          <a:bodyPr rtlCol="0" anchor="ctr"/>
+          <a:lstStyle/>
+          <a:p>
+            <a:pPr algn="ctr"/>
+            <a:endParaRPr lang="zh-CN" altLang="en-US"/>
+          </a:p>
+        </p:txBody>
+      </p:sp>
+      <p:sp>
+        <p:nvSpPr>
+          <p:cNvPr id="38" name="文本框 37">
+            <a:extLst>
+              <a:ext uri="{FF2B5EF4-FFF2-40B4-BE49-F238E27FC236}">
+                <a16:creationId xmlns:a16="http://schemas.microsoft.com/office/drawing/2014/main" id="{927EA46A-C13B-4895-92BB-9D69C666499F}"/>
               </a:ext>
             </a:extLst>
           </p:cNvPr>
@@ -5633,7 +7999,7 @@
         </p:nvSpPr>
         <p:spPr>
           <a:xfrm>
-            <a:off x="10960496" y="2589927"/>
+            <a:off x="10547517" y="2551000"/>
             <a:ext cx="910827" cy="276999"/>
           </a:xfrm>
           <a:prstGeom prst="rect">
@@ -5657,10 +8023,10 @@
       </p:sp>
       <p:sp>
         <p:nvSpPr>
-          <p:cNvPr id="43" name="文本框 42">
-            <a:extLst>
-              <a:ext uri="{FF2B5EF4-FFF2-40B4-BE49-F238E27FC236}">
-                <a16:creationId xmlns:a16="http://schemas.microsoft.com/office/drawing/2014/main" id="{2556D390-0BB8-4239-B2CC-4EE314D00565}"/>
+          <p:cNvPr id="39" name="文本框 38">
+            <a:extLst>
+              <a:ext uri="{FF2B5EF4-FFF2-40B4-BE49-F238E27FC236}">
+                <a16:creationId xmlns:a16="http://schemas.microsoft.com/office/drawing/2014/main" id="{8F4E6176-3AB7-424E-A9F4-E3009C8DD67C}"/>
               </a:ext>
             </a:extLst>
           </p:cNvPr>
@@ -5669,7 +8035,7 @@
         </p:nvSpPr>
         <p:spPr>
           <a:xfrm>
-            <a:off x="10921998" y="5727615"/>
+            <a:off x="10547517" y="5644149"/>
             <a:ext cx="1146468" cy="276999"/>
           </a:xfrm>
           <a:prstGeom prst="rect">
@@ -5693,10 +8059,10 @@
       </p:sp>
       <p:sp>
         <p:nvSpPr>
-          <p:cNvPr id="44" name="箭头: 右 43">
-            <a:extLst>
-              <a:ext uri="{FF2B5EF4-FFF2-40B4-BE49-F238E27FC236}">
-                <a16:creationId xmlns:a16="http://schemas.microsoft.com/office/drawing/2014/main" id="{613F3C08-69A9-42FF-8440-435A1DA17BF4}"/>
+          <p:cNvPr id="40" name="箭头: 右 39">
+            <a:extLst>
+              <a:ext uri="{FF2B5EF4-FFF2-40B4-BE49-F238E27FC236}">
+                <a16:creationId xmlns:a16="http://schemas.microsoft.com/office/drawing/2014/main" id="{235D3858-1943-454D-BE12-603B4D1E1AC1}"/>
               </a:ext>
             </a:extLst>
           </p:cNvPr>
@@ -5704,8 +8070,8 @@
           <p:nvPr/>
         </p:nvSpPr>
         <p:spPr>
-          <a:xfrm>
-            <a:off x="4597167" y="4211269"/>
+          <a:xfrm flipV="1">
+            <a:off x="4407224" y="4148193"/>
             <a:ext cx="2566331" cy="45719"/>
           </a:xfrm>
           <a:prstGeom prst="rightArrow">
@@ -5745,10 +8111,10 @@
       </p:sp>
       <p:sp>
         <p:nvSpPr>
-          <p:cNvPr id="45" name="文本框 44">
-            <a:extLst>
-              <a:ext uri="{FF2B5EF4-FFF2-40B4-BE49-F238E27FC236}">
-                <a16:creationId xmlns:a16="http://schemas.microsoft.com/office/drawing/2014/main" id="{D74AC3D2-B153-42EE-B95F-F3128273C670}"/>
+          <p:cNvPr id="41" name="文本框 40">
+            <a:extLst>
+              <a:ext uri="{FF2B5EF4-FFF2-40B4-BE49-F238E27FC236}">
+                <a16:creationId xmlns:a16="http://schemas.microsoft.com/office/drawing/2014/main" id="{A53A83B7-3734-478F-8F15-C753AEB1C606}"/>
               </a:ext>
             </a:extLst>
           </p:cNvPr>
@@ -5757,7 +8123,7 @@
         </p:nvSpPr>
         <p:spPr>
           <a:xfrm>
-            <a:off x="5161776" y="3741378"/>
+            <a:off x="4970425" y="3715142"/>
             <a:ext cx="1253869" cy="369332"/>
           </a:xfrm>
           <a:prstGeom prst="rect">
@@ -5785,10 +8151,10 @@
       </p:sp>
       <p:sp>
         <p:nvSpPr>
-          <p:cNvPr id="3" name="文本框 2">
-            <a:extLst>
-              <a:ext uri="{FF2B5EF4-FFF2-40B4-BE49-F238E27FC236}">
-                <a16:creationId xmlns:a16="http://schemas.microsoft.com/office/drawing/2014/main" id="{EF5D832E-4C80-4E1B-8A6A-49FB5BA16A18}"/>
+          <p:cNvPr id="42" name="文本框 41">
+            <a:extLst>
+              <a:ext uri="{FF2B5EF4-FFF2-40B4-BE49-F238E27FC236}">
+                <a16:creationId xmlns:a16="http://schemas.microsoft.com/office/drawing/2014/main" id="{D84C3D18-2D0A-43E3-942A-75C423FF1342}"/>
               </a:ext>
             </a:extLst>
           </p:cNvPr>
@@ -5797,8 +8163,8 @@
         </p:nvSpPr>
         <p:spPr>
           <a:xfrm>
-            <a:off x="876815" y="1568733"/>
-            <a:ext cx="8175636" cy="369332"/>
+            <a:off x="838200" y="1350956"/>
+            <a:ext cx="10508005" cy="738664"/>
           </a:xfrm>
           <a:prstGeom prst="rect">
             <a:avLst/>
@@ -5812,12 +8178,190 @@
           <a:lstStyle/>
           <a:p>
             <a:r>
+              <a:rPr lang="en-US" altLang="zh-CN" sz="1400">
+                <a:latin typeface="新宋体" panose="02010609030101010101" pitchFamily="49" charset="-122"/>
+                <a:ea typeface="新宋体" panose="02010609030101010101" pitchFamily="49" charset="-122"/>
+              </a:rPr>
+              <a:t>LineFeed</a:t>
+            </a:r>
+            <a:r>
+              <a:rPr lang="zh-CN" altLang="en-US" sz="1400">
+                <a:latin typeface="新宋体" panose="02010609030101010101" pitchFamily="49" charset="-122"/>
+                <a:ea typeface="新宋体" panose="02010609030101010101" pitchFamily="49" charset="-122"/>
+              </a:rPr>
+              <a:t>表示换行，此时要在文档的</a:t>
+            </a:r>
+            <a:r>
+              <a:rPr lang="en-US" altLang="zh-CN" sz="1400">
+                <a:latin typeface="新宋体" panose="02010609030101010101" pitchFamily="49" charset="-122"/>
+                <a:ea typeface="新宋体" panose="02010609030101010101" pitchFamily="49" charset="-122"/>
+              </a:rPr>
+              <a:t>margin</a:t>
+            </a:r>
+            <a:r>
+              <a:rPr lang="zh-CN" altLang="en-US" sz="1400">
+                <a:latin typeface="新宋体" panose="02010609030101010101" pitchFamily="49" charset="-122"/>
+                <a:ea typeface="新宋体" panose="02010609030101010101" pitchFamily="49" charset="-122"/>
+              </a:rPr>
+              <a:t>内显示新的行。</a:t>
+            </a:r>
+            <a:endParaRPr lang="en-US" altLang="zh-CN" sz="1400">
+              <a:latin typeface="新宋体" panose="02010609030101010101" pitchFamily="49" charset="-122"/>
+              <a:ea typeface="新宋体" panose="02010609030101010101" pitchFamily="49" charset="-122"/>
+            </a:endParaRPr>
+          </a:p>
+          <a:p>
+            <a:r>
+              <a:rPr lang="en-US" altLang="zh-CN" sz="1400">
+                <a:latin typeface="新宋体" panose="02010609030101010101" pitchFamily="49" charset="-122"/>
+                <a:ea typeface="新宋体" panose="02010609030101010101" pitchFamily="49" charset="-122"/>
+              </a:rPr>
+              <a:t>Xterminal</a:t>
+            </a:r>
+            <a:r>
+              <a:rPr lang="zh-CN" altLang="en-US" sz="1400">
+                <a:latin typeface="新宋体" panose="02010609030101010101" pitchFamily="49" charset="-122"/>
+                <a:ea typeface="新宋体" panose="02010609030101010101" pitchFamily="49" charset="-122"/>
+              </a:rPr>
+              <a:t>会把</a:t>
+            </a:r>
+            <a:r>
+              <a:rPr lang="en-US" altLang="zh-CN" sz="1400">
+                <a:latin typeface="新宋体" panose="02010609030101010101" pitchFamily="49" charset="-122"/>
+                <a:ea typeface="新宋体" panose="02010609030101010101" pitchFamily="49" charset="-122"/>
+              </a:rPr>
+              <a:t>MarginTop</a:t>
+            </a:r>
+            <a:r>
+              <a:rPr lang="zh-CN" altLang="en-US" sz="1400">
+                <a:latin typeface="新宋体" panose="02010609030101010101" pitchFamily="49" charset="-122"/>
+                <a:ea typeface="新宋体" panose="02010609030101010101" pitchFamily="49" charset="-122"/>
+              </a:rPr>
+              <a:t>下的第一行拿出来，插入到</a:t>
+            </a:r>
+            <a:r>
+              <a:rPr lang="en-US" altLang="zh-CN" sz="1400">
+                <a:latin typeface="新宋体" panose="02010609030101010101" pitchFamily="49" charset="-122"/>
+                <a:ea typeface="新宋体" panose="02010609030101010101" pitchFamily="49" charset="-122"/>
+              </a:rPr>
+              <a:t>MarginBottom</a:t>
+            </a:r>
+            <a:r>
+              <a:rPr lang="zh-CN" altLang="en-US" sz="1400">
+                <a:latin typeface="新宋体" panose="02010609030101010101" pitchFamily="49" charset="-122"/>
+                <a:ea typeface="新宋体" panose="02010609030101010101" pitchFamily="49" charset="-122"/>
+              </a:rPr>
+              <a:t>的上一行，复用行对象来保存该行要显示的数据</a:t>
+            </a:r>
+            <a:endParaRPr lang="en-US" altLang="zh-CN" sz="1400">
+              <a:latin typeface="新宋体" panose="02010609030101010101" pitchFamily="49" charset="-122"/>
+              <a:ea typeface="新宋体" panose="02010609030101010101" pitchFamily="49" charset="-122"/>
+            </a:endParaRPr>
+          </a:p>
+          <a:p>
+            <a:r>
+              <a:rPr lang="zh-CN" altLang="en-US" sz="1400">
+                <a:latin typeface="新宋体" panose="02010609030101010101" pitchFamily="49" charset="-122"/>
+                <a:ea typeface="新宋体" panose="02010609030101010101" pitchFamily="49" charset="-122"/>
+              </a:rPr>
+              <a:t>下图表示了当执行</a:t>
+            </a:r>
+            <a:r>
+              <a:rPr lang="en-US" altLang="zh-CN" sz="1400">
+                <a:latin typeface="新宋体" panose="02010609030101010101" pitchFamily="49" charset="-122"/>
+                <a:ea typeface="新宋体" panose="02010609030101010101" pitchFamily="49" charset="-122"/>
+              </a:rPr>
+              <a:t>LineFeed</a:t>
+            </a:r>
+            <a:r>
+              <a:rPr lang="zh-CN" altLang="en-US" sz="1400">
+                <a:latin typeface="新宋体" panose="02010609030101010101" pitchFamily="49" charset="-122"/>
+                <a:ea typeface="新宋体" panose="02010609030101010101" pitchFamily="49" charset="-122"/>
+              </a:rPr>
+              <a:t>行为的时候，</a:t>
+            </a:r>
+            <a:r>
+              <a:rPr lang="en-US" altLang="zh-CN" sz="1400">
+                <a:latin typeface="新宋体" panose="02010609030101010101" pitchFamily="49" charset="-122"/>
+                <a:ea typeface="新宋体" panose="02010609030101010101" pitchFamily="49" charset="-122"/>
+              </a:rPr>
+              <a:t>XTerminal</a:t>
+            </a:r>
+            <a:r>
+              <a:rPr lang="zh-CN" altLang="en-US" sz="1400">
+                <a:latin typeface="新宋体" panose="02010609030101010101" pitchFamily="49" charset="-122"/>
+                <a:ea typeface="新宋体" panose="02010609030101010101" pitchFamily="49" charset="-122"/>
+              </a:rPr>
+              <a:t>复用</a:t>
+            </a:r>
+            <a:r>
+              <a:rPr lang="en-US" altLang="zh-CN" sz="1400">
+                <a:latin typeface="新宋体" panose="02010609030101010101" pitchFamily="49" charset="-122"/>
+                <a:ea typeface="新宋体" panose="02010609030101010101" pitchFamily="49" charset="-122"/>
+              </a:rPr>
+              <a:t>VTextLine3</a:t>
+            </a:r>
+            <a:r>
+              <a:rPr lang="zh-CN" altLang="en-US" sz="1400">
+                <a:latin typeface="新宋体" panose="02010609030101010101" pitchFamily="49" charset="-122"/>
+                <a:ea typeface="新宋体" panose="02010609030101010101" pitchFamily="49" charset="-122"/>
+              </a:rPr>
+              <a:t>对象，把</a:t>
+            </a:r>
+            <a:r>
+              <a:rPr lang="en-US" altLang="zh-CN" sz="1400">
+                <a:latin typeface="新宋体" panose="02010609030101010101" pitchFamily="49" charset="-122"/>
+                <a:ea typeface="新宋体" panose="02010609030101010101" pitchFamily="49" charset="-122"/>
+              </a:rPr>
+              <a:t>VTextLine3</a:t>
+            </a:r>
+            <a:r>
+              <a:rPr lang="zh-CN" altLang="en-US" sz="1400">
+                <a:latin typeface="新宋体" panose="02010609030101010101" pitchFamily="49" charset="-122"/>
+                <a:ea typeface="新宋体" panose="02010609030101010101" pitchFamily="49" charset="-122"/>
+              </a:rPr>
+              <a:t>对象拿出来，放到了可滚动区域的最后一行</a:t>
+            </a:r>
+            <a:endParaRPr lang="en-US" altLang="zh-CN" sz="1400">
+              <a:latin typeface="新宋体" panose="02010609030101010101" pitchFamily="49" charset="-122"/>
+              <a:ea typeface="新宋体" panose="02010609030101010101" pitchFamily="49" charset="-122"/>
+            </a:endParaRPr>
+          </a:p>
+        </p:txBody>
+      </p:sp>
+      <p:sp>
+        <p:nvSpPr>
+          <p:cNvPr id="43" name="标题 1">
+            <a:extLst>
+              <a:ext uri="{FF2B5EF4-FFF2-40B4-BE49-F238E27FC236}">
+                <a16:creationId xmlns:a16="http://schemas.microsoft.com/office/drawing/2014/main" id="{95FC3FF5-1DC7-44FE-BC54-036E4828F110}"/>
+              </a:ext>
+            </a:extLst>
+          </p:cNvPr>
+          <p:cNvSpPr>
+            <a:spLocks noGrp="1"/>
+          </p:cNvSpPr>
+          <p:nvPr>
+            <p:ph type="title"/>
+          </p:nvPr>
+        </p:nvSpPr>
+        <p:spPr>
+          <a:xfrm>
+            <a:off x="838200" y="150849"/>
+            <a:ext cx="10515600" cy="1325563"/>
+          </a:xfrm>
+        </p:spPr>
+        <p:txBody>
+          <a:bodyPr/>
+          <a:lstStyle/>
+          <a:p>
+            <a:r>
               <a:rPr lang="en-US" altLang="zh-CN"/>
-              <a:t>VTDocument</a:t>
+              <a:t>LineFeed</a:t>
             </a:r>
             <a:r>
               <a:rPr lang="zh-CN" altLang="en-US"/>
-              <a:t>是一个链表结构，其中一行就是链表里的一个节点。如下图所示：</a:t>
+              <a:t>行为</a:t>
             </a:r>
           </a:p>
         </p:txBody>
@@ -5825,7 +8369,7 @@
     </p:spTree>
     <p:extLst>
       <p:ext uri="{BB962C8B-B14F-4D97-AF65-F5344CB8AC3E}">
-        <p14:creationId xmlns:p14="http://schemas.microsoft.com/office/powerpoint/2010/main" val="3123254510"/>
+        <p14:creationId xmlns:p14="http://schemas.microsoft.com/office/powerpoint/2010/main" val="1312780303"/>
       </p:ext>
     </p:extLst>
   </p:cSld>

--- a/Documents/设计文档.pptx
+++ b/Documents/设计文档.pptx
@@ -262,7 +262,7 @@
           <a:p>
             <a:fld id="{9B0E3EAA-B7E2-4AD8-AC36-E88450B893C6}" type="datetimeFigureOut">
               <a:rPr lang="zh-CN" altLang="en-US" smtClean="0"/>
-              <a:t>2023/6/27</a:t>
+              <a:t>2023/7/18</a:t>
             </a:fld>
             <a:endParaRPr lang="zh-CN" altLang="en-US"/>
           </a:p>
@@ -460,7 +460,7 @@
           <a:p>
             <a:fld id="{9B0E3EAA-B7E2-4AD8-AC36-E88450B893C6}" type="datetimeFigureOut">
               <a:rPr lang="zh-CN" altLang="en-US" smtClean="0"/>
-              <a:t>2023/6/27</a:t>
+              <a:t>2023/7/18</a:t>
             </a:fld>
             <a:endParaRPr lang="zh-CN" altLang="en-US"/>
           </a:p>
@@ -668,7 +668,7 @@
           <a:p>
             <a:fld id="{9B0E3EAA-B7E2-4AD8-AC36-E88450B893C6}" type="datetimeFigureOut">
               <a:rPr lang="zh-CN" altLang="en-US" smtClean="0"/>
-              <a:t>2023/6/27</a:t>
+              <a:t>2023/7/18</a:t>
             </a:fld>
             <a:endParaRPr lang="zh-CN" altLang="en-US"/>
           </a:p>
@@ -866,7 +866,7 @@
           <a:p>
             <a:fld id="{9B0E3EAA-B7E2-4AD8-AC36-E88450B893C6}" type="datetimeFigureOut">
               <a:rPr lang="zh-CN" altLang="en-US" smtClean="0"/>
-              <a:t>2023/6/27</a:t>
+              <a:t>2023/7/18</a:t>
             </a:fld>
             <a:endParaRPr lang="zh-CN" altLang="en-US"/>
           </a:p>
@@ -1141,7 +1141,7 @@
           <a:p>
             <a:fld id="{9B0E3EAA-B7E2-4AD8-AC36-E88450B893C6}" type="datetimeFigureOut">
               <a:rPr lang="zh-CN" altLang="en-US" smtClean="0"/>
-              <a:t>2023/6/27</a:t>
+              <a:t>2023/7/18</a:t>
             </a:fld>
             <a:endParaRPr lang="zh-CN" altLang="en-US"/>
           </a:p>
@@ -1406,7 +1406,7 @@
           <a:p>
             <a:fld id="{9B0E3EAA-B7E2-4AD8-AC36-E88450B893C6}" type="datetimeFigureOut">
               <a:rPr lang="zh-CN" altLang="en-US" smtClean="0"/>
-              <a:t>2023/6/27</a:t>
+              <a:t>2023/7/18</a:t>
             </a:fld>
             <a:endParaRPr lang="zh-CN" altLang="en-US"/>
           </a:p>
@@ -1818,7 +1818,7 @@
           <a:p>
             <a:fld id="{9B0E3EAA-B7E2-4AD8-AC36-E88450B893C6}" type="datetimeFigureOut">
               <a:rPr lang="zh-CN" altLang="en-US" smtClean="0"/>
-              <a:t>2023/6/27</a:t>
+              <a:t>2023/7/18</a:t>
             </a:fld>
             <a:endParaRPr lang="zh-CN" altLang="en-US"/>
           </a:p>
@@ -1959,7 +1959,7 @@
           <a:p>
             <a:fld id="{9B0E3EAA-B7E2-4AD8-AC36-E88450B893C6}" type="datetimeFigureOut">
               <a:rPr lang="zh-CN" altLang="en-US" smtClean="0"/>
-              <a:t>2023/6/27</a:t>
+              <a:t>2023/7/18</a:t>
             </a:fld>
             <a:endParaRPr lang="zh-CN" altLang="en-US"/>
           </a:p>
@@ -2072,7 +2072,7 @@
           <a:p>
             <a:fld id="{9B0E3EAA-B7E2-4AD8-AC36-E88450B893C6}" type="datetimeFigureOut">
               <a:rPr lang="zh-CN" altLang="en-US" smtClean="0"/>
-              <a:t>2023/6/27</a:t>
+              <a:t>2023/7/18</a:t>
             </a:fld>
             <a:endParaRPr lang="zh-CN" altLang="en-US"/>
           </a:p>
@@ -2383,7 +2383,7 @@
           <a:p>
             <a:fld id="{9B0E3EAA-B7E2-4AD8-AC36-E88450B893C6}" type="datetimeFigureOut">
               <a:rPr lang="zh-CN" altLang="en-US" smtClean="0"/>
-              <a:t>2023/6/27</a:t>
+              <a:t>2023/7/18</a:t>
             </a:fld>
             <a:endParaRPr lang="zh-CN" altLang="en-US"/>
           </a:p>
@@ -2671,7 +2671,7 @@
           <a:p>
             <a:fld id="{9B0E3EAA-B7E2-4AD8-AC36-E88450B893C6}" type="datetimeFigureOut">
               <a:rPr lang="zh-CN" altLang="en-US" smtClean="0"/>
-              <a:t>2023/6/27</a:t>
+              <a:t>2023/7/18</a:t>
             </a:fld>
             <a:endParaRPr lang="zh-CN" altLang="en-US"/>
           </a:p>
@@ -2912,7 +2912,7 @@
           <a:p>
             <a:fld id="{9B0E3EAA-B7E2-4AD8-AC36-E88450B893C6}" type="datetimeFigureOut">
               <a:rPr lang="zh-CN" altLang="en-US" smtClean="0"/>
-              <a:t>2023/6/27</a:t>
+              <a:t>2023/7/18</a:t>
             </a:fld>
             <a:endParaRPr lang="zh-CN" altLang="en-US"/>
           </a:p>
@@ -3331,51 +3331,1092 @@
       </p:grpSpPr>
       <p:sp>
         <p:nvSpPr>
-          <p:cNvPr id="2" name="标题 1">
-            <a:extLst>
-              <a:ext uri="{FF2B5EF4-FFF2-40B4-BE49-F238E27FC236}">
-                <a16:creationId xmlns:a16="http://schemas.microsoft.com/office/drawing/2014/main" id="{38B9A298-ED12-485B-B983-0FD50ECFB0FC}"/>
-              </a:ext>
-            </a:extLst>
-          </p:cNvPr>
-          <p:cNvSpPr>
-            <a:spLocks noGrp="1"/>
+          <p:cNvPr id="4" name="标题 1">
+            <a:extLst>
+              <a:ext uri="{FF2B5EF4-FFF2-40B4-BE49-F238E27FC236}">
+                <a16:creationId xmlns:a16="http://schemas.microsoft.com/office/drawing/2014/main" id="{EB7CE13A-C6AB-415A-9F8B-B011D08CADC3}"/>
+              </a:ext>
+            </a:extLst>
+          </p:cNvPr>
+          <p:cNvSpPr txBox="1">
+            <a:spLocks/>
           </p:cNvSpPr>
-          <p:nvPr>
-            <p:ph type="ctrTitle"/>
-          </p:nvPr>
-        </p:nvSpPr>
-        <p:spPr/>
-        <p:txBody>
-          <a:bodyPr/>
-          <a:lstStyle/>
-          <a:p>
-            <a:endParaRPr lang="zh-CN" altLang="en-US"/>
-          </a:p>
-        </p:txBody>
-      </p:sp>
-      <p:sp>
-        <p:nvSpPr>
-          <p:cNvPr id="3" name="副标题 2">
-            <a:extLst>
-              <a:ext uri="{FF2B5EF4-FFF2-40B4-BE49-F238E27FC236}">
-                <a16:creationId xmlns:a16="http://schemas.microsoft.com/office/drawing/2014/main" id="{9DC5044C-9819-4BED-BCCF-DAF732E15D69}"/>
-              </a:ext>
-            </a:extLst>
-          </p:cNvPr>
-          <p:cNvSpPr>
-            <a:spLocks noGrp="1"/>
-          </p:cNvSpPr>
-          <p:nvPr>
-            <p:ph type="subTitle" idx="1"/>
-          </p:nvPr>
-        </p:nvSpPr>
-        <p:spPr/>
-        <p:txBody>
-          <a:bodyPr/>
-          <a:lstStyle/>
-          <a:p>
-            <a:endParaRPr lang="zh-CN" altLang="en-US"/>
+          <p:nvPr/>
+        </p:nvSpPr>
+        <p:spPr>
+          <a:xfrm>
+            <a:off x="612396" y="0"/>
+            <a:ext cx="10515600" cy="1325563"/>
+          </a:xfrm>
+          <a:prstGeom prst="rect">
+            <a:avLst/>
+          </a:prstGeom>
+        </p:spPr>
+        <p:txBody>
+          <a:bodyPr vert="horz" lIns="91440" tIns="45720" rIns="91440" bIns="45720" rtlCol="0" anchor="b">
+            <a:normAutofit/>
+          </a:bodyPr>
+          <a:lstStyle>
+            <a:lvl1pPr algn="ctr" defTabSz="914400" rtl="0" eaLnBrk="1" latinLnBrk="0" hangingPunct="1">
+              <a:lnSpc>
+                <a:spcPct val="90000"/>
+              </a:lnSpc>
+              <a:spcBef>
+                <a:spcPct val="0"/>
+              </a:spcBef>
+              <a:buNone/>
+              <a:defRPr sz="6000" kern="1200">
+                <a:solidFill>
+                  <a:schemeClr val="tx1"/>
+                </a:solidFill>
+                <a:latin typeface="+mj-lt"/>
+                <a:ea typeface="+mj-ea"/>
+                <a:cs typeface="+mj-cs"/>
+              </a:defRPr>
+            </a:lvl1pPr>
+          </a:lstStyle>
+          <a:p>
+            <a:r>
+              <a:rPr lang="zh-CN" altLang="en-US" b="1"/>
+              <a:t>框架结构</a:t>
+            </a:r>
+          </a:p>
+        </p:txBody>
+      </p:sp>
+      <p:sp>
+        <p:nvSpPr>
+          <p:cNvPr id="6" name="矩形 5">
+            <a:extLst>
+              <a:ext uri="{FF2B5EF4-FFF2-40B4-BE49-F238E27FC236}">
+                <a16:creationId xmlns:a16="http://schemas.microsoft.com/office/drawing/2014/main" id="{51DC15DD-BF7B-4A18-A69C-2D47426F9C2C}"/>
+              </a:ext>
+            </a:extLst>
+          </p:cNvPr>
+          <p:cNvSpPr/>
+          <p:nvPr/>
+        </p:nvSpPr>
+        <p:spPr>
+          <a:xfrm>
+            <a:off x="780301" y="4585067"/>
+            <a:ext cx="1760078" cy="674328"/>
+          </a:xfrm>
+          <a:prstGeom prst="rect">
+            <a:avLst/>
+          </a:prstGeom>
+        </p:spPr>
+        <p:style>
+          <a:lnRef idx="1">
+            <a:schemeClr val="accent5"/>
+          </a:lnRef>
+          <a:fillRef idx="2">
+            <a:schemeClr val="accent5"/>
+          </a:fillRef>
+          <a:effectRef idx="1">
+            <a:schemeClr val="accent5"/>
+          </a:effectRef>
+          <a:fontRef idx="minor">
+            <a:schemeClr val="dk1"/>
+          </a:fontRef>
+        </p:style>
+        <p:txBody>
+          <a:bodyPr rtlCol="0" anchor="ctr"/>
+          <a:lstStyle/>
+          <a:p>
+            <a:pPr algn="ctr"/>
+            <a:r>
+              <a:rPr lang="en-US" altLang="zh-CN">
+                <a:solidFill>
+                  <a:schemeClr val="tx1"/>
+                </a:solidFill>
+              </a:rPr>
+              <a:t>VTParser</a:t>
+            </a:r>
+            <a:endParaRPr lang="zh-CN" altLang="en-US">
+              <a:solidFill>
+                <a:schemeClr val="tx1"/>
+              </a:solidFill>
+            </a:endParaRPr>
+          </a:p>
+        </p:txBody>
+      </p:sp>
+      <p:sp>
+        <p:nvSpPr>
+          <p:cNvPr id="9" name="矩形 8">
+            <a:extLst>
+              <a:ext uri="{FF2B5EF4-FFF2-40B4-BE49-F238E27FC236}">
+                <a16:creationId xmlns:a16="http://schemas.microsoft.com/office/drawing/2014/main" id="{20AFA7D2-C12D-40CD-B280-0E6F74410BF6}"/>
+              </a:ext>
+            </a:extLst>
+          </p:cNvPr>
+          <p:cNvSpPr/>
+          <p:nvPr/>
+        </p:nvSpPr>
+        <p:spPr>
+          <a:xfrm>
+            <a:off x="780301" y="5451842"/>
+            <a:ext cx="1760078" cy="674328"/>
+          </a:xfrm>
+          <a:prstGeom prst="rect">
+            <a:avLst/>
+          </a:prstGeom>
+        </p:spPr>
+        <p:style>
+          <a:lnRef idx="1">
+            <a:schemeClr val="accent5"/>
+          </a:lnRef>
+          <a:fillRef idx="2">
+            <a:schemeClr val="accent5"/>
+          </a:fillRef>
+          <a:effectRef idx="1">
+            <a:schemeClr val="accent5"/>
+          </a:effectRef>
+          <a:fontRef idx="minor">
+            <a:schemeClr val="dk1"/>
+          </a:fontRef>
+        </p:style>
+        <p:txBody>
+          <a:bodyPr rtlCol="0" anchor="ctr"/>
+          <a:lstStyle/>
+          <a:p>
+            <a:pPr algn="ctr"/>
+            <a:r>
+              <a:rPr lang="en-US" altLang="zh-CN">
+                <a:solidFill>
+                  <a:schemeClr val="tx1"/>
+                </a:solidFill>
+              </a:rPr>
+              <a:t>VTSession</a:t>
+            </a:r>
+            <a:endParaRPr lang="zh-CN" altLang="en-US">
+              <a:solidFill>
+                <a:schemeClr val="tx1"/>
+              </a:solidFill>
+            </a:endParaRPr>
+          </a:p>
+        </p:txBody>
+      </p:sp>
+      <p:sp>
+        <p:nvSpPr>
+          <p:cNvPr id="10" name="矩形 9">
+            <a:extLst>
+              <a:ext uri="{FF2B5EF4-FFF2-40B4-BE49-F238E27FC236}">
+                <a16:creationId xmlns:a16="http://schemas.microsoft.com/office/drawing/2014/main" id="{E95FF8A7-E703-4370-9270-717E337B655B}"/>
+              </a:ext>
+            </a:extLst>
+          </p:cNvPr>
+          <p:cNvSpPr/>
+          <p:nvPr/>
+        </p:nvSpPr>
+        <p:spPr>
+          <a:xfrm>
+            <a:off x="780301" y="3738043"/>
+            <a:ext cx="1760078" cy="674328"/>
+          </a:xfrm>
+          <a:prstGeom prst="rect">
+            <a:avLst/>
+          </a:prstGeom>
+        </p:spPr>
+        <p:style>
+          <a:lnRef idx="1">
+            <a:schemeClr val="accent5"/>
+          </a:lnRef>
+          <a:fillRef idx="2">
+            <a:schemeClr val="accent5"/>
+          </a:fillRef>
+          <a:effectRef idx="1">
+            <a:schemeClr val="accent5"/>
+          </a:effectRef>
+          <a:fontRef idx="minor">
+            <a:schemeClr val="dk1"/>
+          </a:fontRef>
+        </p:style>
+        <p:txBody>
+          <a:bodyPr rtlCol="0" anchor="ctr"/>
+          <a:lstStyle/>
+          <a:p>
+            <a:pPr algn="ctr"/>
+            <a:r>
+              <a:rPr lang="en-US" altLang="zh-CN">
+                <a:solidFill>
+                  <a:schemeClr val="tx1"/>
+                </a:solidFill>
+              </a:rPr>
+              <a:t>VideoTerminal</a:t>
+            </a:r>
+            <a:endParaRPr lang="zh-CN" altLang="en-US">
+              <a:solidFill>
+                <a:schemeClr val="tx1"/>
+              </a:solidFill>
+            </a:endParaRPr>
+          </a:p>
+        </p:txBody>
+      </p:sp>
+      <p:sp>
+        <p:nvSpPr>
+          <p:cNvPr id="11" name="矩形 10">
+            <a:extLst>
+              <a:ext uri="{FF2B5EF4-FFF2-40B4-BE49-F238E27FC236}">
+                <a16:creationId xmlns:a16="http://schemas.microsoft.com/office/drawing/2014/main" id="{5A013B44-08F8-4B69-82F7-DC1FCEE662A0}"/>
+              </a:ext>
+            </a:extLst>
+          </p:cNvPr>
+          <p:cNvSpPr/>
+          <p:nvPr/>
+        </p:nvSpPr>
+        <p:spPr>
+          <a:xfrm>
+            <a:off x="780301" y="2853322"/>
+            <a:ext cx="1760078" cy="674328"/>
+          </a:xfrm>
+          <a:prstGeom prst="rect">
+            <a:avLst/>
+          </a:prstGeom>
+        </p:spPr>
+        <p:style>
+          <a:lnRef idx="1">
+            <a:schemeClr val="accent5"/>
+          </a:lnRef>
+          <a:fillRef idx="2">
+            <a:schemeClr val="accent5"/>
+          </a:fillRef>
+          <a:effectRef idx="1">
+            <a:schemeClr val="accent5"/>
+          </a:effectRef>
+          <a:fontRef idx="minor">
+            <a:schemeClr val="dk1"/>
+          </a:fontRef>
+        </p:style>
+        <p:txBody>
+          <a:bodyPr rtlCol="0" anchor="ctr"/>
+          <a:lstStyle/>
+          <a:p>
+            <a:pPr algn="ctr"/>
+            <a:r>
+              <a:rPr lang="en-US" altLang="zh-CN">
+                <a:solidFill>
+                  <a:schemeClr val="tx1"/>
+                </a:solidFill>
+              </a:rPr>
+              <a:t>XDocument</a:t>
+            </a:r>
+            <a:endParaRPr lang="zh-CN" altLang="en-US">
+              <a:solidFill>
+                <a:schemeClr val="tx1"/>
+              </a:solidFill>
+            </a:endParaRPr>
+          </a:p>
+        </p:txBody>
+      </p:sp>
+      <p:sp>
+        <p:nvSpPr>
+          <p:cNvPr id="12" name="矩形 11">
+            <a:extLst>
+              <a:ext uri="{FF2B5EF4-FFF2-40B4-BE49-F238E27FC236}">
+                <a16:creationId xmlns:a16="http://schemas.microsoft.com/office/drawing/2014/main" id="{63BA5CB3-9811-4A8C-9CD7-329D0CF5EDF4}"/>
+              </a:ext>
+            </a:extLst>
+          </p:cNvPr>
+          <p:cNvSpPr/>
+          <p:nvPr/>
+        </p:nvSpPr>
+        <p:spPr>
+          <a:xfrm>
+            <a:off x="780301" y="2006298"/>
+            <a:ext cx="1760078" cy="674328"/>
+          </a:xfrm>
+          <a:prstGeom prst="rect">
+            <a:avLst/>
+          </a:prstGeom>
+        </p:spPr>
+        <p:style>
+          <a:lnRef idx="1">
+            <a:schemeClr val="accent5"/>
+          </a:lnRef>
+          <a:fillRef idx="2">
+            <a:schemeClr val="accent5"/>
+          </a:fillRef>
+          <a:effectRef idx="1">
+            <a:schemeClr val="accent5"/>
+          </a:effectRef>
+          <a:fontRef idx="minor">
+            <a:schemeClr val="dk1"/>
+          </a:fontRef>
+        </p:style>
+        <p:txBody>
+          <a:bodyPr rtlCol="0" anchor="ctr"/>
+          <a:lstStyle/>
+          <a:p>
+            <a:pPr algn="ctr"/>
+            <a:r>
+              <a:rPr lang="en-US" altLang="zh-CN">
+                <a:solidFill>
+                  <a:schemeClr val="tx1"/>
+                </a:solidFill>
+              </a:rPr>
+              <a:t>Rendering</a:t>
+            </a:r>
+            <a:endParaRPr lang="zh-CN" altLang="en-US">
+              <a:solidFill>
+                <a:schemeClr val="tx1"/>
+              </a:solidFill>
+            </a:endParaRPr>
+          </a:p>
+        </p:txBody>
+      </p:sp>
+      <p:sp>
+        <p:nvSpPr>
+          <p:cNvPr id="13" name="箭头: 右 12">
+            <a:extLst>
+              <a:ext uri="{FF2B5EF4-FFF2-40B4-BE49-F238E27FC236}">
+                <a16:creationId xmlns:a16="http://schemas.microsoft.com/office/drawing/2014/main" id="{248F2658-DEAC-4D15-B349-4D1C77C9E4DB}"/>
+              </a:ext>
+            </a:extLst>
+          </p:cNvPr>
+          <p:cNvSpPr/>
+          <p:nvPr/>
+        </p:nvSpPr>
+        <p:spPr>
+          <a:xfrm rot="16200000" flipV="1">
+            <a:off x="998962" y="4004478"/>
+            <a:ext cx="3921415" cy="321969"/>
+          </a:xfrm>
+          <a:prstGeom prst="rightArrow">
+            <a:avLst/>
+          </a:prstGeom>
+          <a:ln/>
+        </p:spPr>
+        <p:style>
+          <a:lnRef idx="1">
+            <a:schemeClr val="accent5"/>
+          </a:lnRef>
+          <a:fillRef idx="2">
+            <a:schemeClr val="accent5"/>
+          </a:fillRef>
+          <a:effectRef idx="1">
+            <a:schemeClr val="accent5"/>
+          </a:effectRef>
+          <a:fontRef idx="minor">
+            <a:schemeClr val="dk1"/>
+          </a:fontRef>
+        </p:style>
+        <p:txBody>
+          <a:bodyPr rtlCol="0" anchor="ctr"/>
+          <a:lstStyle/>
+          <a:p>
+            <a:pPr algn="ctr"/>
+            <a:endParaRPr lang="zh-CN" altLang="en-US">
+              <a:solidFill>
+                <a:schemeClr val="tx1"/>
+              </a:solidFill>
+            </a:endParaRPr>
+          </a:p>
+        </p:txBody>
+      </p:sp>
+      <p:sp>
+        <p:nvSpPr>
+          <p:cNvPr id="14" name="文本框 13">
+            <a:extLst>
+              <a:ext uri="{FF2B5EF4-FFF2-40B4-BE49-F238E27FC236}">
+                <a16:creationId xmlns:a16="http://schemas.microsoft.com/office/drawing/2014/main" id="{AFAFD064-77A1-4AAA-A1C0-E9CF8345E1CB}"/>
+              </a:ext>
+            </a:extLst>
+          </p:cNvPr>
+          <p:cNvSpPr txBox="1"/>
+          <p:nvPr/>
+        </p:nvSpPr>
+        <p:spPr>
+          <a:xfrm>
+            <a:off x="780301" y="1365952"/>
+            <a:ext cx="1707519" cy="369332"/>
+          </a:xfrm>
+          <a:prstGeom prst="rect">
+            <a:avLst/>
+          </a:prstGeom>
+          <a:noFill/>
+        </p:spPr>
+        <p:txBody>
+          <a:bodyPr wrap="none" rtlCol="0">
+            <a:spAutoFit/>
+          </a:bodyPr>
+          <a:lstStyle/>
+          <a:p>
+            <a:r>
+              <a:rPr lang="en-US" altLang="zh-CN"/>
+              <a:t>SSH</a:t>
+            </a:r>
+            <a:r>
+              <a:rPr lang="zh-CN" altLang="en-US"/>
+              <a:t>主机 </a:t>
+            </a:r>
+            <a:r>
+              <a:rPr lang="en-US" altLang="zh-CN"/>
+              <a:t>-&gt; PC</a:t>
+            </a:r>
+          </a:p>
+        </p:txBody>
+      </p:sp>
+      <p:sp>
+        <p:nvSpPr>
+          <p:cNvPr id="15" name="文本框 14">
+            <a:extLst>
+              <a:ext uri="{FF2B5EF4-FFF2-40B4-BE49-F238E27FC236}">
+                <a16:creationId xmlns:a16="http://schemas.microsoft.com/office/drawing/2014/main" id="{E50003E5-3666-45B0-8AE6-42D186AC11AF}"/>
+              </a:ext>
+            </a:extLst>
+          </p:cNvPr>
+          <p:cNvSpPr txBox="1"/>
+          <p:nvPr/>
+        </p:nvSpPr>
+        <p:spPr>
+          <a:xfrm>
+            <a:off x="8602381" y="1365952"/>
+            <a:ext cx="1707519" cy="369332"/>
+          </a:xfrm>
+          <a:prstGeom prst="rect">
+            <a:avLst/>
+          </a:prstGeom>
+          <a:noFill/>
+        </p:spPr>
+        <p:txBody>
+          <a:bodyPr wrap="none" rtlCol="0">
+            <a:spAutoFit/>
+          </a:bodyPr>
+          <a:lstStyle/>
+          <a:p>
+            <a:r>
+              <a:rPr lang="en-US" altLang="zh-CN"/>
+              <a:t>PC -&gt; SSH</a:t>
+            </a:r>
+            <a:r>
+              <a:rPr lang="zh-CN" altLang="en-US"/>
+              <a:t>主机</a:t>
+            </a:r>
+            <a:endParaRPr lang="en-US" altLang="zh-CN"/>
+          </a:p>
+        </p:txBody>
+      </p:sp>
+      <p:sp>
+        <p:nvSpPr>
+          <p:cNvPr id="16" name="矩形 15">
+            <a:extLst>
+              <a:ext uri="{FF2B5EF4-FFF2-40B4-BE49-F238E27FC236}">
+                <a16:creationId xmlns:a16="http://schemas.microsoft.com/office/drawing/2014/main" id="{F176350B-4E9B-45E6-9AFB-97BA95FA555B}"/>
+              </a:ext>
+            </a:extLst>
+          </p:cNvPr>
+          <p:cNvSpPr/>
+          <p:nvPr/>
+        </p:nvSpPr>
+        <p:spPr>
+          <a:xfrm>
+            <a:off x="8602381" y="2185872"/>
+            <a:ext cx="1760078" cy="674328"/>
+          </a:xfrm>
+          <a:prstGeom prst="rect">
+            <a:avLst/>
+          </a:prstGeom>
+        </p:spPr>
+        <p:style>
+          <a:lnRef idx="1">
+            <a:schemeClr val="accent5"/>
+          </a:lnRef>
+          <a:fillRef idx="2">
+            <a:schemeClr val="accent5"/>
+          </a:fillRef>
+          <a:effectRef idx="1">
+            <a:schemeClr val="accent5"/>
+          </a:effectRef>
+          <a:fontRef idx="minor">
+            <a:schemeClr val="dk1"/>
+          </a:fontRef>
+        </p:style>
+        <p:txBody>
+          <a:bodyPr rtlCol="0" anchor="ctr"/>
+          <a:lstStyle/>
+          <a:p>
+            <a:pPr algn="ctr"/>
+            <a:r>
+              <a:rPr lang="en-US" altLang="zh-CN">
+                <a:solidFill>
+                  <a:schemeClr val="tx1"/>
+                </a:solidFill>
+              </a:rPr>
+              <a:t>PC</a:t>
+            </a:r>
+            <a:endParaRPr lang="zh-CN" altLang="en-US">
+              <a:solidFill>
+                <a:schemeClr val="tx1"/>
+              </a:solidFill>
+            </a:endParaRPr>
+          </a:p>
+        </p:txBody>
+      </p:sp>
+      <p:sp>
+        <p:nvSpPr>
+          <p:cNvPr id="17" name="矩形 16">
+            <a:extLst>
+              <a:ext uri="{FF2B5EF4-FFF2-40B4-BE49-F238E27FC236}">
+                <a16:creationId xmlns:a16="http://schemas.microsoft.com/office/drawing/2014/main" id="{DAB4ACCF-6CCC-4D32-904F-8C508D905C41}"/>
+              </a:ext>
+            </a:extLst>
+          </p:cNvPr>
+          <p:cNvSpPr/>
+          <p:nvPr/>
+        </p:nvSpPr>
+        <p:spPr>
+          <a:xfrm>
+            <a:off x="8619885" y="3075177"/>
+            <a:ext cx="1760078" cy="674328"/>
+          </a:xfrm>
+          <a:prstGeom prst="rect">
+            <a:avLst/>
+          </a:prstGeom>
+        </p:spPr>
+        <p:style>
+          <a:lnRef idx="1">
+            <a:schemeClr val="accent5"/>
+          </a:lnRef>
+          <a:fillRef idx="2">
+            <a:schemeClr val="accent5"/>
+          </a:fillRef>
+          <a:effectRef idx="1">
+            <a:schemeClr val="accent5"/>
+          </a:effectRef>
+          <a:fontRef idx="minor">
+            <a:schemeClr val="dk1"/>
+          </a:fontRef>
+        </p:style>
+        <p:txBody>
+          <a:bodyPr rtlCol="0" anchor="ctr"/>
+          <a:lstStyle/>
+          <a:p>
+            <a:pPr algn="ctr"/>
+            <a:r>
+              <a:rPr lang="en-US" altLang="zh-CN">
+                <a:solidFill>
+                  <a:schemeClr val="tx1"/>
+                </a:solidFill>
+              </a:rPr>
+              <a:t>VTKeyboard</a:t>
+            </a:r>
+            <a:endParaRPr lang="zh-CN" altLang="en-US">
+              <a:solidFill>
+                <a:schemeClr val="tx1"/>
+              </a:solidFill>
+            </a:endParaRPr>
+          </a:p>
+        </p:txBody>
+      </p:sp>
+      <p:sp>
+        <p:nvSpPr>
+          <p:cNvPr id="18" name="矩形 17">
+            <a:extLst>
+              <a:ext uri="{FF2B5EF4-FFF2-40B4-BE49-F238E27FC236}">
+                <a16:creationId xmlns:a16="http://schemas.microsoft.com/office/drawing/2014/main" id="{EFDB3F37-3953-4382-B8B9-77E47B415410}"/>
+              </a:ext>
+            </a:extLst>
+          </p:cNvPr>
+          <p:cNvSpPr/>
+          <p:nvPr/>
+        </p:nvSpPr>
+        <p:spPr>
+          <a:xfrm>
+            <a:off x="8628661" y="3959898"/>
+            <a:ext cx="1760078" cy="674328"/>
+          </a:xfrm>
+          <a:prstGeom prst="rect">
+            <a:avLst/>
+          </a:prstGeom>
+        </p:spPr>
+        <p:style>
+          <a:lnRef idx="1">
+            <a:schemeClr val="accent5"/>
+          </a:lnRef>
+          <a:fillRef idx="2">
+            <a:schemeClr val="accent5"/>
+          </a:fillRef>
+          <a:effectRef idx="1">
+            <a:schemeClr val="accent5"/>
+          </a:effectRef>
+          <a:fontRef idx="minor">
+            <a:schemeClr val="dk1"/>
+          </a:fontRef>
+        </p:style>
+        <p:txBody>
+          <a:bodyPr rtlCol="0" anchor="ctr"/>
+          <a:lstStyle/>
+          <a:p>
+            <a:pPr algn="ctr"/>
+            <a:r>
+              <a:rPr lang="en-US" altLang="zh-CN">
+                <a:solidFill>
+                  <a:schemeClr val="tx1"/>
+                </a:solidFill>
+              </a:rPr>
+              <a:t>VTSession</a:t>
+            </a:r>
+            <a:endParaRPr lang="zh-CN" altLang="en-US">
+              <a:solidFill>
+                <a:schemeClr val="tx1"/>
+              </a:solidFill>
+            </a:endParaRPr>
+          </a:p>
+        </p:txBody>
+      </p:sp>
+      <p:sp>
+        <p:nvSpPr>
+          <p:cNvPr id="19" name="箭头: 右 18">
+            <a:extLst>
+              <a:ext uri="{FF2B5EF4-FFF2-40B4-BE49-F238E27FC236}">
+                <a16:creationId xmlns:a16="http://schemas.microsoft.com/office/drawing/2014/main" id="{5618B42D-A2AE-4BDA-895F-6B8343DD5B89}"/>
+              </a:ext>
+            </a:extLst>
+          </p:cNvPr>
+          <p:cNvSpPr/>
+          <p:nvPr/>
+        </p:nvSpPr>
+        <p:spPr>
+          <a:xfrm rot="5400000" flipV="1">
+            <a:off x="8816867" y="3756862"/>
+            <a:ext cx="3921415" cy="321969"/>
+          </a:xfrm>
+          <a:prstGeom prst="rightArrow">
+            <a:avLst/>
+          </a:prstGeom>
+          <a:ln/>
+        </p:spPr>
+        <p:style>
+          <a:lnRef idx="1">
+            <a:schemeClr val="accent5"/>
+          </a:lnRef>
+          <a:fillRef idx="2">
+            <a:schemeClr val="accent5"/>
+          </a:fillRef>
+          <a:effectRef idx="1">
+            <a:schemeClr val="accent5"/>
+          </a:effectRef>
+          <a:fontRef idx="minor">
+            <a:schemeClr val="dk1"/>
+          </a:fontRef>
+        </p:style>
+        <p:txBody>
+          <a:bodyPr rtlCol="0" anchor="ctr"/>
+          <a:lstStyle/>
+          <a:p>
+            <a:pPr algn="ctr"/>
+            <a:endParaRPr lang="zh-CN" altLang="en-US">
+              <a:solidFill>
+                <a:schemeClr val="tx1"/>
+              </a:solidFill>
+            </a:endParaRPr>
+          </a:p>
+        </p:txBody>
+      </p:sp>
+      <p:sp>
+        <p:nvSpPr>
+          <p:cNvPr id="20" name="文本框 19">
+            <a:extLst>
+              <a:ext uri="{FF2B5EF4-FFF2-40B4-BE49-F238E27FC236}">
+                <a16:creationId xmlns:a16="http://schemas.microsoft.com/office/drawing/2014/main" id="{19E0A2A9-3CE8-4FA2-95F7-C61367E8F572}"/>
+              </a:ext>
+            </a:extLst>
+          </p:cNvPr>
+          <p:cNvSpPr txBox="1"/>
+          <p:nvPr/>
+        </p:nvSpPr>
+        <p:spPr>
+          <a:xfrm>
+            <a:off x="3218289" y="5547097"/>
+            <a:ext cx="2569934" cy="461665"/>
+          </a:xfrm>
+          <a:prstGeom prst="rect">
+            <a:avLst/>
+          </a:prstGeom>
+          <a:noFill/>
+        </p:spPr>
+        <p:txBody>
+          <a:bodyPr wrap="none" rtlCol="0">
+            <a:spAutoFit/>
+          </a:bodyPr>
+          <a:lstStyle/>
+          <a:p>
+            <a:r>
+              <a:rPr lang="en-US" altLang="zh-CN" sz="1200">
+                <a:latin typeface="宋体" panose="02010600030101010101" pitchFamily="2" charset="-122"/>
+                <a:ea typeface="宋体" panose="02010600030101010101" pitchFamily="2" charset="-122"/>
+              </a:rPr>
+              <a:t>VTSession</a:t>
+            </a:r>
+            <a:r>
+              <a:rPr lang="zh-CN" altLang="en-US" sz="1200">
+                <a:latin typeface="宋体" panose="02010600030101010101" pitchFamily="2" charset="-122"/>
+                <a:ea typeface="宋体" panose="02010600030101010101" pitchFamily="2" charset="-122"/>
+              </a:rPr>
+              <a:t>控制与不同主机间的通信</a:t>
+            </a:r>
+            <a:endParaRPr lang="en-US" altLang="zh-CN" sz="1200">
+              <a:latin typeface="宋体" panose="02010600030101010101" pitchFamily="2" charset="-122"/>
+              <a:ea typeface="宋体" panose="02010600030101010101" pitchFamily="2" charset="-122"/>
+            </a:endParaRPr>
+          </a:p>
+          <a:p>
+            <a:r>
+              <a:rPr lang="zh-CN" altLang="en-US" sz="1200">
+                <a:latin typeface="宋体" panose="02010600030101010101" pitchFamily="2" charset="-122"/>
+                <a:ea typeface="宋体" panose="02010600030101010101" pitchFamily="2" charset="-122"/>
+              </a:rPr>
+              <a:t>从主机接收数据和向主机发送数据</a:t>
+            </a:r>
+            <a:endParaRPr lang="en-US" altLang="zh-CN" sz="1200">
+              <a:latin typeface="宋体" panose="02010600030101010101" pitchFamily="2" charset="-122"/>
+              <a:ea typeface="宋体" panose="02010600030101010101" pitchFamily="2" charset="-122"/>
+            </a:endParaRPr>
+          </a:p>
+        </p:txBody>
+      </p:sp>
+      <p:sp>
+        <p:nvSpPr>
+          <p:cNvPr id="21" name="文本框 20">
+            <a:extLst>
+              <a:ext uri="{FF2B5EF4-FFF2-40B4-BE49-F238E27FC236}">
+                <a16:creationId xmlns:a16="http://schemas.microsoft.com/office/drawing/2014/main" id="{273950DD-5955-416B-B863-A54EBB0EA226}"/>
+              </a:ext>
+            </a:extLst>
+          </p:cNvPr>
+          <p:cNvSpPr txBox="1"/>
+          <p:nvPr/>
+        </p:nvSpPr>
+        <p:spPr>
+          <a:xfrm>
+            <a:off x="3218289" y="4755238"/>
+            <a:ext cx="5801588" cy="461665"/>
+          </a:xfrm>
+          <a:prstGeom prst="rect">
+            <a:avLst/>
+          </a:prstGeom>
+          <a:noFill/>
+        </p:spPr>
+        <p:txBody>
+          <a:bodyPr wrap="none" rtlCol="0">
+            <a:spAutoFit/>
+          </a:bodyPr>
+          <a:lstStyle/>
+          <a:p>
+            <a:r>
+              <a:rPr lang="en-US" altLang="zh-CN" sz="1200">
+                <a:latin typeface="宋体" panose="02010600030101010101" pitchFamily="2" charset="-122"/>
+                <a:ea typeface="宋体" panose="02010600030101010101" pitchFamily="2" charset="-122"/>
+              </a:rPr>
+              <a:t>VTParser</a:t>
+            </a:r>
+            <a:r>
+              <a:rPr lang="zh-CN" altLang="en-US" sz="1200">
+                <a:latin typeface="宋体" panose="02010600030101010101" pitchFamily="2" charset="-122"/>
+                <a:ea typeface="宋体" panose="02010600030101010101" pitchFamily="2" charset="-122"/>
+              </a:rPr>
+              <a:t>负责把从会话层收到的</a:t>
+            </a:r>
+            <a:r>
+              <a:rPr lang="en-US" altLang="zh-CN" sz="1200">
+                <a:latin typeface="宋体" panose="02010600030101010101" pitchFamily="2" charset="-122"/>
+                <a:ea typeface="宋体" panose="02010600030101010101" pitchFamily="2" charset="-122"/>
+              </a:rPr>
+              <a:t>ANSI</a:t>
+            </a:r>
+            <a:r>
+              <a:rPr lang="zh-CN" altLang="en-US" sz="1200">
+                <a:latin typeface="宋体" panose="02010600030101010101" pitchFamily="2" charset="-122"/>
+                <a:ea typeface="宋体" panose="02010600030101010101" pitchFamily="2" charset="-122"/>
+              </a:rPr>
+              <a:t>控制序列解析为</a:t>
+            </a:r>
+            <a:r>
+              <a:rPr lang="en-US" altLang="zh-CN" sz="1200">
+                <a:latin typeface="宋体" panose="02010600030101010101" pitchFamily="2" charset="-122"/>
+                <a:ea typeface="宋体" panose="02010600030101010101" pitchFamily="2" charset="-122"/>
+              </a:rPr>
+              <a:t>VideoTerminal</a:t>
+            </a:r>
+            <a:r>
+              <a:rPr lang="zh-CN" altLang="en-US" sz="1200">
+                <a:latin typeface="宋体" panose="02010600030101010101" pitchFamily="2" charset="-122"/>
+                <a:ea typeface="宋体" panose="02010600030101010101" pitchFamily="2" charset="-122"/>
+              </a:rPr>
+              <a:t>可以执行的动作</a:t>
+            </a:r>
+            <a:endParaRPr lang="en-US" altLang="zh-CN" sz="1200">
+              <a:latin typeface="宋体" panose="02010600030101010101" pitchFamily="2" charset="-122"/>
+              <a:ea typeface="宋体" panose="02010600030101010101" pitchFamily="2" charset="-122"/>
+            </a:endParaRPr>
+          </a:p>
+          <a:p>
+            <a:r>
+              <a:rPr lang="zh-CN" altLang="en-US" sz="1200">
+                <a:latin typeface="宋体" panose="02010600030101010101" pitchFamily="2" charset="-122"/>
+                <a:ea typeface="宋体" panose="02010600030101010101" pitchFamily="2" charset="-122"/>
+              </a:rPr>
+              <a:t>并通过事件通知</a:t>
+            </a:r>
+            <a:r>
+              <a:rPr lang="en-US" altLang="zh-CN" sz="1200">
+                <a:latin typeface="宋体" panose="02010600030101010101" pitchFamily="2" charset="-122"/>
+                <a:ea typeface="宋体" panose="02010600030101010101" pitchFamily="2" charset="-122"/>
+              </a:rPr>
+              <a:t>VideoTerminal</a:t>
+            </a:r>
+          </a:p>
+        </p:txBody>
+      </p:sp>
+      <p:sp>
+        <p:nvSpPr>
+          <p:cNvPr id="22" name="文本框 21">
+            <a:extLst>
+              <a:ext uri="{FF2B5EF4-FFF2-40B4-BE49-F238E27FC236}">
+                <a16:creationId xmlns:a16="http://schemas.microsoft.com/office/drawing/2014/main" id="{B9DC3200-51BF-4B65-8DB7-4241B5E9A2D7}"/>
+              </a:ext>
+            </a:extLst>
+          </p:cNvPr>
+          <p:cNvSpPr txBox="1"/>
+          <p:nvPr/>
+        </p:nvSpPr>
+        <p:spPr>
+          <a:xfrm>
+            <a:off x="3183877" y="3749963"/>
+            <a:ext cx="3493264" cy="830997"/>
+          </a:xfrm>
+          <a:prstGeom prst="rect">
+            <a:avLst/>
+          </a:prstGeom>
+          <a:noFill/>
+        </p:spPr>
+        <p:txBody>
+          <a:bodyPr wrap="none" rtlCol="0">
+            <a:spAutoFit/>
+          </a:bodyPr>
+          <a:lstStyle/>
+          <a:p>
+            <a:r>
+              <a:rPr lang="en-US" altLang="zh-CN" sz="1200">
+                <a:latin typeface="宋体" panose="02010600030101010101" pitchFamily="2" charset="-122"/>
+                <a:ea typeface="宋体" panose="02010600030101010101" pitchFamily="2" charset="-122"/>
+              </a:rPr>
+              <a:t>VideoTerminal</a:t>
+            </a:r>
+            <a:r>
+              <a:rPr lang="zh-CN" altLang="en-US" sz="1200">
+                <a:latin typeface="宋体" panose="02010600030101010101" pitchFamily="2" charset="-122"/>
+                <a:ea typeface="宋体" panose="02010600030101010101" pitchFamily="2" charset="-122"/>
+              </a:rPr>
+              <a:t>负责执行</a:t>
+            </a:r>
+            <a:r>
+              <a:rPr lang="en-US" altLang="zh-CN" sz="1200">
+                <a:latin typeface="宋体" panose="02010600030101010101" pitchFamily="2" charset="-122"/>
+                <a:ea typeface="宋体" panose="02010600030101010101" pitchFamily="2" charset="-122"/>
+              </a:rPr>
+              <a:t>VTParser</a:t>
+            </a:r>
+            <a:r>
+              <a:rPr lang="zh-CN" altLang="en-US" sz="1200">
+                <a:latin typeface="宋体" panose="02010600030101010101" pitchFamily="2" charset="-122"/>
+                <a:ea typeface="宋体" panose="02010600030101010101" pitchFamily="2" charset="-122"/>
+              </a:rPr>
+              <a:t>解析出来的动作</a:t>
+            </a:r>
+            <a:endParaRPr lang="en-US" altLang="zh-CN" sz="1200">
+              <a:latin typeface="宋体" panose="02010600030101010101" pitchFamily="2" charset="-122"/>
+              <a:ea typeface="宋体" panose="02010600030101010101" pitchFamily="2" charset="-122"/>
+            </a:endParaRPr>
+          </a:p>
+          <a:p>
+            <a:r>
+              <a:rPr lang="zh-CN" altLang="en-US" sz="1200">
+                <a:latin typeface="宋体" panose="02010600030101010101" pitchFamily="2" charset="-122"/>
+                <a:ea typeface="宋体" panose="02010600030101010101" pitchFamily="2" charset="-122"/>
+              </a:rPr>
+              <a:t>例如换行，显示字符，删除行，删除字符等等</a:t>
+            </a:r>
+            <a:endParaRPr lang="en-US" altLang="zh-CN" sz="1200">
+              <a:latin typeface="宋体" panose="02010600030101010101" pitchFamily="2" charset="-122"/>
+              <a:ea typeface="宋体" panose="02010600030101010101" pitchFamily="2" charset="-122"/>
+            </a:endParaRPr>
+          </a:p>
+          <a:p>
+            <a:r>
+              <a:rPr lang="zh-CN" altLang="en-US" sz="1200">
+                <a:latin typeface="宋体" panose="02010600030101010101" pitchFamily="2" charset="-122"/>
+                <a:ea typeface="宋体" panose="02010600030101010101" pitchFamily="2" charset="-122"/>
+              </a:rPr>
+              <a:t>生成终端文档模型，并调用渲染接口进行渲染</a:t>
+            </a:r>
+            <a:endParaRPr lang="en-US" altLang="zh-CN" sz="1200">
+              <a:latin typeface="宋体" panose="02010600030101010101" pitchFamily="2" charset="-122"/>
+              <a:ea typeface="宋体" panose="02010600030101010101" pitchFamily="2" charset="-122"/>
+            </a:endParaRPr>
+          </a:p>
+          <a:p>
+            <a:r>
+              <a:rPr lang="zh-CN" altLang="en-US" sz="1200">
+                <a:latin typeface="宋体" panose="02010600030101010101" pitchFamily="2" charset="-122"/>
+                <a:ea typeface="宋体" panose="02010600030101010101" pitchFamily="2" charset="-122"/>
+              </a:rPr>
+              <a:t>是渲染层和底层的桥梁</a:t>
+            </a:r>
+            <a:endParaRPr lang="en-US" altLang="zh-CN" sz="1200">
+              <a:latin typeface="宋体" panose="02010600030101010101" pitchFamily="2" charset="-122"/>
+              <a:ea typeface="宋体" panose="02010600030101010101" pitchFamily="2" charset="-122"/>
+            </a:endParaRPr>
+          </a:p>
+        </p:txBody>
+      </p:sp>
+      <p:sp>
+        <p:nvSpPr>
+          <p:cNvPr id="23" name="文本框 22">
+            <a:extLst>
+              <a:ext uri="{FF2B5EF4-FFF2-40B4-BE49-F238E27FC236}">
+                <a16:creationId xmlns:a16="http://schemas.microsoft.com/office/drawing/2014/main" id="{A561EFB5-9222-40DA-AC6B-284C9499A395}"/>
+              </a:ext>
+            </a:extLst>
+          </p:cNvPr>
+          <p:cNvSpPr txBox="1"/>
+          <p:nvPr/>
+        </p:nvSpPr>
+        <p:spPr>
+          <a:xfrm>
+            <a:off x="3183877" y="2929354"/>
+            <a:ext cx="3570208" cy="646331"/>
+          </a:xfrm>
+          <a:prstGeom prst="rect">
+            <a:avLst/>
+          </a:prstGeom>
+          <a:noFill/>
+        </p:spPr>
+        <p:txBody>
+          <a:bodyPr wrap="none" rtlCol="0">
+            <a:spAutoFit/>
+          </a:bodyPr>
+          <a:lstStyle/>
+          <a:p>
+            <a:r>
+              <a:rPr lang="en-US" altLang="zh-CN" sz="1200">
+                <a:latin typeface="宋体" panose="02010600030101010101" pitchFamily="2" charset="-122"/>
+                <a:ea typeface="宋体" panose="02010600030101010101" pitchFamily="2" charset="-122"/>
+              </a:rPr>
+              <a:t>Xdocument</a:t>
+            </a:r>
+            <a:r>
+              <a:rPr lang="zh-CN" altLang="en-US" sz="1200">
+                <a:latin typeface="宋体" panose="02010600030101010101" pitchFamily="2" charset="-122"/>
+                <a:ea typeface="宋体" panose="02010600030101010101" pitchFamily="2" charset="-122"/>
+              </a:rPr>
+              <a:t>定义了一套终端文档模型</a:t>
+            </a:r>
+            <a:endParaRPr lang="en-US" altLang="zh-CN" sz="1200">
+              <a:latin typeface="宋体" panose="02010600030101010101" pitchFamily="2" charset="-122"/>
+              <a:ea typeface="宋体" panose="02010600030101010101" pitchFamily="2" charset="-122"/>
+            </a:endParaRPr>
+          </a:p>
+          <a:p>
+            <a:r>
+              <a:rPr lang="zh-CN" altLang="en-US" sz="1200">
+                <a:latin typeface="宋体" panose="02010600030101010101" pitchFamily="2" charset="-122"/>
+                <a:ea typeface="宋体" panose="02010600030101010101" pitchFamily="2" charset="-122"/>
+              </a:rPr>
+              <a:t>该模型定义个行数据和字符数据如何存储</a:t>
+            </a:r>
+            <a:endParaRPr lang="en-US" altLang="zh-CN" sz="1200">
+              <a:latin typeface="宋体" panose="02010600030101010101" pitchFamily="2" charset="-122"/>
+              <a:ea typeface="宋体" panose="02010600030101010101" pitchFamily="2" charset="-122"/>
+            </a:endParaRPr>
+          </a:p>
+          <a:p>
+            <a:r>
+              <a:rPr lang="zh-CN" altLang="en-US" sz="1200">
+                <a:latin typeface="宋体" panose="02010600030101010101" pitchFamily="2" charset="-122"/>
+                <a:ea typeface="宋体" panose="02010600030101010101" pitchFamily="2" charset="-122"/>
+              </a:rPr>
+              <a:t>并定义了行与行之间的连接关系，行与字符的关系</a:t>
+            </a:r>
+            <a:endParaRPr lang="en-US" altLang="zh-CN" sz="1200">
+              <a:latin typeface="宋体" panose="02010600030101010101" pitchFamily="2" charset="-122"/>
+              <a:ea typeface="宋体" panose="02010600030101010101" pitchFamily="2" charset="-122"/>
+            </a:endParaRPr>
+          </a:p>
+        </p:txBody>
+      </p:sp>
+      <p:sp>
+        <p:nvSpPr>
+          <p:cNvPr id="24" name="文本框 23">
+            <a:extLst>
+              <a:ext uri="{FF2B5EF4-FFF2-40B4-BE49-F238E27FC236}">
+                <a16:creationId xmlns:a16="http://schemas.microsoft.com/office/drawing/2014/main" id="{59CFB752-22AB-484E-B50D-E4C1176BDA72}"/>
+              </a:ext>
+            </a:extLst>
+          </p:cNvPr>
+          <p:cNvSpPr txBox="1"/>
+          <p:nvPr/>
+        </p:nvSpPr>
+        <p:spPr>
+          <a:xfrm>
+            <a:off x="3218289" y="2068467"/>
+            <a:ext cx="2877711" cy="461665"/>
+          </a:xfrm>
+          <a:prstGeom prst="rect">
+            <a:avLst/>
+          </a:prstGeom>
+          <a:noFill/>
+        </p:spPr>
+        <p:txBody>
+          <a:bodyPr wrap="none" rtlCol="0">
+            <a:spAutoFit/>
+          </a:bodyPr>
+          <a:lstStyle/>
+          <a:p>
+            <a:r>
+              <a:rPr lang="en-US" altLang="zh-CN" sz="1200">
+                <a:latin typeface="宋体" panose="02010600030101010101" pitchFamily="2" charset="-122"/>
+                <a:ea typeface="宋体" panose="02010600030101010101" pitchFamily="2" charset="-122"/>
+              </a:rPr>
+              <a:t>Rendering</a:t>
+            </a:r>
+            <a:r>
+              <a:rPr lang="zh-CN" altLang="en-US" sz="1200">
+                <a:latin typeface="宋体" panose="02010600030101010101" pitchFamily="2" charset="-122"/>
+                <a:ea typeface="宋体" panose="02010600030101010101" pitchFamily="2" charset="-122"/>
+              </a:rPr>
+              <a:t>层实现了文档模型的渲染流程</a:t>
+            </a:r>
+            <a:endParaRPr lang="en-US" altLang="zh-CN" sz="1200">
+              <a:latin typeface="宋体" panose="02010600030101010101" pitchFamily="2" charset="-122"/>
+              <a:ea typeface="宋体" panose="02010600030101010101" pitchFamily="2" charset="-122"/>
+            </a:endParaRPr>
+          </a:p>
+          <a:p>
+            <a:r>
+              <a:rPr lang="zh-CN" altLang="en-US" sz="1200">
+                <a:latin typeface="宋体" panose="02010600030101010101" pitchFamily="2" charset="-122"/>
+                <a:ea typeface="宋体" panose="02010600030101010101" pitchFamily="2" charset="-122"/>
+              </a:rPr>
+              <a:t>使用</a:t>
+            </a:r>
+            <a:r>
+              <a:rPr lang="en-US" altLang="zh-CN" sz="1200">
+                <a:latin typeface="宋体" panose="02010600030101010101" pitchFamily="2" charset="-122"/>
+                <a:ea typeface="宋体" panose="02010600030101010101" pitchFamily="2" charset="-122"/>
+              </a:rPr>
+              <a:t>DrawingVisual</a:t>
+            </a:r>
+            <a:r>
+              <a:rPr lang="zh-CN" altLang="en-US" sz="1200">
+                <a:latin typeface="宋体" panose="02010600030101010101" pitchFamily="2" charset="-122"/>
+                <a:ea typeface="宋体" panose="02010600030101010101" pitchFamily="2" charset="-122"/>
+              </a:rPr>
+              <a:t>引擎进行渲染</a:t>
+            </a:r>
+            <a:endParaRPr lang="en-US" altLang="zh-CN" sz="1200">
+              <a:latin typeface="宋体" panose="02010600030101010101" pitchFamily="2" charset="-122"/>
+              <a:ea typeface="宋体" panose="02010600030101010101" pitchFamily="2" charset="-122"/>
+            </a:endParaRPr>
           </a:p>
         </p:txBody>
       </p:sp>

--- a/Documents/设计文档.pptx
+++ b/Documents/设计文档.pptx
@@ -9,6 +9,7 @@
     <p:sldId id="257" r:id="rId3"/>
     <p:sldId id="259" r:id="rId4"/>
     <p:sldId id="258" r:id="rId5"/>
+    <p:sldId id="260" r:id="rId6"/>
   </p:sldIdLst>
   <p:sldSz cx="12192000" cy="6858000"/>
   <p:notesSz cx="6858000" cy="9144000"/>
@@ -262,7 +263,7 @@
           <a:p>
             <a:fld id="{9B0E3EAA-B7E2-4AD8-AC36-E88450B893C6}" type="datetimeFigureOut">
               <a:rPr lang="zh-CN" altLang="en-US" smtClean="0"/>
-              <a:t>2023/7/18</a:t>
+              <a:t>2023/8/18</a:t>
             </a:fld>
             <a:endParaRPr lang="zh-CN" altLang="en-US"/>
           </a:p>
@@ -460,7 +461,7 @@
           <a:p>
             <a:fld id="{9B0E3EAA-B7E2-4AD8-AC36-E88450B893C6}" type="datetimeFigureOut">
               <a:rPr lang="zh-CN" altLang="en-US" smtClean="0"/>
-              <a:t>2023/7/18</a:t>
+              <a:t>2023/8/18</a:t>
             </a:fld>
             <a:endParaRPr lang="zh-CN" altLang="en-US"/>
           </a:p>
@@ -668,7 +669,7 @@
           <a:p>
             <a:fld id="{9B0E3EAA-B7E2-4AD8-AC36-E88450B893C6}" type="datetimeFigureOut">
               <a:rPr lang="zh-CN" altLang="en-US" smtClean="0"/>
-              <a:t>2023/7/18</a:t>
+              <a:t>2023/8/18</a:t>
             </a:fld>
             <a:endParaRPr lang="zh-CN" altLang="en-US"/>
           </a:p>
@@ -866,7 +867,7 @@
           <a:p>
             <a:fld id="{9B0E3EAA-B7E2-4AD8-AC36-E88450B893C6}" type="datetimeFigureOut">
               <a:rPr lang="zh-CN" altLang="en-US" smtClean="0"/>
-              <a:t>2023/7/18</a:t>
+              <a:t>2023/8/18</a:t>
             </a:fld>
             <a:endParaRPr lang="zh-CN" altLang="en-US"/>
           </a:p>
@@ -1141,7 +1142,7 @@
           <a:p>
             <a:fld id="{9B0E3EAA-B7E2-4AD8-AC36-E88450B893C6}" type="datetimeFigureOut">
               <a:rPr lang="zh-CN" altLang="en-US" smtClean="0"/>
-              <a:t>2023/7/18</a:t>
+              <a:t>2023/8/18</a:t>
             </a:fld>
             <a:endParaRPr lang="zh-CN" altLang="en-US"/>
           </a:p>
@@ -1406,7 +1407,7 @@
           <a:p>
             <a:fld id="{9B0E3EAA-B7E2-4AD8-AC36-E88450B893C6}" type="datetimeFigureOut">
               <a:rPr lang="zh-CN" altLang="en-US" smtClean="0"/>
-              <a:t>2023/7/18</a:t>
+              <a:t>2023/8/18</a:t>
             </a:fld>
             <a:endParaRPr lang="zh-CN" altLang="en-US"/>
           </a:p>
@@ -1818,7 +1819,7 @@
           <a:p>
             <a:fld id="{9B0E3EAA-B7E2-4AD8-AC36-E88450B893C6}" type="datetimeFigureOut">
               <a:rPr lang="zh-CN" altLang="en-US" smtClean="0"/>
-              <a:t>2023/7/18</a:t>
+              <a:t>2023/8/18</a:t>
             </a:fld>
             <a:endParaRPr lang="zh-CN" altLang="en-US"/>
           </a:p>
@@ -1959,7 +1960,7 @@
           <a:p>
             <a:fld id="{9B0E3EAA-B7E2-4AD8-AC36-E88450B893C6}" type="datetimeFigureOut">
               <a:rPr lang="zh-CN" altLang="en-US" smtClean="0"/>
-              <a:t>2023/7/18</a:t>
+              <a:t>2023/8/18</a:t>
             </a:fld>
             <a:endParaRPr lang="zh-CN" altLang="en-US"/>
           </a:p>
@@ -2072,7 +2073,7 @@
           <a:p>
             <a:fld id="{9B0E3EAA-B7E2-4AD8-AC36-E88450B893C6}" type="datetimeFigureOut">
               <a:rPr lang="zh-CN" altLang="en-US" smtClean="0"/>
-              <a:t>2023/7/18</a:t>
+              <a:t>2023/8/18</a:t>
             </a:fld>
             <a:endParaRPr lang="zh-CN" altLang="en-US"/>
           </a:p>
@@ -2383,7 +2384,7 @@
           <a:p>
             <a:fld id="{9B0E3EAA-B7E2-4AD8-AC36-E88450B893C6}" type="datetimeFigureOut">
               <a:rPr lang="zh-CN" altLang="en-US" smtClean="0"/>
-              <a:t>2023/7/18</a:t>
+              <a:t>2023/8/18</a:t>
             </a:fld>
             <a:endParaRPr lang="zh-CN" altLang="en-US"/>
           </a:p>
@@ -2671,7 +2672,7 @@
           <a:p>
             <a:fld id="{9B0E3EAA-B7E2-4AD8-AC36-E88450B893C6}" type="datetimeFigureOut">
               <a:rPr lang="zh-CN" altLang="en-US" smtClean="0"/>
-              <a:t>2023/7/18</a:t>
+              <a:t>2023/8/18</a:t>
             </a:fld>
             <a:endParaRPr lang="zh-CN" altLang="en-US"/>
           </a:p>
@@ -2912,7 +2913,7 @@
           <a:p>
             <a:fld id="{9B0E3EAA-B7E2-4AD8-AC36-E88450B893C6}" type="datetimeFigureOut">
               <a:rPr lang="zh-CN" altLang="en-US" smtClean="0"/>
-              <a:t>2023/7/18</a:t>
+              <a:t>2023/8/18</a:t>
             </a:fld>
             <a:endParaRPr lang="zh-CN" altLang="en-US"/>
           </a:p>
@@ -9420,6 +9421,112 @@
 </p:sld>
 </file>
 
+<file path=ppt/slides/slide5.xml><?xml version="1.0" encoding="utf-8"?>
+<p:sld xmlns:a="http://schemas.openxmlformats.org/drawingml/2006/main" xmlns:r="http://schemas.openxmlformats.org/officeDocument/2006/relationships" xmlns:p="http://schemas.openxmlformats.org/presentationml/2006/main">
+  <p:cSld>
+    <p:spTree>
+      <p:nvGrpSpPr>
+        <p:cNvPr id="1" name=""/>
+        <p:cNvGrpSpPr/>
+        <p:nvPr/>
+      </p:nvGrpSpPr>
+      <p:grpSpPr>
+        <a:xfrm>
+          <a:off x="0" y="0"/>
+          <a:ext cx="0" cy="0"/>
+          <a:chOff x="0" y="0"/>
+          <a:chExt cx="0" cy="0"/>
+        </a:xfrm>
+      </p:grpSpPr>
+      <p:sp>
+        <p:nvSpPr>
+          <p:cNvPr id="2" name="标题 1">
+            <a:extLst>
+              <a:ext uri="{FF2B5EF4-FFF2-40B4-BE49-F238E27FC236}">
+                <a16:creationId xmlns:a16="http://schemas.microsoft.com/office/drawing/2014/main" id="{03A20FA2-0BE2-49BE-96D4-DECE2CFDEBD8}"/>
+              </a:ext>
+            </a:extLst>
+          </p:cNvPr>
+          <p:cNvSpPr>
+            <a:spLocks noGrp="1"/>
+          </p:cNvSpPr>
+          <p:nvPr>
+            <p:ph type="title"/>
+          </p:nvPr>
+        </p:nvSpPr>
+        <p:spPr/>
+        <p:txBody>
+          <a:bodyPr/>
+          <a:lstStyle/>
+          <a:p>
+            <a:r>
+              <a:rPr lang="en-US" altLang="zh-CN"/>
+              <a:t>VTCursor – </a:t>
+            </a:r>
+            <a:r>
+              <a:rPr lang="zh-CN" altLang="en-US"/>
+              <a:t>光标</a:t>
+            </a:r>
+          </a:p>
+        </p:txBody>
+      </p:sp>
+      <p:sp>
+        <p:nvSpPr>
+          <p:cNvPr id="3" name="内容占位符 2">
+            <a:extLst>
+              <a:ext uri="{FF2B5EF4-FFF2-40B4-BE49-F238E27FC236}">
+                <a16:creationId xmlns:a16="http://schemas.microsoft.com/office/drawing/2014/main" id="{A04A80B4-9C0C-4F3B-8B60-A92FFADF7E08}"/>
+              </a:ext>
+            </a:extLst>
+          </p:cNvPr>
+          <p:cNvSpPr>
+            <a:spLocks noGrp="1"/>
+          </p:cNvSpPr>
+          <p:nvPr>
+            <p:ph idx="1"/>
+          </p:nvPr>
+        </p:nvSpPr>
+        <p:spPr/>
+        <p:txBody>
+          <a:bodyPr>
+            <a:normAutofit/>
+          </a:bodyPr>
+          <a:lstStyle/>
+          <a:p>
+            <a:pPr marL="0" indent="0">
+              <a:buNone/>
+            </a:pPr>
+            <a:r>
+              <a:rPr lang="zh-CN" altLang="en-US" sz="1800"/>
+              <a:t>渲染光标的时机：</a:t>
+            </a:r>
+            <a:endParaRPr lang="en-US" altLang="zh-CN" sz="1800"/>
+          </a:p>
+          <a:p>
+            <a:pPr marL="342900" indent="-342900">
+              <a:buAutoNum type="arabicPeriod"/>
+            </a:pPr>
+            <a:r>
+              <a:rPr lang="zh-CN" altLang="en-US" sz="1800"/>
+              <a:t>收到数据并处理完之后，根据当前光标的行和列重新计算光标的像素位置，如果发现不一致，则渲染</a:t>
+            </a:r>
+            <a:endParaRPr lang="en-US" altLang="zh-CN" sz="1800"/>
+          </a:p>
+        </p:txBody>
+      </p:sp>
+    </p:spTree>
+    <p:extLst>
+      <p:ext uri="{BB962C8B-B14F-4D97-AF65-F5344CB8AC3E}">
+        <p14:creationId xmlns:p14="http://schemas.microsoft.com/office/powerpoint/2010/main" val="243099551"/>
+      </p:ext>
+    </p:extLst>
+  </p:cSld>
+  <p:clrMapOvr>
+    <a:masterClrMapping/>
+  </p:clrMapOvr>
+</p:sld>
+</file>
+
 <file path=ppt/theme/theme1.xml><?xml version="1.0" encoding="utf-8"?>
 <a:theme xmlns:a="http://schemas.openxmlformats.org/drawingml/2006/main" name="Office 主题​​">
   <a:themeElements>

--- a/Documents/设计文档.pptx
+++ b/Documents/设计文档.pptx
@@ -10,6 +10,7 @@
     <p:sldId id="259" r:id="rId4"/>
     <p:sldId id="258" r:id="rId5"/>
     <p:sldId id="260" r:id="rId6"/>
+    <p:sldId id="261" r:id="rId7"/>
   </p:sldIdLst>
   <p:sldSz cx="12192000" cy="6858000"/>
   <p:notesSz cx="6858000" cy="9144000"/>
@@ -263,7 +264,7 @@
           <a:p>
             <a:fld id="{9B0E3EAA-B7E2-4AD8-AC36-E88450B893C6}" type="datetimeFigureOut">
               <a:rPr lang="zh-CN" altLang="en-US" smtClean="0"/>
-              <a:t>2023/8/18</a:t>
+              <a:t>2023/8/21</a:t>
             </a:fld>
             <a:endParaRPr lang="zh-CN" altLang="en-US"/>
           </a:p>
@@ -461,7 +462,7 @@
           <a:p>
             <a:fld id="{9B0E3EAA-B7E2-4AD8-AC36-E88450B893C6}" type="datetimeFigureOut">
               <a:rPr lang="zh-CN" altLang="en-US" smtClean="0"/>
-              <a:t>2023/8/18</a:t>
+              <a:t>2023/8/21</a:t>
             </a:fld>
             <a:endParaRPr lang="zh-CN" altLang="en-US"/>
           </a:p>
@@ -669,7 +670,7 @@
           <a:p>
             <a:fld id="{9B0E3EAA-B7E2-4AD8-AC36-E88450B893C6}" type="datetimeFigureOut">
               <a:rPr lang="zh-CN" altLang="en-US" smtClean="0"/>
-              <a:t>2023/8/18</a:t>
+              <a:t>2023/8/21</a:t>
             </a:fld>
             <a:endParaRPr lang="zh-CN" altLang="en-US"/>
           </a:p>
@@ -867,7 +868,7 @@
           <a:p>
             <a:fld id="{9B0E3EAA-B7E2-4AD8-AC36-E88450B893C6}" type="datetimeFigureOut">
               <a:rPr lang="zh-CN" altLang="en-US" smtClean="0"/>
-              <a:t>2023/8/18</a:t>
+              <a:t>2023/8/21</a:t>
             </a:fld>
             <a:endParaRPr lang="zh-CN" altLang="en-US"/>
           </a:p>
@@ -1142,7 +1143,7 @@
           <a:p>
             <a:fld id="{9B0E3EAA-B7E2-4AD8-AC36-E88450B893C6}" type="datetimeFigureOut">
               <a:rPr lang="zh-CN" altLang="en-US" smtClean="0"/>
-              <a:t>2023/8/18</a:t>
+              <a:t>2023/8/21</a:t>
             </a:fld>
             <a:endParaRPr lang="zh-CN" altLang="en-US"/>
           </a:p>
@@ -1407,7 +1408,7 @@
           <a:p>
             <a:fld id="{9B0E3EAA-B7E2-4AD8-AC36-E88450B893C6}" type="datetimeFigureOut">
               <a:rPr lang="zh-CN" altLang="en-US" smtClean="0"/>
-              <a:t>2023/8/18</a:t>
+              <a:t>2023/8/21</a:t>
             </a:fld>
             <a:endParaRPr lang="zh-CN" altLang="en-US"/>
           </a:p>
@@ -1819,7 +1820,7 @@
           <a:p>
             <a:fld id="{9B0E3EAA-B7E2-4AD8-AC36-E88450B893C6}" type="datetimeFigureOut">
               <a:rPr lang="zh-CN" altLang="en-US" smtClean="0"/>
-              <a:t>2023/8/18</a:t>
+              <a:t>2023/8/21</a:t>
             </a:fld>
             <a:endParaRPr lang="zh-CN" altLang="en-US"/>
           </a:p>
@@ -1960,7 +1961,7 @@
           <a:p>
             <a:fld id="{9B0E3EAA-B7E2-4AD8-AC36-E88450B893C6}" type="datetimeFigureOut">
               <a:rPr lang="zh-CN" altLang="en-US" smtClean="0"/>
-              <a:t>2023/8/18</a:t>
+              <a:t>2023/8/21</a:t>
             </a:fld>
             <a:endParaRPr lang="zh-CN" altLang="en-US"/>
           </a:p>
@@ -2073,7 +2074,7 @@
           <a:p>
             <a:fld id="{9B0E3EAA-B7E2-4AD8-AC36-E88450B893C6}" type="datetimeFigureOut">
               <a:rPr lang="zh-CN" altLang="en-US" smtClean="0"/>
-              <a:t>2023/8/18</a:t>
+              <a:t>2023/8/21</a:t>
             </a:fld>
             <a:endParaRPr lang="zh-CN" altLang="en-US"/>
           </a:p>
@@ -2384,7 +2385,7 @@
           <a:p>
             <a:fld id="{9B0E3EAA-B7E2-4AD8-AC36-E88450B893C6}" type="datetimeFigureOut">
               <a:rPr lang="zh-CN" altLang="en-US" smtClean="0"/>
-              <a:t>2023/8/18</a:t>
+              <a:t>2023/8/21</a:t>
             </a:fld>
             <a:endParaRPr lang="zh-CN" altLang="en-US"/>
           </a:p>
@@ -2672,7 +2673,7 @@
           <a:p>
             <a:fld id="{9B0E3EAA-B7E2-4AD8-AC36-E88450B893C6}" type="datetimeFigureOut">
               <a:rPr lang="zh-CN" altLang="en-US" smtClean="0"/>
-              <a:t>2023/8/18</a:t>
+              <a:t>2023/8/21</a:t>
             </a:fld>
             <a:endParaRPr lang="zh-CN" altLang="en-US"/>
           </a:p>
@@ -2913,7 +2914,7 @@
           <a:p>
             <a:fld id="{9B0E3EAA-B7E2-4AD8-AC36-E88450B893C6}" type="datetimeFigureOut">
               <a:rPr lang="zh-CN" altLang="en-US" smtClean="0"/>
-              <a:t>2023/8/18</a:t>
+              <a:t>2023/8/21</a:t>
             </a:fld>
             <a:endParaRPr lang="zh-CN" altLang="en-US"/>
           </a:p>
@@ -9206,7 +9207,7 @@
         <p:spPr>
           <a:xfrm>
             <a:off x="838200" y="1350956"/>
-            <a:ext cx="10508005" cy="738664"/>
+            <a:ext cx="13221889" cy="923330"/>
           </a:xfrm>
           <a:prstGeom prst="rect">
             <a:avLst/>
@@ -9220,154 +9221,88 @@
           <a:lstStyle/>
           <a:p>
             <a:r>
-              <a:rPr lang="en-US" altLang="zh-CN" sz="1400">
-                <a:latin typeface="新宋体" panose="02010609030101010101" pitchFamily="49" charset="-122"/>
-                <a:ea typeface="新宋体" panose="02010609030101010101" pitchFamily="49" charset="-122"/>
-              </a:rPr>
+              <a:rPr lang="en-US" altLang="zh-CN"/>
               <a:t>LineFeed</a:t>
             </a:r>
             <a:r>
-              <a:rPr lang="zh-CN" altLang="en-US" sz="1400">
-                <a:latin typeface="新宋体" panose="02010609030101010101" pitchFamily="49" charset="-122"/>
-                <a:ea typeface="新宋体" panose="02010609030101010101" pitchFamily="49" charset="-122"/>
-              </a:rPr>
+              <a:rPr lang="zh-CN" altLang="en-US"/>
               <a:t>表示换行，此时要在文档的</a:t>
             </a:r>
             <a:r>
-              <a:rPr lang="en-US" altLang="zh-CN" sz="1400">
-                <a:latin typeface="新宋体" panose="02010609030101010101" pitchFamily="49" charset="-122"/>
-                <a:ea typeface="新宋体" panose="02010609030101010101" pitchFamily="49" charset="-122"/>
-              </a:rPr>
+              <a:rPr lang="en-US" altLang="zh-CN"/>
               <a:t>margin</a:t>
             </a:r>
             <a:r>
-              <a:rPr lang="zh-CN" altLang="en-US" sz="1400">
-                <a:latin typeface="新宋体" panose="02010609030101010101" pitchFamily="49" charset="-122"/>
-                <a:ea typeface="新宋体" panose="02010609030101010101" pitchFamily="49" charset="-122"/>
-              </a:rPr>
+              <a:rPr lang="zh-CN" altLang="en-US"/>
               <a:t>内显示新的行。</a:t>
             </a:r>
-            <a:endParaRPr lang="en-US" altLang="zh-CN" sz="1400">
-              <a:latin typeface="新宋体" panose="02010609030101010101" pitchFamily="49" charset="-122"/>
-              <a:ea typeface="新宋体" panose="02010609030101010101" pitchFamily="49" charset="-122"/>
-            </a:endParaRPr>
-          </a:p>
-          <a:p>
-            <a:r>
-              <a:rPr lang="en-US" altLang="zh-CN" sz="1400">
-                <a:latin typeface="新宋体" panose="02010609030101010101" pitchFamily="49" charset="-122"/>
-                <a:ea typeface="新宋体" panose="02010609030101010101" pitchFamily="49" charset="-122"/>
-              </a:rPr>
+            <a:endParaRPr lang="en-US" altLang="zh-CN"/>
+          </a:p>
+          <a:p>
+            <a:r>
+              <a:rPr lang="en-US" altLang="zh-CN"/>
               <a:t>Xterminal</a:t>
             </a:r>
             <a:r>
-              <a:rPr lang="zh-CN" altLang="en-US" sz="1400">
-                <a:latin typeface="新宋体" panose="02010609030101010101" pitchFamily="49" charset="-122"/>
-                <a:ea typeface="新宋体" panose="02010609030101010101" pitchFamily="49" charset="-122"/>
-              </a:rPr>
+              <a:rPr lang="zh-CN" altLang="en-US"/>
               <a:t>会把</a:t>
             </a:r>
             <a:r>
-              <a:rPr lang="en-US" altLang="zh-CN" sz="1400">
-                <a:latin typeface="新宋体" panose="02010609030101010101" pitchFamily="49" charset="-122"/>
-                <a:ea typeface="新宋体" panose="02010609030101010101" pitchFamily="49" charset="-122"/>
-              </a:rPr>
+              <a:rPr lang="en-US" altLang="zh-CN"/>
               <a:t>MarginTop</a:t>
             </a:r>
             <a:r>
-              <a:rPr lang="zh-CN" altLang="en-US" sz="1400">
-                <a:latin typeface="新宋体" panose="02010609030101010101" pitchFamily="49" charset="-122"/>
-                <a:ea typeface="新宋体" panose="02010609030101010101" pitchFamily="49" charset="-122"/>
-              </a:rPr>
+              <a:rPr lang="zh-CN" altLang="en-US"/>
               <a:t>下的第一行拿出来，插入到</a:t>
             </a:r>
             <a:r>
-              <a:rPr lang="en-US" altLang="zh-CN" sz="1400">
-                <a:latin typeface="新宋体" panose="02010609030101010101" pitchFamily="49" charset="-122"/>
-                <a:ea typeface="新宋体" panose="02010609030101010101" pitchFamily="49" charset="-122"/>
-              </a:rPr>
+              <a:rPr lang="en-US" altLang="zh-CN"/>
               <a:t>MarginBottom</a:t>
             </a:r>
             <a:r>
-              <a:rPr lang="zh-CN" altLang="en-US" sz="1400">
-                <a:latin typeface="新宋体" panose="02010609030101010101" pitchFamily="49" charset="-122"/>
-                <a:ea typeface="新宋体" panose="02010609030101010101" pitchFamily="49" charset="-122"/>
-              </a:rPr>
+              <a:rPr lang="zh-CN" altLang="en-US"/>
               <a:t>的上一行，复用行对象来保存该行要显示的数据</a:t>
             </a:r>
-            <a:endParaRPr lang="en-US" altLang="zh-CN" sz="1400">
-              <a:latin typeface="新宋体" panose="02010609030101010101" pitchFamily="49" charset="-122"/>
-              <a:ea typeface="新宋体" panose="02010609030101010101" pitchFamily="49" charset="-122"/>
-            </a:endParaRPr>
-          </a:p>
-          <a:p>
-            <a:r>
-              <a:rPr lang="zh-CN" altLang="en-US" sz="1400">
-                <a:latin typeface="新宋体" panose="02010609030101010101" pitchFamily="49" charset="-122"/>
-                <a:ea typeface="新宋体" panose="02010609030101010101" pitchFamily="49" charset="-122"/>
-              </a:rPr>
+            <a:endParaRPr lang="en-US" altLang="zh-CN"/>
+          </a:p>
+          <a:p>
+            <a:r>
+              <a:rPr lang="zh-CN" altLang="en-US"/>
               <a:t>下图表示了当执行</a:t>
             </a:r>
             <a:r>
-              <a:rPr lang="en-US" altLang="zh-CN" sz="1400">
-                <a:latin typeface="新宋体" panose="02010609030101010101" pitchFamily="49" charset="-122"/>
-                <a:ea typeface="新宋体" panose="02010609030101010101" pitchFamily="49" charset="-122"/>
-              </a:rPr>
+              <a:rPr lang="en-US" altLang="zh-CN"/>
               <a:t>LineFeed</a:t>
             </a:r>
             <a:r>
-              <a:rPr lang="zh-CN" altLang="en-US" sz="1400">
-                <a:latin typeface="新宋体" panose="02010609030101010101" pitchFamily="49" charset="-122"/>
-                <a:ea typeface="新宋体" panose="02010609030101010101" pitchFamily="49" charset="-122"/>
-              </a:rPr>
+              <a:rPr lang="zh-CN" altLang="en-US"/>
               <a:t>行为的时候，</a:t>
             </a:r>
             <a:r>
-              <a:rPr lang="en-US" altLang="zh-CN" sz="1400">
-                <a:latin typeface="新宋体" panose="02010609030101010101" pitchFamily="49" charset="-122"/>
-                <a:ea typeface="新宋体" panose="02010609030101010101" pitchFamily="49" charset="-122"/>
-              </a:rPr>
+              <a:rPr lang="en-US" altLang="zh-CN"/>
               <a:t>XTerminal</a:t>
             </a:r>
             <a:r>
-              <a:rPr lang="zh-CN" altLang="en-US" sz="1400">
-                <a:latin typeface="新宋体" panose="02010609030101010101" pitchFamily="49" charset="-122"/>
-                <a:ea typeface="新宋体" panose="02010609030101010101" pitchFamily="49" charset="-122"/>
-              </a:rPr>
+              <a:rPr lang="zh-CN" altLang="en-US"/>
               <a:t>复用</a:t>
             </a:r>
             <a:r>
-              <a:rPr lang="en-US" altLang="zh-CN" sz="1400">
-                <a:latin typeface="新宋体" panose="02010609030101010101" pitchFamily="49" charset="-122"/>
-                <a:ea typeface="新宋体" panose="02010609030101010101" pitchFamily="49" charset="-122"/>
-              </a:rPr>
+              <a:rPr lang="en-US" altLang="zh-CN"/>
               <a:t>VTextLine3</a:t>
             </a:r>
             <a:r>
-              <a:rPr lang="zh-CN" altLang="en-US" sz="1400">
-                <a:latin typeface="新宋体" panose="02010609030101010101" pitchFamily="49" charset="-122"/>
-                <a:ea typeface="新宋体" panose="02010609030101010101" pitchFamily="49" charset="-122"/>
-              </a:rPr>
+              <a:rPr lang="zh-CN" altLang="en-US"/>
               <a:t>对象，把</a:t>
             </a:r>
             <a:r>
-              <a:rPr lang="en-US" altLang="zh-CN" sz="1400">
-                <a:latin typeface="新宋体" panose="02010609030101010101" pitchFamily="49" charset="-122"/>
-                <a:ea typeface="新宋体" panose="02010609030101010101" pitchFamily="49" charset="-122"/>
-              </a:rPr>
+              <a:rPr lang="en-US" altLang="zh-CN"/>
               <a:t>VTextLine3</a:t>
             </a:r>
             <a:r>
-              <a:rPr lang="zh-CN" altLang="en-US" sz="1400">
-                <a:latin typeface="新宋体" panose="02010609030101010101" pitchFamily="49" charset="-122"/>
-                <a:ea typeface="新宋体" panose="02010609030101010101" pitchFamily="49" charset="-122"/>
-              </a:rPr>
+              <a:rPr lang="zh-CN" altLang="en-US"/>
               <a:t>对象拿出来，放到了可滚动区域的最后一行</a:t>
             </a:r>
-            <a:endParaRPr lang="en-US" altLang="zh-CN" sz="1400">
-              <a:latin typeface="新宋体" panose="02010609030101010101" pitchFamily="49" charset="-122"/>
-              <a:ea typeface="新宋体" panose="02010609030101010101" pitchFamily="49" charset="-122"/>
-            </a:endParaRPr>
+            <a:endParaRPr lang="en-US" altLang="zh-CN"/>
           </a:p>
         </p:txBody>
       </p:sp>
@@ -9518,6 +9453,150 @@
     <p:extLst>
       <p:ext uri="{BB962C8B-B14F-4D97-AF65-F5344CB8AC3E}">
         <p14:creationId xmlns:p14="http://schemas.microsoft.com/office/powerpoint/2010/main" val="243099551"/>
+      </p:ext>
+    </p:extLst>
+  </p:cSld>
+  <p:clrMapOvr>
+    <a:masterClrMapping/>
+  </p:clrMapOvr>
+</p:sld>
+</file>
+
+<file path=ppt/slides/slide6.xml><?xml version="1.0" encoding="utf-8"?>
+<p:sld xmlns:a="http://schemas.openxmlformats.org/drawingml/2006/main" xmlns:r="http://schemas.openxmlformats.org/officeDocument/2006/relationships" xmlns:p="http://schemas.openxmlformats.org/presentationml/2006/main">
+  <p:cSld>
+    <p:spTree>
+      <p:nvGrpSpPr>
+        <p:cNvPr id="1" name=""/>
+        <p:cNvGrpSpPr/>
+        <p:nvPr/>
+      </p:nvGrpSpPr>
+      <p:grpSpPr>
+        <a:xfrm>
+          <a:off x="0" y="0"/>
+          <a:ext cx="0" cy="0"/>
+          <a:chOff x="0" y="0"/>
+          <a:chExt cx="0" cy="0"/>
+        </a:xfrm>
+      </p:grpSpPr>
+      <p:sp>
+        <p:nvSpPr>
+          <p:cNvPr id="2" name="标题 1">
+            <a:extLst>
+              <a:ext uri="{FF2B5EF4-FFF2-40B4-BE49-F238E27FC236}">
+                <a16:creationId xmlns:a16="http://schemas.microsoft.com/office/drawing/2014/main" id="{2DC6E642-5E23-4024-968D-41237D1426A3}"/>
+              </a:ext>
+            </a:extLst>
+          </p:cNvPr>
+          <p:cNvSpPr>
+            <a:spLocks noGrp="1"/>
+          </p:cNvSpPr>
+          <p:nvPr>
+            <p:ph type="title"/>
+          </p:nvPr>
+        </p:nvSpPr>
+        <p:spPr/>
+        <p:txBody>
+          <a:bodyPr/>
+          <a:lstStyle/>
+          <a:p>
+            <a:r>
+              <a:rPr lang="zh-CN" altLang="en-US"/>
+              <a:t>按键动作对比</a:t>
+            </a:r>
+          </a:p>
+        </p:txBody>
+      </p:sp>
+      <p:sp>
+        <p:nvSpPr>
+          <p:cNvPr id="3" name="内容占位符 2">
+            <a:extLst>
+              <a:ext uri="{FF2B5EF4-FFF2-40B4-BE49-F238E27FC236}">
+                <a16:creationId xmlns:a16="http://schemas.microsoft.com/office/drawing/2014/main" id="{BCAE7273-7A65-4FBE-825A-EDD719E98646}"/>
+              </a:ext>
+            </a:extLst>
+          </p:cNvPr>
+          <p:cNvSpPr>
+            <a:spLocks noGrp="1"/>
+          </p:cNvSpPr>
+          <p:nvPr>
+            <p:ph idx="1"/>
+          </p:nvPr>
+        </p:nvSpPr>
+        <p:spPr/>
+        <p:txBody>
+          <a:bodyPr/>
+          <a:lstStyle/>
+          <a:p>
+            <a:r>
+              <a:rPr lang="zh-CN" altLang="en-US" sz="1200"/>
+              <a:t>空格键</a:t>
+            </a:r>
+            <a:endParaRPr lang="en-US" altLang="zh-CN" sz="1200"/>
+          </a:p>
+          <a:p>
+            <a:pPr marL="0" indent="0">
+              <a:buNone/>
+            </a:pPr>
+            <a:r>
+              <a:rPr lang="zh-CN" altLang="en-US" sz="1200"/>
+              <a:t>按完空格键之后，光标会向右移动一个单位</a:t>
+            </a:r>
+            <a:endParaRPr lang="en-US" altLang="zh-CN" sz="1200"/>
+          </a:p>
+          <a:p>
+            <a:pPr marL="0" indent="0">
+              <a:buNone/>
+            </a:pPr>
+            <a:r>
+              <a:rPr lang="en-US" altLang="zh-CN" sz="1200"/>
+              <a:t>VIM</a:t>
+            </a:r>
+            <a:r>
+              <a:rPr lang="zh-CN" altLang="en-US" sz="1200"/>
+              <a:t>：</a:t>
+            </a:r>
+            <a:r>
+              <a:rPr lang="en-US" altLang="zh-CN" sz="1200"/>
+              <a:t>CUP_CursorPosition</a:t>
+            </a:r>
+            <a:r>
+              <a:rPr lang="zh-CN" altLang="en-US" sz="1200"/>
+              <a:t>，光标向右移动一个单位</a:t>
+            </a:r>
+            <a:endParaRPr lang="en-US" altLang="zh-CN" sz="1200"/>
+          </a:p>
+          <a:p>
+            <a:pPr marL="0" indent="0">
+              <a:buNone/>
+            </a:pPr>
+            <a:r>
+              <a:rPr lang="en-US" altLang="zh-CN" sz="1200"/>
+              <a:t>Normal</a:t>
+            </a:r>
+            <a:r>
+              <a:rPr lang="zh-CN" altLang="en-US" sz="1200"/>
+              <a:t>：</a:t>
+            </a:r>
+            <a:r>
+              <a:rPr lang="en-US" altLang="zh-CN" sz="1200"/>
+              <a:t>Print</a:t>
+            </a:r>
+            <a:r>
+              <a:rPr lang="zh-CN" altLang="en-US" sz="1200"/>
+              <a:t>一个空白字符</a:t>
+            </a:r>
+            <a:endParaRPr lang="en-US" altLang="zh-CN" sz="1200"/>
+          </a:p>
+          <a:p>
+            <a:endParaRPr lang="zh-CN" altLang="en-US"/>
+          </a:p>
+        </p:txBody>
+      </p:sp>
+    </p:spTree>
+    <p:extLst>
+      <p:ext uri="{BB962C8B-B14F-4D97-AF65-F5344CB8AC3E}">
+        <p14:creationId xmlns:p14="http://schemas.microsoft.com/office/powerpoint/2010/main" val="623600296"/>
       </p:ext>
     </p:extLst>
   </p:cSld>

--- a/Documents/设计文档.pptx
+++ b/Documents/设计文档.pptx
@@ -5,12 +5,13 @@
     <p:sldMasterId id="2147483648" r:id="rId1"/>
   </p:sldMasterIdLst>
   <p:sldIdLst>
-    <p:sldId id="256" r:id="rId2"/>
-    <p:sldId id="257" r:id="rId3"/>
-    <p:sldId id="259" r:id="rId4"/>
-    <p:sldId id="258" r:id="rId5"/>
-    <p:sldId id="260" r:id="rId6"/>
-    <p:sldId id="261" r:id="rId7"/>
+    <p:sldId id="262" r:id="rId2"/>
+    <p:sldId id="256" r:id="rId3"/>
+    <p:sldId id="257" r:id="rId4"/>
+    <p:sldId id="259" r:id="rId5"/>
+    <p:sldId id="258" r:id="rId6"/>
+    <p:sldId id="260" r:id="rId7"/>
+    <p:sldId id="261" r:id="rId8"/>
   </p:sldIdLst>
   <p:sldSz cx="12192000" cy="6858000"/>
   <p:notesSz cx="6858000" cy="9144000"/>
@@ -264,7 +265,7 @@
           <a:p>
             <a:fld id="{9B0E3EAA-B7E2-4AD8-AC36-E88450B893C6}" type="datetimeFigureOut">
               <a:rPr lang="zh-CN" altLang="en-US" smtClean="0"/>
-              <a:t>2023/8/21</a:t>
+              <a:t>2025/6/12</a:t>
             </a:fld>
             <a:endParaRPr lang="zh-CN" altLang="en-US"/>
           </a:p>
@@ -462,7 +463,7 @@
           <a:p>
             <a:fld id="{9B0E3EAA-B7E2-4AD8-AC36-E88450B893C6}" type="datetimeFigureOut">
               <a:rPr lang="zh-CN" altLang="en-US" smtClean="0"/>
-              <a:t>2023/8/21</a:t>
+              <a:t>2025/6/12</a:t>
             </a:fld>
             <a:endParaRPr lang="zh-CN" altLang="en-US"/>
           </a:p>
@@ -670,7 +671,7 @@
           <a:p>
             <a:fld id="{9B0E3EAA-B7E2-4AD8-AC36-E88450B893C6}" type="datetimeFigureOut">
               <a:rPr lang="zh-CN" altLang="en-US" smtClean="0"/>
-              <a:t>2023/8/21</a:t>
+              <a:t>2025/6/12</a:t>
             </a:fld>
             <a:endParaRPr lang="zh-CN" altLang="en-US"/>
           </a:p>
@@ -868,7 +869,7 @@
           <a:p>
             <a:fld id="{9B0E3EAA-B7E2-4AD8-AC36-E88450B893C6}" type="datetimeFigureOut">
               <a:rPr lang="zh-CN" altLang="en-US" smtClean="0"/>
-              <a:t>2023/8/21</a:t>
+              <a:t>2025/6/12</a:t>
             </a:fld>
             <a:endParaRPr lang="zh-CN" altLang="en-US"/>
           </a:p>
@@ -1143,7 +1144,7 @@
           <a:p>
             <a:fld id="{9B0E3EAA-B7E2-4AD8-AC36-E88450B893C6}" type="datetimeFigureOut">
               <a:rPr lang="zh-CN" altLang="en-US" smtClean="0"/>
-              <a:t>2023/8/21</a:t>
+              <a:t>2025/6/12</a:t>
             </a:fld>
             <a:endParaRPr lang="zh-CN" altLang="en-US"/>
           </a:p>
@@ -1408,7 +1409,7 @@
           <a:p>
             <a:fld id="{9B0E3EAA-B7E2-4AD8-AC36-E88450B893C6}" type="datetimeFigureOut">
               <a:rPr lang="zh-CN" altLang="en-US" smtClean="0"/>
-              <a:t>2023/8/21</a:t>
+              <a:t>2025/6/12</a:t>
             </a:fld>
             <a:endParaRPr lang="zh-CN" altLang="en-US"/>
           </a:p>
@@ -1820,7 +1821,7 @@
           <a:p>
             <a:fld id="{9B0E3EAA-B7E2-4AD8-AC36-E88450B893C6}" type="datetimeFigureOut">
               <a:rPr lang="zh-CN" altLang="en-US" smtClean="0"/>
-              <a:t>2023/8/21</a:t>
+              <a:t>2025/6/12</a:t>
             </a:fld>
             <a:endParaRPr lang="zh-CN" altLang="en-US"/>
           </a:p>
@@ -1961,7 +1962,7 @@
           <a:p>
             <a:fld id="{9B0E3EAA-B7E2-4AD8-AC36-E88450B893C6}" type="datetimeFigureOut">
               <a:rPr lang="zh-CN" altLang="en-US" smtClean="0"/>
-              <a:t>2023/8/21</a:t>
+              <a:t>2025/6/12</a:t>
             </a:fld>
             <a:endParaRPr lang="zh-CN" altLang="en-US"/>
           </a:p>
@@ -2074,7 +2075,7 @@
           <a:p>
             <a:fld id="{9B0E3EAA-B7E2-4AD8-AC36-E88450B893C6}" type="datetimeFigureOut">
               <a:rPr lang="zh-CN" altLang="en-US" smtClean="0"/>
-              <a:t>2023/8/21</a:t>
+              <a:t>2025/6/12</a:t>
             </a:fld>
             <a:endParaRPr lang="zh-CN" altLang="en-US"/>
           </a:p>
@@ -2385,7 +2386,7 @@
           <a:p>
             <a:fld id="{9B0E3EAA-B7E2-4AD8-AC36-E88450B893C6}" type="datetimeFigureOut">
               <a:rPr lang="zh-CN" altLang="en-US" smtClean="0"/>
-              <a:t>2023/8/21</a:t>
+              <a:t>2025/6/12</a:t>
             </a:fld>
             <a:endParaRPr lang="zh-CN" altLang="en-US"/>
           </a:p>
@@ -2673,7 +2674,7 @@
           <a:p>
             <a:fld id="{9B0E3EAA-B7E2-4AD8-AC36-E88450B893C6}" type="datetimeFigureOut">
               <a:rPr lang="zh-CN" altLang="en-US" smtClean="0"/>
-              <a:t>2023/8/21</a:t>
+              <a:t>2025/6/12</a:t>
             </a:fld>
             <a:endParaRPr lang="zh-CN" altLang="en-US"/>
           </a:p>
@@ -2914,7 +2915,7 @@
           <a:p>
             <a:fld id="{9B0E3EAA-B7E2-4AD8-AC36-E88450B893C6}" type="datetimeFigureOut">
               <a:rPr lang="zh-CN" altLang="en-US" smtClean="0"/>
-              <a:t>2023/8/21</a:t>
+              <a:t>2025/6/12</a:t>
             </a:fld>
             <a:endParaRPr lang="zh-CN" altLang="en-US"/>
           </a:p>
@@ -3347,7 +3348,7 @@
         </p:nvSpPr>
         <p:spPr>
           <a:xfrm>
-            <a:off x="612396" y="0"/>
+            <a:off x="562062" y="-260059"/>
             <a:ext cx="10515600" cy="1325563"/>
           </a:xfrm>
           <a:prstGeom prst="rect">
@@ -3379,7 +3380,7 @@
           </a:lstStyle>
           <a:p>
             <a:r>
-              <a:rPr lang="zh-CN" altLang="en-US" b="1"/>
+              <a:rPr lang="zh-CN" altLang="en-US" b="1" dirty="0"/>
               <a:t>框架结构</a:t>
             </a:r>
           </a:p>
@@ -3387,10 +3388,10 @@
       </p:sp>
       <p:sp>
         <p:nvSpPr>
-          <p:cNvPr id="6" name="矩形 5">
-            <a:extLst>
-              <a:ext uri="{FF2B5EF4-FFF2-40B4-BE49-F238E27FC236}">
-                <a16:creationId xmlns:a16="http://schemas.microsoft.com/office/drawing/2014/main" id="{51DC15DD-BF7B-4A18-A69C-2D47426F9C2C}"/>
+          <p:cNvPr id="26" name="矩形 25">
+            <a:extLst>
+              <a:ext uri="{FF2B5EF4-FFF2-40B4-BE49-F238E27FC236}">
+                <a16:creationId xmlns:a16="http://schemas.microsoft.com/office/drawing/2014/main" id="{99F3B935-F36C-46CF-9EA8-30B2D702EF34}"/>
               </a:ext>
             </a:extLst>
           </p:cNvPr>
@@ -3399,12 +3400,18 @@
         </p:nvSpPr>
         <p:spPr>
           <a:xfrm>
-            <a:off x="780301" y="4585067"/>
-            <a:ext cx="1760078" cy="674328"/>
+            <a:off x="629298" y="1352141"/>
+            <a:ext cx="4940991" cy="703161"/>
           </a:xfrm>
           <a:prstGeom prst="rect">
             <a:avLst/>
           </a:prstGeom>
+          <a:solidFill>
+            <a:schemeClr val="accent6">
+              <a:lumMod val="60000"/>
+              <a:lumOff val="40000"/>
+            </a:schemeClr>
+          </a:solidFill>
         </p:spPr>
         <p:style>
           <a:lnRef idx="1">
@@ -3426,14 +3433,14 @@
           <a:p>
             <a:pPr algn="ctr"/>
             <a:r>
-              <a:rPr lang="en-US" altLang="zh-CN">
+              <a:rPr lang="en-US" altLang="zh-CN" dirty="0" err="1">
                 <a:solidFill>
                   <a:schemeClr val="tx1"/>
                 </a:solidFill>
               </a:rPr>
-              <a:t>VTParser</a:t>
-            </a:r>
-            <a:endParaRPr lang="zh-CN" altLang="en-US">
+              <a:t>ModengTerm</a:t>
+            </a:r>
+            <a:endParaRPr lang="zh-CN" altLang="en-US" dirty="0">
               <a:solidFill>
                 <a:schemeClr val="tx1"/>
               </a:solidFill>
@@ -3443,10 +3450,60 @@
       </p:sp>
       <p:sp>
         <p:nvSpPr>
-          <p:cNvPr id="9" name="矩形 8">
-            <a:extLst>
-              <a:ext uri="{FF2B5EF4-FFF2-40B4-BE49-F238E27FC236}">
-                <a16:creationId xmlns:a16="http://schemas.microsoft.com/office/drawing/2014/main" id="{20AFA7D2-C12D-40CD-B280-0E6F74410BF6}"/>
+          <p:cNvPr id="27" name="文本框 26">
+            <a:extLst>
+              <a:ext uri="{FF2B5EF4-FFF2-40B4-BE49-F238E27FC236}">
+                <a16:creationId xmlns:a16="http://schemas.microsoft.com/office/drawing/2014/main" id="{C0799F08-50B8-49DD-ACB5-DC9ACCA92E0F}"/>
+              </a:ext>
+            </a:extLst>
+          </p:cNvPr>
+          <p:cNvSpPr txBox="1"/>
+          <p:nvPr/>
+        </p:nvSpPr>
+        <p:spPr>
+          <a:xfrm>
+            <a:off x="6725177" y="1269857"/>
+            <a:ext cx="646331" cy="276999"/>
+          </a:xfrm>
+          <a:prstGeom prst="rect">
+            <a:avLst/>
+          </a:prstGeom>
+          <a:noFill/>
+        </p:spPr>
+        <p:txBody>
+          <a:bodyPr wrap="none" rtlCol="0">
+            <a:spAutoFit/>
+          </a:bodyPr>
+          <a:lstStyle>
+            <a:defPPr>
+              <a:defRPr lang="zh-CN"/>
+            </a:defPPr>
+            <a:lvl1pPr>
+              <a:defRPr sz="1200" b="0" i="0">
+                <a:solidFill>
+                  <a:srgbClr val="323232"/>
+                </a:solidFill>
+                <a:effectLst/>
+                <a:latin typeface="Microsoft YaHei" panose="020B0503020204020204" pitchFamily="34" charset="-122"/>
+                <a:ea typeface="Microsoft YaHei" panose="020B0503020204020204" pitchFamily="34" charset="-122"/>
+              </a:defRPr>
+            </a:lvl1pPr>
+          </a:lstStyle>
+          <a:p>
+            <a:r>
+              <a:rPr lang="zh-CN" altLang="en-US" dirty="0"/>
+              <a:t>客户端</a:t>
+            </a:r>
+            <a:endParaRPr lang="en-US" altLang="zh-CN" dirty="0"/>
+          </a:p>
+        </p:txBody>
+      </p:sp>
+      <p:sp>
+        <p:nvSpPr>
+          <p:cNvPr id="28" name="矩形 27">
+            <a:extLst>
+              <a:ext uri="{FF2B5EF4-FFF2-40B4-BE49-F238E27FC236}">
+                <a16:creationId xmlns:a16="http://schemas.microsoft.com/office/drawing/2014/main" id="{7912B476-45A0-4DFA-AE25-DE140D1B6938}"/>
               </a:ext>
             </a:extLst>
           </p:cNvPr>
@@ -3455,12 +3512,18 @@
         </p:nvSpPr>
         <p:spPr>
           <a:xfrm>
-            <a:off x="780301" y="5451842"/>
-            <a:ext cx="1760078" cy="674328"/>
+            <a:off x="629297" y="2137586"/>
+            <a:ext cx="4940991" cy="657345"/>
           </a:xfrm>
           <a:prstGeom prst="rect">
             <a:avLst/>
           </a:prstGeom>
+          <a:solidFill>
+            <a:schemeClr val="accent5">
+              <a:lumMod val="20000"/>
+              <a:lumOff val="80000"/>
+            </a:schemeClr>
+          </a:solidFill>
         </p:spPr>
         <p:style>
           <a:lnRef idx="1">
@@ -3482,14 +3545,14 @@
           <a:p>
             <a:pPr algn="ctr"/>
             <a:r>
-              <a:rPr lang="en-US" altLang="zh-CN">
+              <a:rPr lang="en-US" altLang="zh-CN" dirty="0" err="1">
                 <a:solidFill>
                   <a:schemeClr val="tx1"/>
                 </a:solidFill>
               </a:rPr>
-              <a:t>VTSession</a:t>
-            </a:r>
-            <a:endParaRPr lang="zh-CN" altLang="en-US">
+              <a:t>ViewModel</a:t>
+            </a:r>
+            <a:endParaRPr lang="zh-CN" altLang="en-US" dirty="0">
               <a:solidFill>
                 <a:schemeClr val="tx1"/>
               </a:solidFill>
@@ -3499,10 +3562,64 @@
       </p:sp>
       <p:sp>
         <p:nvSpPr>
-          <p:cNvPr id="10" name="矩形 9">
-            <a:extLst>
-              <a:ext uri="{FF2B5EF4-FFF2-40B4-BE49-F238E27FC236}">
-                <a16:creationId xmlns:a16="http://schemas.microsoft.com/office/drawing/2014/main" id="{E95FF8A7-E703-4370-9270-717E337B655B}"/>
+          <p:cNvPr id="29" name="文本框 28">
+            <a:extLst>
+              <a:ext uri="{FF2B5EF4-FFF2-40B4-BE49-F238E27FC236}">
+                <a16:creationId xmlns:a16="http://schemas.microsoft.com/office/drawing/2014/main" id="{1D25087A-B37D-4B56-B815-5C7241F96894}"/>
+              </a:ext>
+            </a:extLst>
+          </p:cNvPr>
+          <p:cNvSpPr txBox="1"/>
+          <p:nvPr/>
+        </p:nvSpPr>
+        <p:spPr>
+          <a:xfrm>
+            <a:off x="6725177" y="2055302"/>
+            <a:ext cx="1167307" cy="276999"/>
+          </a:xfrm>
+          <a:prstGeom prst="rect">
+            <a:avLst/>
+          </a:prstGeom>
+          <a:noFill/>
+        </p:spPr>
+        <p:txBody>
+          <a:bodyPr wrap="none" rtlCol="0">
+            <a:spAutoFit/>
+          </a:bodyPr>
+          <a:lstStyle>
+            <a:defPPr>
+              <a:defRPr lang="zh-CN"/>
+            </a:defPPr>
+            <a:lvl1pPr>
+              <a:defRPr sz="1200" b="0" i="0">
+                <a:solidFill>
+                  <a:srgbClr val="323232"/>
+                </a:solidFill>
+                <a:effectLst/>
+                <a:latin typeface="Microsoft YaHei" panose="020B0503020204020204" pitchFamily="34" charset="-122"/>
+                <a:ea typeface="Microsoft YaHei" panose="020B0503020204020204" pitchFamily="34" charset="-122"/>
+              </a:defRPr>
+            </a:lvl1pPr>
+          </a:lstStyle>
+          <a:p>
+            <a:r>
+              <a:rPr lang="en-US" altLang="zh-CN" dirty="0" err="1"/>
+              <a:t>ViewModel</a:t>
+            </a:r>
+            <a:r>
+              <a:rPr lang="zh-CN" altLang="en-US" dirty="0"/>
+              <a:t>层</a:t>
+            </a:r>
+            <a:endParaRPr lang="en-US" altLang="zh-CN" dirty="0"/>
+          </a:p>
+        </p:txBody>
+      </p:sp>
+      <p:sp>
+        <p:nvSpPr>
+          <p:cNvPr id="30" name="矩形 29">
+            <a:extLst>
+              <a:ext uri="{FF2B5EF4-FFF2-40B4-BE49-F238E27FC236}">
+                <a16:creationId xmlns:a16="http://schemas.microsoft.com/office/drawing/2014/main" id="{A5D9402A-A111-4845-8469-16109D143817}"/>
               </a:ext>
             </a:extLst>
           </p:cNvPr>
@@ -3511,12 +3628,18 @@
         </p:nvSpPr>
         <p:spPr>
           <a:xfrm>
-            <a:off x="780301" y="3738043"/>
-            <a:ext cx="1760078" cy="674328"/>
+            <a:off x="629298" y="2877215"/>
+            <a:ext cx="4940990" cy="780384"/>
           </a:xfrm>
           <a:prstGeom prst="rect">
             <a:avLst/>
           </a:prstGeom>
+          <a:solidFill>
+            <a:schemeClr val="accent2">
+              <a:lumMod val="40000"/>
+              <a:lumOff val="60000"/>
+            </a:schemeClr>
+          </a:solidFill>
         </p:spPr>
         <p:style>
           <a:lnRef idx="1">
@@ -3537,15 +3660,7 @@
           <a:lstStyle/>
           <a:p>
             <a:pPr algn="ctr"/>
-            <a:r>
-              <a:rPr lang="en-US" altLang="zh-CN">
-                <a:solidFill>
-                  <a:schemeClr val="tx1"/>
-                </a:solidFill>
-              </a:rPr>
-              <a:t>VideoTerminal</a:t>
-            </a:r>
-            <a:endParaRPr lang="zh-CN" altLang="en-US">
+            <a:endParaRPr lang="zh-CN" altLang="en-US" dirty="0">
               <a:solidFill>
                 <a:schemeClr val="tx1"/>
               </a:solidFill>
@@ -3555,10 +3670,10 @@
       </p:sp>
       <p:sp>
         <p:nvSpPr>
-          <p:cNvPr id="11" name="矩形 10">
-            <a:extLst>
-              <a:ext uri="{FF2B5EF4-FFF2-40B4-BE49-F238E27FC236}">
-                <a16:creationId xmlns:a16="http://schemas.microsoft.com/office/drawing/2014/main" id="{5A013B44-08F8-4B69-82F7-DC1FCEE662A0}"/>
+          <p:cNvPr id="2" name="矩形: 圆角 1">
+            <a:extLst>
+              <a:ext uri="{FF2B5EF4-FFF2-40B4-BE49-F238E27FC236}">
+                <a16:creationId xmlns:a16="http://schemas.microsoft.com/office/drawing/2014/main" id="{D5F69FAB-B355-4F4B-B9CF-AA6BF235968A}"/>
               </a:ext>
             </a:extLst>
           </p:cNvPr>
@@ -3567,12 +3682,190 @@
         </p:nvSpPr>
         <p:spPr>
           <a:xfrm>
-            <a:off x="780301" y="2853322"/>
-            <a:ext cx="1760078" cy="674328"/>
+            <a:off x="763520" y="2991515"/>
+            <a:ext cx="2269222" cy="551784"/>
+          </a:xfrm>
+          <a:prstGeom prst="roundRect">
+            <a:avLst/>
+          </a:prstGeom>
+          <a:solidFill>
+            <a:schemeClr val="bg1"/>
+          </a:solidFill>
+        </p:spPr>
+        <p:style>
+          <a:lnRef idx="2">
+            <a:schemeClr val="accent1">
+              <a:shade val="50000"/>
+            </a:schemeClr>
+          </a:lnRef>
+          <a:fillRef idx="1">
+            <a:schemeClr val="accent1"/>
+          </a:fillRef>
+          <a:effectRef idx="0">
+            <a:schemeClr val="accent1"/>
+          </a:effectRef>
+          <a:fontRef idx="minor">
+            <a:schemeClr val="lt1"/>
+          </a:fontRef>
+        </p:style>
+        <p:txBody>
+          <a:bodyPr rtlCol="0" anchor="ctr"/>
+          <a:lstStyle/>
+          <a:p>
+            <a:pPr algn="ctr"/>
+            <a:r>
+              <a:rPr lang="en-US" altLang="zh-CN" sz="1100" dirty="0" err="1">
+                <a:solidFill>
+                  <a:schemeClr val="tx1"/>
+                </a:solidFill>
+              </a:rPr>
+              <a:t>ModengTerm.Terminal</a:t>
+            </a:r>
+            <a:endParaRPr lang="zh-CN" altLang="en-US" sz="1100" dirty="0">
+              <a:solidFill>
+                <a:schemeClr val="tx1"/>
+              </a:solidFill>
+            </a:endParaRPr>
+          </a:p>
+        </p:txBody>
+      </p:sp>
+      <p:sp>
+        <p:nvSpPr>
+          <p:cNvPr id="31" name="矩形: 圆角 30">
+            <a:extLst>
+              <a:ext uri="{FF2B5EF4-FFF2-40B4-BE49-F238E27FC236}">
+                <a16:creationId xmlns:a16="http://schemas.microsoft.com/office/drawing/2014/main" id="{8F84C864-9232-4328-A0DE-2F996132166B}"/>
+              </a:ext>
+            </a:extLst>
+          </p:cNvPr>
+          <p:cNvSpPr/>
+          <p:nvPr/>
+        </p:nvSpPr>
+        <p:spPr>
+          <a:xfrm>
+            <a:off x="3313651" y="2994991"/>
+            <a:ext cx="2107671" cy="551784"/>
+          </a:xfrm>
+          <a:prstGeom prst="roundRect">
+            <a:avLst/>
+          </a:prstGeom>
+          <a:solidFill>
+            <a:schemeClr val="bg1"/>
+          </a:solidFill>
+        </p:spPr>
+        <p:style>
+          <a:lnRef idx="2">
+            <a:schemeClr val="accent1">
+              <a:shade val="50000"/>
+            </a:schemeClr>
+          </a:lnRef>
+          <a:fillRef idx="1">
+            <a:schemeClr val="accent1"/>
+          </a:fillRef>
+          <a:effectRef idx="0">
+            <a:schemeClr val="accent1"/>
+          </a:effectRef>
+          <a:fontRef idx="minor">
+            <a:schemeClr val="lt1"/>
+          </a:fontRef>
+        </p:style>
+        <p:txBody>
+          <a:bodyPr rtlCol="0" anchor="ctr"/>
+          <a:lstStyle/>
+          <a:p>
+            <a:pPr algn="ctr"/>
+            <a:r>
+              <a:rPr lang="en-US" altLang="zh-CN" sz="1100" dirty="0" err="1">
+                <a:solidFill>
+                  <a:schemeClr val="tx1"/>
+                </a:solidFill>
+              </a:rPr>
+              <a:t>ModengTerm.Sftp</a:t>
+            </a:r>
+            <a:endParaRPr lang="zh-CN" altLang="en-US" sz="1100" dirty="0">
+              <a:solidFill>
+                <a:schemeClr val="tx1"/>
+              </a:solidFill>
+            </a:endParaRPr>
+          </a:p>
+        </p:txBody>
+      </p:sp>
+      <p:sp>
+        <p:nvSpPr>
+          <p:cNvPr id="32" name="文本框 31">
+            <a:extLst>
+              <a:ext uri="{FF2B5EF4-FFF2-40B4-BE49-F238E27FC236}">
+                <a16:creationId xmlns:a16="http://schemas.microsoft.com/office/drawing/2014/main" id="{6E8D3D6B-BFE5-44B2-BAD0-F47814145C68}"/>
+              </a:ext>
+            </a:extLst>
+          </p:cNvPr>
+          <p:cNvSpPr txBox="1"/>
+          <p:nvPr/>
+        </p:nvSpPr>
+        <p:spPr>
+          <a:xfrm>
+            <a:off x="6725177" y="2791294"/>
+            <a:ext cx="646331" cy="276999"/>
           </a:xfrm>
           <a:prstGeom prst="rect">
             <a:avLst/>
           </a:prstGeom>
+          <a:noFill/>
+        </p:spPr>
+        <p:txBody>
+          <a:bodyPr wrap="none" rtlCol="0">
+            <a:spAutoFit/>
+          </a:bodyPr>
+          <a:lstStyle>
+            <a:defPPr>
+              <a:defRPr lang="zh-CN"/>
+            </a:defPPr>
+            <a:lvl1pPr>
+              <a:defRPr sz="1200" b="0" i="0">
+                <a:solidFill>
+                  <a:srgbClr val="323232"/>
+                </a:solidFill>
+                <a:effectLst/>
+                <a:latin typeface="Microsoft YaHei" panose="020B0503020204020204" pitchFamily="34" charset="-122"/>
+                <a:ea typeface="Microsoft YaHei" panose="020B0503020204020204" pitchFamily="34" charset="-122"/>
+              </a:defRPr>
+            </a:lvl1pPr>
+          </a:lstStyle>
+          <a:p>
+            <a:r>
+              <a:rPr lang="zh-CN" altLang="en-US" dirty="0"/>
+              <a:t>引擎层</a:t>
+            </a:r>
+            <a:endParaRPr lang="en-US" altLang="zh-CN" dirty="0"/>
+          </a:p>
+        </p:txBody>
+      </p:sp>
+      <p:sp>
+        <p:nvSpPr>
+          <p:cNvPr id="33" name="矩形 32">
+            <a:extLst>
+              <a:ext uri="{FF2B5EF4-FFF2-40B4-BE49-F238E27FC236}">
+                <a16:creationId xmlns:a16="http://schemas.microsoft.com/office/drawing/2014/main" id="{AB997E36-89E5-486D-9A46-2C4AC91C7C43}"/>
+              </a:ext>
+            </a:extLst>
+          </p:cNvPr>
+          <p:cNvSpPr/>
+          <p:nvPr/>
+        </p:nvSpPr>
+        <p:spPr>
+          <a:xfrm>
+            <a:off x="629298" y="3739883"/>
+            <a:ext cx="4940990" cy="1444512"/>
+          </a:xfrm>
+          <a:prstGeom prst="rect">
+            <a:avLst/>
+          </a:prstGeom>
+          <a:solidFill>
+            <a:schemeClr val="accent4">
+              <a:lumMod val="40000"/>
+              <a:lumOff val="60000"/>
+            </a:schemeClr>
+          </a:solidFill>
         </p:spPr>
         <p:style>
           <a:lnRef idx="1">
@@ -3593,15 +3886,7 @@
           <a:lstStyle/>
           <a:p>
             <a:pPr algn="ctr"/>
-            <a:r>
-              <a:rPr lang="en-US" altLang="zh-CN">
-                <a:solidFill>
-                  <a:schemeClr val="tx1"/>
-                </a:solidFill>
-              </a:rPr>
-              <a:t>XDocument</a:t>
-            </a:r>
-            <a:endParaRPr lang="zh-CN" altLang="en-US">
+            <a:endParaRPr lang="zh-CN" altLang="en-US" dirty="0">
               <a:solidFill>
                 <a:schemeClr val="tx1"/>
               </a:solidFill>
@@ -3611,10 +3896,10 @@
       </p:sp>
       <p:sp>
         <p:nvSpPr>
-          <p:cNvPr id="12" name="矩形 11">
-            <a:extLst>
-              <a:ext uri="{FF2B5EF4-FFF2-40B4-BE49-F238E27FC236}">
-                <a16:creationId xmlns:a16="http://schemas.microsoft.com/office/drawing/2014/main" id="{63BA5CB3-9811-4A8C-9CD7-329D0CF5EDF4}"/>
+          <p:cNvPr id="34" name="矩形: 圆角 33">
+            <a:extLst>
+              <a:ext uri="{FF2B5EF4-FFF2-40B4-BE49-F238E27FC236}">
+                <a16:creationId xmlns:a16="http://schemas.microsoft.com/office/drawing/2014/main" id="{72A21561-90FE-4C48-858B-833B782F5BB5}"/>
               </a:ext>
             </a:extLst>
           </p:cNvPr>
@@ -3623,12 +3908,261 @@
         </p:nvSpPr>
         <p:spPr>
           <a:xfrm>
-            <a:off x="780301" y="2006298"/>
-            <a:ext cx="1760078" cy="674328"/>
+            <a:off x="756530" y="4506233"/>
+            <a:ext cx="4664792" cy="551784"/>
+          </a:xfrm>
+          <a:prstGeom prst="roundRect">
+            <a:avLst/>
+          </a:prstGeom>
+          <a:solidFill>
+            <a:schemeClr val="bg1"/>
+          </a:solidFill>
+        </p:spPr>
+        <p:style>
+          <a:lnRef idx="2">
+            <a:schemeClr val="accent1">
+              <a:shade val="50000"/>
+            </a:schemeClr>
+          </a:lnRef>
+          <a:fillRef idx="1">
+            <a:schemeClr val="accent1"/>
+          </a:fillRef>
+          <a:effectRef idx="0">
+            <a:schemeClr val="accent1"/>
+          </a:effectRef>
+          <a:fontRef idx="minor">
+            <a:schemeClr val="lt1"/>
+          </a:fontRef>
+        </p:style>
+        <p:txBody>
+          <a:bodyPr rtlCol="0" anchor="ctr"/>
+          <a:lstStyle/>
+          <a:p>
+            <a:pPr algn="ctr"/>
+            <a:r>
+              <a:rPr lang="en-US" altLang="zh-CN" sz="1100" dirty="0" err="1">
+                <a:solidFill>
+                  <a:schemeClr val="tx1"/>
+                </a:solidFill>
+              </a:rPr>
+              <a:t>ModengTerm.Addon</a:t>
+            </a:r>
+            <a:endParaRPr lang="zh-CN" altLang="en-US" sz="1100" dirty="0">
+              <a:solidFill>
+                <a:schemeClr val="tx1"/>
+              </a:solidFill>
+            </a:endParaRPr>
+          </a:p>
+        </p:txBody>
+      </p:sp>
+      <p:sp>
+        <p:nvSpPr>
+          <p:cNvPr id="35" name="矩形: 圆角 34">
+            <a:extLst>
+              <a:ext uri="{FF2B5EF4-FFF2-40B4-BE49-F238E27FC236}">
+                <a16:creationId xmlns:a16="http://schemas.microsoft.com/office/drawing/2014/main" id="{9ED71CE0-9CC9-43E0-899D-4D81D565B714}"/>
+              </a:ext>
+            </a:extLst>
+          </p:cNvPr>
+          <p:cNvSpPr/>
+          <p:nvPr/>
+        </p:nvSpPr>
+        <p:spPr>
+          <a:xfrm>
+            <a:off x="756531" y="3847166"/>
+            <a:ext cx="1444943" cy="551784"/>
+          </a:xfrm>
+          <a:prstGeom prst="roundRect">
+            <a:avLst/>
+          </a:prstGeom>
+          <a:solidFill>
+            <a:schemeClr val="bg1"/>
+          </a:solidFill>
+        </p:spPr>
+        <p:style>
+          <a:lnRef idx="2">
+            <a:schemeClr val="accent1">
+              <a:shade val="50000"/>
+            </a:schemeClr>
+          </a:lnRef>
+          <a:fillRef idx="1">
+            <a:schemeClr val="accent1"/>
+          </a:fillRef>
+          <a:effectRef idx="0">
+            <a:schemeClr val="accent1"/>
+          </a:effectRef>
+          <a:fontRef idx="minor">
+            <a:schemeClr val="lt1"/>
+          </a:fontRef>
+        </p:style>
+        <p:txBody>
+          <a:bodyPr rtlCol="0" anchor="ctr"/>
+          <a:lstStyle/>
+          <a:p>
+            <a:pPr algn="ctr"/>
+            <a:r>
+              <a:rPr lang="en-US" altLang="zh-CN" sz="1100" dirty="0">
+                <a:solidFill>
+                  <a:schemeClr val="tx1"/>
+                </a:solidFill>
+              </a:rPr>
+              <a:t>Addon1</a:t>
+            </a:r>
+            <a:endParaRPr lang="zh-CN" altLang="en-US" sz="1100" dirty="0">
+              <a:solidFill>
+                <a:schemeClr val="tx1"/>
+              </a:solidFill>
+            </a:endParaRPr>
+          </a:p>
+        </p:txBody>
+      </p:sp>
+      <p:sp>
+        <p:nvSpPr>
+          <p:cNvPr id="36" name="矩形: 圆角 35">
+            <a:extLst>
+              <a:ext uri="{FF2B5EF4-FFF2-40B4-BE49-F238E27FC236}">
+                <a16:creationId xmlns:a16="http://schemas.microsoft.com/office/drawing/2014/main" id="{DF413BBC-66CC-4D6E-8ED5-DFD62D731537}"/>
+              </a:ext>
+            </a:extLst>
+          </p:cNvPr>
+          <p:cNvSpPr/>
+          <p:nvPr/>
+        </p:nvSpPr>
+        <p:spPr>
+          <a:xfrm>
+            <a:off x="2315361" y="3840149"/>
+            <a:ext cx="1444943" cy="551784"/>
+          </a:xfrm>
+          <a:prstGeom prst="roundRect">
+            <a:avLst/>
+          </a:prstGeom>
+          <a:solidFill>
+            <a:schemeClr val="bg1"/>
+          </a:solidFill>
+        </p:spPr>
+        <p:style>
+          <a:lnRef idx="2">
+            <a:schemeClr val="accent1">
+              <a:shade val="50000"/>
+            </a:schemeClr>
+          </a:lnRef>
+          <a:fillRef idx="1">
+            <a:schemeClr val="accent1"/>
+          </a:fillRef>
+          <a:effectRef idx="0">
+            <a:schemeClr val="accent1"/>
+          </a:effectRef>
+          <a:fontRef idx="minor">
+            <a:schemeClr val="lt1"/>
+          </a:fontRef>
+        </p:style>
+        <p:txBody>
+          <a:bodyPr rtlCol="0" anchor="ctr"/>
+          <a:lstStyle/>
+          <a:p>
+            <a:pPr algn="ctr"/>
+            <a:r>
+              <a:rPr lang="en-US" altLang="zh-CN" sz="1100" dirty="0">
+                <a:solidFill>
+                  <a:schemeClr val="tx1"/>
+                </a:solidFill>
+              </a:rPr>
+              <a:t>Addon2</a:t>
+            </a:r>
+            <a:endParaRPr lang="zh-CN" altLang="en-US" sz="1100" dirty="0">
+              <a:solidFill>
+                <a:schemeClr val="tx1"/>
+              </a:solidFill>
+            </a:endParaRPr>
+          </a:p>
+        </p:txBody>
+      </p:sp>
+      <p:sp>
+        <p:nvSpPr>
+          <p:cNvPr id="37" name="矩形: 圆角 36">
+            <a:extLst>
+              <a:ext uri="{FF2B5EF4-FFF2-40B4-BE49-F238E27FC236}">
+                <a16:creationId xmlns:a16="http://schemas.microsoft.com/office/drawing/2014/main" id="{BF7D4C14-E9A4-449D-AF37-2E3F8E4325D4}"/>
+              </a:ext>
+            </a:extLst>
+          </p:cNvPr>
+          <p:cNvSpPr/>
+          <p:nvPr/>
+        </p:nvSpPr>
+        <p:spPr>
+          <a:xfrm>
+            <a:off x="3909270" y="3828071"/>
+            <a:ext cx="1512052" cy="551784"/>
+          </a:xfrm>
+          <a:prstGeom prst="roundRect">
+            <a:avLst/>
+          </a:prstGeom>
+          <a:solidFill>
+            <a:schemeClr val="bg1"/>
+          </a:solidFill>
+        </p:spPr>
+        <p:style>
+          <a:lnRef idx="2">
+            <a:schemeClr val="accent1">
+              <a:shade val="50000"/>
+            </a:schemeClr>
+          </a:lnRef>
+          <a:fillRef idx="1">
+            <a:schemeClr val="accent1"/>
+          </a:fillRef>
+          <a:effectRef idx="0">
+            <a:schemeClr val="accent1"/>
+          </a:effectRef>
+          <a:fontRef idx="minor">
+            <a:schemeClr val="lt1"/>
+          </a:fontRef>
+        </p:style>
+        <p:txBody>
+          <a:bodyPr rtlCol="0" anchor="ctr"/>
+          <a:lstStyle/>
+          <a:p>
+            <a:pPr algn="ctr"/>
+            <a:r>
+              <a:rPr lang="en-US" altLang="zh-CN" sz="1100" dirty="0">
+                <a:solidFill>
+                  <a:schemeClr val="tx1"/>
+                </a:solidFill>
+              </a:rPr>
+              <a:t>Addon3</a:t>
+            </a:r>
+            <a:endParaRPr lang="zh-CN" altLang="en-US" sz="1100" dirty="0">
+              <a:solidFill>
+                <a:schemeClr val="tx1"/>
+              </a:solidFill>
+            </a:endParaRPr>
+          </a:p>
+        </p:txBody>
+      </p:sp>
+      <p:sp>
+        <p:nvSpPr>
+          <p:cNvPr id="38" name="矩形 37">
+            <a:extLst>
+              <a:ext uri="{FF2B5EF4-FFF2-40B4-BE49-F238E27FC236}">
+                <a16:creationId xmlns:a16="http://schemas.microsoft.com/office/drawing/2014/main" id="{F7AF4253-8B71-4BBF-B6A8-80A9463FA7A4}"/>
+              </a:ext>
+            </a:extLst>
+          </p:cNvPr>
+          <p:cNvSpPr/>
+          <p:nvPr/>
+        </p:nvSpPr>
+        <p:spPr>
+          <a:xfrm>
+            <a:off x="621730" y="5268077"/>
+            <a:ext cx="4940990" cy="780384"/>
           </a:xfrm>
           <a:prstGeom prst="rect">
             <a:avLst/>
           </a:prstGeom>
+          <a:solidFill>
+            <a:schemeClr val="bg1">
+              <a:lumMod val="85000"/>
+            </a:schemeClr>
+          </a:solidFill>
         </p:spPr>
         <p:style>
           <a:lnRef idx="1">
@@ -3649,15 +4183,7 @@
           <a:lstStyle/>
           <a:p>
             <a:pPr algn="ctr"/>
-            <a:r>
-              <a:rPr lang="en-US" altLang="zh-CN">
-                <a:solidFill>
-                  <a:schemeClr val="tx1"/>
-                </a:solidFill>
-              </a:rPr>
-              <a:t>Rendering</a:t>
-            </a:r>
-            <a:endParaRPr lang="zh-CN" altLang="en-US">
+            <a:endParaRPr lang="zh-CN" altLang="en-US" dirty="0">
               <a:solidFill>
                 <a:schemeClr val="tx1"/>
               </a:solidFill>
@@ -3667,10 +4193,149 @@
       </p:sp>
       <p:sp>
         <p:nvSpPr>
-          <p:cNvPr id="13" name="箭头: 右 12">
-            <a:extLst>
-              <a:ext uri="{FF2B5EF4-FFF2-40B4-BE49-F238E27FC236}">
-                <a16:creationId xmlns:a16="http://schemas.microsoft.com/office/drawing/2014/main" id="{248F2658-DEAC-4D15-B349-4D1C77C9E4DB}"/>
+          <p:cNvPr id="39" name="文本框 38">
+            <a:extLst>
+              <a:ext uri="{FF2B5EF4-FFF2-40B4-BE49-F238E27FC236}">
+                <a16:creationId xmlns:a16="http://schemas.microsoft.com/office/drawing/2014/main" id="{3803CE28-D590-42D3-B850-B660D6BAD9DD}"/>
+              </a:ext>
+            </a:extLst>
+          </p:cNvPr>
+          <p:cNvSpPr txBox="1"/>
+          <p:nvPr/>
+        </p:nvSpPr>
+        <p:spPr>
+          <a:xfrm>
+            <a:off x="6725177" y="3702250"/>
+            <a:ext cx="3303340" cy="646331"/>
+          </a:xfrm>
+          <a:prstGeom prst="rect">
+            <a:avLst/>
+          </a:prstGeom>
+          <a:noFill/>
+        </p:spPr>
+        <p:txBody>
+          <a:bodyPr wrap="none" rtlCol="0">
+            <a:spAutoFit/>
+          </a:bodyPr>
+          <a:lstStyle/>
+          <a:p>
+            <a:r>
+              <a:rPr lang="zh-CN" altLang="en-US" sz="1200" b="0" i="0" dirty="0">
+                <a:solidFill>
+                  <a:srgbClr val="323232"/>
+                </a:solidFill>
+                <a:effectLst/>
+                <a:latin typeface="Microsoft YaHei" panose="020B0503020204020204" pitchFamily="34" charset="-122"/>
+                <a:ea typeface="Microsoft YaHei" panose="020B0503020204020204" pitchFamily="34" charset="-122"/>
+              </a:rPr>
+              <a:t>插件层</a:t>
+            </a:r>
+            <a:endParaRPr lang="en-US" altLang="zh-CN" sz="1200" b="0" i="0" dirty="0">
+              <a:solidFill>
+                <a:srgbClr val="323232"/>
+              </a:solidFill>
+              <a:effectLst/>
+              <a:latin typeface="Microsoft YaHei" panose="020B0503020204020204" pitchFamily="34" charset="-122"/>
+              <a:ea typeface="Microsoft YaHei" panose="020B0503020204020204" pitchFamily="34" charset="-122"/>
+            </a:endParaRPr>
+          </a:p>
+          <a:p>
+            <a:r>
+              <a:rPr lang="zh-CN" altLang="en-US" sz="1200" b="0" i="0" dirty="0">
+                <a:solidFill>
+                  <a:srgbClr val="323232"/>
+                </a:solidFill>
+                <a:effectLst/>
+                <a:latin typeface="Microsoft YaHei" panose="020B0503020204020204" pitchFamily="34" charset="-122"/>
+                <a:ea typeface="Microsoft YaHei" panose="020B0503020204020204" pitchFamily="34" charset="-122"/>
+              </a:rPr>
+              <a:t>定义接口由</a:t>
+            </a:r>
+            <a:r>
+              <a:rPr lang="en-US" altLang="zh-CN" sz="1200" b="0" i="0" dirty="0" err="1">
+                <a:solidFill>
+                  <a:srgbClr val="323232"/>
+                </a:solidFill>
+                <a:effectLst/>
+                <a:latin typeface="Microsoft YaHei" panose="020B0503020204020204" pitchFamily="34" charset="-122"/>
+                <a:ea typeface="Microsoft YaHei" panose="020B0503020204020204" pitchFamily="34" charset="-122"/>
+              </a:rPr>
+              <a:t>ViewModel</a:t>
+            </a:r>
+            <a:r>
+              <a:rPr lang="zh-CN" altLang="en-US" sz="1200" b="0" i="0" dirty="0">
+                <a:solidFill>
+                  <a:srgbClr val="323232"/>
+                </a:solidFill>
+                <a:effectLst/>
+                <a:latin typeface="Microsoft YaHei" panose="020B0503020204020204" pitchFamily="34" charset="-122"/>
+                <a:ea typeface="Microsoft YaHei" panose="020B0503020204020204" pitchFamily="34" charset="-122"/>
+              </a:rPr>
+              <a:t>层和客户端层实现</a:t>
+            </a:r>
+            <a:endParaRPr lang="en-US" altLang="zh-CN" sz="1200" b="0" i="0" dirty="0">
+              <a:solidFill>
+                <a:srgbClr val="323232"/>
+              </a:solidFill>
+              <a:effectLst/>
+              <a:latin typeface="Microsoft YaHei" panose="020B0503020204020204" pitchFamily="34" charset="-122"/>
+              <a:ea typeface="Microsoft YaHei" panose="020B0503020204020204" pitchFamily="34" charset="-122"/>
+            </a:endParaRPr>
+          </a:p>
+          <a:p>
+            <a:r>
+              <a:rPr lang="en-US" altLang="zh-CN" sz="1200" b="0" i="0" dirty="0" err="1">
+                <a:solidFill>
+                  <a:srgbClr val="323232"/>
+                </a:solidFill>
+                <a:effectLst/>
+                <a:latin typeface="Microsoft YaHei" panose="020B0503020204020204" pitchFamily="34" charset="-122"/>
+                <a:ea typeface="Microsoft YaHei" panose="020B0503020204020204" pitchFamily="34" charset="-122"/>
+              </a:rPr>
+              <a:t>ModengTerm</a:t>
+            </a:r>
+            <a:r>
+              <a:rPr lang="zh-CN" altLang="en-US" sz="1200" b="0" i="0" dirty="0">
+                <a:solidFill>
+                  <a:srgbClr val="323232"/>
+                </a:solidFill>
+                <a:effectLst/>
+                <a:latin typeface="Microsoft YaHei" panose="020B0503020204020204" pitchFamily="34" charset="-122"/>
+                <a:ea typeface="Microsoft YaHei" panose="020B0503020204020204" pitchFamily="34" charset="-122"/>
+              </a:rPr>
+              <a:t>主动触发</a:t>
+            </a:r>
+            <a:r>
+              <a:rPr lang="en-US" altLang="zh-CN" sz="1200" b="0" i="0" dirty="0" err="1">
+                <a:solidFill>
+                  <a:srgbClr val="323232"/>
+                </a:solidFill>
+                <a:effectLst/>
+                <a:latin typeface="Microsoft YaHei" panose="020B0503020204020204" pitchFamily="34" charset="-122"/>
+                <a:ea typeface="Microsoft YaHei" panose="020B0503020204020204" pitchFamily="34" charset="-122"/>
+              </a:rPr>
+              <a:t>HostEvent</a:t>
+            </a:r>
+            <a:r>
+              <a:rPr lang="zh-CN" altLang="en-US" sz="1200" b="0" i="0" dirty="0">
+                <a:solidFill>
+                  <a:srgbClr val="323232"/>
+                </a:solidFill>
+                <a:effectLst/>
+                <a:latin typeface="Microsoft YaHei" panose="020B0503020204020204" pitchFamily="34" charset="-122"/>
+                <a:ea typeface="Microsoft YaHei" panose="020B0503020204020204" pitchFamily="34" charset="-122"/>
+              </a:rPr>
+              <a:t>通知给插件</a:t>
+            </a:r>
+          </a:p>
+        </p:txBody>
+      </p:sp>
+      <p:sp>
+        <p:nvSpPr>
+          <p:cNvPr id="40" name="矩形: 圆角 39">
+            <a:extLst>
+              <a:ext uri="{FF2B5EF4-FFF2-40B4-BE49-F238E27FC236}">
+                <a16:creationId xmlns:a16="http://schemas.microsoft.com/office/drawing/2014/main" id="{3367EBC2-5CEC-47ED-8235-6453ADA93A88}"/>
               </a:ext>
             </a:extLst>
           </p:cNvPr>
@@ -3678,27 +4343,31 @@
           <p:nvPr/>
         </p:nvSpPr>
         <p:spPr>
-          <a:xfrm rot="16200000" flipV="1">
-            <a:off x="998962" y="4004478"/>
-            <a:ext cx="3921415" cy="321969"/>
-          </a:xfrm>
-          <a:prstGeom prst="rightArrow">
+          <a:xfrm>
+            <a:off x="756530" y="5382377"/>
+            <a:ext cx="2276212" cy="551784"/>
+          </a:xfrm>
+          <a:prstGeom prst="roundRect">
             <a:avLst/>
           </a:prstGeom>
-          <a:ln/>
+          <a:solidFill>
+            <a:schemeClr val="bg1"/>
+          </a:solidFill>
         </p:spPr>
         <p:style>
-          <a:lnRef idx="1">
-            <a:schemeClr val="accent5"/>
+          <a:lnRef idx="2">
+            <a:schemeClr val="accent1">
+              <a:shade val="50000"/>
+            </a:schemeClr>
           </a:lnRef>
-          <a:fillRef idx="2">
-            <a:schemeClr val="accent5"/>
+          <a:fillRef idx="1">
+            <a:schemeClr val="accent1"/>
           </a:fillRef>
-          <a:effectRef idx="1">
-            <a:schemeClr val="accent5"/>
+          <a:effectRef idx="0">
+            <a:schemeClr val="accent1"/>
           </a:effectRef>
           <a:fontRef idx="minor">
-            <a:schemeClr val="dk1"/>
+            <a:schemeClr val="lt1"/>
           </a:fontRef>
         </p:style>
         <p:txBody>
@@ -3706,7 +4375,15 @@
           <a:lstStyle/>
           <a:p>
             <a:pPr algn="ctr"/>
-            <a:endParaRPr lang="zh-CN" altLang="en-US">
+            <a:r>
+              <a:rPr lang="en-US" altLang="zh-CN" sz="1100" dirty="0" err="1">
+                <a:solidFill>
+                  <a:schemeClr val="tx1"/>
+                </a:solidFill>
+              </a:rPr>
+              <a:t>ModengTerm.Base</a:t>
+            </a:r>
+            <a:endParaRPr lang="zh-CN" altLang="en-US" sz="1100" dirty="0">
               <a:solidFill>
                 <a:schemeClr val="tx1"/>
               </a:solidFill>
@@ -3716,93 +4393,10 @@
       </p:sp>
       <p:sp>
         <p:nvSpPr>
-          <p:cNvPr id="14" name="文本框 13">
-            <a:extLst>
-              <a:ext uri="{FF2B5EF4-FFF2-40B4-BE49-F238E27FC236}">
-                <a16:creationId xmlns:a16="http://schemas.microsoft.com/office/drawing/2014/main" id="{AFAFD064-77A1-4AAA-A1C0-E9CF8345E1CB}"/>
-              </a:ext>
-            </a:extLst>
-          </p:cNvPr>
-          <p:cNvSpPr txBox="1"/>
-          <p:nvPr/>
-        </p:nvSpPr>
-        <p:spPr>
-          <a:xfrm>
-            <a:off x="780301" y="1365952"/>
-            <a:ext cx="1707519" cy="369332"/>
-          </a:xfrm>
-          <a:prstGeom prst="rect">
-            <a:avLst/>
-          </a:prstGeom>
-          <a:noFill/>
-        </p:spPr>
-        <p:txBody>
-          <a:bodyPr wrap="none" rtlCol="0">
-            <a:spAutoFit/>
-          </a:bodyPr>
-          <a:lstStyle/>
-          <a:p>
-            <a:r>
-              <a:rPr lang="en-US" altLang="zh-CN"/>
-              <a:t>SSH</a:t>
-            </a:r>
-            <a:r>
-              <a:rPr lang="zh-CN" altLang="en-US"/>
-              <a:t>主机 </a:t>
-            </a:r>
-            <a:r>
-              <a:rPr lang="en-US" altLang="zh-CN"/>
-              <a:t>-&gt; PC</a:t>
-            </a:r>
-          </a:p>
-        </p:txBody>
-      </p:sp>
-      <p:sp>
-        <p:nvSpPr>
-          <p:cNvPr id="15" name="文本框 14">
-            <a:extLst>
-              <a:ext uri="{FF2B5EF4-FFF2-40B4-BE49-F238E27FC236}">
-                <a16:creationId xmlns:a16="http://schemas.microsoft.com/office/drawing/2014/main" id="{E50003E5-3666-45B0-8AE6-42D186AC11AF}"/>
-              </a:ext>
-            </a:extLst>
-          </p:cNvPr>
-          <p:cNvSpPr txBox="1"/>
-          <p:nvPr/>
-        </p:nvSpPr>
-        <p:spPr>
-          <a:xfrm>
-            <a:off x="8602381" y="1365952"/>
-            <a:ext cx="1707519" cy="369332"/>
-          </a:xfrm>
-          <a:prstGeom prst="rect">
-            <a:avLst/>
-          </a:prstGeom>
-          <a:noFill/>
-        </p:spPr>
-        <p:txBody>
-          <a:bodyPr wrap="none" rtlCol="0">
-            <a:spAutoFit/>
-          </a:bodyPr>
-          <a:lstStyle/>
-          <a:p>
-            <a:r>
-              <a:rPr lang="en-US" altLang="zh-CN"/>
-              <a:t>PC -&gt; SSH</a:t>
-            </a:r>
-            <a:r>
-              <a:rPr lang="zh-CN" altLang="en-US"/>
-              <a:t>主机</a:t>
-            </a:r>
-            <a:endParaRPr lang="en-US" altLang="zh-CN"/>
-          </a:p>
-        </p:txBody>
-      </p:sp>
-      <p:sp>
-        <p:nvSpPr>
-          <p:cNvPr id="16" name="矩形 15">
-            <a:extLst>
-              <a:ext uri="{FF2B5EF4-FFF2-40B4-BE49-F238E27FC236}">
-                <a16:creationId xmlns:a16="http://schemas.microsoft.com/office/drawing/2014/main" id="{F176350B-4E9B-45E6-9AFB-97BA95FA555B}"/>
+          <p:cNvPr id="41" name="矩形: 圆角 40">
+            <a:extLst>
+              <a:ext uri="{FF2B5EF4-FFF2-40B4-BE49-F238E27FC236}">
+                <a16:creationId xmlns:a16="http://schemas.microsoft.com/office/drawing/2014/main" id="{41819430-AD9B-4668-91B6-17779E26D262}"/>
               </a:ext>
             </a:extLst>
           </p:cNvPr>
@@ -3811,25 +4405,30 @@
         </p:nvSpPr>
         <p:spPr>
           <a:xfrm>
-            <a:off x="8602381" y="2185872"/>
-            <a:ext cx="1760078" cy="674328"/>
-          </a:xfrm>
-          <a:prstGeom prst="rect">
+            <a:off x="3313651" y="5382377"/>
+            <a:ext cx="2107671" cy="551784"/>
+          </a:xfrm>
+          <a:prstGeom prst="roundRect">
             <a:avLst/>
           </a:prstGeom>
+          <a:solidFill>
+            <a:schemeClr val="bg1"/>
+          </a:solidFill>
         </p:spPr>
         <p:style>
-          <a:lnRef idx="1">
-            <a:schemeClr val="accent5"/>
+          <a:lnRef idx="2">
+            <a:schemeClr val="accent1">
+              <a:shade val="50000"/>
+            </a:schemeClr>
           </a:lnRef>
-          <a:fillRef idx="2">
-            <a:schemeClr val="accent5"/>
+          <a:fillRef idx="1">
+            <a:schemeClr val="accent1"/>
           </a:fillRef>
-          <a:effectRef idx="1">
-            <a:schemeClr val="accent5"/>
+          <a:effectRef idx="0">
+            <a:schemeClr val="accent1"/>
           </a:effectRef>
           <a:fontRef idx="minor">
-            <a:schemeClr val="dk1"/>
+            <a:schemeClr val="lt1"/>
           </a:fontRef>
         </p:style>
         <p:txBody>
@@ -3838,14 +4437,14 @@
           <a:p>
             <a:pPr algn="ctr"/>
             <a:r>
-              <a:rPr lang="en-US" altLang="zh-CN">
+              <a:rPr lang="en-US" altLang="zh-CN" sz="1100" dirty="0" err="1">
                 <a:solidFill>
                   <a:schemeClr val="tx1"/>
                 </a:solidFill>
               </a:rPr>
-              <a:t>PC</a:t>
-            </a:r>
-            <a:endParaRPr lang="zh-CN" altLang="en-US">
+              <a:t>Renci.SshNet</a:t>
+            </a:r>
+            <a:endParaRPr lang="zh-CN" altLang="en-US" sz="1100" dirty="0">
               <a:solidFill>
                 <a:schemeClr val="tx1"/>
               </a:solidFill>
@@ -3855,171 +4454,10 @@
       </p:sp>
       <p:sp>
         <p:nvSpPr>
-          <p:cNvPr id="17" name="矩形 16">
-            <a:extLst>
-              <a:ext uri="{FF2B5EF4-FFF2-40B4-BE49-F238E27FC236}">
-                <a16:creationId xmlns:a16="http://schemas.microsoft.com/office/drawing/2014/main" id="{DAB4ACCF-6CCC-4D32-904F-8C508D905C41}"/>
-              </a:ext>
-            </a:extLst>
-          </p:cNvPr>
-          <p:cNvSpPr/>
-          <p:nvPr/>
-        </p:nvSpPr>
-        <p:spPr>
-          <a:xfrm>
-            <a:off x="8619885" y="3075177"/>
-            <a:ext cx="1760078" cy="674328"/>
-          </a:xfrm>
-          <a:prstGeom prst="rect">
-            <a:avLst/>
-          </a:prstGeom>
-        </p:spPr>
-        <p:style>
-          <a:lnRef idx="1">
-            <a:schemeClr val="accent5"/>
-          </a:lnRef>
-          <a:fillRef idx="2">
-            <a:schemeClr val="accent5"/>
-          </a:fillRef>
-          <a:effectRef idx="1">
-            <a:schemeClr val="accent5"/>
-          </a:effectRef>
-          <a:fontRef idx="minor">
-            <a:schemeClr val="dk1"/>
-          </a:fontRef>
-        </p:style>
-        <p:txBody>
-          <a:bodyPr rtlCol="0" anchor="ctr"/>
-          <a:lstStyle/>
-          <a:p>
-            <a:pPr algn="ctr"/>
-            <a:r>
-              <a:rPr lang="en-US" altLang="zh-CN">
-                <a:solidFill>
-                  <a:schemeClr val="tx1"/>
-                </a:solidFill>
-              </a:rPr>
-              <a:t>VTKeyboard</a:t>
-            </a:r>
-            <a:endParaRPr lang="zh-CN" altLang="en-US">
-              <a:solidFill>
-                <a:schemeClr val="tx1"/>
-              </a:solidFill>
-            </a:endParaRPr>
-          </a:p>
-        </p:txBody>
-      </p:sp>
-      <p:sp>
-        <p:nvSpPr>
-          <p:cNvPr id="18" name="矩形 17">
-            <a:extLst>
-              <a:ext uri="{FF2B5EF4-FFF2-40B4-BE49-F238E27FC236}">
-                <a16:creationId xmlns:a16="http://schemas.microsoft.com/office/drawing/2014/main" id="{EFDB3F37-3953-4382-B8B9-77E47B415410}"/>
-              </a:ext>
-            </a:extLst>
-          </p:cNvPr>
-          <p:cNvSpPr/>
-          <p:nvPr/>
-        </p:nvSpPr>
-        <p:spPr>
-          <a:xfrm>
-            <a:off x="8628661" y="3959898"/>
-            <a:ext cx="1760078" cy="674328"/>
-          </a:xfrm>
-          <a:prstGeom prst="rect">
-            <a:avLst/>
-          </a:prstGeom>
-        </p:spPr>
-        <p:style>
-          <a:lnRef idx="1">
-            <a:schemeClr val="accent5"/>
-          </a:lnRef>
-          <a:fillRef idx="2">
-            <a:schemeClr val="accent5"/>
-          </a:fillRef>
-          <a:effectRef idx="1">
-            <a:schemeClr val="accent5"/>
-          </a:effectRef>
-          <a:fontRef idx="minor">
-            <a:schemeClr val="dk1"/>
-          </a:fontRef>
-        </p:style>
-        <p:txBody>
-          <a:bodyPr rtlCol="0" anchor="ctr"/>
-          <a:lstStyle/>
-          <a:p>
-            <a:pPr algn="ctr"/>
-            <a:r>
-              <a:rPr lang="en-US" altLang="zh-CN">
-                <a:solidFill>
-                  <a:schemeClr val="tx1"/>
-                </a:solidFill>
-              </a:rPr>
-              <a:t>VTSession</a:t>
-            </a:r>
-            <a:endParaRPr lang="zh-CN" altLang="en-US">
-              <a:solidFill>
-                <a:schemeClr val="tx1"/>
-              </a:solidFill>
-            </a:endParaRPr>
-          </a:p>
-        </p:txBody>
-      </p:sp>
-      <p:sp>
-        <p:nvSpPr>
-          <p:cNvPr id="19" name="箭头: 右 18">
-            <a:extLst>
-              <a:ext uri="{FF2B5EF4-FFF2-40B4-BE49-F238E27FC236}">
-                <a16:creationId xmlns:a16="http://schemas.microsoft.com/office/drawing/2014/main" id="{5618B42D-A2AE-4BDA-895F-6B8343DD5B89}"/>
-              </a:ext>
-            </a:extLst>
-          </p:cNvPr>
-          <p:cNvSpPr/>
-          <p:nvPr/>
-        </p:nvSpPr>
-        <p:spPr>
-          <a:xfrm rot="5400000" flipV="1">
-            <a:off x="8816867" y="3756862"/>
-            <a:ext cx="3921415" cy="321969"/>
-          </a:xfrm>
-          <a:prstGeom prst="rightArrow">
-            <a:avLst/>
-          </a:prstGeom>
-          <a:ln/>
-        </p:spPr>
-        <p:style>
-          <a:lnRef idx="1">
-            <a:schemeClr val="accent5"/>
-          </a:lnRef>
-          <a:fillRef idx="2">
-            <a:schemeClr val="accent5"/>
-          </a:fillRef>
-          <a:effectRef idx="1">
-            <a:schemeClr val="accent5"/>
-          </a:effectRef>
-          <a:fontRef idx="minor">
-            <a:schemeClr val="dk1"/>
-          </a:fontRef>
-        </p:style>
-        <p:txBody>
-          <a:bodyPr rtlCol="0" anchor="ctr"/>
-          <a:lstStyle/>
-          <a:p>
-            <a:pPr algn="ctr"/>
-            <a:endParaRPr lang="zh-CN" altLang="en-US">
-              <a:solidFill>
-                <a:schemeClr val="tx1"/>
-              </a:solidFill>
-            </a:endParaRPr>
-          </a:p>
-        </p:txBody>
-      </p:sp>
-      <p:sp>
-        <p:nvSpPr>
-          <p:cNvPr id="20" name="文本框 19">
-            <a:extLst>
-              <a:ext uri="{FF2B5EF4-FFF2-40B4-BE49-F238E27FC236}">
-                <a16:creationId xmlns:a16="http://schemas.microsoft.com/office/drawing/2014/main" id="{19E0A2A9-3CE8-4FA2-95F7-C61367E8F572}"/>
+          <p:cNvPr id="42" name="文本框 41">
+            <a:extLst>
+              <a:ext uri="{FF2B5EF4-FFF2-40B4-BE49-F238E27FC236}">
+                <a16:creationId xmlns:a16="http://schemas.microsoft.com/office/drawing/2014/main" id="{7F7D7E48-5585-40E2-BE54-0B2E11989C8D}"/>
               </a:ext>
             </a:extLst>
           </p:cNvPr>
@@ -4028,8 +4466,8 @@
         </p:nvSpPr>
         <p:spPr>
           <a:xfrm>
-            <a:off x="3218289" y="5547097"/>
-            <a:ext cx="2569934" cy="461665"/>
+            <a:off x="6725177" y="5185793"/>
+            <a:ext cx="800219" cy="276999"/>
           </a:xfrm>
           <a:prstGeom prst="rect">
             <a:avLst/>
@@ -4040,392 +4478,34 @@
           <a:bodyPr wrap="none" rtlCol="0">
             <a:spAutoFit/>
           </a:bodyPr>
-          <a:lstStyle/>
-          <a:p>
-            <a:r>
-              <a:rPr lang="en-US" altLang="zh-CN" sz="1200">
-                <a:latin typeface="宋体" panose="02010600030101010101" pitchFamily="2" charset="-122"/>
-                <a:ea typeface="宋体" panose="02010600030101010101" pitchFamily="2" charset="-122"/>
-              </a:rPr>
-              <a:t>VTSession</a:t>
-            </a:r>
-            <a:r>
-              <a:rPr lang="zh-CN" altLang="en-US" sz="1200">
-                <a:latin typeface="宋体" panose="02010600030101010101" pitchFamily="2" charset="-122"/>
-                <a:ea typeface="宋体" panose="02010600030101010101" pitchFamily="2" charset="-122"/>
-              </a:rPr>
-              <a:t>控制与不同主机间的通信</a:t>
-            </a:r>
-            <a:endParaRPr lang="en-US" altLang="zh-CN" sz="1200">
-              <a:latin typeface="宋体" panose="02010600030101010101" pitchFamily="2" charset="-122"/>
-              <a:ea typeface="宋体" panose="02010600030101010101" pitchFamily="2" charset="-122"/>
-            </a:endParaRPr>
-          </a:p>
-          <a:p>
-            <a:r>
-              <a:rPr lang="zh-CN" altLang="en-US" sz="1200">
-                <a:latin typeface="宋体" panose="02010600030101010101" pitchFamily="2" charset="-122"/>
-                <a:ea typeface="宋体" panose="02010600030101010101" pitchFamily="2" charset="-122"/>
-              </a:rPr>
-              <a:t>从主机接收数据和向主机发送数据</a:t>
-            </a:r>
-            <a:endParaRPr lang="en-US" altLang="zh-CN" sz="1200">
-              <a:latin typeface="宋体" panose="02010600030101010101" pitchFamily="2" charset="-122"/>
-              <a:ea typeface="宋体" panose="02010600030101010101" pitchFamily="2" charset="-122"/>
-            </a:endParaRPr>
-          </a:p>
-        </p:txBody>
-      </p:sp>
-      <p:sp>
-        <p:nvSpPr>
-          <p:cNvPr id="21" name="文本框 20">
-            <a:extLst>
-              <a:ext uri="{FF2B5EF4-FFF2-40B4-BE49-F238E27FC236}">
-                <a16:creationId xmlns:a16="http://schemas.microsoft.com/office/drawing/2014/main" id="{273950DD-5955-416B-B863-A54EBB0EA226}"/>
-              </a:ext>
-            </a:extLst>
-          </p:cNvPr>
-          <p:cNvSpPr txBox="1"/>
-          <p:nvPr/>
-        </p:nvSpPr>
-        <p:spPr>
-          <a:xfrm>
-            <a:off x="3218289" y="4755238"/>
-            <a:ext cx="5801588" cy="461665"/>
-          </a:xfrm>
-          <a:prstGeom prst="rect">
-            <a:avLst/>
-          </a:prstGeom>
-          <a:noFill/>
-        </p:spPr>
-        <p:txBody>
-          <a:bodyPr wrap="none" rtlCol="0">
-            <a:spAutoFit/>
-          </a:bodyPr>
-          <a:lstStyle/>
-          <a:p>
-            <a:r>
-              <a:rPr lang="en-US" altLang="zh-CN" sz="1200">
-                <a:latin typeface="宋体" panose="02010600030101010101" pitchFamily="2" charset="-122"/>
-                <a:ea typeface="宋体" panose="02010600030101010101" pitchFamily="2" charset="-122"/>
-              </a:rPr>
-              <a:t>VTParser</a:t>
-            </a:r>
-            <a:r>
-              <a:rPr lang="zh-CN" altLang="en-US" sz="1200">
-                <a:latin typeface="宋体" panose="02010600030101010101" pitchFamily="2" charset="-122"/>
-                <a:ea typeface="宋体" panose="02010600030101010101" pitchFamily="2" charset="-122"/>
-              </a:rPr>
-              <a:t>负责把从会话层收到的</a:t>
-            </a:r>
-            <a:r>
-              <a:rPr lang="en-US" altLang="zh-CN" sz="1200">
-                <a:latin typeface="宋体" panose="02010600030101010101" pitchFamily="2" charset="-122"/>
-                <a:ea typeface="宋体" panose="02010600030101010101" pitchFamily="2" charset="-122"/>
-              </a:rPr>
-              <a:t>ANSI</a:t>
-            </a:r>
-            <a:r>
-              <a:rPr lang="zh-CN" altLang="en-US" sz="1200">
-                <a:latin typeface="宋体" panose="02010600030101010101" pitchFamily="2" charset="-122"/>
-                <a:ea typeface="宋体" panose="02010600030101010101" pitchFamily="2" charset="-122"/>
-              </a:rPr>
-              <a:t>控制序列解析为</a:t>
-            </a:r>
-            <a:r>
-              <a:rPr lang="en-US" altLang="zh-CN" sz="1200">
-                <a:latin typeface="宋体" panose="02010600030101010101" pitchFamily="2" charset="-122"/>
-                <a:ea typeface="宋体" panose="02010600030101010101" pitchFamily="2" charset="-122"/>
-              </a:rPr>
-              <a:t>VideoTerminal</a:t>
-            </a:r>
-            <a:r>
-              <a:rPr lang="zh-CN" altLang="en-US" sz="1200">
-                <a:latin typeface="宋体" panose="02010600030101010101" pitchFamily="2" charset="-122"/>
-                <a:ea typeface="宋体" panose="02010600030101010101" pitchFamily="2" charset="-122"/>
-              </a:rPr>
-              <a:t>可以执行的动作</a:t>
-            </a:r>
-            <a:endParaRPr lang="en-US" altLang="zh-CN" sz="1200">
-              <a:latin typeface="宋体" panose="02010600030101010101" pitchFamily="2" charset="-122"/>
-              <a:ea typeface="宋体" panose="02010600030101010101" pitchFamily="2" charset="-122"/>
-            </a:endParaRPr>
-          </a:p>
-          <a:p>
-            <a:r>
-              <a:rPr lang="zh-CN" altLang="en-US" sz="1200">
-                <a:latin typeface="宋体" panose="02010600030101010101" pitchFamily="2" charset="-122"/>
-                <a:ea typeface="宋体" panose="02010600030101010101" pitchFamily="2" charset="-122"/>
-              </a:rPr>
-              <a:t>并通过事件通知</a:t>
-            </a:r>
-            <a:r>
-              <a:rPr lang="en-US" altLang="zh-CN" sz="1200">
-                <a:latin typeface="宋体" panose="02010600030101010101" pitchFamily="2" charset="-122"/>
-                <a:ea typeface="宋体" panose="02010600030101010101" pitchFamily="2" charset="-122"/>
-              </a:rPr>
-              <a:t>VideoTerminal</a:t>
-            </a:r>
-          </a:p>
-        </p:txBody>
-      </p:sp>
-      <p:sp>
-        <p:nvSpPr>
-          <p:cNvPr id="22" name="文本框 21">
-            <a:extLst>
-              <a:ext uri="{FF2B5EF4-FFF2-40B4-BE49-F238E27FC236}">
-                <a16:creationId xmlns:a16="http://schemas.microsoft.com/office/drawing/2014/main" id="{B9DC3200-51BF-4B65-8DB7-4241B5E9A2D7}"/>
-              </a:ext>
-            </a:extLst>
-          </p:cNvPr>
-          <p:cNvSpPr txBox="1"/>
-          <p:nvPr/>
-        </p:nvSpPr>
-        <p:spPr>
-          <a:xfrm>
-            <a:off x="3183877" y="3749963"/>
-            <a:ext cx="3493264" cy="830997"/>
-          </a:xfrm>
-          <a:prstGeom prst="rect">
-            <a:avLst/>
-          </a:prstGeom>
-          <a:noFill/>
-        </p:spPr>
-        <p:txBody>
-          <a:bodyPr wrap="none" rtlCol="0">
-            <a:spAutoFit/>
-          </a:bodyPr>
-          <a:lstStyle/>
-          <a:p>
-            <a:r>
-              <a:rPr lang="en-US" altLang="zh-CN" sz="1200">
-                <a:latin typeface="宋体" panose="02010600030101010101" pitchFamily="2" charset="-122"/>
-                <a:ea typeface="宋体" panose="02010600030101010101" pitchFamily="2" charset="-122"/>
-              </a:rPr>
-              <a:t>VideoTerminal</a:t>
-            </a:r>
-            <a:r>
-              <a:rPr lang="zh-CN" altLang="en-US" sz="1200">
-                <a:latin typeface="宋体" panose="02010600030101010101" pitchFamily="2" charset="-122"/>
-                <a:ea typeface="宋体" panose="02010600030101010101" pitchFamily="2" charset="-122"/>
-              </a:rPr>
-              <a:t>负责执行</a:t>
-            </a:r>
-            <a:r>
-              <a:rPr lang="en-US" altLang="zh-CN" sz="1200">
-                <a:latin typeface="宋体" panose="02010600030101010101" pitchFamily="2" charset="-122"/>
-                <a:ea typeface="宋体" panose="02010600030101010101" pitchFamily="2" charset="-122"/>
-              </a:rPr>
-              <a:t>VTParser</a:t>
-            </a:r>
-            <a:r>
-              <a:rPr lang="zh-CN" altLang="en-US" sz="1200">
-                <a:latin typeface="宋体" panose="02010600030101010101" pitchFamily="2" charset="-122"/>
-                <a:ea typeface="宋体" panose="02010600030101010101" pitchFamily="2" charset="-122"/>
-              </a:rPr>
-              <a:t>解析出来的动作</a:t>
-            </a:r>
-            <a:endParaRPr lang="en-US" altLang="zh-CN" sz="1200">
-              <a:latin typeface="宋体" panose="02010600030101010101" pitchFamily="2" charset="-122"/>
-              <a:ea typeface="宋体" panose="02010600030101010101" pitchFamily="2" charset="-122"/>
-            </a:endParaRPr>
-          </a:p>
-          <a:p>
-            <a:r>
-              <a:rPr lang="zh-CN" altLang="en-US" sz="1200">
-                <a:latin typeface="宋体" panose="02010600030101010101" pitchFamily="2" charset="-122"/>
-                <a:ea typeface="宋体" panose="02010600030101010101" pitchFamily="2" charset="-122"/>
-              </a:rPr>
-              <a:t>例如换行，显示字符，删除行，删除字符等等</a:t>
-            </a:r>
-            <a:endParaRPr lang="en-US" altLang="zh-CN" sz="1200">
-              <a:latin typeface="宋体" panose="02010600030101010101" pitchFamily="2" charset="-122"/>
-              <a:ea typeface="宋体" panose="02010600030101010101" pitchFamily="2" charset="-122"/>
-            </a:endParaRPr>
-          </a:p>
-          <a:p>
-            <a:r>
-              <a:rPr lang="zh-CN" altLang="en-US" sz="1200">
-                <a:latin typeface="宋体" panose="02010600030101010101" pitchFamily="2" charset="-122"/>
-                <a:ea typeface="宋体" panose="02010600030101010101" pitchFamily="2" charset="-122"/>
-              </a:rPr>
-              <a:t>生成终端文档模型，并调用渲染接口进行渲染</a:t>
-            </a:r>
-            <a:endParaRPr lang="en-US" altLang="zh-CN" sz="1200">
-              <a:latin typeface="宋体" panose="02010600030101010101" pitchFamily="2" charset="-122"/>
-              <a:ea typeface="宋体" panose="02010600030101010101" pitchFamily="2" charset="-122"/>
-            </a:endParaRPr>
-          </a:p>
-          <a:p>
-            <a:r>
-              <a:rPr lang="zh-CN" altLang="en-US" sz="1200">
-                <a:latin typeface="宋体" panose="02010600030101010101" pitchFamily="2" charset="-122"/>
-                <a:ea typeface="宋体" panose="02010600030101010101" pitchFamily="2" charset="-122"/>
-              </a:rPr>
-              <a:t>是渲染层和底层的桥梁</a:t>
-            </a:r>
-            <a:endParaRPr lang="en-US" altLang="zh-CN" sz="1200">
-              <a:latin typeface="宋体" panose="02010600030101010101" pitchFamily="2" charset="-122"/>
-              <a:ea typeface="宋体" panose="02010600030101010101" pitchFamily="2" charset="-122"/>
-            </a:endParaRPr>
-          </a:p>
-        </p:txBody>
-      </p:sp>
-      <p:sp>
-        <p:nvSpPr>
-          <p:cNvPr id="23" name="文本框 22">
-            <a:extLst>
-              <a:ext uri="{FF2B5EF4-FFF2-40B4-BE49-F238E27FC236}">
-                <a16:creationId xmlns:a16="http://schemas.microsoft.com/office/drawing/2014/main" id="{A561EFB5-9222-40DA-AC6B-284C9499A395}"/>
-              </a:ext>
-            </a:extLst>
-          </p:cNvPr>
-          <p:cNvSpPr txBox="1"/>
-          <p:nvPr/>
-        </p:nvSpPr>
-        <p:spPr>
-          <a:xfrm>
-            <a:off x="3183877" y="2929354"/>
-            <a:ext cx="3570208" cy="646331"/>
-          </a:xfrm>
-          <a:prstGeom prst="rect">
-            <a:avLst/>
-          </a:prstGeom>
-          <a:noFill/>
-        </p:spPr>
-        <p:txBody>
-          <a:bodyPr wrap="none" rtlCol="0">
-            <a:spAutoFit/>
-          </a:bodyPr>
-          <a:lstStyle/>
-          <a:p>
-            <a:r>
-              <a:rPr lang="en-US" altLang="zh-CN" sz="1200">
-                <a:latin typeface="宋体" panose="02010600030101010101" pitchFamily="2" charset="-122"/>
-                <a:ea typeface="宋体" panose="02010600030101010101" pitchFamily="2" charset="-122"/>
-              </a:rPr>
-              <a:t>Xdocument</a:t>
-            </a:r>
-            <a:r>
-              <a:rPr lang="zh-CN" altLang="en-US" sz="1200">
-                <a:latin typeface="宋体" panose="02010600030101010101" pitchFamily="2" charset="-122"/>
-                <a:ea typeface="宋体" panose="02010600030101010101" pitchFamily="2" charset="-122"/>
-              </a:rPr>
-              <a:t>定义了一套终端文档模型</a:t>
-            </a:r>
-            <a:endParaRPr lang="en-US" altLang="zh-CN" sz="1200">
-              <a:latin typeface="宋体" panose="02010600030101010101" pitchFamily="2" charset="-122"/>
-              <a:ea typeface="宋体" panose="02010600030101010101" pitchFamily="2" charset="-122"/>
-            </a:endParaRPr>
-          </a:p>
-          <a:p>
-            <a:r>
-              <a:rPr lang="zh-CN" altLang="en-US" sz="1200">
-                <a:latin typeface="宋体" panose="02010600030101010101" pitchFamily="2" charset="-122"/>
-                <a:ea typeface="宋体" panose="02010600030101010101" pitchFamily="2" charset="-122"/>
-              </a:rPr>
-              <a:t>该模型定义个行数据和字符数据如何存储</a:t>
-            </a:r>
-            <a:endParaRPr lang="en-US" altLang="zh-CN" sz="1200">
-              <a:latin typeface="宋体" panose="02010600030101010101" pitchFamily="2" charset="-122"/>
-              <a:ea typeface="宋体" panose="02010600030101010101" pitchFamily="2" charset="-122"/>
-            </a:endParaRPr>
-          </a:p>
-          <a:p>
-            <a:r>
-              <a:rPr lang="zh-CN" altLang="en-US" sz="1200">
-                <a:latin typeface="宋体" panose="02010600030101010101" pitchFamily="2" charset="-122"/>
-                <a:ea typeface="宋体" panose="02010600030101010101" pitchFamily="2" charset="-122"/>
-              </a:rPr>
-              <a:t>并定义了行与行之间的连接关系，行与字符的关系</a:t>
-            </a:r>
-            <a:endParaRPr lang="en-US" altLang="zh-CN" sz="1200">
-              <a:latin typeface="宋体" panose="02010600030101010101" pitchFamily="2" charset="-122"/>
-              <a:ea typeface="宋体" panose="02010600030101010101" pitchFamily="2" charset="-122"/>
-            </a:endParaRPr>
-          </a:p>
-        </p:txBody>
-      </p:sp>
-      <p:sp>
-        <p:nvSpPr>
-          <p:cNvPr id="24" name="文本框 23">
-            <a:extLst>
-              <a:ext uri="{FF2B5EF4-FFF2-40B4-BE49-F238E27FC236}">
-                <a16:creationId xmlns:a16="http://schemas.microsoft.com/office/drawing/2014/main" id="{59CFB752-22AB-484E-B50D-E4C1176BDA72}"/>
-              </a:ext>
-            </a:extLst>
-          </p:cNvPr>
-          <p:cNvSpPr txBox="1"/>
-          <p:nvPr/>
-        </p:nvSpPr>
-        <p:spPr>
-          <a:xfrm>
-            <a:off x="3218289" y="2068467"/>
-            <a:ext cx="2877711" cy="461665"/>
-          </a:xfrm>
-          <a:prstGeom prst="rect">
-            <a:avLst/>
-          </a:prstGeom>
-          <a:noFill/>
-        </p:spPr>
-        <p:txBody>
-          <a:bodyPr wrap="none" rtlCol="0">
-            <a:spAutoFit/>
-          </a:bodyPr>
-          <a:lstStyle/>
-          <a:p>
-            <a:r>
-              <a:rPr lang="en-US" altLang="zh-CN" sz="1200">
-                <a:latin typeface="宋体" panose="02010600030101010101" pitchFamily="2" charset="-122"/>
-                <a:ea typeface="宋体" panose="02010600030101010101" pitchFamily="2" charset="-122"/>
-              </a:rPr>
-              <a:t>Rendering</a:t>
-            </a:r>
-            <a:r>
-              <a:rPr lang="zh-CN" altLang="en-US" sz="1200">
-                <a:latin typeface="宋体" panose="02010600030101010101" pitchFamily="2" charset="-122"/>
-                <a:ea typeface="宋体" panose="02010600030101010101" pitchFamily="2" charset="-122"/>
-              </a:rPr>
-              <a:t>层实现了文档模型的渲染流程</a:t>
-            </a:r>
-            <a:endParaRPr lang="en-US" altLang="zh-CN" sz="1200">
-              <a:latin typeface="宋体" panose="02010600030101010101" pitchFamily="2" charset="-122"/>
-              <a:ea typeface="宋体" panose="02010600030101010101" pitchFamily="2" charset="-122"/>
-            </a:endParaRPr>
-          </a:p>
-          <a:p>
-            <a:r>
-              <a:rPr lang="zh-CN" altLang="en-US" sz="1200">
-                <a:latin typeface="宋体" panose="02010600030101010101" pitchFamily="2" charset="-122"/>
-                <a:ea typeface="宋体" panose="02010600030101010101" pitchFamily="2" charset="-122"/>
-              </a:rPr>
-              <a:t>使用</a:t>
-            </a:r>
-            <a:r>
-              <a:rPr lang="en-US" altLang="zh-CN" sz="1200">
-                <a:latin typeface="宋体" panose="02010600030101010101" pitchFamily="2" charset="-122"/>
-                <a:ea typeface="宋体" panose="02010600030101010101" pitchFamily="2" charset="-122"/>
-              </a:rPr>
-              <a:t>DrawingVisual</a:t>
-            </a:r>
-            <a:r>
-              <a:rPr lang="zh-CN" altLang="en-US" sz="1200">
-                <a:latin typeface="宋体" panose="02010600030101010101" pitchFamily="2" charset="-122"/>
-                <a:ea typeface="宋体" panose="02010600030101010101" pitchFamily="2" charset="-122"/>
-              </a:rPr>
-              <a:t>引擎进行渲染</a:t>
-            </a:r>
-            <a:endParaRPr lang="en-US" altLang="zh-CN" sz="1200">
-              <a:latin typeface="宋体" panose="02010600030101010101" pitchFamily="2" charset="-122"/>
-              <a:ea typeface="宋体" panose="02010600030101010101" pitchFamily="2" charset="-122"/>
-            </a:endParaRPr>
+          <a:lstStyle>
+            <a:defPPr>
+              <a:defRPr lang="zh-CN"/>
+            </a:defPPr>
+            <a:lvl1pPr>
+              <a:defRPr sz="1200" b="0" i="0">
+                <a:solidFill>
+                  <a:srgbClr val="323232"/>
+                </a:solidFill>
+                <a:effectLst/>
+                <a:latin typeface="Microsoft YaHei" panose="020B0503020204020204" pitchFamily="34" charset="-122"/>
+                <a:ea typeface="Microsoft YaHei" panose="020B0503020204020204" pitchFamily="34" charset="-122"/>
+              </a:defRPr>
+            </a:lvl1pPr>
+          </a:lstStyle>
+          <a:p>
+            <a:r>
+              <a:rPr lang="zh-CN" altLang="en-US" dirty="0"/>
+              <a:t>基础类库</a:t>
+            </a:r>
+            <a:endParaRPr lang="en-US" altLang="zh-CN" dirty="0"/>
           </a:p>
         </p:txBody>
       </p:sp>
     </p:spTree>
     <p:extLst>
       <p:ext uri="{BB962C8B-B14F-4D97-AF65-F5344CB8AC3E}">
-        <p14:creationId xmlns:p14="http://schemas.microsoft.com/office/powerpoint/2010/main" val="2603143949"/>
+        <p14:creationId xmlns:p14="http://schemas.microsoft.com/office/powerpoint/2010/main" val="3701951035"/>
       </p:ext>
     </p:extLst>
   </p:cSld>
@@ -4454,52 +4534,64 @@
       </p:grpSpPr>
       <p:sp>
         <p:nvSpPr>
-          <p:cNvPr id="2" name="标题 1">
-            <a:extLst>
-              <a:ext uri="{FF2B5EF4-FFF2-40B4-BE49-F238E27FC236}">
-                <a16:creationId xmlns:a16="http://schemas.microsoft.com/office/drawing/2014/main" id="{B8755D46-64DE-48DD-94D1-B1624D56E7B2}"/>
-              </a:ext>
-            </a:extLst>
-          </p:cNvPr>
-          <p:cNvSpPr>
-            <a:spLocks noGrp="1"/>
+          <p:cNvPr id="4" name="标题 1">
+            <a:extLst>
+              <a:ext uri="{FF2B5EF4-FFF2-40B4-BE49-F238E27FC236}">
+                <a16:creationId xmlns:a16="http://schemas.microsoft.com/office/drawing/2014/main" id="{EB7CE13A-C6AB-415A-9F8B-B011D08CADC3}"/>
+              </a:ext>
+            </a:extLst>
+          </p:cNvPr>
+          <p:cNvSpPr txBox="1">
+            <a:spLocks/>
           </p:cNvSpPr>
-          <p:nvPr>
-            <p:ph type="title"/>
-          </p:nvPr>
-        </p:nvSpPr>
-        <p:spPr>
-          <a:xfrm>
-            <a:off x="838200" y="150849"/>
+          <p:nvPr/>
+        </p:nvSpPr>
+        <p:spPr>
+          <a:xfrm>
+            <a:off x="604007" y="-334561"/>
             <a:ext cx="10515600" cy="1325563"/>
           </a:xfrm>
-        </p:spPr>
-        <p:txBody>
-          <a:bodyPr/>
-          <a:lstStyle/>
-          <a:p>
-            <a:r>
-              <a:rPr lang="zh-CN" altLang="en-US"/>
-              <a:t>文档模型 </a:t>
-            </a:r>
-            <a:r>
-              <a:rPr lang="en-US" altLang="zh-CN"/>
-              <a:t>- </a:t>
-            </a:r>
-            <a:r>
-              <a:rPr lang="en-US" altLang="zh-CN" err="1"/>
-              <a:t>VTDocument</a:t>
-            </a:r>
-            <a:endParaRPr lang="zh-CN" altLang="en-US"/>
-          </a:p>
-        </p:txBody>
-      </p:sp>
-      <p:sp>
-        <p:nvSpPr>
-          <p:cNvPr id="4" name="矩形 3">
-            <a:extLst>
-              <a:ext uri="{FF2B5EF4-FFF2-40B4-BE49-F238E27FC236}">
-                <a16:creationId xmlns:a16="http://schemas.microsoft.com/office/drawing/2014/main" id="{9E7A5115-4752-485B-84B6-2DC1F1D97F72}"/>
+          <a:prstGeom prst="rect">
+            <a:avLst/>
+          </a:prstGeom>
+        </p:spPr>
+        <p:txBody>
+          <a:bodyPr vert="horz" lIns="91440" tIns="45720" rIns="91440" bIns="45720" rtlCol="0" anchor="b">
+            <a:normAutofit/>
+          </a:bodyPr>
+          <a:lstStyle>
+            <a:lvl1pPr algn="ctr" defTabSz="914400" rtl="0" eaLnBrk="1" latinLnBrk="0" hangingPunct="1">
+              <a:lnSpc>
+                <a:spcPct val="90000"/>
+              </a:lnSpc>
+              <a:spcBef>
+                <a:spcPct val="0"/>
+              </a:spcBef>
+              <a:buNone/>
+              <a:defRPr sz="6000" kern="1200">
+                <a:solidFill>
+                  <a:schemeClr val="tx1"/>
+                </a:solidFill>
+                <a:latin typeface="+mj-lt"/>
+                <a:ea typeface="+mj-ea"/>
+                <a:cs typeface="+mj-cs"/>
+              </a:defRPr>
+            </a:lvl1pPr>
+          </a:lstStyle>
+          <a:p>
+            <a:r>
+              <a:rPr lang="zh-CN" altLang="en-US" b="1" dirty="0"/>
+              <a:t>运行流程</a:t>
+            </a:r>
+          </a:p>
+        </p:txBody>
+      </p:sp>
+      <p:sp>
+        <p:nvSpPr>
+          <p:cNvPr id="6" name="矩形 5">
+            <a:extLst>
+              <a:ext uri="{FF2B5EF4-FFF2-40B4-BE49-F238E27FC236}">
+                <a16:creationId xmlns:a16="http://schemas.microsoft.com/office/drawing/2014/main" id="{51DC15DD-BF7B-4A18-A69C-2D47426F9C2C}"/>
               </a:ext>
             </a:extLst>
           </p:cNvPr>
@@ -4508,33 +4600,25 @@
         </p:nvSpPr>
         <p:spPr>
           <a:xfrm>
-            <a:off x="1081082" y="2639323"/>
-            <a:ext cx="2566331" cy="285225"/>
+            <a:off x="780301" y="4585067"/>
+            <a:ext cx="1760078" cy="674328"/>
           </a:xfrm>
           <a:prstGeom prst="rect">
             <a:avLst/>
           </a:prstGeom>
-          <a:solidFill>
-            <a:schemeClr val="accent1">
-              <a:lumMod val="40000"/>
-              <a:lumOff val="60000"/>
-            </a:schemeClr>
-          </a:solidFill>
         </p:spPr>
         <p:style>
-          <a:lnRef idx="2">
-            <a:schemeClr val="accent1">
-              <a:shade val="50000"/>
-            </a:schemeClr>
+          <a:lnRef idx="1">
+            <a:schemeClr val="accent5"/>
           </a:lnRef>
-          <a:fillRef idx="1">
-            <a:schemeClr val="accent1"/>
+          <a:fillRef idx="2">
+            <a:schemeClr val="accent5"/>
           </a:fillRef>
-          <a:effectRef idx="0">
-            <a:schemeClr val="accent1"/>
+          <a:effectRef idx="1">
+            <a:schemeClr val="accent5"/>
           </a:effectRef>
           <a:fontRef idx="minor">
-            <a:schemeClr val="lt1"/>
+            <a:schemeClr val="dk1"/>
           </a:fontRef>
         </p:style>
         <p:txBody>
@@ -4543,20 +4627,12 @@
           <a:p>
             <a:pPr algn="ctr"/>
             <a:r>
-              <a:rPr lang="en-US" altLang="zh-CN" err="1">
+              <a:rPr lang="en-US" altLang="zh-CN">
                 <a:solidFill>
                   <a:schemeClr val="tx1"/>
                 </a:solidFill>
               </a:rPr>
-              <a:t>VTextLine</a:t>
-            </a:r>
-            <a:r>
-              <a:rPr lang="en-US" altLang="zh-CN">
-                <a:solidFill>
-                  <a:schemeClr val="tx1"/>
-                </a:solidFill>
-              </a:rPr>
-              <a:t> - 3</a:t>
+              <a:t>VTParser</a:t>
             </a:r>
             <a:endParaRPr lang="zh-CN" altLang="en-US">
               <a:solidFill>
@@ -4568,10 +4644,10 @@
       </p:sp>
       <p:sp>
         <p:nvSpPr>
-          <p:cNvPr id="5" name="矩形 4">
-            <a:extLst>
-              <a:ext uri="{FF2B5EF4-FFF2-40B4-BE49-F238E27FC236}">
-                <a16:creationId xmlns:a16="http://schemas.microsoft.com/office/drawing/2014/main" id="{BD5CDB2F-1258-4239-9C67-188EE25ADF00}"/>
+          <p:cNvPr id="9" name="矩形 8">
+            <a:extLst>
+              <a:ext uri="{FF2B5EF4-FFF2-40B4-BE49-F238E27FC236}">
+                <a16:creationId xmlns:a16="http://schemas.microsoft.com/office/drawing/2014/main" id="{20AFA7D2-C12D-40CD-B280-0E6F74410BF6}"/>
               </a:ext>
             </a:extLst>
           </p:cNvPr>
@@ -4580,33 +4656,25 @@
         </p:nvSpPr>
         <p:spPr>
           <a:xfrm>
-            <a:off x="1081082" y="2924548"/>
-            <a:ext cx="2566331" cy="285225"/>
+            <a:off x="780301" y="5451842"/>
+            <a:ext cx="1760078" cy="674328"/>
           </a:xfrm>
           <a:prstGeom prst="rect">
             <a:avLst/>
           </a:prstGeom>
-          <a:solidFill>
-            <a:schemeClr val="accent1">
-              <a:lumMod val="40000"/>
-              <a:lumOff val="60000"/>
-            </a:schemeClr>
-          </a:solidFill>
         </p:spPr>
         <p:style>
-          <a:lnRef idx="2">
-            <a:schemeClr val="accent1">
-              <a:shade val="50000"/>
-            </a:schemeClr>
+          <a:lnRef idx="1">
+            <a:schemeClr val="accent5"/>
           </a:lnRef>
-          <a:fillRef idx="1">
-            <a:schemeClr val="accent1"/>
+          <a:fillRef idx="2">
+            <a:schemeClr val="accent5"/>
           </a:fillRef>
-          <a:effectRef idx="0">
-            <a:schemeClr val="accent1"/>
+          <a:effectRef idx="1">
+            <a:schemeClr val="accent5"/>
           </a:effectRef>
           <a:fontRef idx="minor">
-            <a:schemeClr val="lt1"/>
+            <a:schemeClr val="dk1"/>
           </a:fontRef>
         </p:style>
         <p:txBody>
@@ -4615,20 +4683,12 @@
           <a:p>
             <a:pPr algn="ctr"/>
             <a:r>
-              <a:rPr lang="en-US" altLang="zh-CN" err="1">
+              <a:rPr lang="en-US" altLang="zh-CN">
                 <a:solidFill>
                   <a:schemeClr val="tx1"/>
                 </a:solidFill>
               </a:rPr>
-              <a:t>VTextLine</a:t>
-            </a:r>
-            <a:r>
-              <a:rPr lang="en-US" altLang="zh-CN">
-                <a:solidFill>
-                  <a:schemeClr val="tx1"/>
-                </a:solidFill>
-              </a:rPr>
-              <a:t> - 4</a:t>
+              <a:t>VTSession</a:t>
             </a:r>
             <a:endParaRPr lang="zh-CN" altLang="en-US">
               <a:solidFill>
@@ -4640,10 +4700,10 @@
       </p:sp>
       <p:sp>
         <p:nvSpPr>
-          <p:cNvPr id="6" name="矩形 5">
-            <a:extLst>
-              <a:ext uri="{FF2B5EF4-FFF2-40B4-BE49-F238E27FC236}">
-                <a16:creationId xmlns:a16="http://schemas.microsoft.com/office/drawing/2014/main" id="{12BCF2C5-2998-4DE5-AD80-B1755EE13134}"/>
+          <p:cNvPr id="10" name="矩形 9">
+            <a:extLst>
+              <a:ext uri="{FF2B5EF4-FFF2-40B4-BE49-F238E27FC236}">
+                <a16:creationId xmlns:a16="http://schemas.microsoft.com/office/drawing/2014/main" id="{E95FF8A7-E703-4370-9270-717E337B655B}"/>
               </a:ext>
             </a:extLst>
           </p:cNvPr>
@@ -4652,33 +4712,25 @@
         </p:nvSpPr>
         <p:spPr>
           <a:xfrm>
-            <a:off x="1081082" y="3209773"/>
-            <a:ext cx="2566331" cy="285225"/>
+            <a:off x="780301" y="3738043"/>
+            <a:ext cx="1760078" cy="674328"/>
           </a:xfrm>
           <a:prstGeom prst="rect">
             <a:avLst/>
           </a:prstGeom>
-          <a:solidFill>
-            <a:schemeClr val="accent1">
-              <a:lumMod val="40000"/>
-              <a:lumOff val="60000"/>
-            </a:schemeClr>
-          </a:solidFill>
         </p:spPr>
         <p:style>
-          <a:lnRef idx="2">
-            <a:schemeClr val="accent1">
-              <a:shade val="50000"/>
-            </a:schemeClr>
+          <a:lnRef idx="1">
+            <a:schemeClr val="accent5"/>
           </a:lnRef>
-          <a:fillRef idx="1">
-            <a:schemeClr val="accent1"/>
+          <a:fillRef idx="2">
+            <a:schemeClr val="accent5"/>
           </a:fillRef>
-          <a:effectRef idx="0">
-            <a:schemeClr val="accent1"/>
+          <a:effectRef idx="1">
+            <a:schemeClr val="accent5"/>
           </a:effectRef>
           <a:fontRef idx="minor">
-            <a:schemeClr val="lt1"/>
+            <a:schemeClr val="dk1"/>
           </a:fontRef>
         </p:style>
         <p:txBody>
@@ -4687,20 +4739,12 @@
           <a:p>
             <a:pPr algn="ctr"/>
             <a:r>
-              <a:rPr lang="en-US" altLang="zh-CN" err="1">
+              <a:rPr lang="en-US" altLang="zh-CN">
                 <a:solidFill>
                   <a:schemeClr val="tx1"/>
                 </a:solidFill>
               </a:rPr>
-              <a:t>VTextLine</a:t>
-            </a:r>
-            <a:r>
-              <a:rPr lang="en-US" altLang="zh-CN">
-                <a:solidFill>
-                  <a:schemeClr val="tx1"/>
-                </a:solidFill>
-              </a:rPr>
-              <a:t> - 5</a:t>
+              <a:t>VideoTerminal</a:t>
             </a:r>
             <a:endParaRPr lang="zh-CN" altLang="en-US">
               <a:solidFill>
@@ -4712,10 +4756,10 @@
       </p:sp>
       <p:sp>
         <p:nvSpPr>
-          <p:cNvPr id="7" name="矩形 6">
-            <a:extLst>
-              <a:ext uri="{FF2B5EF4-FFF2-40B4-BE49-F238E27FC236}">
-                <a16:creationId xmlns:a16="http://schemas.microsoft.com/office/drawing/2014/main" id="{9EF36C40-B74F-4025-8075-008F85C1C5C2}"/>
+          <p:cNvPr id="11" name="矩形 10">
+            <a:extLst>
+              <a:ext uri="{FF2B5EF4-FFF2-40B4-BE49-F238E27FC236}">
+                <a16:creationId xmlns:a16="http://schemas.microsoft.com/office/drawing/2014/main" id="{5A013B44-08F8-4B69-82F7-DC1FCEE662A0}"/>
               </a:ext>
             </a:extLst>
           </p:cNvPr>
@@ -4724,33 +4768,25 @@
         </p:nvSpPr>
         <p:spPr>
           <a:xfrm>
-            <a:off x="1081082" y="3494997"/>
-            <a:ext cx="2566331" cy="285225"/>
+            <a:off x="780301" y="2853322"/>
+            <a:ext cx="1760078" cy="674328"/>
           </a:xfrm>
           <a:prstGeom prst="rect">
             <a:avLst/>
           </a:prstGeom>
-          <a:solidFill>
-            <a:schemeClr val="accent1">
-              <a:lumMod val="40000"/>
-              <a:lumOff val="60000"/>
-            </a:schemeClr>
-          </a:solidFill>
         </p:spPr>
         <p:style>
-          <a:lnRef idx="2">
-            <a:schemeClr val="accent1">
-              <a:shade val="50000"/>
-            </a:schemeClr>
+          <a:lnRef idx="1">
+            <a:schemeClr val="accent5"/>
           </a:lnRef>
-          <a:fillRef idx="1">
-            <a:schemeClr val="accent1"/>
+          <a:fillRef idx="2">
+            <a:schemeClr val="accent5"/>
           </a:fillRef>
-          <a:effectRef idx="0">
-            <a:schemeClr val="accent1"/>
+          <a:effectRef idx="1">
+            <a:schemeClr val="accent5"/>
           </a:effectRef>
           <a:fontRef idx="minor">
-            <a:schemeClr val="lt1"/>
+            <a:schemeClr val="dk1"/>
           </a:fontRef>
         </p:style>
         <p:txBody>
@@ -4759,20 +4795,12 @@
           <a:p>
             <a:pPr algn="ctr"/>
             <a:r>
-              <a:rPr lang="en-US" altLang="zh-CN" err="1">
+              <a:rPr lang="en-US" altLang="zh-CN">
                 <a:solidFill>
                   <a:schemeClr val="tx1"/>
                 </a:solidFill>
               </a:rPr>
-              <a:t>VTextLine</a:t>
-            </a:r>
-            <a:r>
-              <a:rPr lang="en-US" altLang="zh-CN">
-                <a:solidFill>
-                  <a:schemeClr val="tx1"/>
-                </a:solidFill>
-              </a:rPr>
-              <a:t> - 6</a:t>
+              <a:t>XDocument</a:t>
             </a:r>
             <a:endParaRPr lang="zh-CN" altLang="en-US">
               <a:solidFill>
@@ -4784,10 +4812,10 @@
       </p:sp>
       <p:sp>
         <p:nvSpPr>
-          <p:cNvPr id="8" name="矩形 7">
-            <a:extLst>
-              <a:ext uri="{FF2B5EF4-FFF2-40B4-BE49-F238E27FC236}">
-                <a16:creationId xmlns:a16="http://schemas.microsoft.com/office/drawing/2014/main" id="{375148AA-22D4-4E01-83DA-7735DA18E23B}"/>
+          <p:cNvPr id="12" name="矩形 11">
+            <a:extLst>
+              <a:ext uri="{FF2B5EF4-FFF2-40B4-BE49-F238E27FC236}">
+                <a16:creationId xmlns:a16="http://schemas.microsoft.com/office/drawing/2014/main" id="{63BA5CB3-9811-4A8C-9CD7-329D0CF5EDF4}"/>
               </a:ext>
             </a:extLst>
           </p:cNvPr>
@@ -4796,33 +4824,25 @@
         </p:nvSpPr>
         <p:spPr>
           <a:xfrm>
-            <a:off x="1081082" y="3780222"/>
-            <a:ext cx="2566331" cy="285225"/>
+            <a:off x="780301" y="2006298"/>
+            <a:ext cx="1760078" cy="674328"/>
           </a:xfrm>
           <a:prstGeom prst="rect">
             <a:avLst/>
           </a:prstGeom>
-          <a:solidFill>
-            <a:schemeClr val="accent1">
-              <a:lumMod val="40000"/>
-              <a:lumOff val="60000"/>
-            </a:schemeClr>
-          </a:solidFill>
         </p:spPr>
         <p:style>
-          <a:lnRef idx="2">
-            <a:schemeClr val="accent1">
-              <a:shade val="50000"/>
-            </a:schemeClr>
+          <a:lnRef idx="1">
+            <a:schemeClr val="accent5"/>
           </a:lnRef>
-          <a:fillRef idx="1">
-            <a:schemeClr val="accent1"/>
+          <a:fillRef idx="2">
+            <a:schemeClr val="accent5"/>
           </a:fillRef>
-          <a:effectRef idx="0">
-            <a:schemeClr val="accent1"/>
+          <a:effectRef idx="1">
+            <a:schemeClr val="accent5"/>
           </a:effectRef>
           <a:fontRef idx="minor">
-            <a:schemeClr val="lt1"/>
+            <a:schemeClr val="dk1"/>
           </a:fontRef>
         </p:style>
         <p:txBody>
@@ -4831,20 +4851,12 @@
           <a:p>
             <a:pPr algn="ctr"/>
             <a:r>
-              <a:rPr lang="en-US" altLang="zh-CN" err="1">
+              <a:rPr lang="en-US" altLang="zh-CN">
                 <a:solidFill>
                   <a:schemeClr val="tx1"/>
                 </a:solidFill>
               </a:rPr>
-              <a:t>VTextLine</a:t>
-            </a:r>
-            <a:r>
-              <a:rPr lang="en-US" altLang="zh-CN">
-                <a:solidFill>
-                  <a:schemeClr val="tx1"/>
-                </a:solidFill>
-              </a:rPr>
-              <a:t> - 7</a:t>
+              <a:t>Rendering</a:t>
             </a:r>
             <a:endParaRPr lang="zh-CN" altLang="en-US">
               <a:solidFill>
@@ -4856,10 +4868,10 @@
       </p:sp>
       <p:sp>
         <p:nvSpPr>
-          <p:cNvPr id="9" name="矩形 8">
-            <a:extLst>
-              <a:ext uri="{FF2B5EF4-FFF2-40B4-BE49-F238E27FC236}">
-                <a16:creationId xmlns:a16="http://schemas.microsoft.com/office/drawing/2014/main" id="{93CD6E6C-DD19-486E-9E67-4A1177FEC025}"/>
+          <p:cNvPr id="13" name="箭头: 右 12">
+            <a:extLst>
+              <a:ext uri="{FF2B5EF4-FFF2-40B4-BE49-F238E27FC236}">
+                <a16:creationId xmlns:a16="http://schemas.microsoft.com/office/drawing/2014/main" id="{248F2658-DEAC-4D15-B349-4D1C77C9E4DB}"/>
               </a:ext>
             </a:extLst>
           </p:cNvPr>
@@ -4867,34 +4879,27 @@
           <p:nvPr/>
         </p:nvSpPr>
         <p:spPr>
-          <a:xfrm>
-            <a:off x="1081082" y="4065446"/>
-            <a:ext cx="2566331" cy="285225"/>
-          </a:xfrm>
-          <a:prstGeom prst="rect">
+          <a:xfrm rot="16200000" flipV="1">
+            <a:off x="998962" y="4004478"/>
+            <a:ext cx="3921415" cy="321969"/>
+          </a:xfrm>
+          <a:prstGeom prst="rightArrow">
             <a:avLst/>
           </a:prstGeom>
-          <a:solidFill>
-            <a:schemeClr val="accent1">
-              <a:lumMod val="40000"/>
-              <a:lumOff val="60000"/>
-            </a:schemeClr>
-          </a:solidFill>
+          <a:ln/>
         </p:spPr>
         <p:style>
-          <a:lnRef idx="2">
-            <a:schemeClr val="accent1">
-              <a:shade val="50000"/>
-            </a:schemeClr>
+          <a:lnRef idx="1">
+            <a:schemeClr val="accent5"/>
           </a:lnRef>
-          <a:fillRef idx="1">
-            <a:schemeClr val="accent1"/>
+          <a:fillRef idx="2">
+            <a:schemeClr val="accent5"/>
           </a:fillRef>
-          <a:effectRef idx="0">
-            <a:schemeClr val="accent1"/>
+          <a:effectRef idx="1">
+            <a:schemeClr val="accent5"/>
           </a:effectRef>
           <a:fontRef idx="minor">
-            <a:schemeClr val="lt1"/>
+            <a:schemeClr val="dk1"/>
           </a:fontRef>
         </p:style>
         <p:txBody>
@@ -4902,22 +4907,6 @@
           <a:lstStyle/>
           <a:p>
             <a:pPr algn="ctr"/>
-            <a:r>
-              <a:rPr lang="en-US" altLang="zh-CN" err="1">
-                <a:solidFill>
-                  <a:schemeClr val="tx1"/>
-                </a:solidFill>
-              </a:rPr>
-              <a:t>VTextLine</a:t>
-            </a:r>
-            <a:r>
-              <a:rPr lang="en-US" altLang="zh-CN">
-                <a:solidFill>
-                  <a:schemeClr val="tx1"/>
-                </a:solidFill>
-              </a:rPr>
-              <a:t> - 8</a:t>
-            </a:r>
             <a:endParaRPr lang="zh-CN" altLang="en-US">
               <a:solidFill>
                 <a:schemeClr val="tx1"/>
@@ -4928,10 +4917,93 @@
       </p:sp>
       <p:sp>
         <p:nvSpPr>
-          <p:cNvPr id="10" name="矩形 9">
-            <a:extLst>
-              <a:ext uri="{FF2B5EF4-FFF2-40B4-BE49-F238E27FC236}">
-                <a16:creationId xmlns:a16="http://schemas.microsoft.com/office/drawing/2014/main" id="{C6C5A420-38D1-4186-8F62-071F3566838A}"/>
+          <p:cNvPr id="14" name="文本框 13">
+            <a:extLst>
+              <a:ext uri="{FF2B5EF4-FFF2-40B4-BE49-F238E27FC236}">
+                <a16:creationId xmlns:a16="http://schemas.microsoft.com/office/drawing/2014/main" id="{AFAFD064-77A1-4AAA-A1C0-E9CF8345E1CB}"/>
+              </a:ext>
+            </a:extLst>
+          </p:cNvPr>
+          <p:cNvSpPr txBox="1"/>
+          <p:nvPr/>
+        </p:nvSpPr>
+        <p:spPr>
+          <a:xfrm>
+            <a:off x="780301" y="1365952"/>
+            <a:ext cx="1707519" cy="369332"/>
+          </a:xfrm>
+          <a:prstGeom prst="rect">
+            <a:avLst/>
+          </a:prstGeom>
+          <a:noFill/>
+        </p:spPr>
+        <p:txBody>
+          <a:bodyPr wrap="none" rtlCol="0">
+            <a:spAutoFit/>
+          </a:bodyPr>
+          <a:lstStyle/>
+          <a:p>
+            <a:r>
+              <a:rPr lang="en-US" altLang="zh-CN"/>
+              <a:t>SSH</a:t>
+            </a:r>
+            <a:r>
+              <a:rPr lang="zh-CN" altLang="en-US"/>
+              <a:t>主机 </a:t>
+            </a:r>
+            <a:r>
+              <a:rPr lang="en-US" altLang="zh-CN"/>
+              <a:t>-&gt; PC</a:t>
+            </a:r>
+          </a:p>
+        </p:txBody>
+      </p:sp>
+      <p:sp>
+        <p:nvSpPr>
+          <p:cNvPr id="15" name="文本框 14">
+            <a:extLst>
+              <a:ext uri="{FF2B5EF4-FFF2-40B4-BE49-F238E27FC236}">
+                <a16:creationId xmlns:a16="http://schemas.microsoft.com/office/drawing/2014/main" id="{E50003E5-3666-45B0-8AE6-42D186AC11AF}"/>
+              </a:ext>
+            </a:extLst>
+          </p:cNvPr>
+          <p:cNvSpPr txBox="1"/>
+          <p:nvPr/>
+        </p:nvSpPr>
+        <p:spPr>
+          <a:xfrm>
+            <a:off x="8602381" y="1365952"/>
+            <a:ext cx="1707519" cy="369332"/>
+          </a:xfrm>
+          <a:prstGeom prst="rect">
+            <a:avLst/>
+          </a:prstGeom>
+          <a:noFill/>
+        </p:spPr>
+        <p:txBody>
+          <a:bodyPr wrap="none" rtlCol="0">
+            <a:spAutoFit/>
+          </a:bodyPr>
+          <a:lstStyle/>
+          <a:p>
+            <a:r>
+              <a:rPr lang="en-US" altLang="zh-CN"/>
+              <a:t>PC -&gt; SSH</a:t>
+            </a:r>
+            <a:r>
+              <a:rPr lang="zh-CN" altLang="en-US"/>
+              <a:t>主机</a:t>
+            </a:r>
+            <a:endParaRPr lang="en-US" altLang="zh-CN"/>
+          </a:p>
+        </p:txBody>
+      </p:sp>
+      <p:sp>
+        <p:nvSpPr>
+          <p:cNvPr id="16" name="矩形 15">
+            <a:extLst>
+              <a:ext uri="{FF2B5EF4-FFF2-40B4-BE49-F238E27FC236}">
+                <a16:creationId xmlns:a16="http://schemas.microsoft.com/office/drawing/2014/main" id="{F176350B-4E9B-45E6-9AFB-97BA95FA555B}"/>
               </a:ext>
             </a:extLst>
           </p:cNvPr>
@@ -4940,33 +5012,25 @@
         </p:nvSpPr>
         <p:spPr>
           <a:xfrm>
-            <a:off x="1081082" y="4350671"/>
-            <a:ext cx="2566331" cy="285225"/>
+            <a:off x="8602381" y="2185872"/>
+            <a:ext cx="1760078" cy="674328"/>
           </a:xfrm>
           <a:prstGeom prst="rect">
             <a:avLst/>
           </a:prstGeom>
-          <a:solidFill>
-            <a:schemeClr val="accent1">
-              <a:lumMod val="40000"/>
-              <a:lumOff val="60000"/>
-            </a:schemeClr>
-          </a:solidFill>
         </p:spPr>
         <p:style>
-          <a:lnRef idx="2">
-            <a:schemeClr val="accent1">
-              <a:shade val="50000"/>
-            </a:schemeClr>
+          <a:lnRef idx="1">
+            <a:schemeClr val="accent5"/>
           </a:lnRef>
-          <a:fillRef idx="1">
-            <a:schemeClr val="accent1"/>
+          <a:fillRef idx="2">
+            <a:schemeClr val="accent5"/>
           </a:fillRef>
-          <a:effectRef idx="0">
-            <a:schemeClr val="accent1"/>
+          <a:effectRef idx="1">
+            <a:schemeClr val="accent5"/>
           </a:effectRef>
           <a:fontRef idx="minor">
-            <a:schemeClr val="lt1"/>
+            <a:schemeClr val="dk1"/>
           </a:fontRef>
         </p:style>
         <p:txBody>
@@ -4975,20 +5039,12 @@
           <a:p>
             <a:pPr algn="ctr"/>
             <a:r>
-              <a:rPr lang="en-US" altLang="zh-CN" err="1">
+              <a:rPr lang="en-US" altLang="zh-CN">
                 <a:solidFill>
                   <a:schemeClr val="tx1"/>
                 </a:solidFill>
               </a:rPr>
-              <a:t>VTextLine</a:t>
-            </a:r>
-            <a:r>
-              <a:rPr lang="en-US" altLang="zh-CN">
-                <a:solidFill>
-                  <a:schemeClr val="tx1"/>
-                </a:solidFill>
-              </a:rPr>
-              <a:t> - 9</a:t>
+              <a:t>PC</a:t>
             </a:r>
             <a:endParaRPr lang="zh-CN" altLang="en-US">
               <a:solidFill>
@@ -5000,10 +5056,10 @@
       </p:sp>
       <p:sp>
         <p:nvSpPr>
-          <p:cNvPr id="11" name="矩形 10">
-            <a:extLst>
-              <a:ext uri="{FF2B5EF4-FFF2-40B4-BE49-F238E27FC236}">
-                <a16:creationId xmlns:a16="http://schemas.microsoft.com/office/drawing/2014/main" id="{62805B25-BFCF-4BA3-9F11-7E8425433AAA}"/>
+          <p:cNvPr id="17" name="矩形 16">
+            <a:extLst>
+              <a:ext uri="{FF2B5EF4-FFF2-40B4-BE49-F238E27FC236}">
+                <a16:creationId xmlns:a16="http://schemas.microsoft.com/office/drawing/2014/main" id="{DAB4ACCF-6CCC-4D32-904F-8C508D905C41}"/>
               </a:ext>
             </a:extLst>
           </p:cNvPr>
@@ -5012,33 +5068,25 @@
         </p:nvSpPr>
         <p:spPr>
           <a:xfrm>
-            <a:off x="1081082" y="4635895"/>
-            <a:ext cx="2566331" cy="285225"/>
+            <a:off x="8619885" y="3075177"/>
+            <a:ext cx="1760078" cy="674328"/>
           </a:xfrm>
           <a:prstGeom prst="rect">
             <a:avLst/>
           </a:prstGeom>
-          <a:solidFill>
-            <a:schemeClr val="accent1">
-              <a:lumMod val="40000"/>
-              <a:lumOff val="60000"/>
-            </a:schemeClr>
-          </a:solidFill>
         </p:spPr>
         <p:style>
-          <a:lnRef idx="2">
-            <a:schemeClr val="accent1">
-              <a:shade val="50000"/>
-            </a:schemeClr>
+          <a:lnRef idx="1">
+            <a:schemeClr val="accent5"/>
           </a:lnRef>
-          <a:fillRef idx="1">
-            <a:schemeClr val="accent1"/>
+          <a:fillRef idx="2">
+            <a:schemeClr val="accent5"/>
           </a:fillRef>
-          <a:effectRef idx="0">
-            <a:schemeClr val="accent1"/>
+          <a:effectRef idx="1">
+            <a:schemeClr val="accent5"/>
           </a:effectRef>
           <a:fontRef idx="minor">
-            <a:schemeClr val="lt1"/>
+            <a:schemeClr val="dk1"/>
           </a:fontRef>
         </p:style>
         <p:txBody>
@@ -5047,20 +5095,12 @@
           <a:p>
             <a:pPr algn="ctr"/>
             <a:r>
-              <a:rPr lang="en-US" altLang="zh-CN" err="1">
+              <a:rPr lang="en-US" altLang="zh-CN">
                 <a:solidFill>
                   <a:schemeClr val="tx1"/>
                 </a:solidFill>
               </a:rPr>
-              <a:t>VTextLine</a:t>
-            </a:r>
-            <a:r>
-              <a:rPr lang="en-US" altLang="zh-CN">
-                <a:solidFill>
-                  <a:schemeClr val="tx1"/>
-                </a:solidFill>
-              </a:rPr>
-              <a:t> - 10</a:t>
+              <a:t>VTKeyboard</a:t>
             </a:r>
             <a:endParaRPr lang="zh-CN" altLang="en-US">
               <a:solidFill>
@@ -5072,10 +5112,10 @@
       </p:sp>
       <p:sp>
         <p:nvSpPr>
-          <p:cNvPr id="12" name="矩形 11">
-            <a:extLst>
-              <a:ext uri="{FF2B5EF4-FFF2-40B4-BE49-F238E27FC236}">
-                <a16:creationId xmlns:a16="http://schemas.microsoft.com/office/drawing/2014/main" id="{E425509B-ABD3-40E9-BFEB-A40C3A1CA5AE}"/>
+          <p:cNvPr id="18" name="矩形 17">
+            <a:extLst>
+              <a:ext uri="{FF2B5EF4-FFF2-40B4-BE49-F238E27FC236}">
+                <a16:creationId xmlns:a16="http://schemas.microsoft.com/office/drawing/2014/main" id="{EFDB3F37-3953-4382-B8B9-77E47B415410}"/>
               </a:ext>
             </a:extLst>
           </p:cNvPr>
@@ -5084,33 +5124,25 @@
         </p:nvSpPr>
         <p:spPr>
           <a:xfrm>
-            <a:off x="1081082" y="4921120"/>
-            <a:ext cx="2566331" cy="285225"/>
+            <a:off x="8628661" y="3959898"/>
+            <a:ext cx="1760078" cy="674328"/>
           </a:xfrm>
           <a:prstGeom prst="rect">
             <a:avLst/>
           </a:prstGeom>
-          <a:solidFill>
-            <a:schemeClr val="accent1">
-              <a:lumMod val="40000"/>
-              <a:lumOff val="60000"/>
-            </a:schemeClr>
-          </a:solidFill>
         </p:spPr>
         <p:style>
-          <a:lnRef idx="2">
-            <a:schemeClr val="accent1">
-              <a:shade val="50000"/>
-            </a:schemeClr>
+          <a:lnRef idx="1">
+            <a:schemeClr val="accent5"/>
           </a:lnRef>
-          <a:fillRef idx="1">
-            <a:schemeClr val="accent1"/>
+          <a:fillRef idx="2">
+            <a:schemeClr val="accent5"/>
           </a:fillRef>
-          <a:effectRef idx="0">
-            <a:schemeClr val="accent1"/>
+          <a:effectRef idx="1">
+            <a:schemeClr val="accent5"/>
           </a:effectRef>
           <a:fontRef idx="minor">
-            <a:schemeClr val="lt1"/>
+            <a:schemeClr val="dk1"/>
           </a:fontRef>
         </p:style>
         <p:txBody>
@@ -5119,20 +5151,12 @@
           <a:p>
             <a:pPr algn="ctr"/>
             <a:r>
-              <a:rPr lang="en-US" altLang="zh-CN" err="1">
+              <a:rPr lang="en-US" altLang="zh-CN">
                 <a:solidFill>
                   <a:schemeClr val="tx1"/>
                 </a:solidFill>
               </a:rPr>
-              <a:t>VTextLine</a:t>
-            </a:r>
-            <a:r>
-              <a:rPr lang="en-US" altLang="zh-CN">
-                <a:solidFill>
-                  <a:schemeClr val="tx1"/>
-                </a:solidFill>
-              </a:rPr>
-              <a:t> - 11</a:t>
+              <a:t>VTSession</a:t>
             </a:r>
             <a:endParaRPr lang="zh-CN" altLang="en-US">
               <a:solidFill>
@@ -5144,10 +5168,10 @@
       </p:sp>
       <p:sp>
         <p:nvSpPr>
-          <p:cNvPr id="13" name="矩形 12">
-            <a:extLst>
-              <a:ext uri="{FF2B5EF4-FFF2-40B4-BE49-F238E27FC236}">
-                <a16:creationId xmlns:a16="http://schemas.microsoft.com/office/drawing/2014/main" id="{C8B1E13F-5E66-47CE-9BCD-6CF8897BEA8A}"/>
+          <p:cNvPr id="19" name="箭头: 右 18">
+            <a:extLst>
+              <a:ext uri="{FF2B5EF4-FFF2-40B4-BE49-F238E27FC236}">
+                <a16:creationId xmlns:a16="http://schemas.microsoft.com/office/drawing/2014/main" id="{5618B42D-A2AE-4BDA-895F-6B8343DD5B89}"/>
               </a:ext>
             </a:extLst>
           </p:cNvPr>
@@ -5155,34 +5179,27 @@
           <p:nvPr/>
         </p:nvSpPr>
         <p:spPr>
-          <a:xfrm>
-            <a:off x="1081082" y="2354098"/>
-            <a:ext cx="2566331" cy="285225"/>
-          </a:xfrm>
-          <a:prstGeom prst="rect">
+          <a:xfrm rot="5400000" flipV="1">
+            <a:off x="8816867" y="3756862"/>
+            <a:ext cx="3921415" cy="321969"/>
+          </a:xfrm>
+          <a:prstGeom prst="rightArrow">
             <a:avLst/>
           </a:prstGeom>
-          <a:solidFill>
-            <a:schemeClr val="accent2">
-              <a:lumMod val="20000"/>
-              <a:lumOff val="80000"/>
-            </a:schemeClr>
-          </a:solidFill>
+          <a:ln/>
         </p:spPr>
         <p:style>
-          <a:lnRef idx="2">
-            <a:schemeClr val="accent1">
-              <a:shade val="50000"/>
-            </a:schemeClr>
+          <a:lnRef idx="1">
+            <a:schemeClr val="accent5"/>
           </a:lnRef>
-          <a:fillRef idx="1">
-            <a:schemeClr val="accent1"/>
+          <a:fillRef idx="2">
+            <a:schemeClr val="accent5"/>
           </a:fillRef>
-          <a:effectRef idx="0">
-            <a:schemeClr val="accent1"/>
+          <a:effectRef idx="1">
+            <a:schemeClr val="accent5"/>
           </a:effectRef>
           <a:fontRef idx="minor">
-            <a:schemeClr val="lt1"/>
+            <a:schemeClr val="dk1"/>
           </a:fontRef>
         </p:style>
         <p:txBody>
@@ -5190,22 +5207,6 @@
           <a:lstStyle/>
           <a:p>
             <a:pPr algn="ctr"/>
-            <a:r>
-              <a:rPr lang="en-US" altLang="zh-CN" err="1">
-                <a:solidFill>
-                  <a:schemeClr val="tx1"/>
-                </a:solidFill>
-              </a:rPr>
-              <a:t>VTextLine</a:t>
-            </a:r>
-            <a:r>
-              <a:rPr lang="en-US" altLang="zh-CN">
-                <a:solidFill>
-                  <a:schemeClr val="tx1"/>
-                </a:solidFill>
-              </a:rPr>
-              <a:t> - 2</a:t>
-            </a:r>
             <a:endParaRPr lang="zh-CN" altLang="en-US">
               <a:solidFill>
                 <a:schemeClr val="tx1"/>
@@ -5216,226 +5217,10 @@
       </p:sp>
       <p:sp>
         <p:nvSpPr>
-          <p:cNvPr id="14" name="矩形 13">
-            <a:extLst>
-              <a:ext uri="{FF2B5EF4-FFF2-40B4-BE49-F238E27FC236}">
-                <a16:creationId xmlns:a16="http://schemas.microsoft.com/office/drawing/2014/main" id="{36B9526F-18F7-46EE-A912-CDDE459218C9}"/>
-              </a:ext>
-            </a:extLst>
-          </p:cNvPr>
-          <p:cNvSpPr/>
-          <p:nvPr/>
-        </p:nvSpPr>
-        <p:spPr>
-          <a:xfrm>
-            <a:off x="1081082" y="2068873"/>
-            <a:ext cx="2566331" cy="285225"/>
-          </a:xfrm>
-          <a:prstGeom prst="rect">
-            <a:avLst/>
-          </a:prstGeom>
-          <a:solidFill>
-            <a:schemeClr val="accent2">
-              <a:lumMod val="20000"/>
-              <a:lumOff val="80000"/>
-            </a:schemeClr>
-          </a:solidFill>
-        </p:spPr>
-        <p:style>
-          <a:lnRef idx="2">
-            <a:schemeClr val="accent1">
-              <a:shade val="50000"/>
-            </a:schemeClr>
-          </a:lnRef>
-          <a:fillRef idx="1">
-            <a:schemeClr val="accent1"/>
-          </a:fillRef>
-          <a:effectRef idx="0">
-            <a:schemeClr val="accent1"/>
-          </a:effectRef>
-          <a:fontRef idx="minor">
-            <a:schemeClr val="lt1"/>
-          </a:fontRef>
-        </p:style>
-        <p:txBody>
-          <a:bodyPr rtlCol="0" anchor="ctr"/>
-          <a:lstStyle/>
-          <a:p>
-            <a:pPr algn="ctr"/>
-            <a:r>
-              <a:rPr lang="en-US" altLang="zh-CN" err="1">
-                <a:solidFill>
-                  <a:schemeClr val="tx1"/>
-                </a:solidFill>
-              </a:rPr>
-              <a:t>VTextLine</a:t>
-            </a:r>
-            <a:r>
-              <a:rPr lang="en-US" altLang="zh-CN">
-                <a:solidFill>
-                  <a:schemeClr val="tx1"/>
-                </a:solidFill>
-              </a:rPr>
-              <a:t> - 1</a:t>
-            </a:r>
-            <a:endParaRPr lang="zh-CN" altLang="en-US">
-              <a:solidFill>
-                <a:schemeClr val="tx1"/>
-              </a:solidFill>
-            </a:endParaRPr>
-          </a:p>
-        </p:txBody>
-      </p:sp>
-      <p:sp>
-        <p:nvSpPr>
-          <p:cNvPr id="15" name="矩形 14">
-            <a:extLst>
-              <a:ext uri="{FF2B5EF4-FFF2-40B4-BE49-F238E27FC236}">
-                <a16:creationId xmlns:a16="http://schemas.microsoft.com/office/drawing/2014/main" id="{2E3C64A9-8B11-424B-8A54-30D38146F8F7}"/>
-              </a:ext>
-            </a:extLst>
-          </p:cNvPr>
-          <p:cNvSpPr/>
-          <p:nvPr/>
-        </p:nvSpPr>
-        <p:spPr>
-          <a:xfrm>
-            <a:off x="1081082" y="5206344"/>
-            <a:ext cx="2566331" cy="285225"/>
-          </a:xfrm>
-          <a:prstGeom prst="rect">
-            <a:avLst/>
-          </a:prstGeom>
-          <a:solidFill>
-            <a:schemeClr val="accent2">
-              <a:lumMod val="20000"/>
-              <a:lumOff val="80000"/>
-            </a:schemeClr>
-          </a:solidFill>
-        </p:spPr>
-        <p:style>
-          <a:lnRef idx="2">
-            <a:schemeClr val="accent1">
-              <a:shade val="50000"/>
-            </a:schemeClr>
-          </a:lnRef>
-          <a:fillRef idx="1">
-            <a:schemeClr val="accent1"/>
-          </a:fillRef>
-          <a:effectRef idx="0">
-            <a:schemeClr val="accent1"/>
-          </a:effectRef>
-          <a:fontRef idx="minor">
-            <a:schemeClr val="lt1"/>
-          </a:fontRef>
-        </p:style>
-        <p:txBody>
-          <a:bodyPr rtlCol="0" anchor="ctr"/>
-          <a:lstStyle/>
-          <a:p>
-            <a:pPr algn="ctr"/>
-            <a:r>
-              <a:rPr lang="en-US" altLang="zh-CN" err="1">
-                <a:solidFill>
-                  <a:schemeClr val="tx1"/>
-                </a:solidFill>
-              </a:rPr>
-              <a:t>VTextLine</a:t>
-            </a:r>
-            <a:r>
-              <a:rPr lang="en-US" altLang="zh-CN">
-                <a:solidFill>
-                  <a:schemeClr val="tx1"/>
-                </a:solidFill>
-              </a:rPr>
-              <a:t> - 12</a:t>
-            </a:r>
-            <a:endParaRPr lang="zh-CN" altLang="en-US">
-              <a:solidFill>
-                <a:schemeClr val="tx1"/>
-              </a:solidFill>
-            </a:endParaRPr>
-          </a:p>
-        </p:txBody>
-      </p:sp>
-      <p:sp>
-        <p:nvSpPr>
-          <p:cNvPr id="16" name="矩形 15">
-            <a:extLst>
-              <a:ext uri="{FF2B5EF4-FFF2-40B4-BE49-F238E27FC236}">
-                <a16:creationId xmlns:a16="http://schemas.microsoft.com/office/drawing/2014/main" id="{B109EB7B-9A0C-4CEE-9DBC-02CCB396E5FF}"/>
-              </a:ext>
-            </a:extLst>
-          </p:cNvPr>
-          <p:cNvSpPr/>
-          <p:nvPr/>
-        </p:nvSpPr>
-        <p:spPr>
-          <a:xfrm>
-            <a:off x="1081082" y="5481234"/>
-            <a:ext cx="2566331" cy="285225"/>
-          </a:xfrm>
-          <a:prstGeom prst="rect">
-            <a:avLst/>
-          </a:prstGeom>
-          <a:solidFill>
-            <a:schemeClr val="accent2">
-              <a:lumMod val="20000"/>
-              <a:lumOff val="80000"/>
-            </a:schemeClr>
-          </a:solidFill>
-        </p:spPr>
-        <p:style>
-          <a:lnRef idx="2">
-            <a:schemeClr val="accent1">
-              <a:shade val="50000"/>
-            </a:schemeClr>
-          </a:lnRef>
-          <a:fillRef idx="1">
-            <a:schemeClr val="accent1"/>
-          </a:fillRef>
-          <a:effectRef idx="0">
-            <a:schemeClr val="accent1"/>
-          </a:effectRef>
-          <a:fontRef idx="minor">
-            <a:schemeClr val="lt1"/>
-          </a:fontRef>
-        </p:style>
-        <p:txBody>
-          <a:bodyPr rtlCol="0" anchor="ctr"/>
-          <a:lstStyle/>
-          <a:p>
-            <a:pPr algn="ctr"/>
-            <a:r>
-              <a:rPr lang="en-US" altLang="zh-CN" err="1">
-                <a:solidFill>
-                  <a:schemeClr val="tx1"/>
-                </a:solidFill>
-              </a:rPr>
-              <a:t>VTextLine</a:t>
-            </a:r>
-            <a:r>
-              <a:rPr lang="en-US" altLang="zh-CN">
-                <a:solidFill>
-                  <a:schemeClr val="tx1"/>
-                </a:solidFill>
-              </a:rPr>
-              <a:t> - 13</a:t>
-            </a:r>
-            <a:endParaRPr lang="zh-CN" altLang="en-US">
-              <a:solidFill>
-                <a:schemeClr val="tx1"/>
-              </a:solidFill>
-            </a:endParaRPr>
-          </a:p>
-        </p:txBody>
-      </p:sp>
-      <p:sp>
-        <p:nvSpPr>
-          <p:cNvPr id="3" name="文本框 2">
-            <a:extLst>
-              <a:ext uri="{FF2B5EF4-FFF2-40B4-BE49-F238E27FC236}">
-                <a16:creationId xmlns:a16="http://schemas.microsoft.com/office/drawing/2014/main" id="{EF5D832E-4C80-4E1B-8A6A-49FB5BA16A18}"/>
+          <p:cNvPr id="20" name="文本框 19">
+            <a:extLst>
+              <a:ext uri="{FF2B5EF4-FFF2-40B4-BE49-F238E27FC236}">
+                <a16:creationId xmlns:a16="http://schemas.microsoft.com/office/drawing/2014/main" id="{19E0A2A9-3CE8-4FA2-95F7-C61367E8F572}"/>
               </a:ext>
             </a:extLst>
           </p:cNvPr>
@@ -5444,8 +5229,8 @@
         </p:nvSpPr>
         <p:spPr>
           <a:xfrm>
-            <a:off x="876815" y="1376766"/>
-            <a:ext cx="8175636" cy="369332"/>
+            <a:off x="3218289" y="5547097"/>
+            <a:ext cx="2569934" cy="461665"/>
           </a:xfrm>
           <a:prstGeom prst="rect">
             <a:avLst/>
@@ -5459,22 +5244,45 @@
           <a:lstStyle/>
           <a:p>
             <a:r>
-              <a:rPr lang="en-US" altLang="zh-CN"/>
-              <a:t>VTDocument</a:t>
-            </a:r>
-            <a:r>
-              <a:rPr lang="zh-CN" altLang="en-US"/>
-              <a:t>是一个链表结构，其中一行就是链表里的一个节点。如下图所示：</a:t>
-            </a:r>
-          </a:p>
-        </p:txBody>
-      </p:sp>
-      <p:sp>
-        <p:nvSpPr>
-          <p:cNvPr id="48" name="文本框 47">
-            <a:extLst>
-              <a:ext uri="{FF2B5EF4-FFF2-40B4-BE49-F238E27FC236}">
-                <a16:creationId xmlns:a16="http://schemas.microsoft.com/office/drawing/2014/main" id="{3C2D22A9-42AF-4B06-9AD3-6F4AAE14CC5D}"/>
+              <a:rPr lang="en-US" altLang="zh-CN" sz="1200">
+                <a:latin typeface="宋体" panose="02010600030101010101" pitchFamily="2" charset="-122"/>
+                <a:ea typeface="宋体" panose="02010600030101010101" pitchFamily="2" charset="-122"/>
+              </a:rPr>
+              <a:t>VTSession</a:t>
+            </a:r>
+            <a:r>
+              <a:rPr lang="zh-CN" altLang="en-US" sz="1200">
+                <a:latin typeface="宋体" panose="02010600030101010101" pitchFamily="2" charset="-122"/>
+                <a:ea typeface="宋体" panose="02010600030101010101" pitchFamily="2" charset="-122"/>
+              </a:rPr>
+              <a:t>控制与不同主机间的通信</a:t>
+            </a:r>
+            <a:endParaRPr lang="en-US" altLang="zh-CN" sz="1200">
+              <a:latin typeface="宋体" panose="02010600030101010101" pitchFamily="2" charset="-122"/>
+              <a:ea typeface="宋体" panose="02010600030101010101" pitchFamily="2" charset="-122"/>
+            </a:endParaRPr>
+          </a:p>
+          <a:p>
+            <a:r>
+              <a:rPr lang="zh-CN" altLang="en-US" sz="1200">
+                <a:latin typeface="宋体" panose="02010600030101010101" pitchFamily="2" charset="-122"/>
+                <a:ea typeface="宋体" panose="02010600030101010101" pitchFamily="2" charset="-122"/>
+              </a:rPr>
+              <a:t>从主机接收数据和向主机发送数据</a:t>
+            </a:r>
+            <a:endParaRPr lang="en-US" altLang="zh-CN" sz="1200">
+              <a:latin typeface="宋体" panose="02010600030101010101" pitchFamily="2" charset="-122"/>
+              <a:ea typeface="宋体" panose="02010600030101010101" pitchFamily="2" charset="-122"/>
+            </a:endParaRPr>
+          </a:p>
+        </p:txBody>
+      </p:sp>
+      <p:sp>
+        <p:nvSpPr>
+          <p:cNvPr id="21" name="文本框 20">
+            <a:extLst>
+              <a:ext uri="{FF2B5EF4-FFF2-40B4-BE49-F238E27FC236}">
+                <a16:creationId xmlns:a16="http://schemas.microsoft.com/office/drawing/2014/main" id="{273950DD-5955-416B-B863-A54EBB0EA226}"/>
               </a:ext>
             </a:extLst>
           </p:cNvPr>
@@ -5483,8 +5291,8 @@
         </p:nvSpPr>
         <p:spPr>
           <a:xfrm>
-            <a:off x="4016364" y="2383654"/>
-            <a:ext cx="7375737" cy="369332"/>
+            <a:off x="3218289" y="4755238"/>
+            <a:ext cx="5801588" cy="461665"/>
           </a:xfrm>
           <a:prstGeom prst="rect">
             <a:avLst/>
@@ -5498,25 +5306,327 @@
           <a:lstStyle/>
           <a:p>
             <a:r>
-              <a:rPr lang="zh-CN" altLang="en-US"/>
-              <a:t>每个</a:t>
-            </a:r>
-            <a:r>
-              <a:rPr lang="en-US" altLang="zh-CN"/>
-              <a:t>VTextLine</a:t>
-            </a:r>
-            <a:r>
-              <a:rPr lang="zh-CN" altLang="en-US"/>
-              <a:t>表示一个行对象，用来存储该行要显示的字符数据和样式</a:t>
-            </a:r>
-            <a:endParaRPr lang="en-US" altLang="zh-CN"/>
+              <a:rPr lang="en-US" altLang="zh-CN" sz="1200">
+                <a:latin typeface="宋体" panose="02010600030101010101" pitchFamily="2" charset="-122"/>
+                <a:ea typeface="宋体" panose="02010600030101010101" pitchFamily="2" charset="-122"/>
+              </a:rPr>
+              <a:t>VTParser</a:t>
+            </a:r>
+            <a:r>
+              <a:rPr lang="zh-CN" altLang="en-US" sz="1200">
+                <a:latin typeface="宋体" panose="02010600030101010101" pitchFamily="2" charset="-122"/>
+                <a:ea typeface="宋体" panose="02010600030101010101" pitchFamily="2" charset="-122"/>
+              </a:rPr>
+              <a:t>负责把从会话层收到的</a:t>
+            </a:r>
+            <a:r>
+              <a:rPr lang="en-US" altLang="zh-CN" sz="1200">
+                <a:latin typeface="宋体" panose="02010600030101010101" pitchFamily="2" charset="-122"/>
+                <a:ea typeface="宋体" panose="02010600030101010101" pitchFamily="2" charset="-122"/>
+              </a:rPr>
+              <a:t>ANSI</a:t>
+            </a:r>
+            <a:r>
+              <a:rPr lang="zh-CN" altLang="en-US" sz="1200">
+                <a:latin typeface="宋体" panose="02010600030101010101" pitchFamily="2" charset="-122"/>
+                <a:ea typeface="宋体" panose="02010600030101010101" pitchFamily="2" charset="-122"/>
+              </a:rPr>
+              <a:t>控制序列解析为</a:t>
+            </a:r>
+            <a:r>
+              <a:rPr lang="en-US" altLang="zh-CN" sz="1200">
+                <a:latin typeface="宋体" panose="02010600030101010101" pitchFamily="2" charset="-122"/>
+                <a:ea typeface="宋体" panose="02010600030101010101" pitchFamily="2" charset="-122"/>
+              </a:rPr>
+              <a:t>VideoTerminal</a:t>
+            </a:r>
+            <a:r>
+              <a:rPr lang="zh-CN" altLang="en-US" sz="1200">
+                <a:latin typeface="宋体" panose="02010600030101010101" pitchFamily="2" charset="-122"/>
+                <a:ea typeface="宋体" panose="02010600030101010101" pitchFamily="2" charset="-122"/>
+              </a:rPr>
+              <a:t>可以执行的动作</a:t>
+            </a:r>
+            <a:endParaRPr lang="en-US" altLang="zh-CN" sz="1200">
+              <a:latin typeface="宋体" panose="02010600030101010101" pitchFamily="2" charset="-122"/>
+              <a:ea typeface="宋体" panose="02010600030101010101" pitchFamily="2" charset="-122"/>
+            </a:endParaRPr>
+          </a:p>
+          <a:p>
+            <a:r>
+              <a:rPr lang="zh-CN" altLang="en-US" sz="1200">
+                <a:latin typeface="宋体" panose="02010600030101010101" pitchFamily="2" charset="-122"/>
+                <a:ea typeface="宋体" panose="02010600030101010101" pitchFamily="2" charset="-122"/>
+              </a:rPr>
+              <a:t>并通过事件通知</a:t>
+            </a:r>
+            <a:r>
+              <a:rPr lang="en-US" altLang="zh-CN" sz="1200">
+                <a:latin typeface="宋体" panose="02010600030101010101" pitchFamily="2" charset="-122"/>
+                <a:ea typeface="宋体" panose="02010600030101010101" pitchFamily="2" charset="-122"/>
+              </a:rPr>
+              <a:t>VideoTerminal</a:t>
+            </a:r>
+          </a:p>
+        </p:txBody>
+      </p:sp>
+      <p:sp>
+        <p:nvSpPr>
+          <p:cNvPr id="22" name="文本框 21">
+            <a:extLst>
+              <a:ext uri="{FF2B5EF4-FFF2-40B4-BE49-F238E27FC236}">
+                <a16:creationId xmlns:a16="http://schemas.microsoft.com/office/drawing/2014/main" id="{B9DC3200-51BF-4B65-8DB7-4241B5E9A2D7}"/>
+              </a:ext>
+            </a:extLst>
+          </p:cNvPr>
+          <p:cNvSpPr txBox="1"/>
+          <p:nvPr/>
+        </p:nvSpPr>
+        <p:spPr>
+          <a:xfrm>
+            <a:off x="3183877" y="3749963"/>
+            <a:ext cx="3493264" cy="830997"/>
+          </a:xfrm>
+          <a:prstGeom prst="rect">
+            <a:avLst/>
+          </a:prstGeom>
+          <a:noFill/>
+        </p:spPr>
+        <p:txBody>
+          <a:bodyPr wrap="none" rtlCol="0">
+            <a:spAutoFit/>
+          </a:bodyPr>
+          <a:lstStyle/>
+          <a:p>
+            <a:r>
+              <a:rPr lang="en-US" altLang="zh-CN" sz="1200">
+                <a:latin typeface="宋体" panose="02010600030101010101" pitchFamily="2" charset="-122"/>
+                <a:ea typeface="宋体" panose="02010600030101010101" pitchFamily="2" charset="-122"/>
+              </a:rPr>
+              <a:t>VideoTerminal</a:t>
+            </a:r>
+            <a:r>
+              <a:rPr lang="zh-CN" altLang="en-US" sz="1200">
+                <a:latin typeface="宋体" panose="02010600030101010101" pitchFamily="2" charset="-122"/>
+                <a:ea typeface="宋体" panose="02010600030101010101" pitchFamily="2" charset="-122"/>
+              </a:rPr>
+              <a:t>负责执行</a:t>
+            </a:r>
+            <a:r>
+              <a:rPr lang="en-US" altLang="zh-CN" sz="1200">
+                <a:latin typeface="宋体" panose="02010600030101010101" pitchFamily="2" charset="-122"/>
+                <a:ea typeface="宋体" panose="02010600030101010101" pitchFamily="2" charset="-122"/>
+              </a:rPr>
+              <a:t>VTParser</a:t>
+            </a:r>
+            <a:r>
+              <a:rPr lang="zh-CN" altLang="en-US" sz="1200">
+                <a:latin typeface="宋体" panose="02010600030101010101" pitchFamily="2" charset="-122"/>
+                <a:ea typeface="宋体" panose="02010600030101010101" pitchFamily="2" charset="-122"/>
+              </a:rPr>
+              <a:t>解析出来的动作</a:t>
+            </a:r>
+            <a:endParaRPr lang="en-US" altLang="zh-CN" sz="1200">
+              <a:latin typeface="宋体" panose="02010600030101010101" pitchFamily="2" charset="-122"/>
+              <a:ea typeface="宋体" panose="02010600030101010101" pitchFamily="2" charset="-122"/>
+            </a:endParaRPr>
+          </a:p>
+          <a:p>
+            <a:r>
+              <a:rPr lang="zh-CN" altLang="en-US" sz="1200">
+                <a:latin typeface="宋体" panose="02010600030101010101" pitchFamily="2" charset="-122"/>
+                <a:ea typeface="宋体" panose="02010600030101010101" pitchFamily="2" charset="-122"/>
+              </a:rPr>
+              <a:t>例如换行，显示字符，删除行，删除字符等等</a:t>
+            </a:r>
+            <a:endParaRPr lang="en-US" altLang="zh-CN" sz="1200">
+              <a:latin typeface="宋体" panose="02010600030101010101" pitchFamily="2" charset="-122"/>
+              <a:ea typeface="宋体" panose="02010600030101010101" pitchFamily="2" charset="-122"/>
+            </a:endParaRPr>
+          </a:p>
+          <a:p>
+            <a:r>
+              <a:rPr lang="zh-CN" altLang="en-US" sz="1200">
+                <a:latin typeface="宋体" panose="02010600030101010101" pitchFamily="2" charset="-122"/>
+                <a:ea typeface="宋体" panose="02010600030101010101" pitchFamily="2" charset="-122"/>
+              </a:rPr>
+              <a:t>生成终端文档模型，并调用渲染接口进行渲染</a:t>
+            </a:r>
+            <a:endParaRPr lang="en-US" altLang="zh-CN" sz="1200">
+              <a:latin typeface="宋体" panose="02010600030101010101" pitchFamily="2" charset="-122"/>
+              <a:ea typeface="宋体" panose="02010600030101010101" pitchFamily="2" charset="-122"/>
+            </a:endParaRPr>
+          </a:p>
+          <a:p>
+            <a:r>
+              <a:rPr lang="zh-CN" altLang="en-US" sz="1200">
+                <a:latin typeface="宋体" panose="02010600030101010101" pitchFamily="2" charset="-122"/>
+                <a:ea typeface="宋体" panose="02010600030101010101" pitchFamily="2" charset="-122"/>
+              </a:rPr>
+              <a:t>是渲染层和底层的桥梁</a:t>
+            </a:r>
+            <a:endParaRPr lang="en-US" altLang="zh-CN" sz="1200">
+              <a:latin typeface="宋体" panose="02010600030101010101" pitchFamily="2" charset="-122"/>
+              <a:ea typeface="宋体" panose="02010600030101010101" pitchFamily="2" charset="-122"/>
+            </a:endParaRPr>
+          </a:p>
+        </p:txBody>
+      </p:sp>
+      <p:sp>
+        <p:nvSpPr>
+          <p:cNvPr id="23" name="文本框 22">
+            <a:extLst>
+              <a:ext uri="{FF2B5EF4-FFF2-40B4-BE49-F238E27FC236}">
+                <a16:creationId xmlns:a16="http://schemas.microsoft.com/office/drawing/2014/main" id="{A561EFB5-9222-40DA-AC6B-284C9499A395}"/>
+              </a:ext>
+            </a:extLst>
+          </p:cNvPr>
+          <p:cNvSpPr txBox="1"/>
+          <p:nvPr/>
+        </p:nvSpPr>
+        <p:spPr>
+          <a:xfrm>
+            <a:off x="3183877" y="2929354"/>
+            <a:ext cx="3570208" cy="646331"/>
+          </a:xfrm>
+          <a:prstGeom prst="rect">
+            <a:avLst/>
+          </a:prstGeom>
+          <a:noFill/>
+        </p:spPr>
+        <p:txBody>
+          <a:bodyPr wrap="none" rtlCol="0">
+            <a:spAutoFit/>
+          </a:bodyPr>
+          <a:lstStyle/>
+          <a:p>
+            <a:r>
+              <a:rPr lang="en-US" altLang="zh-CN" sz="1200">
+                <a:latin typeface="宋体" panose="02010600030101010101" pitchFamily="2" charset="-122"/>
+                <a:ea typeface="宋体" panose="02010600030101010101" pitchFamily="2" charset="-122"/>
+              </a:rPr>
+              <a:t>Xdocument</a:t>
+            </a:r>
+            <a:r>
+              <a:rPr lang="zh-CN" altLang="en-US" sz="1200">
+                <a:latin typeface="宋体" panose="02010600030101010101" pitchFamily="2" charset="-122"/>
+                <a:ea typeface="宋体" panose="02010600030101010101" pitchFamily="2" charset="-122"/>
+              </a:rPr>
+              <a:t>定义了一套终端文档模型</a:t>
+            </a:r>
+            <a:endParaRPr lang="en-US" altLang="zh-CN" sz="1200">
+              <a:latin typeface="宋体" panose="02010600030101010101" pitchFamily="2" charset="-122"/>
+              <a:ea typeface="宋体" panose="02010600030101010101" pitchFamily="2" charset="-122"/>
+            </a:endParaRPr>
+          </a:p>
+          <a:p>
+            <a:r>
+              <a:rPr lang="zh-CN" altLang="en-US" sz="1200">
+                <a:latin typeface="宋体" panose="02010600030101010101" pitchFamily="2" charset="-122"/>
+                <a:ea typeface="宋体" panose="02010600030101010101" pitchFamily="2" charset="-122"/>
+              </a:rPr>
+              <a:t>该模型定义个行数据和字符数据如何存储</a:t>
+            </a:r>
+            <a:endParaRPr lang="en-US" altLang="zh-CN" sz="1200">
+              <a:latin typeface="宋体" panose="02010600030101010101" pitchFamily="2" charset="-122"/>
+              <a:ea typeface="宋体" panose="02010600030101010101" pitchFamily="2" charset="-122"/>
+            </a:endParaRPr>
+          </a:p>
+          <a:p>
+            <a:r>
+              <a:rPr lang="zh-CN" altLang="en-US" sz="1200">
+                <a:latin typeface="宋体" panose="02010600030101010101" pitchFamily="2" charset="-122"/>
+                <a:ea typeface="宋体" panose="02010600030101010101" pitchFamily="2" charset="-122"/>
+              </a:rPr>
+              <a:t>并定义了行与行之间的连接关系，行与字符的关系</a:t>
+            </a:r>
+            <a:endParaRPr lang="en-US" altLang="zh-CN" sz="1200">
+              <a:latin typeface="宋体" panose="02010600030101010101" pitchFamily="2" charset="-122"/>
+              <a:ea typeface="宋体" panose="02010600030101010101" pitchFamily="2" charset="-122"/>
+            </a:endParaRPr>
+          </a:p>
+        </p:txBody>
+      </p:sp>
+      <p:sp>
+        <p:nvSpPr>
+          <p:cNvPr id="24" name="文本框 23">
+            <a:extLst>
+              <a:ext uri="{FF2B5EF4-FFF2-40B4-BE49-F238E27FC236}">
+                <a16:creationId xmlns:a16="http://schemas.microsoft.com/office/drawing/2014/main" id="{59CFB752-22AB-484E-B50D-E4C1176BDA72}"/>
+              </a:ext>
+            </a:extLst>
+          </p:cNvPr>
+          <p:cNvSpPr txBox="1"/>
+          <p:nvPr/>
+        </p:nvSpPr>
+        <p:spPr>
+          <a:xfrm>
+            <a:off x="3218289" y="2068467"/>
+            <a:ext cx="2877711" cy="461665"/>
+          </a:xfrm>
+          <a:prstGeom prst="rect">
+            <a:avLst/>
+          </a:prstGeom>
+          <a:noFill/>
+        </p:spPr>
+        <p:txBody>
+          <a:bodyPr wrap="none" rtlCol="0">
+            <a:spAutoFit/>
+          </a:bodyPr>
+          <a:lstStyle/>
+          <a:p>
+            <a:r>
+              <a:rPr lang="en-US" altLang="zh-CN" sz="1200" dirty="0">
+                <a:latin typeface="宋体" panose="02010600030101010101" pitchFamily="2" charset="-122"/>
+                <a:ea typeface="宋体" panose="02010600030101010101" pitchFamily="2" charset="-122"/>
+              </a:rPr>
+              <a:t>Rendering</a:t>
+            </a:r>
+            <a:r>
+              <a:rPr lang="zh-CN" altLang="en-US" sz="1200" dirty="0">
+                <a:latin typeface="宋体" panose="02010600030101010101" pitchFamily="2" charset="-122"/>
+                <a:ea typeface="宋体" panose="02010600030101010101" pitchFamily="2" charset="-122"/>
+              </a:rPr>
+              <a:t>层实现了文档模型的渲染流程</a:t>
+            </a:r>
+            <a:endParaRPr lang="en-US" altLang="zh-CN" sz="1200" dirty="0">
+              <a:latin typeface="宋体" panose="02010600030101010101" pitchFamily="2" charset="-122"/>
+              <a:ea typeface="宋体" panose="02010600030101010101" pitchFamily="2" charset="-122"/>
+            </a:endParaRPr>
+          </a:p>
+          <a:p>
+            <a:r>
+              <a:rPr lang="zh-CN" altLang="en-US" sz="1200" dirty="0">
+                <a:latin typeface="宋体" panose="02010600030101010101" pitchFamily="2" charset="-122"/>
+                <a:ea typeface="宋体" panose="02010600030101010101" pitchFamily="2" charset="-122"/>
+              </a:rPr>
+              <a:t>使用</a:t>
+            </a:r>
+            <a:r>
+              <a:rPr lang="en-US" altLang="zh-CN" sz="1200" dirty="0" err="1">
+                <a:latin typeface="宋体" panose="02010600030101010101" pitchFamily="2" charset="-122"/>
+                <a:ea typeface="宋体" panose="02010600030101010101" pitchFamily="2" charset="-122"/>
+              </a:rPr>
+              <a:t>DrawingVisual</a:t>
+            </a:r>
+            <a:r>
+              <a:rPr lang="zh-CN" altLang="en-US" sz="1200" dirty="0">
+                <a:latin typeface="宋体" panose="02010600030101010101" pitchFamily="2" charset="-122"/>
+                <a:ea typeface="宋体" panose="02010600030101010101" pitchFamily="2" charset="-122"/>
+              </a:rPr>
+              <a:t>引擎进行渲染</a:t>
+            </a:r>
+            <a:endParaRPr lang="en-US" altLang="zh-CN" sz="1200" dirty="0">
+              <a:latin typeface="宋体" panose="02010600030101010101" pitchFamily="2" charset="-122"/>
+              <a:ea typeface="宋体" panose="02010600030101010101" pitchFamily="2" charset="-122"/>
+            </a:endParaRPr>
           </a:p>
         </p:txBody>
       </p:sp>
     </p:spTree>
     <p:extLst>
       <p:ext uri="{BB962C8B-B14F-4D97-AF65-F5344CB8AC3E}">
-        <p14:creationId xmlns:p14="http://schemas.microsoft.com/office/powerpoint/2010/main" val="3123254510"/>
+        <p14:creationId xmlns:p14="http://schemas.microsoft.com/office/powerpoint/2010/main" val="2603143949"/>
       </p:ext>
     </p:extLst>
   </p:cSld>
@@ -5545,10 +5655,10 @@
       </p:grpSpPr>
       <p:sp>
         <p:nvSpPr>
-          <p:cNvPr id="4" name="标题 1">
-            <a:extLst>
-              <a:ext uri="{FF2B5EF4-FFF2-40B4-BE49-F238E27FC236}">
-                <a16:creationId xmlns:a16="http://schemas.microsoft.com/office/drawing/2014/main" id="{336B2E42-59C8-44D1-8453-C16EF9D50CEE}"/>
+          <p:cNvPr id="2" name="标题 1">
+            <a:extLst>
+              <a:ext uri="{FF2B5EF4-FFF2-40B4-BE49-F238E27FC236}">
+                <a16:creationId xmlns:a16="http://schemas.microsoft.com/office/drawing/2014/main" id="{B8755D46-64DE-48DD-94D1-B1624D56E7B2}"/>
               </a:ext>
             </a:extLst>
           </p:cNvPr>
@@ -5570,8 +5680,16 @@
           <a:lstStyle/>
           <a:p>
             <a:r>
+              <a:rPr lang="zh-CN" altLang="en-US"/>
+              <a:t>文档模型 </a:t>
+            </a:r>
+            <a:r>
               <a:rPr lang="en-US" altLang="zh-CN"/>
-              <a:t>VTDocument Margin</a:t>
+              <a:t>- </a:t>
+            </a:r>
+            <a:r>
+              <a:rPr lang="en-US" altLang="zh-CN" err="1"/>
+              <a:t>VTDocument</a:t>
             </a:r>
             <a:endParaRPr lang="zh-CN" altLang="en-US"/>
           </a:p>
@@ -5579,10 +5697,10 @@
       </p:sp>
       <p:sp>
         <p:nvSpPr>
-          <p:cNvPr id="5" name="矩形 4">
-            <a:extLst>
-              <a:ext uri="{FF2B5EF4-FFF2-40B4-BE49-F238E27FC236}">
-                <a16:creationId xmlns:a16="http://schemas.microsoft.com/office/drawing/2014/main" id="{1677C897-8CAC-40B2-9466-DDDC4D6A4B51}"/>
+          <p:cNvPr id="4" name="矩形 3">
+            <a:extLst>
+              <a:ext uri="{FF2B5EF4-FFF2-40B4-BE49-F238E27FC236}">
+                <a16:creationId xmlns:a16="http://schemas.microsoft.com/office/drawing/2014/main" id="{9E7A5115-4752-485B-84B6-2DC1F1D97F72}"/>
               </a:ext>
             </a:extLst>
           </p:cNvPr>
@@ -5591,7 +5709,7 @@
         </p:nvSpPr>
         <p:spPr>
           <a:xfrm>
-            <a:off x="1138232" y="2991748"/>
+            <a:off x="1081082" y="2639323"/>
             <a:ext cx="2566331" cy="285225"/>
           </a:xfrm>
           <a:prstGeom prst="rect">
@@ -5651,10 +5769,10 @@
       </p:sp>
       <p:sp>
         <p:nvSpPr>
-          <p:cNvPr id="6" name="矩形 5">
-            <a:extLst>
-              <a:ext uri="{FF2B5EF4-FFF2-40B4-BE49-F238E27FC236}">
-                <a16:creationId xmlns:a16="http://schemas.microsoft.com/office/drawing/2014/main" id="{874A1423-9512-45C3-B2B7-D83A7D98ECEC}"/>
+          <p:cNvPr id="5" name="矩形 4">
+            <a:extLst>
+              <a:ext uri="{FF2B5EF4-FFF2-40B4-BE49-F238E27FC236}">
+                <a16:creationId xmlns:a16="http://schemas.microsoft.com/office/drawing/2014/main" id="{BD5CDB2F-1258-4239-9C67-188EE25ADF00}"/>
               </a:ext>
             </a:extLst>
           </p:cNvPr>
@@ -5663,7 +5781,7 @@
         </p:nvSpPr>
         <p:spPr>
           <a:xfrm>
-            <a:off x="1138232" y="3276973"/>
+            <a:off x="1081082" y="2924548"/>
             <a:ext cx="2566331" cy="285225"/>
           </a:xfrm>
           <a:prstGeom prst="rect">
@@ -5723,10 +5841,10 @@
       </p:sp>
       <p:sp>
         <p:nvSpPr>
-          <p:cNvPr id="7" name="矩形 6">
-            <a:extLst>
-              <a:ext uri="{FF2B5EF4-FFF2-40B4-BE49-F238E27FC236}">
-                <a16:creationId xmlns:a16="http://schemas.microsoft.com/office/drawing/2014/main" id="{9CA35F9D-2253-464B-B3E7-02EB62138976}"/>
+          <p:cNvPr id="6" name="矩形 5">
+            <a:extLst>
+              <a:ext uri="{FF2B5EF4-FFF2-40B4-BE49-F238E27FC236}">
+                <a16:creationId xmlns:a16="http://schemas.microsoft.com/office/drawing/2014/main" id="{12BCF2C5-2998-4DE5-AD80-B1755EE13134}"/>
               </a:ext>
             </a:extLst>
           </p:cNvPr>
@@ -5735,7 +5853,7 @@
         </p:nvSpPr>
         <p:spPr>
           <a:xfrm>
-            <a:off x="1138232" y="3562198"/>
+            <a:off x="1081082" y="3209773"/>
             <a:ext cx="2566331" cy="285225"/>
           </a:xfrm>
           <a:prstGeom prst="rect">
@@ -5795,10 +5913,10 @@
       </p:sp>
       <p:sp>
         <p:nvSpPr>
-          <p:cNvPr id="8" name="矩形 7">
-            <a:extLst>
-              <a:ext uri="{FF2B5EF4-FFF2-40B4-BE49-F238E27FC236}">
-                <a16:creationId xmlns:a16="http://schemas.microsoft.com/office/drawing/2014/main" id="{7C4B3430-E471-4C40-AEB9-BC6A4B0BE0EE}"/>
+          <p:cNvPr id="7" name="矩形 6">
+            <a:extLst>
+              <a:ext uri="{FF2B5EF4-FFF2-40B4-BE49-F238E27FC236}">
+                <a16:creationId xmlns:a16="http://schemas.microsoft.com/office/drawing/2014/main" id="{9EF36C40-B74F-4025-8075-008F85C1C5C2}"/>
               </a:ext>
             </a:extLst>
           </p:cNvPr>
@@ -5807,7 +5925,7 @@
         </p:nvSpPr>
         <p:spPr>
           <a:xfrm>
-            <a:off x="1138232" y="3847422"/>
+            <a:off x="1081082" y="3494997"/>
             <a:ext cx="2566331" cy="285225"/>
           </a:xfrm>
           <a:prstGeom prst="rect">
@@ -5867,10 +5985,10 @@
       </p:sp>
       <p:sp>
         <p:nvSpPr>
-          <p:cNvPr id="9" name="矩形 8">
-            <a:extLst>
-              <a:ext uri="{FF2B5EF4-FFF2-40B4-BE49-F238E27FC236}">
-                <a16:creationId xmlns:a16="http://schemas.microsoft.com/office/drawing/2014/main" id="{B204E7DE-2878-48A3-84A9-770818722994}"/>
+          <p:cNvPr id="8" name="矩形 7">
+            <a:extLst>
+              <a:ext uri="{FF2B5EF4-FFF2-40B4-BE49-F238E27FC236}">
+                <a16:creationId xmlns:a16="http://schemas.microsoft.com/office/drawing/2014/main" id="{375148AA-22D4-4E01-83DA-7735DA18E23B}"/>
               </a:ext>
             </a:extLst>
           </p:cNvPr>
@@ -5879,7 +5997,7 @@
         </p:nvSpPr>
         <p:spPr>
           <a:xfrm>
-            <a:off x="1138232" y="4132647"/>
+            <a:off x="1081082" y="3780222"/>
             <a:ext cx="2566331" cy="285225"/>
           </a:xfrm>
           <a:prstGeom prst="rect">
@@ -5939,10 +6057,10 @@
       </p:sp>
       <p:sp>
         <p:nvSpPr>
-          <p:cNvPr id="10" name="矩形 9">
-            <a:extLst>
-              <a:ext uri="{FF2B5EF4-FFF2-40B4-BE49-F238E27FC236}">
-                <a16:creationId xmlns:a16="http://schemas.microsoft.com/office/drawing/2014/main" id="{09FA5C70-3A9B-4E6D-8153-46BAC69FADEF}"/>
+          <p:cNvPr id="9" name="矩形 8">
+            <a:extLst>
+              <a:ext uri="{FF2B5EF4-FFF2-40B4-BE49-F238E27FC236}">
+                <a16:creationId xmlns:a16="http://schemas.microsoft.com/office/drawing/2014/main" id="{93CD6E6C-DD19-486E-9E67-4A1177FEC025}"/>
               </a:ext>
             </a:extLst>
           </p:cNvPr>
@@ -5951,7 +6069,7 @@
         </p:nvSpPr>
         <p:spPr>
           <a:xfrm>
-            <a:off x="1138232" y="4417871"/>
+            <a:off x="1081082" y="4065446"/>
             <a:ext cx="2566331" cy="285225"/>
           </a:xfrm>
           <a:prstGeom prst="rect">
@@ -6011,10 +6129,10 @@
       </p:sp>
       <p:sp>
         <p:nvSpPr>
-          <p:cNvPr id="11" name="矩形 10">
-            <a:extLst>
-              <a:ext uri="{FF2B5EF4-FFF2-40B4-BE49-F238E27FC236}">
-                <a16:creationId xmlns:a16="http://schemas.microsoft.com/office/drawing/2014/main" id="{6DB4A30A-47F2-40B8-BBCC-6F219546D534}"/>
+          <p:cNvPr id="10" name="矩形 9">
+            <a:extLst>
+              <a:ext uri="{FF2B5EF4-FFF2-40B4-BE49-F238E27FC236}">
+                <a16:creationId xmlns:a16="http://schemas.microsoft.com/office/drawing/2014/main" id="{C6C5A420-38D1-4186-8F62-071F3566838A}"/>
               </a:ext>
             </a:extLst>
           </p:cNvPr>
@@ -6023,7 +6141,7 @@
         </p:nvSpPr>
         <p:spPr>
           <a:xfrm>
-            <a:off x="1138232" y="4703096"/>
+            <a:off x="1081082" y="4350671"/>
             <a:ext cx="2566331" cy="285225"/>
           </a:xfrm>
           <a:prstGeom prst="rect">
@@ -6083,10 +6201,10 @@
       </p:sp>
       <p:sp>
         <p:nvSpPr>
-          <p:cNvPr id="12" name="矩形 11">
-            <a:extLst>
-              <a:ext uri="{FF2B5EF4-FFF2-40B4-BE49-F238E27FC236}">
-                <a16:creationId xmlns:a16="http://schemas.microsoft.com/office/drawing/2014/main" id="{78F63940-3999-40B0-ACD5-453E1747BA00}"/>
+          <p:cNvPr id="11" name="矩形 10">
+            <a:extLst>
+              <a:ext uri="{FF2B5EF4-FFF2-40B4-BE49-F238E27FC236}">
+                <a16:creationId xmlns:a16="http://schemas.microsoft.com/office/drawing/2014/main" id="{62805B25-BFCF-4BA3-9F11-7E8425433AAA}"/>
               </a:ext>
             </a:extLst>
           </p:cNvPr>
@@ -6095,7 +6213,7 @@
         </p:nvSpPr>
         <p:spPr>
           <a:xfrm>
-            <a:off x="1138232" y="4988320"/>
+            <a:off x="1081082" y="4635895"/>
             <a:ext cx="2566331" cy="285225"/>
           </a:xfrm>
           <a:prstGeom prst="rect">
@@ -6155,10 +6273,10 @@
       </p:sp>
       <p:sp>
         <p:nvSpPr>
-          <p:cNvPr id="13" name="矩形 12">
-            <a:extLst>
-              <a:ext uri="{FF2B5EF4-FFF2-40B4-BE49-F238E27FC236}">
-                <a16:creationId xmlns:a16="http://schemas.microsoft.com/office/drawing/2014/main" id="{252204C2-7C1E-444D-A300-6DB4CCDF84C8}"/>
+          <p:cNvPr id="12" name="矩形 11">
+            <a:extLst>
+              <a:ext uri="{FF2B5EF4-FFF2-40B4-BE49-F238E27FC236}">
+                <a16:creationId xmlns:a16="http://schemas.microsoft.com/office/drawing/2014/main" id="{E425509B-ABD3-40E9-BFEB-A40C3A1CA5AE}"/>
               </a:ext>
             </a:extLst>
           </p:cNvPr>
@@ -6167,7 +6285,7 @@
         </p:nvSpPr>
         <p:spPr>
           <a:xfrm>
-            <a:off x="1138232" y="5273545"/>
+            <a:off x="1081082" y="4921120"/>
             <a:ext cx="2566331" cy="285225"/>
           </a:xfrm>
           <a:prstGeom prst="rect">
@@ -6227,10 +6345,10 @@
       </p:sp>
       <p:sp>
         <p:nvSpPr>
-          <p:cNvPr id="14" name="矩形 13">
-            <a:extLst>
-              <a:ext uri="{FF2B5EF4-FFF2-40B4-BE49-F238E27FC236}">
-                <a16:creationId xmlns:a16="http://schemas.microsoft.com/office/drawing/2014/main" id="{3A84C36F-0344-4B98-AFAA-EA3E9542E69F}"/>
+          <p:cNvPr id="13" name="矩形 12">
+            <a:extLst>
+              <a:ext uri="{FF2B5EF4-FFF2-40B4-BE49-F238E27FC236}">
+                <a16:creationId xmlns:a16="http://schemas.microsoft.com/office/drawing/2014/main" id="{C8B1E13F-5E66-47CE-9BCD-6CF8897BEA8A}"/>
               </a:ext>
             </a:extLst>
           </p:cNvPr>
@@ -6239,7 +6357,7 @@
         </p:nvSpPr>
         <p:spPr>
           <a:xfrm>
-            <a:off x="1138232" y="2706523"/>
+            <a:off x="1081082" y="2354098"/>
             <a:ext cx="2566331" cy="285225"/>
           </a:xfrm>
           <a:prstGeom prst="rect">
@@ -6299,10 +6417,10 @@
       </p:sp>
       <p:sp>
         <p:nvSpPr>
-          <p:cNvPr id="15" name="矩形 14">
-            <a:extLst>
-              <a:ext uri="{FF2B5EF4-FFF2-40B4-BE49-F238E27FC236}">
-                <a16:creationId xmlns:a16="http://schemas.microsoft.com/office/drawing/2014/main" id="{F3F0046F-B614-4A72-8C24-20C9C4C4B055}"/>
+          <p:cNvPr id="14" name="矩形 13">
+            <a:extLst>
+              <a:ext uri="{FF2B5EF4-FFF2-40B4-BE49-F238E27FC236}">
+                <a16:creationId xmlns:a16="http://schemas.microsoft.com/office/drawing/2014/main" id="{36B9526F-18F7-46EE-A912-CDDE459218C9}"/>
               </a:ext>
             </a:extLst>
           </p:cNvPr>
@@ -6311,7 +6429,7 @@
         </p:nvSpPr>
         <p:spPr>
           <a:xfrm>
-            <a:off x="1138232" y="2421298"/>
+            <a:off x="1081082" y="2068873"/>
             <a:ext cx="2566331" cy="285225"/>
           </a:xfrm>
           <a:prstGeom prst="rect">
@@ -6371,10 +6489,10 @@
       </p:sp>
       <p:sp>
         <p:nvSpPr>
-          <p:cNvPr id="16" name="矩形 15">
-            <a:extLst>
-              <a:ext uri="{FF2B5EF4-FFF2-40B4-BE49-F238E27FC236}">
-                <a16:creationId xmlns:a16="http://schemas.microsoft.com/office/drawing/2014/main" id="{2A8887CF-EA6E-4BAD-B8CE-CD90AA632522}"/>
+          <p:cNvPr id="15" name="矩形 14">
+            <a:extLst>
+              <a:ext uri="{FF2B5EF4-FFF2-40B4-BE49-F238E27FC236}">
+                <a16:creationId xmlns:a16="http://schemas.microsoft.com/office/drawing/2014/main" id="{2E3C64A9-8B11-424B-8A54-30D38146F8F7}"/>
               </a:ext>
             </a:extLst>
           </p:cNvPr>
@@ -6383,7 +6501,7 @@
         </p:nvSpPr>
         <p:spPr>
           <a:xfrm>
-            <a:off x="1138232" y="5558769"/>
+            <a:off x="1081082" y="5206344"/>
             <a:ext cx="2566331" cy="285225"/>
           </a:xfrm>
           <a:prstGeom prst="rect">
@@ -6443,10 +6561,10 @@
       </p:sp>
       <p:sp>
         <p:nvSpPr>
-          <p:cNvPr id="17" name="矩形 16">
-            <a:extLst>
-              <a:ext uri="{FF2B5EF4-FFF2-40B4-BE49-F238E27FC236}">
-                <a16:creationId xmlns:a16="http://schemas.microsoft.com/office/drawing/2014/main" id="{3DA1C25D-6A3C-4FF7-B541-FC2730A7CE99}"/>
+          <p:cNvPr id="16" name="矩形 15">
+            <a:extLst>
+              <a:ext uri="{FF2B5EF4-FFF2-40B4-BE49-F238E27FC236}">
+                <a16:creationId xmlns:a16="http://schemas.microsoft.com/office/drawing/2014/main" id="{B109EB7B-9A0C-4CEE-9DBC-02CCB396E5FF}"/>
               </a:ext>
             </a:extLst>
           </p:cNvPr>
@@ -6455,7 +6573,7 @@
         </p:nvSpPr>
         <p:spPr>
           <a:xfrm>
-            <a:off x="1138232" y="5833659"/>
+            <a:off x="1081082" y="5481234"/>
             <a:ext cx="2566331" cy="285225"/>
           </a:xfrm>
           <a:prstGeom prst="rect">
@@ -6515,10 +6633,10 @@
       </p:sp>
       <p:sp>
         <p:nvSpPr>
-          <p:cNvPr id="18" name="文本框 17">
-            <a:extLst>
-              <a:ext uri="{FF2B5EF4-FFF2-40B4-BE49-F238E27FC236}">
-                <a16:creationId xmlns:a16="http://schemas.microsoft.com/office/drawing/2014/main" id="{FBC85271-AC7D-4740-969E-D6AC09DDF9F7}"/>
+          <p:cNvPr id="3" name="文本框 2">
+            <a:extLst>
+              <a:ext uri="{FF2B5EF4-FFF2-40B4-BE49-F238E27FC236}">
+                <a16:creationId xmlns:a16="http://schemas.microsoft.com/office/drawing/2014/main" id="{EF5D832E-4C80-4E1B-8A6A-49FB5BA16A18}"/>
               </a:ext>
             </a:extLst>
           </p:cNvPr>
@@ -6528,7 +6646,7 @@
         <p:spPr>
           <a:xfrm>
             <a:off x="876815" y="1376766"/>
-            <a:ext cx="9892452" cy="646331"/>
+            <a:ext cx="8175636" cy="369332"/>
           </a:xfrm>
           <a:prstGeom prst="rect">
             <a:avLst/>
@@ -6543,170 +6661,21 @@
           <a:p>
             <a:r>
               <a:rPr lang="en-US" altLang="zh-CN"/>
-              <a:t>Margin</a:t>
+              <a:t>VTDocument</a:t>
             </a:r>
             <a:r>
               <a:rPr lang="zh-CN" altLang="en-US"/>
-              <a:t>表示文档的边距，协议规定，只有在边距内部的行才可以滚动，边距外的行不能进行滚动</a:t>
-            </a:r>
-            <a:endParaRPr lang="en-US" altLang="zh-CN"/>
-          </a:p>
-          <a:p>
-            <a:r>
-              <a:rPr lang="zh-CN" altLang="en-US"/>
-              <a:t>如下图所示，</a:t>
-            </a:r>
-            <a:r>
-              <a:rPr lang="en-US" altLang="zh-CN"/>
-              <a:t>VTextLine1</a:t>
-            </a:r>
-            <a:r>
-              <a:rPr lang="zh-CN" altLang="en-US"/>
-              <a:t>和</a:t>
-            </a:r>
-            <a:r>
-              <a:rPr lang="en-US" altLang="zh-CN"/>
-              <a:t>VTextLine2</a:t>
-            </a:r>
-            <a:r>
-              <a:rPr lang="zh-CN" altLang="en-US"/>
-              <a:t>是上边距，</a:t>
-            </a:r>
-            <a:r>
-              <a:rPr lang="en-US" altLang="zh-CN"/>
-              <a:t>VTextLine12</a:t>
-            </a:r>
-            <a:r>
-              <a:rPr lang="zh-CN" altLang="en-US"/>
-              <a:t>和</a:t>
-            </a:r>
-            <a:r>
-              <a:rPr lang="en-US" altLang="zh-CN"/>
-              <a:t>VTextLine13</a:t>
-            </a:r>
-            <a:r>
-              <a:rPr lang="zh-CN" altLang="en-US"/>
-              <a:t>是下边距：</a:t>
-            </a:r>
-          </a:p>
-        </p:txBody>
-      </p:sp>
-      <p:sp>
-        <p:nvSpPr>
-          <p:cNvPr id="20" name="右大括号 19">
-            <a:extLst>
-              <a:ext uri="{FF2B5EF4-FFF2-40B4-BE49-F238E27FC236}">
-                <a16:creationId xmlns:a16="http://schemas.microsoft.com/office/drawing/2014/main" id="{1496C7B0-44F9-4499-83E2-97A46C5BBD3E}"/>
-              </a:ext>
-            </a:extLst>
-          </p:cNvPr>
-          <p:cNvSpPr/>
-          <p:nvPr/>
-        </p:nvSpPr>
-        <p:spPr>
-          <a:xfrm>
-            <a:off x="3704563" y="2991748"/>
-            <a:ext cx="328268" cy="2567021"/>
-          </a:xfrm>
-          <a:prstGeom prst="rightBrace">
-            <a:avLst>
-              <a:gd name="adj1" fmla="val 8333"/>
-              <a:gd name="adj2" fmla="val 48693"/>
-            </a:avLst>
-          </a:prstGeom>
-          <a:ln w="28575">
-            <a:solidFill>
-              <a:schemeClr val="tx1">
-                <a:lumMod val="95000"/>
-                <a:lumOff val="5000"/>
-              </a:schemeClr>
-            </a:solidFill>
-          </a:ln>
-        </p:spPr>
-        <p:style>
-          <a:lnRef idx="1">
-            <a:schemeClr val="accent1"/>
-          </a:lnRef>
-          <a:fillRef idx="0">
-            <a:schemeClr val="accent1"/>
-          </a:fillRef>
-          <a:effectRef idx="0">
-            <a:schemeClr val="accent1"/>
-          </a:effectRef>
-          <a:fontRef idx="minor">
-            <a:schemeClr val="tx1"/>
-          </a:fontRef>
-        </p:style>
-        <p:txBody>
-          <a:bodyPr rtlCol="0" anchor="ctr"/>
-          <a:lstStyle/>
-          <a:p>
-            <a:pPr algn="ctr"/>
-            <a:endParaRPr lang="zh-CN" altLang="en-US"/>
-          </a:p>
-        </p:txBody>
-      </p:sp>
-      <p:sp>
-        <p:nvSpPr>
-          <p:cNvPr id="21" name="右大括号 20">
-            <a:extLst>
-              <a:ext uri="{FF2B5EF4-FFF2-40B4-BE49-F238E27FC236}">
-                <a16:creationId xmlns:a16="http://schemas.microsoft.com/office/drawing/2014/main" id="{9837E4E3-FCD9-4AA3-AE51-1E3D8BD2580F}"/>
-              </a:ext>
-            </a:extLst>
-          </p:cNvPr>
-          <p:cNvSpPr/>
-          <p:nvPr/>
-        </p:nvSpPr>
-        <p:spPr>
-          <a:xfrm>
-            <a:off x="3704563" y="2415782"/>
-            <a:ext cx="328268" cy="560813"/>
-          </a:xfrm>
-          <a:prstGeom prst="rightBrace">
-            <a:avLst>
-              <a:gd name="adj1" fmla="val 8333"/>
-              <a:gd name="adj2" fmla="val 36537"/>
-            </a:avLst>
-          </a:prstGeom>
-          <a:ln w="28575">
-            <a:solidFill>
-              <a:schemeClr val="tx1">
-                <a:lumMod val="95000"/>
-                <a:lumOff val="5000"/>
-              </a:schemeClr>
-            </a:solidFill>
-          </a:ln>
-        </p:spPr>
-        <p:style>
-          <a:lnRef idx="1">
-            <a:schemeClr val="accent1"/>
-          </a:lnRef>
-          <a:fillRef idx="0">
-            <a:schemeClr val="accent1"/>
-          </a:fillRef>
-          <a:effectRef idx="0">
-            <a:schemeClr val="accent1"/>
-          </a:effectRef>
-          <a:fontRef idx="minor">
-            <a:schemeClr val="tx1"/>
-          </a:fontRef>
-        </p:style>
-        <p:txBody>
-          <a:bodyPr rtlCol="0" anchor="ctr"/>
-          <a:lstStyle/>
-          <a:p>
-            <a:pPr algn="ctr"/>
-            <a:endParaRPr lang="zh-CN" altLang="en-US"/>
-          </a:p>
-        </p:txBody>
-      </p:sp>
-      <p:sp>
-        <p:nvSpPr>
-          <p:cNvPr id="22" name="文本框 21">
-            <a:extLst>
-              <a:ext uri="{FF2B5EF4-FFF2-40B4-BE49-F238E27FC236}">
-                <a16:creationId xmlns:a16="http://schemas.microsoft.com/office/drawing/2014/main" id="{A94F348A-0B8D-4827-8D3E-DF4BEACB38E7}"/>
+              <a:t>是一个链表结构，其中一行就是链表里的一个节点。如下图所示：</a:t>
+            </a:r>
+          </a:p>
+        </p:txBody>
+      </p:sp>
+      <p:sp>
+        <p:nvSpPr>
+          <p:cNvPr id="48" name="文本框 47">
+            <a:extLst>
+              <a:ext uri="{FF2B5EF4-FFF2-40B4-BE49-F238E27FC236}">
+                <a16:creationId xmlns:a16="http://schemas.microsoft.com/office/drawing/2014/main" id="{3C2D22A9-42AF-4B06-9AD3-6F4AAE14CC5D}"/>
               </a:ext>
             </a:extLst>
           </p:cNvPr>
@@ -6715,8 +6684,8 @@
         </p:nvSpPr>
         <p:spPr>
           <a:xfrm>
-            <a:off x="4152200" y="2511304"/>
-            <a:ext cx="910827" cy="276999"/>
+            <a:off x="4016364" y="2383654"/>
+            <a:ext cx="7375737" cy="369332"/>
           </a:xfrm>
           <a:prstGeom prst="rect">
             <a:avLst/>
@@ -6730,108 +6699,25 @@
           <a:lstStyle/>
           <a:p>
             <a:r>
-              <a:rPr lang="en-US" altLang="zh-CN" sz="1200" err="1"/>
-              <a:t>MarginTop</a:t>
-            </a:r>
-            <a:endParaRPr lang="zh-CN" altLang="en-US" sz="1200"/>
-          </a:p>
-        </p:txBody>
-      </p:sp>
-      <p:sp>
-        <p:nvSpPr>
-          <p:cNvPr id="23" name="文本框 22">
-            <a:extLst>
-              <a:ext uri="{FF2B5EF4-FFF2-40B4-BE49-F238E27FC236}">
-                <a16:creationId xmlns:a16="http://schemas.microsoft.com/office/drawing/2014/main" id="{5209992B-86B9-45A8-A9EF-9D22A6C7CD5B}"/>
-              </a:ext>
-            </a:extLst>
-          </p:cNvPr>
-          <p:cNvSpPr txBox="1"/>
-          <p:nvPr/>
-        </p:nvSpPr>
-        <p:spPr>
-          <a:xfrm>
-            <a:off x="4113702" y="5648992"/>
-            <a:ext cx="1146468" cy="276999"/>
-          </a:xfrm>
-          <a:prstGeom prst="rect">
-            <a:avLst/>
-          </a:prstGeom>
-          <a:noFill/>
-        </p:spPr>
-        <p:txBody>
-          <a:bodyPr wrap="none" rtlCol="0">
-            <a:spAutoFit/>
-          </a:bodyPr>
-          <a:lstStyle/>
-          <a:p>
-            <a:r>
-              <a:rPr lang="en-US" altLang="zh-CN" sz="1200" err="1"/>
-              <a:t>MarginBottom</a:t>
-            </a:r>
-            <a:endParaRPr lang="zh-CN" altLang="en-US" sz="1200"/>
-          </a:p>
-        </p:txBody>
-      </p:sp>
-      <p:sp>
-        <p:nvSpPr>
-          <p:cNvPr id="24" name="右大括号 23">
-            <a:extLst>
-              <a:ext uri="{FF2B5EF4-FFF2-40B4-BE49-F238E27FC236}">
-                <a16:creationId xmlns:a16="http://schemas.microsoft.com/office/drawing/2014/main" id="{6BD88DE6-E415-4111-9FB1-BE7839142AEC}"/>
-              </a:ext>
-            </a:extLst>
-          </p:cNvPr>
-          <p:cNvSpPr/>
-          <p:nvPr/>
-        </p:nvSpPr>
-        <p:spPr>
-          <a:xfrm>
-            <a:off x="3704563" y="5573922"/>
-            <a:ext cx="328268" cy="560813"/>
-          </a:xfrm>
-          <a:prstGeom prst="rightBrace">
-            <a:avLst>
-              <a:gd name="adj1" fmla="val 8333"/>
-              <a:gd name="adj2" fmla="val 36537"/>
-            </a:avLst>
-          </a:prstGeom>
-          <a:ln w="28575">
-            <a:solidFill>
-              <a:schemeClr val="tx1">
-                <a:lumMod val="95000"/>
-                <a:lumOff val="5000"/>
-              </a:schemeClr>
-            </a:solidFill>
-          </a:ln>
-        </p:spPr>
-        <p:style>
-          <a:lnRef idx="1">
-            <a:schemeClr val="accent1"/>
-          </a:lnRef>
-          <a:fillRef idx="0">
-            <a:schemeClr val="accent1"/>
-          </a:fillRef>
-          <a:effectRef idx="0">
-            <a:schemeClr val="accent1"/>
-          </a:effectRef>
-          <a:fontRef idx="minor">
-            <a:schemeClr val="tx1"/>
-          </a:fontRef>
-        </p:style>
-        <p:txBody>
-          <a:bodyPr rtlCol="0" anchor="ctr"/>
-          <a:lstStyle/>
-          <a:p>
-            <a:pPr algn="ctr"/>
-            <a:endParaRPr lang="zh-CN" altLang="en-US"/>
+              <a:rPr lang="zh-CN" altLang="en-US"/>
+              <a:t>每个</a:t>
+            </a:r>
+            <a:r>
+              <a:rPr lang="en-US" altLang="zh-CN"/>
+              <a:t>VTextLine</a:t>
+            </a:r>
+            <a:r>
+              <a:rPr lang="zh-CN" altLang="en-US"/>
+              <a:t>表示一个行对象，用来存储该行要显示的字符数据和样式</a:t>
+            </a:r>
+            <a:endParaRPr lang="en-US" altLang="zh-CN"/>
           </a:p>
         </p:txBody>
       </p:sp>
     </p:spTree>
     <p:extLst>
       <p:ext uri="{BB962C8B-B14F-4D97-AF65-F5344CB8AC3E}">
-        <p14:creationId xmlns:p14="http://schemas.microsoft.com/office/powerpoint/2010/main" val="2767121219"/>
+        <p14:creationId xmlns:p14="http://schemas.microsoft.com/office/powerpoint/2010/main" val="3123254510"/>
       </p:ext>
     </p:extLst>
   </p:cSld>
@@ -6860,10 +6746,44 @@
       </p:grpSpPr>
       <p:sp>
         <p:nvSpPr>
-          <p:cNvPr id="4" name="矩形 3">
-            <a:extLst>
-              <a:ext uri="{FF2B5EF4-FFF2-40B4-BE49-F238E27FC236}">
-                <a16:creationId xmlns:a16="http://schemas.microsoft.com/office/drawing/2014/main" id="{8230FB77-21B8-4899-B364-AA61DF18FD61}"/>
+          <p:cNvPr id="4" name="标题 1">
+            <a:extLst>
+              <a:ext uri="{FF2B5EF4-FFF2-40B4-BE49-F238E27FC236}">
+                <a16:creationId xmlns:a16="http://schemas.microsoft.com/office/drawing/2014/main" id="{336B2E42-59C8-44D1-8453-C16EF9D50CEE}"/>
+              </a:ext>
+            </a:extLst>
+          </p:cNvPr>
+          <p:cNvSpPr>
+            <a:spLocks noGrp="1"/>
+          </p:cNvSpPr>
+          <p:nvPr>
+            <p:ph type="title"/>
+          </p:nvPr>
+        </p:nvSpPr>
+        <p:spPr>
+          <a:xfrm>
+            <a:off x="838200" y="150849"/>
+            <a:ext cx="10515600" cy="1325563"/>
+          </a:xfrm>
+        </p:spPr>
+        <p:txBody>
+          <a:bodyPr/>
+          <a:lstStyle/>
+          <a:p>
+            <a:r>
+              <a:rPr lang="en-US" altLang="zh-CN"/>
+              <a:t>VTDocument Margin</a:t>
+            </a:r>
+            <a:endParaRPr lang="zh-CN" altLang="en-US"/>
+          </a:p>
+        </p:txBody>
+      </p:sp>
+      <p:sp>
+        <p:nvSpPr>
+          <p:cNvPr id="5" name="矩形 4">
+            <a:extLst>
+              <a:ext uri="{FF2B5EF4-FFF2-40B4-BE49-F238E27FC236}">
+                <a16:creationId xmlns:a16="http://schemas.microsoft.com/office/drawing/2014/main" id="{1677C897-8CAC-40B2-9466-DDDC4D6A4B51}"/>
               </a:ext>
             </a:extLst>
           </p:cNvPr>
@@ -6872,7 +6792,7 @@
         </p:nvSpPr>
         <p:spPr>
           <a:xfrm>
-            <a:off x="977817" y="3058568"/>
+            <a:off x="1138232" y="2991748"/>
             <a:ext cx="2566331" cy="285225"/>
           </a:xfrm>
           <a:prstGeom prst="rect">
@@ -6932,10 +6852,10 @@
       </p:sp>
       <p:sp>
         <p:nvSpPr>
-          <p:cNvPr id="5" name="矩形 4">
-            <a:extLst>
-              <a:ext uri="{FF2B5EF4-FFF2-40B4-BE49-F238E27FC236}">
-                <a16:creationId xmlns:a16="http://schemas.microsoft.com/office/drawing/2014/main" id="{3918EE88-BC68-492C-9CCB-6BBE292F02FC}"/>
+          <p:cNvPr id="6" name="矩形 5">
+            <a:extLst>
+              <a:ext uri="{FF2B5EF4-FFF2-40B4-BE49-F238E27FC236}">
+                <a16:creationId xmlns:a16="http://schemas.microsoft.com/office/drawing/2014/main" id="{874A1423-9512-45C3-B2B7-D83A7D98ECEC}"/>
               </a:ext>
             </a:extLst>
           </p:cNvPr>
@@ -6944,7 +6864,7 @@
         </p:nvSpPr>
         <p:spPr>
           <a:xfrm>
-            <a:off x="977817" y="3343793"/>
+            <a:off x="1138232" y="3276973"/>
             <a:ext cx="2566331" cy="285225"/>
           </a:xfrm>
           <a:prstGeom prst="rect">
@@ -7004,10 +6924,10 @@
       </p:sp>
       <p:sp>
         <p:nvSpPr>
-          <p:cNvPr id="6" name="矩形 5">
-            <a:extLst>
-              <a:ext uri="{FF2B5EF4-FFF2-40B4-BE49-F238E27FC236}">
-                <a16:creationId xmlns:a16="http://schemas.microsoft.com/office/drawing/2014/main" id="{72CE1266-73FB-4386-9A83-2442C8938876}"/>
+          <p:cNvPr id="7" name="矩形 6">
+            <a:extLst>
+              <a:ext uri="{FF2B5EF4-FFF2-40B4-BE49-F238E27FC236}">
+                <a16:creationId xmlns:a16="http://schemas.microsoft.com/office/drawing/2014/main" id="{9CA35F9D-2253-464B-B3E7-02EB62138976}"/>
               </a:ext>
             </a:extLst>
           </p:cNvPr>
@@ -7016,7 +6936,7 @@
         </p:nvSpPr>
         <p:spPr>
           <a:xfrm>
-            <a:off x="977817" y="3629018"/>
+            <a:off x="1138232" y="3562198"/>
             <a:ext cx="2566331" cy="285225"/>
           </a:xfrm>
           <a:prstGeom prst="rect">
@@ -7076,10 +6996,10 @@
       </p:sp>
       <p:sp>
         <p:nvSpPr>
-          <p:cNvPr id="7" name="矩形 6">
-            <a:extLst>
-              <a:ext uri="{FF2B5EF4-FFF2-40B4-BE49-F238E27FC236}">
-                <a16:creationId xmlns:a16="http://schemas.microsoft.com/office/drawing/2014/main" id="{1DD4A0AA-3DAB-4E00-ABE9-18F88FDB50B4}"/>
+          <p:cNvPr id="8" name="矩形 7">
+            <a:extLst>
+              <a:ext uri="{FF2B5EF4-FFF2-40B4-BE49-F238E27FC236}">
+                <a16:creationId xmlns:a16="http://schemas.microsoft.com/office/drawing/2014/main" id="{7C4B3430-E471-4C40-AEB9-BC6A4B0BE0EE}"/>
               </a:ext>
             </a:extLst>
           </p:cNvPr>
@@ -7088,7 +7008,7 @@
         </p:nvSpPr>
         <p:spPr>
           <a:xfrm>
-            <a:off x="977817" y="3914242"/>
+            <a:off x="1138232" y="3847422"/>
             <a:ext cx="2566331" cy="285225"/>
           </a:xfrm>
           <a:prstGeom prst="rect">
@@ -7148,10 +7068,10 @@
       </p:sp>
       <p:sp>
         <p:nvSpPr>
-          <p:cNvPr id="8" name="矩形 7">
-            <a:extLst>
-              <a:ext uri="{FF2B5EF4-FFF2-40B4-BE49-F238E27FC236}">
-                <a16:creationId xmlns:a16="http://schemas.microsoft.com/office/drawing/2014/main" id="{B7F2DE8E-DF70-4C12-8F25-1D4804CA8F81}"/>
+          <p:cNvPr id="9" name="矩形 8">
+            <a:extLst>
+              <a:ext uri="{FF2B5EF4-FFF2-40B4-BE49-F238E27FC236}">
+                <a16:creationId xmlns:a16="http://schemas.microsoft.com/office/drawing/2014/main" id="{B204E7DE-2878-48A3-84A9-770818722994}"/>
               </a:ext>
             </a:extLst>
           </p:cNvPr>
@@ -7160,7 +7080,7 @@
         </p:nvSpPr>
         <p:spPr>
           <a:xfrm>
-            <a:off x="977817" y="4199467"/>
+            <a:off x="1138232" y="4132647"/>
             <a:ext cx="2566331" cy="285225"/>
           </a:xfrm>
           <a:prstGeom prst="rect">
@@ -7220,10 +7140,10 @@
       </p:sp>
       <p:sp>
         <p:nvSpPr>
-          <p:cNvPr id="9" name="矩形 8">
-            <a:extLst>
-              <a:ext uri="{FF2B5EF4-FFF2-40B4-BE49-F238E27FC236}">
-                <a16:creationId xmlns:a16="http://schemas.microsoft.com/office/drawing/2014/main" id="{080CE9E2-5905-44B1-A35D-596BBFD79F9F}"/>
+          <p:cNvPr id="10" name="矩形 9">
+            <a:extLst>
+              <a:ext uri="{FF2B5EF4-FFF2-40B4-BE49-F238E27FC236}">
+                <a16:creationId xmlns:a16="http://schemas.microsoft.com/office/drawing/2014/main" id="{09FA5C70-3A9B-4E6D-8153-46BAC69FADEF}"/>
               </a:ext>
             </a:extLst>
           </p:cNvPr>
@@ -7232,7 +7152,7 @@
         </p:nvSpPr>
         <p:spPr>
           <a:xfrm>
-            <a:off x="977817" y="4484691"/>
+            <a:off x="1138232" y="4417871"/>
             <a:ext cx="2566331" cy="285225"/>
           </a:xfrm>
           <a:prstGeom prst="rect">
@@ -7292,10 +7212,10 @@
       </p:sp>
       <p:sp>
         <p:nvSpPr>
-          <p:cNvPr id="10" name="矩形 9">
-            <a:extLst>
-              <a:ext uri="{FF2B5EF4-FFF2-40B4-BE49-F238E27FC236}">
-                <a16:creationId xmlns:a16="http://schemas.microsoft.com/office/drawing/2014/main" id="{B4800CEF-402D-405F-BE43-11AB7330105E}"/>
+          <p:cNvPr id="11" name="矩形 10">
+            <a:extLst>
+              <a:ext uri="{FF2B5EF4-FFF2-40B4-BE49-F238E27FC236}">
+                <a16:creationId xmlns:a16="http://schemas.microsoft.com/office/drawing/2014/main" id="{6DB4A30A-47F2-40B8-BBCC-6F219546D534}"/>
               </a:ext>
             </a:extLst>
           </p:cNvPr>
@@ -7304,7 +7224,7 @@
         </p:nvSpPr>
         <p:spPr>
           <a:xfrm>
-            <a:off x="977817" y="4769916"/>
+            <a:off x="1138232" y="4703096"/>
             <a:ext cx="2566331" cy="285225"/>
           </a:xfrm>
           <a:prstGeom prst="rect">
@@ -7364,10 +7284,10 @@
       </p:sp>
       <p:sp>
         <p:nvSpPr>
-          <p:cNvPr id="11" name="矩形 10">
-            <a:extLst>
-              <a:ext uri="{FF2B5EF4-FFF2-40B4-BE49-F238E27FC236}">
-                <a16:creationId xmlns:a16="http://schemas.microsoft.com/office/drawing/2014/main" id="{B972735A-33EC-4211-BBE2-3E71486144A8}"/>
+          <p:cNvPr id="12" name="矩形 11">
+            <a:extLst>
+              <a:ext uri="{FF2B5EF4-FFF2-40B4-BE49-F238E27FC236}">
+                <a16:creationId xmlns:a16="http://schemas.microsoft.com/office/drawing/2014/main" id="{78F63940-3999-40B0-ACD5-453E1747BA00}"/>
               </a:ext>
             </a:extLst>
           </p:cNvPr>
@@ -7376,7 +7296,7 @@
         </p:nvSpPr>
         <p:spPr>
           <a:xfrm>
-            <a:off x="977817" y="5055140"/>
+            <a:off x="1138232" y="4988320"/>
             <a:ext cx="2566331" cy="285225"/>
           </a:xfrm>
           <a:prstGeom prst="rect">
@@ -7436,10 +7356,10 @@
       </p:sp>
       <p:sp>
         <p:nvSpPr>
-          <p:cNvPr id="12" name="矩形 11">
-            <a:extLst>
-              <a:ext uri="{FF2B5EF4-FFF2-40B4-BE49-F238E27FC236}">
-                <a16:creationId xmlns:a16="http://schemas.microsoft.com/office/drawing/2014/main" id="{DF4ED5E9-05AF-4C8D-8A0B-7AD301807B0E}"/>
+          <p:cNvPr id="13" name="矩形 12">
+            <a:extLst>
+              <a:ext uri="{FF2B5EF4-FFF2-40B4-BE49-F238E27FC236}">
+                <a16:creationId xmlns:a16="http://schemas.microsoft.com/office/drawing/2014/main" id="{252204C2-7C1E-444D-A300-6DB4CCDF84C8}"/>
               </a:ext>
             </a:extLst>
           </p:cNvPr>
@@ -7448,7 +7368,7 @@
         </p:nvSpPr>
         <p:spPr>
           <a:xfrm>
-            <a:off x="977817" y="5340365"/>
+            <a:off x="1138232" y="5273545"/>
             <a:ext cx="2566331" cy="285225"/>
           </a:xfrm>
           <a:prstGeom prst="rect">
@@ -7508,10 +7428,10 @@
       </p:sp>
       <p:sp>
         <p:nvSpPr>
-          <p:cNvPr id="13" name="矩形 12">
-            <a:extLst>
-              <a:ext uri="{FF2B5EF4-FFF2-40B4-BE49-F238E27FC236}">
-                <a16:creationId xmlns:a16="http://schemas.microsoft.com/office/drawing/2014/main" id="{61C5C45C-581B-4AAA-8034-36DBAE996EDB}"/>
+          <p:cNvPr id="14" name="矩形 13">
+            <a:extLst>
+              <a:ext uri="{FF2B5EF4-FFF2-40B4-BE49-F238E27FC236}">
+                <a16:creationId xmlns:a16="http://schemas.microsoft.com/office/drawing/2014/main" id="{3A84C36F-0344-4B98-AFAA-EA3E9542E69F}"/>
               </a:ext>
             </a:extLst>
           </p:cNvPr>
@@ -7520,7 +7440,7 @@
         </p:nvSpPr>
         <p:spPr>
           <a:xfrm>
-            <a:off x="977817" y="2773343"/>
+            <a:off x="1138232" y="2706523"/>
             <a:ext cx="2566331" cy="285225"/>
           </a:xfrm>
           <a:prstGeom prst="rect">
@@ -7580,10 +7500,10 @@
       </p:sp>
       <p:sp>
         <p:nvSpPr>
-          <p:cNvPr id="14" name="矩形 13">
-            <a:extLst>
-              <a:ext uri="{FF2B5EF4-FFF2-40B4-BE49-F238E27FC236}">
-                <a16:creationId xmlns:a16="http://schemas.microsoft.com/office/drawing/2014/main" id="{56BCA8BF-214A-4CE0-824B-31F7AAA6D3BC}"/>
+          <p:cNvPr id="15" name="矩形 14">
+            <a:extLst>
+              <a:ext uri="{FF2B5EF4-FFF2-40B4-BE49-F238E27FC236}">
+                <a16:creationId xmlns:a16="http://schemas.microsoft.com/office/drawing/2014/main" id="{F3F0046F-B614-4A72-8C24-20C9C4C4B055}"/>
               </a:ext>
             </a:extLst>
           </p:cNvPr>
@@ -7592,7 +7512,7 @@
         </p:nvSpPr>
         <p:spPr>
           <a:xfrm>
-            <a:off x="977817" y="2488118"/>
+            <a:off x="1138232" y="2421298"/>
             <a:ext cx="2566331" cy="285225"/>
           </a:xfrm>
           <a:prstGeom prst="rect">
@@ -7652,10 +7572,10 @@
       </p:sp>
       <p:sp>
         <p:nvSpPr>
-          <p:cNvPr id="15" name="矩形 14">
-            <a:extLst>
-              <a:ext uri="{FF2B5EF4-FFF2-40B4-BE49-F238E27FC236}">
-                <a16:creationId xmlns:a16="http://schemas.microsoft.com/office/drawing/2014/main" id="{8B666A1B-BA6F-4197-8639-DE403CAD462C}"/>
+          <p:cNvPr id="16" name="矩形 15">
+            <a:extLst>
+              <a:ext uri="{FF2B5EF4-FFF2-40B4-BE49-F238E27FC236}">
+                <a16:creationId xmlns:a16="http://schemas.microsoft.com/office/drawing/2014/main" id="{2A8887CF-EA6E-4BAD-B8CE-CD90AA632522}"/>
               </a:ext>
             </a:extLst>
           </p:cNvPr>
@@ -7664,7 +7584,7 @@
         </p:nvSpPr>
         <p:spPr>
           <a:xfrm>
-            <a:off x="977817" y="5625589"/>
+            <a:off x="1138232" y="5558769"/>
             <a:ext cx="2566331" cy="285225"/>
           </a:xfrm>
           <a:prstGeom prst="rect">
@@ -7724,10 +7644,10 @@
       </p:sp>
       <p:sp>
         <p:nvSpPr>
-          <p:cNvPr id="16" name="矩形 15">
-            <a:extLst>
-              <a:ext uri="{FF2B5EF4-FFF2-40B4-BE49-F238E27FC236}">
-                <a16:creationId xmlns:a16="http://schemas.microsoft.com/office/drawing/2014/main" id="{B8B52E5D-BC6A-4FE1-87A4-E69F4B8C05D3}"/>
+          <p:cNvPr id="17" name="矩形 16">
+            <a:extLst>
+              <a:ext uri="{FF2B5EF4-FFF2-40B4-BE49-F238E27FC236}">
+                <a16:creationId xmlns:a16="http://schemas.microsoft.com/office/drawing/2014/main" id="{3DA1C25D-6A3C-4FF7-B541-FC2730A7CE99}"/>
               </a:ext>
             </a:extLst>
           </p:cNvPr>
@@ -7736,7 +7656,7 @@
         </p:nvSpPr>
         <p:spPr>
           <a:xfrm>
-            <a:off x="977817" y="5900479"/>
+            <a:off x="1138232" y="5833659"/>
             <a:ext cx="2566331" cy="285225"/>
           </a:xfrm>
           <a:prstGeom prst="rect">
@@ -7796,10 +7716,88 @@
       </p:sp>
       <p:sp>
         <p:nvSpPr>
-          <p:cNvPr id="17" name="右大括号 16">
-            <a:extLst>
-              <a:ext uri="{FF2B5EF4-FFF2-40B4-BE49-F238E27FC236}">
-                <a16:creationId xmlns:a16="http://schemas.microsoft.com/office/drawing/2014/main" id="{B0199B34-8B66-4D79-9E2E-B8C3A6E63D5F}"/>
+          <p:cNvPr id="18" name="文本框 17">
+            <a:extLst>
+              <a:ext uri="{FF2B5EF4-FFF2-40B4-BE49-F238E27FC236}">
+                <a16:creationId xmlns:a16="http://schemas.microsoft.com/office/drawing/2014/main" id="{FBC85271-AC7D-4740-969E-D6AC09DDF9F7}"/>
+              </a:ext>
+            </a:extLst>
+          </p:cNvPr>
+          <p:cNvSpPr txBox="1"/>
+          <p:nvPr/>
+        </p:nvSpPr>
+        <p:spPr>
+          <a:xfrm>
+            <a:off x="876815" y="1376766"/>
+            <a:ext cx="9892452" cy="646331"/>
+          </a:xfrm>
+          <a:prstGeom prst="rect">
+            <a:avLst/>
+          </a:prstGeom>
+          <a:noFill/>
+        </p:spPr>
+        <p:txBody>
+          <a:bodyPr wrap="none" rtlCol="0">
+            <a:spAutoFit/>
+          </a:bodyPr>
+          <a:lstStyle/>
+          <a:p>
+            <a:r>
+              <a:rPr lang="en-US" altLang="zh-CN"/>
+              <a:t>Margin</a:t>
+            </a:r>
+            <a:r>
+              <a:rPr lang="zh-CN" altLang="en-US"/>
+              <a:t>表示文档的边距，协议规定，只有在边距内部的行才可以滚动，边距外的行不能进行滚动</a:t>
+            </a:r>
+            <a:endParaRPr lang="en-US" altLang="zh-CN"/>
+          </a:p>
+          <a:p>
+            <a:r>
+              <a:rPr lang="zh-CN" altLang="en-US"/>
+              <a:t>如下图所示，</a:t>
+            </a:r>
+            <a:r>
+              <a:rPr lang="en-US" altLang="zh-CN"/>
+              <a:t>VTextLine1</a:t>
+            </a:r>
+            <a:r>
+              <a:rPr lang="zh-CN" altLang="en-US"/>
+              <a:t>和</a:t>
+            </a:r>
+            <a:r>
+              <a:rPr lang="en-US" altLang="zh-CN"/>
+              <a:t>VTextLine2</a:t>
+            </a:r>
+            <a:r>
+              <a:rPr lang="zh-CN" altLang="en-US"/>
+              <a:t>是上边距，</a:t>
+            </a:r>
+            <a:r>
+              <a:rPr lang="en-US" altLang="zh-CN"/>
+              <a:t>VTextLine12</a:t>
+            </a:r>
+            <a:r>
+              <a:rPr lang="zh-CN" altLang="en-US"/>
+              <a:t>和</a:t>
+            </a:r>
+            <a:r>
+              <a:rPr lang="en-US" altLang="zh-CN"/>
+              <a:t>VTextLine13</a:t>
+            </a:r>
+            <a:r>
+              <a:rPr lang="zh-CN" altLang="en-US"/>
+              <a:t>是下边距：</a:t>
+            </a:r>
+          </a:p>
+        </p:txBody>
+      </p:sp>
+      <p:sp>
+        <p:nvSpPr>
+          <p:cNvPr id="20" name="右大括号 19">
+            <a:extLst>
+              <a:ext uri="{FF2B5EF4-FFF2-40B4-BE49-F238E27FC236}">
+                <a16:creationId xmlns:a16="http://schemas.microsoft.com/office/drawing/2014/main" id="{1496C7B0-44F9-4499-83E2-97A46C5BBD3E}"/>
               </a:ext>
             </a:extLst>
           </p:cNvPr>
@@ -7808,7 +7806,7 @@
         </p:nvSpPr>
         <p:spPr>
           <a:xfrm>
-            <a:off x="3611961" y="3058568"/>
+            <a:off x="3704563" y="2991748"/>
             <a:ext cx="328268" cy="2567021"/>
           </a:xfrm>
           <a:prstGeom prst="rightBrace">
@@ -7851,10 +7849,10 @@
       </p:sp>
       <p:sp>
         <p:nvSpPr>
-          <p:cNvPr id="18" name="右大括号 17">
-            <a:extLst>
-              <a:ext uri="{FF2B5EF4-FFF2-40B4-BE49-F238E27FC236}">
-                <a16:creationId xmlns:a16="http://schemas.microsoft.com/office/drawing/2014/main" id="{4C0E4661-86B1-4BD3-ABFD-948AE85B1D1F}"/>
+          <p:cNvPr id="21" name="右大括号 20">
+            <a:extLst>
+              <a:ext uri="{FF2B5EF4-FFF2-40B4-BE49-F238E27FC236}">
+                <a16:creationId xmlns:a16="http://schemas.microsoft.com/office/drawing/2014/main" id="{9837E4E3-FCD9-4AA3-AE51-1E3D8BD2580F}"/>
               </a:ext>
             </a:extLst>
           </p:cNvPr>
@@ -7863,7 +7861,7 @@
         </p:nvSpPr>
         <p:spPr>
           <a:xfrm>
-            <a:off x="3611961" y="2482602"/>
+            <a:off x="3704563" y="2415782"/>
             <a:ext cx="328268" cy="560813"/>
           </a:xfrm>
           <a:prstGeom prst="rightBrace">
@@ -7906,10 +7904,10 @@
       </p:sp>
       <p:sp>
         <p:nvSpPr>
-          <p:cNvPr id="19" name="文本框 18">
-            <a:extLst>
-              <a:ext uri="{FF2B5EF4-FFF2-40B4-BE49-F238E27FC236}">
-                <a16:creationId xmlns:a16="http://schemas.microsoft.com/office/drawing/2014/main" id="{0B82790C-A616-478B-9A1B-21062106AD06}"/>
+          <p:cNvPr id="22" name="文本框 21">
+            <a:extLst>
+              <a:ext uri="{FF2B5EF4-FFF2-40B4-BE49-F238E27FC236}">
+                <a16:creationId xmlns:a16="http://schemas.microsoft.com/office/drawing/2014/main" id="{A94F348A-0B8D-4827-8D3E-DF4BEACB38E7}"/>
               </a:ext>
             </a:extLst>
           </p:cNvPr>
@@ -7918,7 +7916,7 @@
         </p:nvSpPr>
         <p:spPr>
           <a:xfrm>
-            <a:off x="4059598" y="2578124"/>
+            <a:off x="4152200" y="2511304"/>
             <a:ext cx="910827" cy="276999"/>
           </a:xfrm>
           <a:prstGeom prst="rect">
@@ -7942,10 +7940,10 @@
       </p:sp>
       <p:sp>
         <p:nvSpPr>
-          <p:cNvPr id="20" name="文本框 19">
-            <a:extLst>
-              <a:ext uri="{FF2B5EF4-FFF2-40B4-BE49-F238E27FC236}">
-                <a16:creationId xmlns:a16="http://schemas.microsoft.com/office/drawing/2014/main" id="{CB156010-F427-4587-8C62-601316A6DAAA}"/>
+          <p:cNvPr id="23" name="文本框 22">
+            <a:extLst>
+              <a:ext uri="{FF2B5EF4-FFF2-40B4-BE49-F238E27FC236}">
+                <a16:creationId xmlns:a16="http://schemas.microsoft.com/office/drawing/2014/main" id="{5209992B-86B9-45A8-A9EF-9D22A6C7CD5B}"/>
               </a:ext>
             </a:extLst>
           </p:cNvPr>
@@ -7954,7 +7952,7 @@
         </p:nvSpPr>
         <p:spPr>
           <a:xfrm>
-            <a:off x="4021100" y="5715812"/>
+            <a:off x="4113702" y="5648992"/>
             <a:ext cx="1146468" cy="276999"/>
           </a:xfrm>
           <a:prstGeom prst="rect">
@@ -7978,10 +7976,10 @@
       </p:sp>
       <p:sp>
         <p:nvSpPr>
-          <p:cNvPr id="21" name="右大括号 20">
-            <a:extLst>
-              <a:ext uri="{FF2B5EF4-FFF2-40B4-BE49-F238E27FC236}">
-                <a16:creationId xmlns:a16="http://schemas.microsoft.com/office/drawing/2014/main" id="{F2871CAC-A2D2-41B0-A536-E5C96CB5EAEE}"/>
+          <p:cNvPr id="24" name="右大括号 23">
+            <a:extLst>
+              <a:ext uri="{FF2B5EF4-FFF2-40B4-BE49-F238E27FC236}">
+                <a16:creationId xmlns:a16="http://schemas.microsoft.com/office/drawing/2014/main" id="{6BD88DE6-E415-4111-9FB1-BE7839142AEC}"/>
               </a:ext>
             </a:extLst>
           </p:cNvPr>
@@ -7990,7 +7988,7 @@
         </p:nvSpPr>
         <p:spPr>
           <a:xfrm>
-            <a:off x="3611961" y="5640742"/>
+            <a:off x="3704563" y="5573922"/>
             <a:ext cx="328268" cy="560813"/>
           </a:xfrm>
           <a:prstGeom prst="rightBrace">
@@ -8031,1322 +8029,10 @@
           </a:p>
         </p:txBody>
       </p:sp>
-      <p:sp>
-        <p:nvSpPr>
-          <p:cNvPr id="22" name="矩形 21">
-            <a:extLst>
-              <a:ext uri="{FF2B5EF4-FFF2-40B4-BE49-F238E27FC236}">
-                <a16:creationId xmlns:a16="http://schemas.microsoft.com/office/drawing/2014/main" id="{B98ED97C-CFBC-4CBA-B590-51C0ADE58FD1}"/>
-              </a:ext>
-            </a:extLst>
-          </p:cNvPr>
-          <p:cNvSpPr/>
-          <p:nvPr/>
-        </p:nvSpPr>
-        <p:spPr>
-          <a:xfrm>
-            <a:off x="7395502" y="5305488"/>
-            <a:ext cx="2566331" cy="285225"/>
-          </a:xfrm>
-          <a:prstGeom prst="rect">
-            <a:avLst/>
-          </a:prstGeom>
-          <a:solidFill>
-            <a:schemeClr val="accent1">
-              <a:lumMod val="40000"/>
-              <a:lumOff val="60000"/>
-            </a:schemeClr>
-          </a:solidFill>
-        </p:spPr>
-        <p:style>
-          <a:lnRef idx="2">
-            <a:schemeClr val="accent1">
-              <a:shade val="50000"/>
-            </a:schemeClr>
-          </a:lnRef>
-          <a:fillRef idx="1">
-            <a:schemeClr val="accent1"/>
-          </a:fillRef>
-          <a:effectRef idx="0">
-            <a:schemeClr val="accent1"/>
-          </a:effectRef>
-          <a:fontRef idx="minor">
-            <a:schemeClr val="lt1"/>
-          </a:fontRef>
-        </p:style>
-        <p:txBody>
-          <a:bodyPr rtlCol="0" anchor="ctr"/>
-          <a:lstStyle/>
-          <a:p>
-            <a:pPr algn="ctr"/>
-            <a:r>
-              <a:rPr lang="en-US" altLang="zh-CN" b="1">
-                <a:solidFill>
-                  <a:srgbClr val="FF0000"/>
-                </a:solidFill>
-              </a:rPr>
-              <a:t>VTextLine - 3</a:t>
-            </a:r>
-            <a:endParaRPr lang="zh-CN" altLang="en-US" b="1">
-              <a:solidFill>
-                <a:srgbClr val="FF0000"/>
-              </a:solidFill>
-            </a:endParaRPr>
-          </a:p>
-        </p:txBody>
-      </p:sp>
-      <p:sp>
-        <p:nvSpPr>
-          <p:cNvPr id="23" name="矩形 22">
-            <a:extLst>
-              <a:ext uri="{FF2B5EF4-FFF2-40B4-BE49-F238E27FC236}">
-                <a16:creationId xmlns:a16="http://schemas.microsoft.com/office/drawing/2014/main" id="{A7C2727D-BACB-4002-BCE3-FAD7826B6B05}"/>
-              </a:ext>
-            </a:extLst>
-          </p:cNvPr>
-          <p:cNvSpPr/>
-          <p:nvPr/>
-        </p:nvSpPr>
-        <p:spPr>
-          <a:xfrm>
-            <a:off x="7395501" y="3026275"/>
-            <a:ext cx="2566331" cy="285225"/>
-          </a:xfrm>
-          <a:prstGeom prst="rect">
-            <a:avLst/>
-          </a:prstGeom>
-          <a:solidFill>
-            <a:schemeClr val="accent1">
-              <a:lumMod val="40000"/>
-              <a:lumOff val="60000"/>
-            </a:schemeClr>
-          </a:solidFill>
-        </p:spPr>
-        <p:style>
-          <a:lnRef idx="2">
-            <a:schemeClr val="accent1">
-              <a:shade val="50000"/>
-            </a:schemeClr>
-          </a:lnRef>
-          <a:fillRef idx="1">
-            <a:schemeClr val="accent1"/>
-          </a:fillRef>
-          <a:effectRef idx="0">
-            <a:schemeClr val="accent1"/>
-          </a:effectRef>
-          <a:fontRef idx="minor">
-            <a:schemeClr val="lt1"/>
-          </a:fontRef>
-        </p:style>
-        <p:txBody>
-          <a:bodyPr rtlCol="0" anchor="ctr"/>
-          <a:lstStyle/>
-          <a:p>
-            <a:pPr algn="ctr"/>
-            <a:r>
-              <a:rPr lang="en-US" altLang="zh-CN" b="1">
-                <a:solidFill>
-                  <a:srgbClr val="FF0000"/>
-                </a:solidFill>
-              </a:rPr>
-              <a:t>VTextLine - 4</a:t>
-            </a:r>
-            <a:endParaRPr lang="zh-CN" altLang="en-US" b="1">
-              <a:solidFill>
-                <a:srgbClr val="FF0000"/>
-              </a:solidFill>
-            </a:endParaRPr>
-          </a:p>
-        </p:txBody>
-      </p:sp>
-      <p:sp>
-        <p:nvSpPr>
-          <p:cNvPr id="24" name="矩形 23">
-            <a:extLst>
-              <a:ext uri="{FF2B5EF4-FFF2-40B4-BE49-F238E27FC236}">
-                <a16:creationId xmlns:a16="http://schemas.microsoft.com/office/drawing/2014/main" id="{1A504B94-D2DE-4F0E-90F5-CFC4B9DBCF42}"/>
-              </a:ext>
-            </a:extLst>
-          </p:cNvPr>
-          <p:cNvSpPr/>
-          <p:nvPr/>
-        </p:nvSpPr>
-        <p:spPr>
-          <a:xfrm>
-            <a:off x="7395503" y="3311501"/>
-            <a:ext cx="2566331" cy="285225"/>
-          </a:xfrm>
-          <a:prstGeom prst="rect">
-            <a:avLst/>
-          </a:prstGeom>
-          <a:solidFill>
-            <a:schemeClr val="accent1">
-              <a:lumMod val="40000"/>
-              <a:lumOff val="60000"/>
-            </a:schemeClr>
-          </a:solidFill>
-        </p:spPr>
-        <p:style>
-          <a:lnRef idx="2">
-            <a:schemeClr val="accent1">
-              <a:shade val="50000"/>
-            </a:schemeClr>
-          </a:lnRef>
-          <a:fillRef idx="1">
-            <a:schemeClr val="accent1"/>
-          </a:fillRef>
-          <a:effectRef idx="0">
-            <a:schemeClr val="accent1"/>
-          </a:effectRef>
-          <a:fontRef idx="minor">
-            <a:schemeClr val="lt1"/>
-          </a:fontRef>
-        </p:style>
-        <p:txBody>
-          <a:bodyPr rtlCol="0" anchor="ctr"/>
-          <a:lstStyle/>
-          <a:p>
-            <a:pPr algn="ctr"/>
-            <a:r>
-              <a:rPr lang="en-US" altLang="zh-CN">
-                <a:solidFill>
-                  <a:schemeClr val="tx1"/>
-                </a:solidFill>
-              </a:rPr>
-              <a:t>VTextLine – 5</a:t>
-            </a:r>
-            <a:endParaRPr lang="zh-CN" altLang="en-US">
-              <a:solidFill>
-                <a:schemeClr val="tx1"/>
-              </a:solidFill>
-            </a:endParaRPr>
-          </a:p>
-        </p:txBody>
-      </p:sp>
-      <p:sp>
-        <p:nvSpPr>
-          <p:cNvPr id="25" name="矩形 24">
-            <a:extLst>
-              <a:ext uri="{FF2B5EF4-FFF2-40B4-BE49-F238E27FC236}">
-                <a16:creationId xmlns:a16="http://schemas.microsoft.com/office/drawing/2014/main" id="{DA50D2C4-4D8E-4E14-BB49-CACA340F7244}"/>
-              </a:ext>
-            </a:extLst>
-          </p:cNvPr>
-          <p:cNvSpPr/>
-          <p:nvPr/>
-        </p:nvSpPr>
-        <p:spPr>
-          <a:xfrm>
-            <a:off x="7395503" y="3596725"/>
-            <a:ext cx="2566331" cy="285225"/>
-          </a:xfrm>
-          <a:prstGeom prst="rect">
-            <a:avLst/>
-          </a:prstGeom>
-          <a:solidFill>
-            <a:schemeClr val="accent1">
-              <a:lumMod val="40000"/>
-              <a:lumOff val="60000"/>
-            </a:schemeClr>
-          </a:solidFill>
-        </p:spPr>
-        <p:style>
-          <a:lnRef idx="2">
-            <a:schemeClr val="accent1">
-              <a:shade val="50000"/>
-            </a:schemeClr>
-          </a:lnRef>
-          <a:fillRef idx="1">
-            <a:schemeClr val="accent1"/>
-          </a:fillRef>
-          <a:effectRef idx="0">
-            <a:schemeClr val="accent1"/>
-          </a:effectRef>
-          <a:fontRef idx="minor">
-            <a:schemeClr val="lt1"/>
-          </a:fontRef>
-        </p:style>
-        <p:txBody>
-          <a:bodyPr rtlCol="0" anchor="ctr"/>
-          <a:lstStyle/>
-          <a:p>
-            <a:pPr algn="ctr"/>
-            <a:r>
-              <a:rPr lang="en-US" altLang="zh-CN">
-                <a:solidFill>
-                  <a:schemeClr val="tx1"/>
-                </a:solidFill>
-              </a:rPr>
-              <a:t>VTextLine - 6</a:t>
-            </a:r>
-            <a:endParaRPr lang="zh-CN" altLang="en-US">
-              <a:solidFill>
-                <a:schemeClr val="tx1"/>
-              </a:solidFill>
-            </a:endParaRPr>
-          </a:p>
-        </p:txBody>
-      </p:sp>
-      <p:sp>
-        <p:nvSpPr>
-          <p:cNvPr id="26" name="矩形 25">
-            <a:extLst>
-              <a:ext uri="{FF2B5EF4-FFF2-40B4-BE49-F238E27FC236}">
-                <a16:creationId xmlns:a16="http://schemas.microsoft.com/office/drawing/2014/main" id="{C0317732-0F34-411B-A949-C13E93E99D16}"/>
-              </a:ext>
-            </a:extLst>
-          </p:cNvPr>
-          <p:cNvSpPr/>
-          <p:nvPr/>
-        </p:nvSpPr>
-        <p:spPr>
-          <a:xfrm>
-            <a:off x="7395503" y="3881950"/>
-            <a:ext cx="2566331" cy="285225"/>
-          </a:xfrm>
-          <a:prstGeom prst="rect">
-            <a:avLst/>
-          </a:prstGeom>
-          <a:solidFill>
-            <a:schemeClr val="accent1">
-              <a:lumMod val="40000"/>
-              <a:lumOff val="60000"/>
-            </a:schemeClr>
-          </a:solidFill>
-        </p:spPr>
-        <p:style>
-          <a:lnRef idx="2">
-            <a:schemeClr val="accent1">
-              <a:shade val="50000"/>
-            </a:schemeClr>
-          </a:lnRef>
-          <a:fillRef idx="1">
-            <a:schemeClr val="accent1"/>
-          </a:fillRef>
-          <a:effectRef idx="0">
-            <a:schemeClr val="accent1"/>
-          </a:effectRef>
-          <a:fontRef idx="minor">
-            <a:schemeClr val="lt1"/>
-          </a:fontRef>
-        </p:style>
-        <p:txBody>
-          <a:bodyPr rtlCol="0" anchor="ctr"/>
-          <a:lstStyle/>
-          <a:p>
-            <a:pPr algn="ctr"/>
-            <a:r>
-              <a:rPr lang="en-US" altLang="zh-CN">
-                <a:solidFill>
-                  <a:schemeClr val="tx1"/>
-                </a:solidFill>
-              </a:rPr>
-              <a:t>VTextLine - 7</a:t>
-            </a:r>
-            <a:endParaRPr lang="zh-CN" altLang="en-US">
-              <a:solidFill>
-                <a:schemeClr val="tx1"/>
-              </a:solidFill>
-            </a:endParaRPr>
-          </a:p>
-        </p:txBody>
-      </p:sp>
-      <p:sp>
-        <p:nvSpPr>
-          <p:cNvPr id="27" name="矩形 26">
-            <a:extLst>
-              <a:ext uri="{FF2B5EF4-FFF2-40B4-BE49-F238E27FC236}">
-                <a16:creationId xmlns:a16="http://schemas.microsoft.com/office/drawing/2014/main" id="{4803045B-45DC-49BD-9811-0A75C0E37E6A}"/>
-              </a:ext>
-            </a:extLst>
-          </p:cNvPr>
-          <p:cNvSpPr/>
-          <p:nvPr/>
-        </p:nvSpPr>
-        <p:spPr>
-          <a:xfrm>
-            <a:off x="7395503" y="4167174"/>
-            <a:ext cx="2566331" cy="285225"/>
-          </a:xfrm>
-          <a:prstGeom prst="rect">
-            <a:avLst/>
-          </a:prstGeom>
-          <a:solidFill>
-            <a:schemeClr val="accent1">
-              <a:lumMod val="40000"/>
-              <a:lumOff val="60000"/>
-            </a:schemeClr>
-          </a:solidFill>
-        </p:spPr>
-        <p:style>
-          <a:lnRef idx="2">
-            <a:schemeClr val="accent1">
-              <a:shade val="50000"/>
-            </a:schemeClr>
-          </a:lnRef>
-          <a:fillRef idx="1">
-            <a:schemeClr val="accent1"/>
-          </a:fillRef>
-          <a:effectRef idx="0">
-            <a:schemeClr val="accent1"/>
-          </a:effectRef>
-          <a:fontRef idx="minor">
-            <a:schemeClr val="lt1"/>
-          </a:fontRef>
-        </p:style>
-        <p:txBody>
-          <a:bodyPr rtlCol="0" anchor="ctr"/>
-          <a:lstStyle/>
-          <a:p>
-            <a:pPr algn="ctr"/>
-            <a:r>
-              <a:rPr lang="en-US" altLang="zh-CN">
-                <a:solidFill>
-                  <a:schemeClr val="tx1"/>
-                </a:solidFill>
-              </a:rPr>
-              <a:t>VTextLine - 8</a:t>
-            </a:r>
-            <a:endParaRPr lang="zh-CN" altLang="en-US">
-              <a:solidFill>
-                <a:schemeClr val="tx1"/>
-              </a:solidFill>
-            </a:endParaRPr>
-          </a:p>
-        </p:txBody>
-      </p:sp>
-      <p:sp>
-        <p:nvSpPr>
-          <p:cNvPr id="28" name="矩形 27">
-            <a:extLst>
-              <a:ext uri="{FF2B5EF4-FFF2-40B4-BE49-F238E27FC236}">
-                <a16:creationId xmlns:a16="http://schemas.microsoft.com/office/drawing/2014/main" id="{D623FDBC-C611-4415-8658-0335DC5CD094}"/>
-              </a:ext>
-            </a:extLst>
-          </p:cNvPr>
-          <p:cNvSpPr/>
-          <p:nvPr/>
-        </p:nvSpPr>
-        <p:spPr>
-          <a:xfrm>
-            <a:off x="7395503" y="4452399"/>
-            <a:ext cx="2566331" cy="285225"/>
-          </a:xfrm>
-          <a:prstGeom prst="rect">
-            <a:avLst/>
-          </a:prstGeom>
-          <a:solidFill>
-            <a:schemeClr val="accent1">
-              <a:lumMod val="40000"/>
-              <a:lumOff val="60000"/>
-            </a:schemeClr>
-          </a:solidFill>
-        </p:spPr>
-        <p:style>
-          <a:lnRef idx="2">
-            <a:schemeClr val="accent1">
-              <a:shade val="50000"/>
-            </a:schemeClr>
-          </a:lnRef>
-          <a:fillRef idx="1">
-            <a:schemeClr val="accent1"/>
-          </a:fillRef>
-          <a:effectRef idx="0">
-            <a:schemeClr val="accent1"/>
-          </a:effectRef>
-          <a:fontRef idx="minor">
-            <a:schemeClr val="lt1"/>
-          </a:fontRef>
-        </p:style>
-        <p:txBody>
-          <a:bodyPr rtlCol="0" anchor="ctr"/>
-          <a:lstStyle/>
-          <a:p>
-            <a:pPr algn="ctr"/>
-            <a:r>
-              <a:rPr lang="en-US" altLang="zh-CN">
-                <a:solidFill>
-                  <a:schemeClr val="tx1"/>
-                </a:solidFill>
-              </a:rPr>
-              <a:t>VTextLine - 9</a:t>
-            </a:r>
-            <a:endParaRPr lang="zh-CN" altLang="en-US">
-              <a:solidFill>
-                <a:schemeClr val="tx1"/>
-              </a:solidFill>
-            </a:endParaRPr>
-          </a:p>
-        </p:txBody>
-      </p:sp>
-      <p:sp>
-        <p:nvSpPr>
-          <p:cNvPr id="29" name="矩形 28">
-            <a:extLst>
-              <a:ext uri="{FF2B5EF4-FFF2-40B4-BE49-F238E27FC236}">
-                <a16:creationId xmlns:a16="http://schemas.microsoft.com/office/drawing/2014/main" id="{2CA8179B-8174-4A4B-882D-621379C53AB5}"/>
-              </a:ext>
-            </a:extLst>
-          </p:cNvPr>
-          <p:cNvSpPr/>
-          <p:nvPr/>
-        </p:nvSpPr>
-        <p:spPr>
-          <a:xfrm>
-            <a:off x="7395503" y="4737623"/>
-            <a:ext cx="2566331" cy="285225"/>
-          </a:xfrm>
-          <a:prstGeom prst="rect">
-            <a:avLst/>
-          </a:prstGeom>
-          <a:solidFill>
-            <a:schemeClr val="accent1">
-              <a:lumMod val="40000"/>
-              <a:lumOff val="60000"/>
-            </a:schemeClr>
-          </a:solidFill>
-        </p:spPr>
-        <p:style>
-          <a:lnRef idx="2">
-            <a:schemeClr val="accent1">
-              <a:shade val="50000"/>
-            </a:schemeClr>
-          </a:lnRef>
-          <a:fillRef idx="1">
-            <a:schemeClr val="accent1"/>
-          </a:fillRef>
-          <a:effectRef idx="0">
-            <a:schemeClr val="accent1"/>
-          </a:effectRef>
-          <a:fontRef idx="minor">
-            <a:schemeClr val="lt1"/>
-          </a:fontRef>
-        </p:style>
-        <p:txBody>
-          <a:bodyPr rtlCol="0" anchor="ctr"/>
-          <a:lstStyle/>
-          <a:p>
-            <a:pPr algn="ctr"/>
-            <a:r>
-              <a:rPr lang="en-US" altLang="zh-CN">
-                <a:solidFill>
-                  <a:schemeClr val="tx1"/>
-                </a:solidFill>
-              </a:rPr>
-              <a:t>VTextLine - 10</a:t>
-            </a:r>
-            <a:endParaRPr lang="zh-CN" altLang="en-US">
-              <a:solidFill>
-                <a:schemeClr val="tx1"/>
-              </a:solidFill>
-            </a:endParaRPr>
-          </a:p>
-        </p:txBody>
-      </p:sp>
-      <p:sp>
-        <p:nvSpPr>
-          <p:cNvPr id="30" name="矩形 29">
-            <a:extLst>
-              <a:ext uri="{FF2B5EF4-FFF2-40B4-BE49-F238E27FC236}">
-                <a16:creationId xmlns:a16="http://schemas.microsoft.com/office/drawing/2014/main" id="{1C6B4649-06BB-4C4E-84B5-25CDB9FED855}"/>
-              </a:ext>
-            </a:extLst>
-          </p:cNvPr>
-          <p:cNvSpPr/>
-          <p:nvPr/>
-        </p:nvSpPr>
-        <p:spPr>
-          <a:xfrm>
-            <a:off x="7395503" y="5022848"/>
-            <a:ext cx="2566331" cy="285225"/>
-          </a:xfrm>
-          <a:prstGeom prst="rect">
-            <a:avLst/>
-          </a:prstGeom>
-          <a:solidFill>
-            <a:schemeClr val="accent1">
-              <a:lumMod val="40000"/>
-              <a:lumOff val="60000"/>
-            </a:schemeClr>
-          </a:solidFill>
-        </p:spPr>
-        <p:style>
-          <a:lnRef idx="2">
-            <a:schemeClr val="accent1">
-              <a:shade val="50000"/>
-            </a:schemeClr>
-          </a:lnRef>
-          <a:fillRef idx="1">
-            <a:schemeClr val="accent1"/>
-          </a:fillRef>
-          <a:effectRef idx="0">
-            <a:schemeClr val="accent1"/>
-          </a:effectRef>
-          <a:fontRef idx="minor">
-            <a:schemeClr val="lt1"/>
-          </a:fontRef>
-        </p:style>
-        <p:txBody>
-          <a:bodyPr rtlCol="0" anchor="ctr"/>
-          <a:lstStyle/>
-          <a:p>
-            <a:pPr algn="ctr"/>
-            <a:r>
-              <a:rPr lang="en-US" altLang="zh-CN">
-                <a:solidFill>
-                  <a:schemeClr val="tx1"/>
-                </a:solidFill>
-              </a:rPr>
-              <a:t>VTextLine - 11</a:t>
-            </a:r>
-            <a:endParaRPr lang="zh-CN" altLang="en-US">
-              <a:solidFill>
-                <a:schemeClr val="tx1"/>
-              </a:solidFill>
-            </a:endParaRPr>
-          </a:p>
-        </p:txBody>
-      </p:sp>
-      <p:sp>
-        <p:nvSpPr>
-          <p:cNvPr id="31" name="矩形 30">
-            <a:extLst>
-              <a:ext uri="{FF2B5EF4-FFF2-40B4-BE49-F238E27FC236}">
-                <a16:creationId xmlns:a16="http://schemas.microsoft.com/office/drawing/2014/main" id="{56657B86-A647-45EB-BDE1-1DA4B58E863B}"/>
-              </a:ext>
-            </a:extLst>
-          </p:cNvPr>
-          <p:cNvSpPr/>
-          <p:nvPr/>
-        </p:nvSpPr>
-        <p:spPr>
-          <a:xfrm>
-            <a:off x="7397923" y="2746218"/>
-            <a:ext cx="2566331" cy="285225"/>
-          </a:xfrm>
-          <a:prstGeom prst="rect">
-            <a:avLst/>
-          </a:prstGeom>
-          <a:solidFill>
-            <a:schemeClr val="accent2">
-              <a:lumMod val="20000"/>
-              <a:lumOff val="80000"/>
-            </a:schemeClr>
-          </a:solidFill>
-        </p:spPr>
-        <p:style>
-          <a:lnRef idx="2">
-            <a:schemeClr val="accent1">
-              <a:shade val="50000"/>
-            </a:schemeClr>
-          </a:lnRef>
-          <a:fillRef idx="1">
-            <a:schemeClr val="accent1"/>
-          </a:fillRef>
-          <a:effectRef idx="0">
-            <a:schemeClr val="accent1"/>
-          </a:effectRef>
-          <a:fontRef idx="minor">
-            <a:schemeClr val="lt1"/>
-          </a:fontRef>
-        </p:style>
-        <p:txBody>
-          <a:bodyPr rtlCol="0" anchor="ctr"/>
-          <a:lstStyle/>
-          <a:p>
-            <a:pPr algn="ctr"/>
-            <a:r>
-              <a:rPr lang="en-US" altLang="zh-CN">
-                <a:solidFill>
-                  <a:schemeClr val="tx1"/>
-                </a:solidFill>
-              </a:rPr>
-              <a:t>VTextLine - 2</a:t>
-            </a:r>
-            <a:endParaRPr lang="zh-CN" altLang="en-US">
-              <a:solidFill>
-                <a:schemeClr val="tx1"/>
-              </a:solidFill>
-            </a:endParaRPr>
-          </a:p>
-        </p:txBody>
-      </p:sp>
-      <p:sp>
-        <p:nvSpPr>
-          <p:cNvPr id="32" name="矩形 31">
-            <a:extLst>
-              <a:ext uri="{FF2B5EF4-FFF2-40B4-BE49-F238E27FC236}">
-                <a16:creationId xmlns:a16="http://schemas.microsoft.com/office/drawing/2014/main" id="{EBCD7821-434A-4F0C-B747-9D63B066022B}"/>
-              </a:ext>
-            </a:extLst>
-          </p:cNvPr>
-          <p:cNvSpPr/>
-          <p:nvPr/>
-        </p:nvSpPr>
-        <p:spPr>
-          <a:xfrm>
-            <a:off x="7397923" y="2460993"/>
-            <a:ext cx="2566331" cy="285225"/>
-          </a:xfrm>
-          <a:prstGeom prst="rect">
-            <a:avLst/>
-          </a:prstGeom>
-          <a:solidFill>
-            <a:schemeClr val="accent2">
-              <a:lumMod val="20000"/>
-              <a:lumOff val="80000"/>
-            </a:schemeClr>
-          </a:solidFill>
-        </p:spPr>
-        <p:style>
-          <a:lnRef idx="2">
-            <a:schemeClr val="accent1">
-              <a:shade val="50000"/>
-            </a:schemeClr>
-          </a:lnRef>
-          <a:fillRef idx="1">
-            <a:schemeClr val="accent1"/>
-          </a:fillRef>
-          <a:effectRef idx="0">
-            <a:schemeClr val="accent1"/>
-          </a:effectRef>
-          <a:fontRef idx="minor">
-            <a:schemeClr val="lt1"/>
-          </a:fontRef>
-        </p:style>
-        <p:txBody>
-          <a:bodyPr rtlCol="0" anchor="ctr"/>
-          <a:lstStyle/>
-          <a:p>
-            <a:pPr algn="ctr"/>
-            <a:r>
-              <a:rPr lang="en-US" altLang="zh-CN">
-                <a:solidFill>
-                  <a:schemeClr val="tx1"/>
-                </a:solidFill>
-              </a:rPr>
-              <a:t>VTextLine - 1</a:t>
-            </a:r>
-            <a:endParaRPr lang="zh-CN" altLang="en-US">
-              <a:solidFill>
-                <a:schemeClr val="tx1"/>
-              </a:solidFill>
-            </a:endParaRPr>
-          </a:p>
-        </p:txBody>
-      </p:sp>
-      <p:sp>
-        <p:nvSpPr>
-          <p:cNvPr id="33" name="矩形 32">
-            <a:extLst>
-              <a:ext uri="{FF2B5EF4-FFF2-40B4-BE49-F238E27FC236}">
-                <a16:creationId xmlns:a16="http://schemas.microsoft.com/office/drawing/2014/main" id="{FCDEB43D-6C5C-4F3E-93CE-689B55C5C125}"/>
-              </a:ext>
-            </a:extLst>
-          </p:cNvPr>
-          <p:cNvSpPr/>
-          <p:nvPr/>
-        </p:nvSpPr>
-        <p:spPr>
-          <a:xfrm>
-            <a:off x="7397923" y="5598464"/>
-            <a:ext cx="2566331" cy="285225"/>
-          </a:xfrm>
-          <a:prstGeom prst="rect">
-            <a:avLst/>
-          </a:prstGeom>
-          <a:solidFill>
-            <a:schemeClr val="accent2">
-              <a:lumMod val="20000"/>
-              <a:lumOff val="80000"/>
-            </a:schemeClr>
-          </a:solidFill>
-        </p:spPr>
-        <p:style>
-          <a:lnRef idx="2">
-            <a:schemeClr val="accent1">
-              <a:shade val="50000"/>
-            </a:schemeClr>
-          </a:lnRef>
-          <a:fillRef idx="1">
-            <a:schemeClr val="accent1"/>
-          </a:fillRef>
-          <a:effectRef idx="0">
-            <a:schemeClr val="accent1"/>
-          </a:effectRef>
-          <a:fontRef idx="minor">
-            <a:schemeClr val="lt1"/>
-          </a:fontRef>
-        </p:style>
-        <p:txBody>
-          <a:bodyPr rtlCol="0" anchor="ctr"/>
-          <a:lstStyle/>
-          <a:p>
-            <a:pPr algn="ctr"/>
-            <a:r>
-              <a:rPr lang="en-US" altLang="zh-CN">
-                <a:solidFill>
-                  <a:schemeClr val="tx1"/>
-                </a:solidFill>
-              </a:rPr>
-              <a:t>VTextLine - 12</a:t>
-            </a:r>
-            <a:endParaRPr lang="zh-CN" altLang="en-US">
-              <a:solidFill>
-                <a:schemeClr val="tx1"/>
-              </a:solidFill>
-            </a:endParaRPr>
-          </a:p>
-        </p:txBody>
-      </p:sp>
-      <p:sp>
-        <p:nvSpPr>
-          <p:cNvPr id="34" name="矩形 33">
-            <a:extLst>
-              <a:ext uri="{FF2B5EF4-FFF2-40B4-BE49-F238E27FC236}">
-                <a16:creationId xmlns:a16="http://schemas.microsoft.com/office/drawing/2014/main" id="{0D91B2CC-7EEF-4B0F-A747-1F29670F2A9E}"/>
-              </a:ext>
-            </a:extLst>
-          </p:cNvPr>
-          <p:cNvSpPr/>
-          <p:nvPr/>
-        </p:nvSpPr>
-        <p:spPr>
-          <a:xfrm>
-            <a:off x="7397923" y="5873354"/>
-            <a:ext cx="2566331" cy="285225"/>
-          </a:xfrm>
-          <a:prstGeom prst="rect">
-            <a:avLst/>
-          </a:prstGeom>
-          <a:solidFill>
-            <a:schemeClr val="accent2">
-              <a:lumMod val="20000"/>
-              <a:lumOff val="80000"/>
-            </a:schemeClr>
-          </a:solidFill>
-        </p:spPr>
-        <p:style>
-          <a:lnRef idx="2">
-            <a:schemeClr val="accent1">
-              <a:shade val="50000"/>
-            </a:schemeClr>
-          </a:lnRef>
-          <a:fillRef idx="1">
-            <a:schemeClr val="accent1"/>
-          </a:fillRef>
-          <a:effectRef idx="0">
-            <a:schemeClr val="accent1"/>
-          </a:effectRef>
-          <a:fontRef idx="minor">
-            <a:schemeClr val="lt1"/>
-          </a:fontRef>
-        </p:style>
-        <p:txBody>
-          <a:bodyPr rtlCol="0" anchor="ctr"/>
-          <a:lstStyle/>
-          <a:p>
-            <a:pPr algn="ctr"/>
-            <a:r>
-              <a:rPr lang="en-US" altLang="zh-CN">
-                <a:solidFill>
-                  <a:schemeClr val="tx1"/>
-                </a:solidFill>
-              </a:rPr>
-              <a:t>VTextLine - 13</a:t>
-            </a:r>
-            <a:endParaRPr lang="zh-CN" altLang="en-US">
-              <a:solidFill>
-                <a:schemeClr val="tx1"/>
-              </a:solidFill>
-            </a:endParaRPr>
-          </a:p>
-        </p:txBody>
-      </p:sp>
-      <p:sp>
-        <p:nvSpPr>
-          <p:cNvPr id="35" name="右大括号 34">
-            <a:extLst>
-              <a:ext uri="{FF2B5EF4-FFF2-40B4-BE49-F238E27FC236}">
-                <a16:creationId xmlns:a16="http://schemas.microsoft.com/office/drawing/2014/main" id="{EB47DF1B-36C2-4798-A994-562061A78E05}"/>
-              </a:ext>
-            </a:extLst>
-          </p:cNvPr>
-          <p:cNvSpPr/>
-          <p:nvPr/>
-        </p:nvSpPr>
-        <p:spPr>
-          <a:xfrm>
-            <a:off x="10032067" y="3031443"/>
-            <a:ext cx="328268" cy="2567021"/>
-          </a:xfrm>
-          <a:prstGeom prst="rightBrace">
-            <a:avLst>
-              <a:gd name="adj1" fmla="val 8333"/>
-              <a:gd name="adj2" fmla="val 48693"/>
-            </a:avLst>
-          </a:prstGeom>
-          <a:ln w="28575">
-            <a:solidFill>
-              <a:schemeClr val="tx1">
-                <a:lumMod val="95000"/>
-                <a:lumOff val="5000"/>
-              </a:schemeClr>
-            </a:solidFill>
-          </a:ln>
-        </p:spPr>
-        <p:style>
-          <a:lnRef idx="1">
-            <a:schemeClr val="accent1"/>
-          </a:lnRef>
-          <a:fillRef idx="0">
-            <a:schemeClr val="accent1"/>
-          </a:fillRef>
-          <a:effectRef idx="0">
-            <a:schemeClr val="accent1"/>
-          </a:effectRef>
-          <a:fontRef idx="minor">
-            <a:schemeClr val="tx1"/>
-          </a:fontRef>
-        </p:style>
-        <p:txBody>
-          <a:bodyPr rtlCol="0" anchor="ctr"/>
-          <a:lstStyle/>
-          <a:p>
-            <a:pPr algn="ctr"/>
-            <a:endParaRPr lang="zh-CN" altLang="en-US"/>
-          </a:p>
-        </p:txBody>
-      </p:sp>
-      <p:sp>
-        <p:nvSpPr>
-          <p:cNvPr id="36" name="右大括号 35">
-            <a:extLst>
-              <a:ext uri="{FF2B5EF4-FFF2-40B4-BE49-F238E27FC236}">
-                <a16:creationId xmlns:a16="http://schemas.microsoft.com/office/drawing/2014/main" id="{A9019A95-386E-439C-85CB-57B5A439E3FF}"/>
-              </a:ext>
-            </a:extLst>
-          </p:cNvPr>
-          <p:cNvSpPr/>
-          <p:nvPr/>
-        </p:nvSpPr>
-        <p:spPr>
-          <a:xfrm>
-            <a:off x="10032067" y="2455477"/>
-            <a:ext cx="328268" cy="560813"/>
-          </a:xfrm>
-          <a:prstGeom prst="rightBrace">
-            <a:avLst>
-              <a:gd name="adj1" fmla="val 8333"/>
-              <a:gd name="adj2" fmla="val 36537"/>
-            </a:avLst>
-          </a:prstGeom>
-          <a:ln w="28575">
-            <a:solidFill>
-              <a:schemeClr val="tx1">
-                <a:lumMod val="95000"/>
-                <a:lumOff val="5000"/>
-              </a:schemeClr>
-            </a:solidFill>
-          </a:ln>
-        </p:spPr>
-        <p:style>
-          <a:lnRef idx="1">
-            <a:schemeClr val="accent1"/>
-          </a:lnRef>
-          <a:fillRef idx="0">
-            <a:schemeClr val="accent1"/>
-          </a:fillRef>
-          <a:effectRef idx="0">
-            <a:schemeClr val="accent1"/>
-          </a:effectRef>
-          <a:fontRef idx="minor">
-            <a:schemeClr val="tx1"/>
-          </a:fontRef>
-        </p:style>
-        <p:txBody>
-          <a:bodyPr rtlCol="0" anchor="ctr"/>
-          <a:lstStyle/>
-          <a:p>
-            <a:pPr algn="ctr"/>
-            <a:endParaRPr lang="zh-CN" altLang="en-US"/>
-          </a:p>
-        </p:txBody>
-      </p:sp>
-      <p:sp>
-        <p:nvSpPr>
-          <p:cNvPr id="37" name="右大括号 36">
-            <a:extLst>
-              <a:ext uri="{FF2B5EF4-FFF2-40B4-BE49-F238E27FC236}">
-                <a16:creationId xmlns:a16="http://schemas.microsoft.com/office/drawing/2014/main" id="{8A79A876-9E4B-4A04-B0BB-1B8413533AC1}"/>
-              </a:ext>
-            </a:extLst>
-          </p:cNvPr>
-          <p:cNvSpPr/>
-          <p:nvPr/>
-        </p:nvSpPr>
-        <p:spPr>
-          <a:xfrm>
-            <a:off x="10032067" y="5613617"/>
-            <a:ext cx="328268" cy="560813"/>
-          </a:xfrm>
-          <a:prstGeom prst="rightBrace">
-            <a:avLst>
-              <a:gd name="adj1" fmla="val 8333"/>
-              <a:gd name="adj2" fmla="val 36537"/>
-            </a:avLst>
-          </a:prstGeom>
-          <a:ln w="28575">
-            <a:solidFill>
-              <a:schemeClr val="tx1">
-                <a:lumMod val="95000"/>
-                <a:lumOff val="5000"/>
-              </a:schemeClr>
-            </a:solidFill>
-          </a:ln>
-        </p:spPr>
-        <p:style>
-          <a:lnRef idx="1">
-            <a:schemeClr val="accent1"/>
-          </a:lnRef>
-          <a:fillRef idx="0">
-            <a:schemeClr val="accent1"/>
-          </a:fillRef>
-          <a:effectRef idx="0">
-            <a:schemeClr val="accent1"/>
-          </a:effectRef>
-          <a:fontRef idx="minor">
-            <a:schemeClr val="tx1"/>
-          </a:fontRef>
-        </p:style>
-        <p:txBody>
-          <a:bodyPr rtlCol="0" anchor="ctr"/>
-          <a:lstStyle/>
-          <a:p>
-            <a:pPr algn="ctr"/>
-            <a:endParaRPr lang="zh-CN" altLang="en-US"/>
-          </a:p>
-        </p:txBody>
-      </p:sp>
-      <p:sp>
-        <p:nvSpPr>
-          <p:cNvPr id="38" name="文本框 37">
-            <a:extLst>
-              <a:ext uri="{FF2B5EF4-FFF2-40B4-BE49-F238E27FC236}">
-                <a16:creationId xmlns:a16="http://schemas.microsoft.com/office/drawing/2014/main" id="{927EA46A-C13B-4895-92BB-9D69C666499F}"/>
-              </a:ext>
-            </a:extLst>
-          </p:cNvPr>
-          <p:cNvSpPr txBox="1"/>
-          <p:nvPr/>
-        </p:nvSpPr>
-        <p:spPr>
-          <a:xfrm>
-            <a:off x="10547517" y="2551000"/>
-            <a:ext cx="910827" cy="276999"/>
-          </a:xfrm>
-          <a:prstGeom prst="rect">
-            <a:avLst/>
-          </a:prstGeom>
-          <a:noFill/>
-        </p:spPr>
-        <p:txBody>
-          <a:bodyPr wrap="none" rtlCol="0">
-            <a:spAutoFit/>
-          </a:bodyPr>
-          <a:lstStyle/>
-          <a:p>
-            <a:r>
-              <a:rPr lang="en-US" altLang="zh-CN" sz="1200" err="1"/>
-              <a:t>MarginTop</a:t>
-            </a:r>
-            <a:endParaRPr lang="zh-CN" altLang="en-US" sz="1200"/>
-          </a:p>
-        </p:txBody>
-      </p:sp>
-      <p:sp>
-        <p:nvSpPr>
-          <p:cNvPr id="39" name="文本框 38">
-            <a:extLst>
-              <a:ext uri="{FF2B5EF4-FFF2-40B4-BE49-F238E27FC236}">
-                <a16:creationId xmlns:a16="http://schemas.microsoft.com/office/drawing/2014/main" id="{8F4E6176-3AB7-424E-A9F4-E3009C8DD67C}"/>
-              </a:ext>
-            </a:extLst>
-          </p:cNvPr>
-          <p:cNvSpPr txBox="1"/>
-          <p:nvPr/>
-        </p:nvSpPr>
-        <p:spPr>
-          <a:xfrm>
-            <a:off x="10547517" y="5644149"/>
-            <a:ext cx="1146468" cy="276999"/>
-          </a:xfrm>
-          <a:prstGeom prst="rect">
-            <a:avLst/>
-          </a:prstGeom>
-          <a:noFill/>
-        </p:spPr>
-        <p:txBody>
-          <a:bodyPr wrap="none" rtlCol="0">
-            <a:spAutoFit/>
-          </a:bodyPr>
-          <a:lstStyle/>
-          <a:p>
-            <a:r>
-              <a:rPr lang="en-US" altLang="zh-CN" sz="1200" err="1"/>
-              <a:t>MarginBottom</a:t>
-            </a:r>
-            <a:endParaRPr lang="zh-CN" altLang="en-US" sz="1200"/>
-          </a:p>
-        </p:txBody>
-      </p:sp>
-      <p:sp>
-        <p:nvSpPr>
-          <p:cNvPr id="40" name="箭头: 右 39">
-            <a:extLst>
-              <a:ext uri="{FF2B5EF4-FFF2-40B4-BE49-F238E27FC236}">
-                <a16:creationId xmlns:a16="http://schemas.microsoft.com/office/drawing/2014/main" id="{235D3858-1943-454D-BE12-603B4D1E1AC1}"/>
-              </a:ext>
-            </a:extLst>
-          </p:cNvPr>
-          <p:cNvSpPr/>
-          <p:nvPr/>
-        </p:nvSpPr>
-        <p:spPr>
-          <a:xfrm flipV="1">
-            <a:off x="4407224" y="4148193"/>
-            <a:ext cx="2566331" cy="45719"/>
-          </a:xfrm>
-          <a:prstGeom prst="rightArrow">
-            <a:avLst/>
-          </a:prstGeom>
-          <a:ln w="63500">
-            <a:solidFill>
-              <a:schemeClr val="tx1"/>
-            </a:solidFill>
-            <a:round/>
-          </a:ln>
-        </p:spPr>
-        <p:style>
-          <a:lnRef idx="2">
-            <a:schemeClr val="accent1">
-              <a:shade val="50000"/>
-            </a:schemeClr>
-          </a:lnRef>
-          <a:fillRef idx="1">
-            <a:schemeClr val="accent1"/>
-          </a:fillRef>
-          <a:effectRef idx="0">
-            <a:schemeClr val="accent1"/>
-          </a:effectRef>
-          <a:fontRef idx="minor">
-            <a:schemeClr val="lt1"/>
-          </a:fontRef>
-        </p:style>
-        <p:txBody>
-          <a:bodyPr rtlCol="0" anchor="ctr"/>
-          <a:lstStyle/>
-          <a:p>
-            <a:pPr algn="ctr"/>
-            <a:endParaRPr lang="zh-CN" altLang="en-US"/>
-          </a:p>
-        </p:txBody>
-      </p:sp>
-      <p:sp>
-        <p:nvSpPr>
-          <p:cNvPr id="41" name="文本框 40">
-            <a:extLst>
-              <a:ext uri="{FF2B5EF4-FFF2-40B4-BE49-F238E27FC236}">
-                <a16:creationId xmlns:a16="http://schemas.microsoft.com/office/drawing/2014/main" id="{A53A83B7-3734-478F-8F15-C753AEB1C606}"/>
-              </a:ext>
-            </a:extLst>
-          </p:cNvPr>
-          <p:cNvSpPr txBox="1"/>
-          <p:nvPr/>
-        </p:nvSpPr>
-        <p:spPr>
-          <a:xfrm>
-            <a:off x="4970425" y="3715142"/>
-            <a:ext cx="1253869" cy="369332"/>
-          </a:xfrm>
-          <a:prstGeom prst="rect">
-            <a:avLst/>
-          </a:prstGeom>
-          <a:noFill/>
-        </p:spPr>
-        <p:txBody>
-          <a:bodyPr wrap="none" rtlCol="0">
-            <a:spAutoFit/>
-          </a:bodyPr>
-          <a:lstStyle/>
-          <a:p>
-            <a:r>
-              <a:rPr lang="en-US" altLang="zh-CN" err="1"/>
-              <a:t>LineFeed</a:t>
-            </a:r>
-            <a:r>
-              <a:rPr lang="en-US" altLang="zh-CN"/>
-              <a:t> 1</a:t>
-            </a:r>
-            <a:endParaRPr lang="zh-CN" altLang="en-US"/>
-          </a:p>
-        </p:txBody>
-      </p:sp>
-      <p:sp>
-        <p:nvSpPr>
-          <p:cNvPr id="42" name="文本框 41">
-            <a:extLst>
-              <a:ext uri="{FF2B5EF4-FFF2-40B4-BE49-F238E27FC236}">
-                <a16:creationId xmlns:a16="http://schemas.microsoft.com/office/drawing/2014/main" id="{D84C3D18-2D0A-43E3-942A-75C423FF1342}"/>
-              </a:ext>
-            </a:extLst>
-          </p:cNvPr>
-          <p:cNvSpPr txBox="1"/>
-          <p:nvPr/>
-        </p:nvSpPr>
-        <p:spPr>
-          <a:xfrm>
-            <a:off x="838200" y="1350956"/>
-            <a:ext cx="13221889" cy="923330"/>
-          </a:xfrm>
-          <a:prstGeom prst="rect">
-            <a:avLst/>
-          </a:prstGeom>
-          <a:noFill/>
-        </p:spPr>
-        <p:txBody>
-          <a:bodyPr wrap="none" rtlCol="0">
-            <a:spAutoFit/>
-          </a:bodyPr>
-          <a:lstStyle/>
-          <a:p>
-            <a:r>
-              <a:rPr lang="en-US" altLang="zh-CN"/>
-              <a:t>LineFeed</a:t>
-            </a:r>
-            <a:r>
-              <a:rPr lang="zh-CN" altLang="en-US"/>
-              <a:t>表示换行，此时要在文档的</a:t>
-            </a:r>
-            <a:r>
-              <a:rPr lang="en-US" altLang="zh-CN"/>
-              <a:t>margin</a:t>
-            </a:r>
-            <a:r>
-              <a:rPr lang="zh-CN" altLang="en-US"/>
-              <a:t>内显示新的行。</a:t>
-            </a:r>
-            <a:endParaRPr lang="en-US" altLang="zh-CN"/>
-          </a:p>
-          <a:p>
-            <a:r>
-              <a:rPr lang="en-US" altLang="zh-CN"/>
-              <a:t>Xterminal</a:t>
-            </a:r>
-            <a:r>
-              <a:rPr lang="zh-CN" altLang="en-US"/>
-              <a:t>会把</a:t>
-            </a:r>
-            <a:r>
-              <a:rPr lang="en-US" altLang="zh-CN"/>
-              <a:t>MarginTop</a:t>
-            </a:r>
-            <a:r>
-              <a:rPr lang="zh-CN" altLang="en-US"/>
-              <a:t>下的第一行拿出来，插入到</a:t>
-            </a:r>
-            <a:r>
-              <a:rPr lang="en-US" altLang="zh-CN"/>
-              <a:t>MarginBottom</a:t>
-            </a:r>
-            <a:r>
-              <a:rPr lang="zh-CN" altLang="en-US"/>
-              <a:t>的上一行，复用行对象来保存该行要显示的数据</a:t>
-            </a:r>
-            <a:endParaRPr lang="en-US" altLang="zh-CN"/>
-          </a:p>
-          <a:p>
-            <a:r>
-              <a:rPr lang="zh-CN" altLang="en-US"/>
-              <a:t>下图表示了当执行</a:t>
-            </a:r>
-            <a:r>
-              <a:rPr lang="en-US" altLang="zh-CN"/>
-              <a:t>LineFeed</a:t>
-            </a:r>
-            <a:r>
-              <a:rPr lang="zh-CN" altLang="en-US"/>
-              <a:t>行为的时候，</a:t>
-            </a:r>
-            <a:r>
-              <a:rPr lang="en-US" altLang="zh-CN"/>
-              <a:t>XTerminal</a:t>
-            </a:r>
-            <a:r>
-              <a:rPr lang="zh-CN" altLang="en-US"/>
-              <a:t>复用</a:t>
-            </a:r>
-            <a:r>
-              <a:rPr lang="en-US" altLang="zh-CN"/>
-              <a:t>VTextLine3</a:t>
-            </a:r>
-            <a:r>
-              <a:rPr lang="zh-CN" altLang="en-US"/>
-              <a:t>对象，把</a:t>
-            </a:r>
-            <a:r>
-              <a:rPr lang="en-US" altLang="zh-CN"/>
-              <a:t>VTextLine3</a:t>
-            </a:r>
-            <a:r>
-              <a:rPr lang="zh-CN" altLang="en-US"/>
-              <a:t>对象拿出来，放到了可滚动区域的最后一行</a:t>
-            </a:r>
-            <a:endParaRPr lang="en-US" altLang="zh-CN"/>
-          </a:p>
-        </p:txBody>
-      </p:sp>
-      <p:sp>
-        <p:nvSpPr>
-          <p:cNvPr id="43" name="标题 1">
-            <a:extLst>
-              <a:ext uri="{FF2B5EF4-FFF2-40B4-BE49-F238E27FC236}">
-                <a16:creationId xmlns:a16="http://schemas.microsoft.com/office/drawing/2014/main" id="{95FC3FF5-1DC7-44FE-BC54-036E4828F110}"/>
-              </a:ext>
-            </a:extLst>
-          </p:cNvPr>
-          <p:cNvSpPr>
-            <a:spLocks noGrp="1"/>
-          </p:cNvSpPr>
-          <p:nvPr>
-            <p:ph type="title"/>
-          </p:nvPr>
-        </p:nvSpPr>
-        <p:spPr>
-          <a:xfrm>
-            <a:off x="838200" y="150849"/>
-            <a:ext cx="10515600" cy="1325563"/>
-          </a:xfrm>
-        </p:spPr>
-        <p:txBody>
-          <a:bodyPr/>
-          <a:lstStyle/>
-          <a:p>
-            <a:r>
-              <a:rPr lang="en-US" altLang="zh-CN"/>
-              <a:t>LineFeed</a:t>
-            </a:r>
-            <a:r>
-              <a:rPr lang="zh-CN" altLang="en-US"/>
-              <a:t>行为</a:t>
-            </a:r>
-          </a:p>
-        </p:txBody>
-      </p:sp>
     </p:spTree>
     <p:extLst>
       <p:ext uri="{BB962C8B-B14F-4D97-AF65-F5344CB8AC3E}">
-        <p14:creationId xmlns:p14="http://schemas.microsoft.com/office/powerpoint/2010/main" val="1312780303"/>
+        <p14:creationId xmlns:p14="http://schemas.microsoft.com/office/powerpoint/2010/main" val="2767121219"/>
       </p:ext>
     </p:extLst>
   </p:cSld>
@@ -9375,6 +8061,2521 @@
       </p:grpSpPr>
       <p:sp>
         <p:nvSpPr>
+          <p:cNvPr id="4" name="矩形 3">
+            <a:extLst>
+              <a:ext uri="{FF2B5EF4-FFF2-40B4-BE49-F238E27FC236}">
+                <a16:creationId xmlns:a16="http://schemas.microsoft.com/office/drawing/2014/main" id="{8230FB77-21B8-4899-B364-AA61DF18FD61}"/>
+              </a:ext>
+            </a:extLst>
+          </p:cNvPr>
+          <p:cNvSpPr/>
+          <p:nvPr/>
+        </p:nvSpPr>
+        <p:spPr>
+          <a:xfrm>
+            <a:off x="977817" y="3058568"/>
+            <a:ext cx="2566331" cy="285225"/>
+          </a:xfrm>
+          <a:prstGeom prst="rect">
+            <a:avLst/>
+          </a:prstGeom>
+          <a:solidFill>
+            <a:schemeClr val="accent1">
+              <a:lumMod val="40000"/>
+              <a:lumOff val="60000"/>
+            </a:schemeClr>
+          </a:solidFill>
+        </p:spPr>
+        <p:style>
+          <a:lnRef idx="2">
+            <a:schemeClr val="accent1">
+              <a:shade val="50000"/>
+            </a:schemeClr>
+          </a:lnRef>
+          <a:fillRef idx="1">
+            <a:schemeClr val="accent1"/>
+          </a:fillRef>
+          <a:effectRef idx="0">
+            <a:schemeClr val="accent1"/>
+          </a:effectRef>
+          <a:fontRef idx="minor">
+            <a:schemeClr val="lt1"/>
+          </a:fontRef>
+        </p:style>
+        <p:txBody>
+          <a:bodyPr rtlCol="0" anchor="ctr"/>
+          <a:lstStyle/>
+          <a:p>
+            <a:pPr algn="ctr"/>
+            <a:r>
+              <a:rPr lang="en-US" altLang="zh-CN" err="1">
+                <a:solidFill>
+                  <a:schemeClr val="tx1"/>
+                </a:solidFill>
+              </a:rPr>
+              <a:t>VTextLine</a:t>
+            </a:r>
+            <a:r>
+              <a:rPr lang="en-US" altLang="zh-CN">
+                <a:solidFill>
+                  <a:schemeClr val="tx1"/>
+                </a:solidFill>
+              </a:rPr>
+              <a:t> - 3</a:t>
+            </a:r>
+            <a:endParaRPr lang="zh-CN" altLang="en-US">
+              <a:solidFill>
+                <a:schemeClr val="tx1"/>
+              </a:solidFill>
+            </a:endParaRPr>
+          </a:p>
+        </p:txBody>
+      </p:sp>
+      <p:sp>
+        <p:nvSpPr>
+          <p:cNvPr id="5" name="矩形 4">
+            <a:extLst>
+              <a:ext uri="{FF2B5EF4-FFF2-40B4-BE49-F238E27FC236}">
+                <a16:creationId xmlns:a16="http://schemas.microsoft.com/office/drawing/2014/main" id="{3918EE88-BC68-492C-9CCB-6BBE292F02FC}"/>
+              </a:ext>
+            </a:extLst>
+          </p:cNvPr>
+          <p:cNvSpPr/>
+          <p:nvPr/>
+        </p:nvSpPr>
+        <p:spPr>
+          <a:xfrm>
+            <a:off x="977817" y="3343793"/>
+            <a:ext cx="2566331" cy="285225"/>
+          </a:xfrm>
+          <a:prstGeom prst="rect">
+            <a:avLst/>
+          </a:prstGeom>
+          <a:solidFill>
+            <a:schemeClr val="accent1">
+              <a:lumMod val="40000"/>
+              <a:lumOff val="60000"/>
+            </a:schemeClr>
+          </a:solidFill>
+        </p:spPr>
+        <p:style>
+          <a:lnRef idx="2">
+            <a:schemeClr val="accent1">
+              <a:shade val="50000"/>
+            </a:schemeClr>
+          </a:lnRef>
+          <a:fillRef idx="1">
+            <a:schemeClr val="accent1"/>
+          </a:fillRef>
+          <a:effectRef idx="0">
+            <a:schemeClr val="accent1"/>
+          </a:effectRef>
+          <a:fontRef idx="minor">
+            <a:schemeClr val="lt1"/>
+          </a:fontRef>
+        </p:style>
+        <p:txBody>
+          <a:bodyPr rtlCol="0" anchor="ctr"/>
+          <a:lstStyle/>
+          <a:p>
+            <a:pPr algn="ctr"/>
+            <a:r>
+              <a:rPr lang="en-US" altLang="zh-CN" err="1">
+                <a:solidFill>
+                  <a:schemeClr val="tx1"/>
+                </a:solidFill>
+              </a:rPr>
+              <a:t>VTextLine</a:t>
+            </a:r>
+            <a:r>
+              <a:rPr lang="en-US" altLang="zh-CN">
+                <a:solidFill>
+                  <a:schemeClr val="tx1"/>
+                </a:solidFill>
+              </a:rPr>
+              <a:t> - 4</a:t>
+            </a:r>
+            <a:endParaRPr lang="zh-CN" altLang="en-US">
+              <a:solidFill>
+                <a:schemeClr val="tx1"/>
+              </a:solidFill>
+            </a:endParaRPr>
+          </a:p>
+        </p:txBody>
+      </p:sp>
+      <p:sp>
+        <p:nvSpPr>
+          <p:cNvPr id="6" name="矩形 5">
+            <a:extLst>
+              <a:ext uri="{FF2B5EF4-FFF2-40B4-BE49-F238E27FC236}">
+                <a16:creationId xmlns:a16="http://schemas.microsoft.com/office/drawing/2014/main" id="{72CE1266-73FB-4386-9A83-2442C8938876}"/>
+              </a:ext>
+            </a:extLst>
+          </p:cNvPr>
+          <p:cNvSpPr/>
+          <p:nvPr/>
+        </p:nvSpPr>
+        <p:spPr>
+          <a:xfrm>
+            <a:off x="977817" y="3629018"/>
+            <a:ext cx="2566331" cy="285225"/>
+          </a:xfrm>
+          <a:prstGeom prst="rect">
+            <a:avLst/>
+          </a:prstGeom>
+          <a:solidFill>
+            <a:schemeClr val="accent1">
+              <a:lumMod val="40000"/>
+              <a:lumOff val="60000"/>
+            </a:schemeClr>
+          </a:solidFill>
+        </p:spPr>
+        <p:style>
+          <a:lnRef idx="2">
+            <a:schemeClr val="accent1">
+              <a:shade val="50000"/>
+            </a:schemeClr>
+          </a:lnRef>
+          <a:fillRef idx="1">
+            <a:schemeClr val="accent1"/>
+          </a:fillRef>
+          <a:effectRef idx="0">
+            <a:schemeClr val="accent1"/>
+          </a:effectRef>
+          <a:fontRef idx="minor">
+            <a:schemeClr val="lt1"/>
+          </a:fontRef>
+        </p:style>
+        <p:txBody>
+          <a:bodyPr rtlCol="0" anchor="ctr"/>
+          <a:lstStyle/>
+          <a:p>
+            <a:pPr algn="ctr"/>
+            <a:r>
+              <a:rPr lang="en-US" altLang="zh-CN" err="1">
+                <a:solidFill>
+                  <a:schemeClr val="tx1"/>
+                </a:solidFill>
+              </a:rPr>
+              <a:t>VTextLine</a:t>
+            </a:r>
+            <a:r>
+              <a:rPr lang="en-US" altLang="zh-CN">
+                <a:solidFill>
+                  <a:schemeClr val="tx1"/>
+                </a:solidFill>
+              </a:rPr>
+              <a:t> - 5</a:t>
+            </a:r>
+            <a:endParaRPr lang="zh-CN" altLang="en-US">
+              <a:solidFill>
+                <a:schemeClr val="tx1"/>
+              </a:solidFill>
+            </a:endParaRPr>
+          </a:p>
+        </p:txBody>
+      </p:sp>
+      <p:sp>
+        <p:nvSpPr>
+          <p:cNvPr id="7" name="矩形 6">
+            <a:extLst>
+              <a:ext uri="{FF2B5EF4-FFF2-40B4-BE49-F238E27FC236}">
+                <a16:creationId xmlns:a16="http://schemas.microsoft.com/office/drawing/2014/main" id="{1DD4A0AA-3DAB-4E00-ABE9-18F88FDB50B4}"/>
+              </a:ext>
+            </a:extLst>
+          </p:cNvPr>
+          <p:cNvSpPr/>
+          <p:nvPr/>
+        </p:nvSpPr>
+        <p:spPr>
+          <a:xfrm>
+            <a:off x="977817" y="3914242"/>
+            <a:ext cx="2566331" cy="285225"/>
+          </a:xfrm>
+          <a:prstGeom prst="rect">
+            <a:avLst/>
+          </a:prstGeom>
+          <a:solidFill>
+            <a:schemeClr val="accent1">
+              <a:lumMod val="40000"/>
+              <a:lumOff val="60000"/>
+            </a:schemeClr>
+          </a:solidFill>
+        </p:spPr>
+        <p:style>
+          <a:lnRef idx="2">
+            <a:schemeClr val="accent1">
+              <a:shade val="50000"/>
+            </a:schemeClr>
+          </a:lnRef>
+          <a:fillRef idx="1">
+            <a:schemeClr val="accent1"/>
+          </a:fillRef>
+          <a:effectRef idx="0">
+            <a:schemeClr val="accent1"/>
+          </a:effectRef>
+          <a:fontRef idx="minor">
+            <a:schemeClr val="lt1"/>
+          </a:fontRef>
+        </p:style>
+        <p:txBody>
+          <a:bodyPr rtlCol="0" anchor="ctr"/>
+          <a:lstStyle/>
+          <a:p>
+            <a:pPr algn="ctr"/>
+            <a:r>
+              <a:rPr lang="en-US" altLang="zh-CN" err="1">
+                <a:solidFill>
+                  <a:schemeClr val="tx1"/>
+                </a:solidFill>
+              </a:rPr>
+              <a:t>VTextLine</a:t>
+            </a:r>
+            <a:r>
+              <a:rPr lang="en-US" altLang="zh-CN">
+                <a:solidFill>
+                  <a:schemeClr val="tx1"/>
+                </a:solidFill>
+              </a:rPr>
+              <a:t> - 6</a:t>
+            </a:r>
+            <a:endParaRPr lang="zh-CN" altLang="en-US">
+              <a:solidFill>
+                <a:schemeClr val="tx1"/>
+              </a:solidFill>
+            </a:endParaRPr>
+          </a:p>
+        </p:txBody>
+      </p:sp>
+      <p:sp>
+        <p:nvSpPr>
+          <p:cNvPr id="8" name="矩形 7">
+            <a:extLst>
+              <a:ext uri="{FF2B5EF4-FFF2-40B4-BE49-F238E27FC236}">
+                <a16:creationId xmlns:a16="http://schemas.microsoft.com/office/drawing/2014/main" id="{B7F2DE8E-DF70-4C12-8F25-1D4804CA8F81}"/>
+              </a:ext>
+            </a:extLst>
+          </p:cNvPr>
+          <p:cNvSpPr/>
+          <p:nvPr/>
+        </p:nvSpPr>
+        <p:spPr>
+          <a:xfrm>
+            <a:off x="977817" y="4199467"/>
+            <a:ext cx="2566331" cy="285225"/>
+          </a:xfrm>
+          <a:prstGeom prst="rect">
+            <a:avLst/>
+          </a:prstGeom>
+          <a:solidFill>
+            <a:schemeClr val="accent1">
+              <a:lumMod val="40000"/>
+              <a:lumOff val="60000"/>
+            </a:schemeClr>
+          </a:solidFill>
+        </p:spPr>
+        <p:style>
+          <a:lnRef idx="2">
+            <a:schemeClr val="accent1">
+              <a:shade val="50000"/>
+            </a:schemeClr>
+          </a:lnRef>
+          <a:fillRef idx="1">
+            <a:schemeClr val="accent1"/>
+          </a:fillRef>
+          <a:effectRef idx="0">
+            <a:schemeClr val="accent1"/>
+          </a:effectRef>
+          <a:fontRef idx="minor">
+            <a:schemeClr val="lt1"/>
+          </a:fontRef>
+        </p:style>
+        <p:txBody>
+          <a:bodyPr rtlCol="0" anchor="ctr"/>
+          <a:lstStyle/>
+          <a:p>
+            <a:pPr algn="ctr"/>
+            <a:r>
+              <a:rPr lang="en-US" altLang="zh-CN" err="1">
+                <a:solidFill>
+                  <a:schemeClr val="tx1"/>
+                </a:solidFill>
+              </a:rPr>
+              <a:t>VTextLine</a:t>
+            </a:r>
+            <a:r>
+              <a:rPr lang="en-US" altLang="zh-CN">
+                <a:solidFill>
+                  <a:schemeClr val="tx1"/>
+                </a:solidFill>
+              </a:rPr>
+              <a:t> - 7</a:t>
+            </a:r>
+            <a:endParaRPr lang="zh-CN" altLang="en-US">
+              <a:solidFill>
+                <a:schemeClr val="tx1"/>
+              </a:solidFill>
+            </a:endParaRPr>
+          </a:p>
+        </p:txBody>
+      </p:sp>
+      <p:sp>
+        <p:nvSpPr>
+          <p:cNvPr id="9" name="矩形 8">
+            <a:extLst>
+              <a:ext uri="{FF2B5EF4-FFF2-40B4-BE49-F238E27FC236}">
+                <a16:creationId xmlns:a16="http://schemas.microsoft.com/office/drawing/2014/main" id="{080CE9E2-5905-44B1-A35D-596BBFD79F9F}"/>
+              </a:ext>
+            </a:extLst>
+          </p:cNvPr>
+          <p:cNvSpPr/>
+          <p:nvPr/>
+        </p:nvSpPr>
+        <p:spPr>
+          <a:xfrm>
+            <a:off x="977817" y="4484691"/>
+            <a:ext cx="2566331" cy="285225"/>
+          </a:xfrm>
+          <a:prstGeom prst="rect">
+            <a:avLst/>
+          </a:prstGeom>
+          <a:solidFill>
+            <a:schemeClr val="accent1">
+              <a:lumMod val="40000"/>
+              <a:lumOff val="60000"/>
+            </a:schemeClr>
+          </a:solidFill>
+        </p:spPr>
+        <p:style>
+          <a:lnRef idx="2">
+            <a:schemeClr val="accent1">
+              <a:shade val="50000"/>
+            </a:schemeClr>
+          </a:lnRef>
+          <a:fillRef idx="1">
+            <a:schemeClr val="accent1"/>
+          </a:fillRef>
+          <a:effectRef idx="0">
+            <a:schemeClr val="accent1"/>
+          </a:effectRef>
+          <a:fontRef idx="minor">
+            <a:schemeClr val="lt1"/>
+          </a:fontRef>
+        </p:style>
+        <p:txBody>
+          <a:bodyPr rtlCol="0" anchor="ctr"/>
+          <a:lstStyle/>
+          <a:p>
+            <a:pPr algn="ctr"/>
+            <a:r>
+              <a:rPr lang="en-US" altLang="zh-CN" err="1">
+                <a:solidFill>
+                  <a:schemeClr val="tx1"/>
+                </a:solidFill>
+              </a:rPr>
+              <a:t>VTextLine</a:t>
+            </a:r>
+            <a:r>
+              <a:rPr lang="en-US" altLang="zh-CN">
+                <a:solidFill>
+                  <a:schemeClr val="tx1"/>
+                </a:solidFill>
+              </a:rPr>
+              <a:t> - 8</a:t>
+            </a:r>
+            <a:endParaRPr lang="zh-CN" altLang="en-US">
+              <a:solidFill>
+                <a:schemeClr val="tx1"/>
+              </a:solidFill>
+            </a:endParaRPr>
+          </a:p>
+        </p:txBody>
+      </p:sp>
+      <p:sp>
+        <p:nvSpPr>
+          <p:cNvPr id="10" name="矩形 9">
+            <a:extLst>
+              <a:ext uri="{FF2B5EF4-FFF2-40B4-BE49-F238E27FC236}">
+                <a16:creationId xmlns:a16="http://schemas.microsoft.com/office/drawing/2014/main" id="{B4800CEF-402D-405F-BE43-11AB7330105E}"/>
+              </a:ext>
+            </a:extLst>
+          </p:cNvPr>
+          <p:cNvSpPr/>
+          <p:nvPr/>
+        </p:nvSpPr>
+        <p:spPr>
+          <a:xfrm>
+            <a:off x="977817" y="4769916"/>
+            <a:ext cx="2566331" cy="285225"/>
+          </a:xfrm>
+          <a:prstGeom prst="rect">
+            <a:avLst/>
+          </a:prstGeom>
+          <a:solidFill>
+            <a:schemeClr val="accent1">
+              <a:lumMod val="40000"/>
+              <a:lumOff val="60000"/>
+            </a:schemeClr>
+          </a:solidFill>
+        </p:spPr>
+        <p:style>
+          <a:lnRef idx="2">
+            <a:schemeClr val="accent1">
+              <a:shade val="50000"/>
+            </a:schemeClr>
+          </a:lnRef>
+          <a:fillRef idx="1">
+            <a:schemeClr val="accent1"/>
+          </a:fillRef>
+          <a:effectRef idx="0">
+            <a:schemeClr val="accent1"/>
+          </a:effectRef>
+          <a:fontRef idx="minor">
+            <a:schemeClr val="lt1"/>
+          </a:fontRef>
+        </p:style>
+        <p:txBody>
+          <a:bodyPr rtlCol="0" anchor="ctr"/>
+          <a:lstStyle/>
+          <a:p>
+            <a:pPr algn="ctr"/>
+            <a:r>
+              <a:rPr lang="en-US" altLang="zh-CN" err="1">
+                <a:solidFill>
+                  <a:schemeClr val="tx1"/>
+                </a:solidFill>
+              </a:rPr>
+              <a:t>VTextLine</a:t>
+            </a:r>
+            <a:r>
+              <a:rPr lang="en-US" altLang="zh-CN">
+                <a:solidFill>
+                  <a:schemeClr val="tx1"/>
+                </a:solidFill>
+              </a:rPr>
+              <a:t> - 9</a:t>
+            </a:r>
+            <a:endParaRPr lang="zh-CN" altLang="en-US">
+              <a:solidFill>
+                <a:schemeClr val="tx1"/>
+              </a:solidFill>
+            </a:endParaRPr>
+          </a:p>
+        </p:txBody>
+      </p:sp>
+      <p:sp>
+        <p:nvSpPr>
+          <p:cNvPr id="11" name="矩形 10">
+            <a:extLst>
+              <a:ext uri="{FF2B5EF4-FFF2-40B4-BE49-F238E27FC236}">
+                <a16:creationId xmlns:a16="http://schemas.microsoft.com/office/drawing/2014/main" id="{B972735A-33EC-4211-BBE2-3E71486144A8}"/>
+              </a:ext>
+            </a:extLst>
+          </p:cNvPr>
+          <p:cNvSpPr/>
+          <p:nvPr/>
+        </p:nvSpPr>
+        <p:spPr>
+          <a:xfrm>
+            <a:off x="977817" y="5055140"/>
+            <a:ext cx="2566331" cy="285225"/>
+          </a:xfrm>
+          <a:prstGeom prst="rect">
+            <a:avLst/>
+          </a:prstGeom>
+          <a:solidFill>
+            <a:schemeClr val="accent1">
+              <a:lumMod val="40000"/>
+              <a:lumOff val="60000"/>
+            </a:schemeClr>
+          </a:solidFill>
+        </p:spPr>
+        <p:style>
+          <a:lnRef idx="2">
+            <a:schemeClr val="accent1">
+              <a:shade val="50000"/>
+            </a:schemeClr>
+          </a:lnRef>
+          <a:fillRef idx="1">
+            <a:schemeClr val="accent1"/>
+          </a:fillRef>
+          <a:effectRef idx="0">
+            <a:schemeClr val="accent1"/>
+          </a:effectRef>
+          <a:fontRef idx="minor">
+            <a:schemeClr val="lt1"/>
+          </a:fontRef>
+        </p:style>
+        <p:txBody>
+          <a:bodyPr rtlCol="0" anchor="ctr"/>
+          <a:lstStyle/>
+          <a:p>
+            <a:pPr algn="ctr"/>
+            <a:r>
+              <a:rPr lang="en-US" altLang="zh-CN" err="1">
+                <a:solidFill>
+                  <a:schemeClr val="tx1"/>
+                </a:solidFill>
+              </a:rPr>
+              <a:t>VTextLine</a:t>
+            </a:r>
+            <a:r>
+              <a:rPr lang="en-US" altLang="zh-CN">
+                <a:solidFill>
+                  <a:schemeClr val="tx1"/>
+                </a:solidFill>
+              </a:rPr>
+              <a:t> - 10</a:t>
+            </a:r>
+            <a:endParaRPr lang="zh-CN" altLang="en-US">
+              <a:solidFill>
+                <a:schemeClr val="tx1"/>
+              </a:solidFill>
+            </a:endParaRPr>
+          </a:p>
+        </p:txBody>
+      </p:sp>
+      <p:sp>
+        <p:nvSpPr>
+          <p:cNvPr id="12" name="矩形 11">
+            <a:extLst>
+              <a:ext uri="{FF2B5EF4-FFF2-40B4-BE49-F238E27FC236}">
+                <a16:creationId xmlns:a16="http://schemas.microsoft.com/office/drawing/2014/main" id="{DF4ED5E9-05AF-4C8D-8A0B-7AD301807B0E}"/>
+              </a:ext>
+            </a:extLst>
+          </p:cNvPr>
+          <p:cNvSpPr/>
+          <p:nvPr/>
+        </p:nvSpPr>
+        <p:spPr>
+          <a:xfrm>
+            <a:off x="977817" y="5340365"/>
+            <a:ext cx="2566331" cy="285225"/>
+          </a:xfrm>
+          <a:prstGeom prst="rect">
+            <a:avLst/>
+          </a:prstGeom>
+          <a:solidFill>
+            <a:schemeClr val="accent1">
+              <a:lumMod val="40000"/>
+              <a:lumOff val="60000"/>
+            </a:schemeClr>
+          </a:solidFill>
+        </p:spPr>
+        <p:style>
+          <a:lnRef idx="2">
+            <a:schemeClr val="accent1">
+              <a:shade val="50000"/>
+            </a:schemeClr>
+          </a:lnRef>
+          <a:fillRef idx="1">
+            <a:schemeClr val="accent1"/>
+          </a:fillRef>
+          <a:effectRef idx="0">
+            <a:schemeClr val="accent1"/>
+          </a:effectRef>
+          <a:fontRef idx="minor">
+            <a:schemeClr val="lt1"/>
+          </a:fontRef>
+        </p:style>
+        <p:txBody>
+          <a:bodyPr rtlCol="0" anchor="ctr"/>
+          <a:lstStyle/>
+          <a:p>
+            <a:pPr algn="ctr"/>
+            <a:r>
+              <a:rPr lang="en-US" altLang="zh-CN" err="1">
+                <a:solidFill>
+                  <a:schemeClr val="tx1"/>
+                </a:solidFill>
+              </a:rPr>
+              <a:t>VTextLine</a:t>
+            </a:r>
+            <a:r>
+              <a:rPr lang="en-US" altLang="zh-CN">
+                <a:solidFill>
+                  <a:schemeClr val="tx1"/>
+                </a:solidFill>
+              </a:rPr>
+              <a:t> - 11</a:t>
+            </a:r>
+            <a:endParaRPr lang="zh-CN" altLang="en-US">
+              <a:solidFill>
+                <a:schemeClr val="tx1"/>
+              </a:solidFill>
+            </a:endParaRPr>
+          </a:p>
+        </p:txBody>
+      </p:sp>
+      <p:sp>
+        <p:nvSpPr>
+          <p:cNvPr id="13" name="矩形 12">
+            <a:extLst>
+              <a:ext uri="{FF2B5EF4-FFF2-40B4-BE49-F238E27FC236}">
+                <a16:creationId xmlns:a16="http://schemas.microsoft.com/office/drawing/2014/main" id="{61C5C45C-581B-4AAA-8034-36DBAE996EDB}"/>
+              </a:ext>
+            </a:extLst>
+          </p:cNvPr>
+          <p:cNvSpPr/>
+          <p:nvPr/>
+        </p:nvSpPr>
+        <p:spPr>
+          <a:xfrm>
+            <a:off x="977817" y="2773343"/>
+            <a:ext cx="2566331" cy="285225"/>
+          </a:xfrm>
+          <a:prstGeom prst="rect">
+            <a:avLst/>
+          </a:prstGeom>
+          <a:solidFill>
+            <a:schemeClr val="accent2">
+              <a:lumMod val="20000"/>
+              <a:lumOff val="80000"/>
+            </a:schemeClr>
+          </a:solidFill>
+        </p:spPr>
+        <p:style>
+          <a:lnRef idx="2">
+            <a:schemeClr val="accent1">
+              <a:shade val="50000"/>
+            </a:schemeClr>
+          </a:lnRef>
+          <a:fillRef idx="1">
+            <a:schemeClr val="accent1"/>
+          </a:fillRef>
+          <a:effectRef idx="0">
+            <a:schemeClr val="accent1"/>
+          </a:effectRef>
+          <a:fontRef idx="minor">
+            <a:schemeClr val="lt1"/>
+          </a:fontRef>
+        </p:style>
+        <p:txBody>
+          <a:bodyPr rtlCol="0" anchor="ctr"/>
+          <a:lstStyle/>
+          <a:p>
+            <a:pPr algn="ctr"/>
+            <a:r>
+              <a:rPr lang="en-US" altLang="zh-CN" err="1">
+                <a:solidFill>
+                  <a:schemeClr val="tx1"/>
+                </a:solidFill>
+              </a:rPr>
+              <a:t>VTextLine</a:t>
+            </a:r>
+            <a:r>
+              <a:rPr lang="en-US" altLang="zh-CN">
+                <a:solidFill>
+                  <a:schemeClr val="tx1"/>
+                </a:solidFill>
+              </a:rPr>
+              <a:t> - 2</a:t>
+            </a:r>
+            <a:endParaRPr lang="zh-CN" altLang="en-US">
+              <a:solidFill>
+                <a:schemeClr val="tx1"/>
+              </a:solidFill>
+            </a:endParaRPr>
+          </a:p>
+        </p:txBody>
+      </p:sp>
+      <p:sp>
+        <p:nvSpPr>
+          <p:cNvPr id="14" name="矩形 13">
+            <a:extLst>
+              <a:ext uri="{FF2B5EF4-FFF2-40B4-BE49-F238E27FC236}">
+                <a16:creationId xmlns:a16="http://schemas.microsoft.com/office/drawing/2014/main" id="{56BCA8BF-214A-4CE0-824B-31F7AAA6D3BC}"/>
+              </a:ext>
+            </a:extLst>
+          </p:cNvPr>
+          <p:cNvSpPr/>
+          <p:nvPr/>
+        </p:nvSpPr>
+        <p:spPr>
+          <a:xfrm>
+            <a:off x="977817" y="2488118"/>
+            <a:ext cx="2566331" cy="285225"/>
+          </a:xfrm>
+          <a:prstGeom prst="rect">
+            <a:avLst/>
+          </a:prstGeom>
+          <a:solidFill>
+            <a:schemeClr val="accent2">
+              <a:lumMod val="20000"/>
+              <a:lumOff val="80000"/>
+            </a:schemeClr>
+          </a:solidFill>
+        </p:spPr>
+        <p:style>
+          <a:lnRef idx="2">
+            <a:schemeClr val="accent1">
+              <a:shade val="50000"/>
+            </a:schemeClr>
+          </a:lnRef>
+          <a:fillRef idx="1">
+            <a:schemeClr val="accent1"/>
+          </a:fillRef>
+          <a:effectRef idx="0">
+            <a:schemeClr val="accent1"/>
+          </a:effectRef>
+          <a:fontRef idx="minor">
+            <a:schemeClr val="lt1"/>
+          </a:fontRef>
+        </p:style>
+        <p:txBody>
+          <a:bodyPr rtlCol="0" anchor="ctr"/>
+          <a:lstStyle/>
+          <a:p>
+            <a:pPr algn="ctr"/>
+            <a:r>
+              <a:rPr lang="en-US" altLang="zh-CN" err="1">
+                <a:solidFill>
+                  <a:schemeClr val="tx1"/>
+                </a:solidFill>
+              </a:rPr>
+              <a:t>VTextLine</a:t>
+            </a:r>
+            <a:r>
+              <a:rPr lang="en-US" altLang="zh-CN">
+                <a:solidFill>
+                  <a:schemeClr val="tx1"/>
+                </a:solidFill>
+              </a:rPr>
+              <a:t> - 1</a:t>
+            </a:r>
+            <a:endParaRPr lang="zh-CN" altLang="en-US">
+              <a:solidFill>
+                <a:schemeClr val="tx1"/>
+              </a:solidFill>
+            </a:endParaRPr>
+          </a:p>
+        </p:txBody>
+      </p:sp>
+      <p:sp>
+        <p:nvSpPr>
+          <p:cNvPr id="15" name="矩形 14">
+            <a:extLst>
+              <a:ext uri="{FF2B5EF4-FFF2-40B4-BE49-F238E27FC236}">
+                <a16:creationId xmlns:a16="http://schemas.microsoft.com/office/drawing/2014/main" id="{8B666A1B-BA6F-4197-8639-DE403CAD462C}"/>
+              </a:ext>
+            </a:extLst>
+          </p:cNvPr>
+          <p:cNvSpPr/>
+          <p:nvPr/>
+        </p:nvSpPr>
+        <p:spPr>
+          <a:xfrm>
+            <a:off x="977817" y="5625589"/>
+            <a:ext cx="2566331" cy="285225"/>
+          </a:xfrm>
+          <a:prstGeom prst="rect">
+            <a:avLst/>
+          </a:prstGeom>
+          <a:solidFill>
+            <a:schemeClr val="accent2">
+              <a:lumMod val="20000"/>
+              <a:lumOff val="80000"/>
+            </a:schemeClr>
+          </a:solidFill>
+        </p:spPr>
+        <p:style>
+          <a:lnRef idx="2">
+            <a:schemeClr val="accent1">
+              <a:shade val="50000"/>
+            </a:schemeClr>
+          </a:lnRef>
+          <a:fillRef idx="1">
+            <a:schemeClr val="accent1"/>
+          </a:fillRef>
+          <a:effectRef idx="0">
+            <a:schemeClr val="accent1"/>
+          </a:effectRef>
+          <a:fontRef idx="minor">
+            <a:schemeClr val="lt1"/>
+          </a:fontRef>
+        </p:style>
+        <p:txBody>
+          <a:bodyPr rtlCol="0" anchor="ctr"/>
+          <a:lstStyle/>
+          <a:p>
+            <a:pPr algn="ctr"/>
+            <a:r>
+              <a:rPr lang="en-US" altLang="zh-CN" err="1">
+                <a:solidFill>
+                  <a:schemeClr val="tx1"/>
+                </a:solidFill>
+              </a:rPr>
+              <a:t>VTextLine</a:t>
+            </a:r>
+            <a:r>
+              <a:rPr lang="en-US" altLang="zh-CN">
+                <a:solidFill>
+                  <a:schemeClr val="tx1"/>
+                </a:solidFill>
+              </a:rPr>
+              <a:t> - 12</a:t>
+            </a:r>
+            <a:endParaRPr lang="zh-CN" altLang="en-US">
+              <a:solidFill>
+                <a:schemeClr val="tx1"/>
+              </a:solidFill>
+            </a:endParaRPr>
+          </a:p>
+        </p:txBody>
+      </p:sp>
+      <p:sp>
+        <p:nvSpPr>
+          <p:cNvPr id="16" name="矩形 15">
+            <a:extLst>
+              <a:ext uri="{FF2B5EF4-FFF2-40B4-BE49-F238E27FC236}">
+                <a16:creationId xmlns:a16="http://schemas.microsoft.com/office/drawing/2014/main" id="{B8B52E5D-BC6A-4FE1-87A4-E69F4B8C05D3}"/>
+              </a:ext>
+            </a:extLst>
+          </p:cNvPr>
+          <p:cNvSpPr/>
+          <p:nvPr/>
+        </p:nvSpPr>
+        <p:spPr>
+          <a:xfrm>
+            <a:off x="977817" y="5900479"/>
+            <a:ext cx="2566331" cy="285225"/>
+          </a:xfrm>
+          <a:prstGeom prst="rect">
+            <a:avLst/>
+          </a:prstGeom>
+          <a:solidFill>
+            <a:schemeClr val="accent2">
+              <a:lumMod val="20000"/>
+              <a:lumOff val="80000"/>
+            </a:schemeClr>
+          </a:solidFill>
+        </p:spPr>
+        <p:style>
+          <a:lnRef idx="2">
+            <a:schemeClr val="accent1">
+              <a:shade val="50000"/>
+            </a:schemeClr>
+          </a:lnRef>
+          <a:fillRef idx="1">
+            <a:schemeClr val="accent1"/>
+          </a:fillRef>
+          <a:effectRef idx="0">
+            <a:schemeClr val="accent1"/>
+          </a:effectRef>
+          <a:fontRef idx="minor">
+            <a:schemeClr val="lt1"/>
+          </a:fontRef>
+        </p:style>
+        <p:txBody>
+          <a:bodyPr rtlCol="0" anchor="ctr"/>
+          <a:lstStyle/>
+          <a:p>
+            <a:pPr algn="ctr"/>
+            <a:r>
+              <a:rPr lang="en-US" altLang="zh-CN" err="1">
+                <a:solidFill>
+                  <a:schemeClr val="tx1"/>
+                </a:solidFill>
+              </a:rPr>
+              <a:t>VTextLine</a:t>
+            </a:r>
+            <a:r>
+              <a:rPr lang="en-US" altLang="zh-CN">
+                <a:solidFill>
+                  <a:schemeClr val="tx1"/>
+                </a:solidFill>
+              </a:rPr>
+              <a:t> - 13</a:t>
+            </a:r>
+            <a:endParaRPr lang="zh-CN" altLang="en-US">
+              <a:solidFill>
+                <a:schemeClr val="tx1"/>
+              </a:solidFill>
+            </a:endParaRPr>
+          </a:p>
+        </p:txBody>
+      </p:sp>
+      <p:sp>
+        <p:nvSpPr>
+          <p:cNvPr id="17" name="右大括号 16">
+            <a:extLst>
+              <a:ext uri="{FF2B5EF4-FFF2-40B4-BE49-F238E27FC236}">
+                <a16:creationId xmlns:a16="http://schemas.microsoft.com/office/drawing/2014/main" id="{B0199B34-8B66-4D79-9E2E-B8C3A6E63D5F}"/>
+              </a:ext>
+            </a:extLst>
+          </p:cNvPr>
+          <p:cNvSpPr/>
+          <p:nvPr/>
+        </p:nvSpPr>
+        <p:spPr>
+          <a:xfrm>
+            <a:off x="3611961" y="3058568"/>
+            <a:ext cx="328268" cy="2567021"/>
+          </a:xfrm>
+          <a:prstGeom prst="rightBrace">
+            <a:avLst>
+              <a:gd name="adj1" fmla="val 8333"/>
+              <a:gd name="adj2" fmla="val 48693"/>
+            </a:avLst>
+          </a:prstGeom>
+          <a:ln w="28575">
+            <a:solidFill>
+              <a:schemeClr val="tx1">
+                <a:lumMod val="95000"/>
+                <a:lumOff val="5000"/>
+              </a:schemeClr>
+            </a:solidFill>
+          </a:ln>
+        </p:spPr>
+        <p:style>
+          <a:lnRef idx="1">
+            <a:schemeClr val="accent1"/>
+          </a:lnRef>
+          <a:fillRef idx="0">
+            <a:schemeClr val="accent1"/>
+          </a:fillRef>
+          <a:effectRef idx="0">
+            <a:schemeClr val="accent1"/>
+          </a:effectRef>
+          <a:fontRef idx="minor">
+            <a:schemeClr val="tx1"/>
+          </a:fontRef>
+        </p:style>
+        <p:txBody>
+          <a:bodyPr rtlCol="0" anchor="ctr"/>
+          <a:lstStyle/>
+          <a:p>
+            <a:pPr algn="ctr"/>
+            <a:endParaRPr lang="zh-CN" altLang="en-US"/>
+          </a:p>
+        </p:txBody>
+      </p:sp>
+      <p:sp>
+        <p:nvSpPr>
+          <p:cNvPr id="18" name="右大括号 17">
+            <a:extLst>
+              <a:ext uri="{FF2B5EF4-FFF2-40B4-BE49-F238E27FC236}">
+                <a16:creationId xmlns:a16="http://schemas.microsoft.com/office/drawing/2014/main" id="{4C0E4661-86B1-4BD3-ABFD-948AE85B1D1F}"/>
+              </a:ext>
+            </a:extLst>
+          </p:cNvPr>
+          <p:cNvSpPr/>
+          <p:nvPr/>
+        </p:nvSpPr>
+        <p:spPr>
+          <a:xfrm>
+            <a:off x="3611961" y="2482602"/>
+            <a:ext cx="328268" cy="560813"/>
+          </a:xfrm>
+          <a:prstGeom prst="rightBrace">
+            <a:avLst>
+              <a:gd name="adj1" fmla="val 8333"/>
+              <a:gd name="adj2" fmla="val 36537"/>
+            </a:avLst>
+          </a:prstGeom>
+          <a:ln w="28575">
+            <a:solidFill>
+              <a:schemeClr val="tx1">
+                <a:lumMod val="95000"/>
+                <a:lumOff val="5000"/>
+              </a:schemeClr>
+            </a:solidFill>
+          </a:ln>
+        </p:spPr>
+        <p:style>
+          <a:lnRef idx="1">
+            <a:schemeClr val="accent1"/>
+          </a:lnRef>
+          <a:fillRef idx="0">
+            <a:schemeClr val="accent1"/>
+          </a:fillRef>
+          <a:effectRef idx="0">
+            <a:schemeClr val="accent1"/>
+          </a:effectRef>
+          <a:fontRef idx="minor">
+            <a:schemeClr val="tx1"/>
+          </a:fontRef>
+        </p:style>
+        <p:txBody>
+          <a:bodyPr rtlCol="0" anchor="ctr"/>
+          <a:lstStyle/>
+          <a:p>
+            <a:pPr algn="ctr"/>
+            <a:endParaRPr lang="zh-CN" altLang="en-US"/>
+          </a:p>
+        </p:txBody>
+      </p:sp>
+      <p:sp>
+        <p:nvSpPr>
+          <p:cNvPr id="19" name="文本框 18">
+            <a:extLst>
+              <a:ext uri="{FF2B5EF4-FFF2-40B4-BE49-F238E27FC236}">
+                <a16:creationId xmlns:a16="http://schemas.microsoft.com/office/drawing/2014/main" id="{0B82790C-A616-478B-9A1B-21062106AD06}"/>
+              </a:ext>
+            </a:extLst>
+          </p:cNvPr>
+          <p:cNvSpPr txBox="1"/>
+          <p:nvPr/>
+        </p:nvSpPr>
+        <p:spPr>
+          <a:xfrm>
+            <a:off x="4059598" y="2578124"/>
+            <a:ext cx="910827" cy="276999"/>
+          </a:xfrm>
+          <a:prstGeom prst="rect">
+            <a:avLst/>
+          </a:prstGeom>
+          <a:noFill/>
+        </p:spPr>
+        <p:txBody>
+          <a:bodyPr wrap="none" rtlCol="0">
+            <a:spAutoFit/>
+          </a:bodyPr>
+          <a:lstStyle/>
+          <a:p>
+            <a:r>
+              <a:rPr lang="en-US" altLang="zh-CN" sz="1200" err="1"/>
+              <a:t>MarginTop</a:t>
+            </a:r>
+            <a:endParaRPr lang="zh-CN" altLang="en-US" sz="1200"/>
+          </a:p>
+        </p:txBody>
+      </p:sp>
+      <p:sp>
+        <p:nvSpPr>
+          <p:cNvPr id="20" name="文本框 19">
+            <a:extLst>
+              <a:ext uri="{FF2B5EF4-FFF2-40B4-BE49-F238E27FC236}">
+                <a16:creationId xmlns:a16="http://schemas.microsoft.com/office/drawing/2014/main" id="{CB156010-F427-4587-8C62-601316A6DAAA}"/>
+              </a:ext>
+            </a:extLst>
+          </p:cNvPr>
+          <p:cNvSpPr txBox="1"/>
+          <p:nvPr/>
+        </p:nvSpPr>
+        <p:spPr>
+          <a:xfrm>
+            <a:off x="4021100" y="5715812"/>
+            <a:ext cx="1146468" cy="276999"/>
+          </a:xfrm>
+          <a:prstGeom prst="rect">
+            <a:avLst/>
+          </a:prstGeom>
+          <a:noFill/>
+        </p:spPr>
+        <p:txBody>
+          <a:bodyPr wrap="none" rtlCol="0">
+            <a:spAutoFit/>
+          </a:bodyPr>
+          <a:lstStyle/>
+          <a:p>
+            <a:r>
+              <a:rPr lang="en-US" altLang="zh-CN" sz="1200" err="1"/>
+              <a:t>MarginBottom</a:t>
+            </a:r>
+            <a:endParaRPr lang="zh-CN" altLang="en-US" sz="1200"/>
+          </a:p>
+        </p:txBody>
+      </p:sp>
+      <p:sp>
+        <p:nvSpPr>
+          <p:cNvPr id="21" name="右大括号 20">
+            <a:extLst>
+              <a:ext uri="{FF2B5EF4-FFF2-40B4-BE49-F238E27FC236}">
+                <a16:creationId xmlns:a16="http://schemas.microsoft.com/office/drawing/2014/main" id="{F2871CAC-A2D2-41B0-A536-E5C96CB5EAEE}"/>
+              </a:ext>
+            </a:extLst>
+          </p:cNvPr>
+          <p:cNvSpPr/>
+          <p:nvPr/>
+        </p:nvSpPr>
+        <p:spPr>
+          <a:xfrm>
+            <a:off x="3611961" y="5640742"/>
+            <a:ext cx="328268" cy="560813"/>
+          </a:xfrm>
+          <a:prstGeom prst="rightBrace">
+            <a:avLst>
+              <a:gd name="adj1" fmla="val 8333"/>
+              <a:gd name="adj2" fmla="val 36537"/>
+            </a:avLst>
+          </a:prstGeom>
+          <a:ln w="28575">
+            <a:solidFill>
+              <a:schemeClr val="tx1">
+                <a:lumMod val="95000"/>
+                <a:lumOff val="5000"/>
+              </a:schemeClr>
+            </a:solidFill>
+          </a:ln>
+        </p:spPr>
+        <p:style>
+          <a:lnRef idx="1">
+            <a:schemeClr val="accent1"/>
+          </a:lnRef>
+          <a:fillRef idx="0">
+            <a:schemeClr val="accent1"/>
+          </a:fillRef>
+          <a:effectRef idx="0">
+            <a:schemeClr val="accent1"/>
+          </a:effectRef>
+          <a:fontRef idx="minor">
+            <a:schemeClr val="tx1"/>
+          </a:fontRef>
+        </p:style>
+        <p:txBody>
+          <a:bodyPr rtlCol="0" anchor="ctr"/>
+          <a:lstStyle/>
+          <a:p>
+            <a:pPr algn="ctr"/>
+            <a:endParaRPr lang="zh-CN" altLang="en-US"/>
+          </a:p>
+        </p:txBody>
+      </p:sp>
+      <p:sp>
+        <p:nvSpPr>
+          <p:cNvPr id="22" name="矩形 21">
+            <a:extLst>
+              <a:ext uri="{FF2B5EF4-FFF2-40B4-BE49-F238E27FC236}">
+                <a16:creationId xmlns:a16="http://schemas.microsoft.com/office/drawing/2014/main" id="{B98ED97C-CFBC-4CBA-B590-51C0ADE58FD1}"/>
+              </a:ext>
+            </a:extLst>
+          </p:cNvPr>
+          <p:cNvSpPr/>
+          <p:nvPr/>
+        </p:nvSpPr>
+        <p:spPr>
+          <a:xfrm>
+            <a:off x="7395502" y="5305488"/>
+            <a:ext cx="2566331" cy="285225"/>
+          </a:xfrm>
+          <a:prstGeom prst="rect">
+            <a:avLst/>
+          </a:prstGeom>
+          <a:solidFill>
+            <a:schemeClr val="accent1">
+              <a:lumMod val="40000"/>
+              <a:lumOff val="60000"/>
+            </a:schemeClr>
+          </a:solidFill>
+        </p:spPr>
+        <p:style>
+          <a:lnRef idx="2">
+            <a:schemeClr val="accent1">
+              <a:shade val="50000"/>
+            </a:schemeClr>
+          </a:lnRef>
+          <a:fillRef idx="1">
+            <a:schemeClr val="accent1"/>
+          </a:fillRef>
+          <a:effectRef idx="0">
+            <a:schemeClr val="accent1"/>
+          </a:effectRef>
+          <a:fontRef idx="minor">
+            <a:schemeClr val="lt1"/>
+          </a:fontRef>
+        </p:style>
+        <p:txBody>
+          <a:bodyPr rtlCol="0" anchor="ctr"/>
+          <a:lstStyle/>
+          <a:p>
+            <a:pPr algn="ctr"/>
+            <a:r>
+              <a:rPr lang="en-US" altLang="zh-CN" b="1">
+                <a:solidFill>
+                  <a:srgbClr val="FF0000"/>
+                </a:solidFill>
+              </a:rPr>
+              <a:t>VTextLine - 3</a:t>
+            </a:r>
+            <a:endParaRPr lang="zh-CN" altLang="en-US" b="1">
+              <a:solidFill>
+                <a:srgbClr val="FF0000"/>
+              </a:solidFill>
+            </a:endParaRPr>
+          </a:p>
+        </p:txBody>
+      </p:sp>
+      <p:sp>
+        <p:nvSpPr>
+          <p:cNvPr id="23" name="矩形 22">
+            <a:extLst>
+              <a:ext uri="{FF2B5EF4-FFF2-40B4-BE49-F238E27FC236}">
+                <a16:creationId xmlns:a16="http://schemas.microsoft.com/office/drawing/2014/main" id="{A7C2727D-BACB-4002-BCE3-FAD7826B6B05}"/>
+              </a:ext>
+            </a:extLst>
+          </p:cNvPr>
+          <p:cNvSpPr/>
+          <p:nvPr/>
+        </p:nvSpPr>
+        <p:spPr>
+          <a:xfrm>
+            <a:off x="7395501" y="3026275"/>
+            <a:ext cx="2566331" cy="285225"/>
+          </a:xfrm>
+          <a:prstGeom prst="rect">
+            <a:avLst/>
+          </a:prstGeom>
+          <a:solidFill>
+            <a:schemeClr val="accent1">
+              <a:lumMod val="40000"/>
+              <a:lumOff val="60000"/>
+            </a:schemeClr>
+          </a:solidFill>
+        </p:spPr>
+        <p:style>
+          <a:lnRef idx="2">
+            <a:schemeClr val="accent1">
+              <a:shade val="50000"/>
+            </a:schemeClr>
+          </a:lnRef>
+          <a:fillRef idx="1">
+            <a:schemeClr val="accent1"/>
+          </a:fillRef>
+          <a:effectRef idx="0">
+            <a:schemeClr val="accent1"/>
+          </a:effectRef>
+          <a:fontRef idx="minor">
+            <a:schemeClr val="lt1"/>
+          </a:fontRef>
+        </p:style>
+        <p:txBody>
+          <a:bodyPr rtlCol="0" anchor="ctr"/>
+          <a:lstStyle/>
+          <a:p>
+            <a:pPr algn="ctr"/>
+            <a:r>
+              <a:rPr lang="en-US" altLang="zh-CN" b="1">
+                <a:solidFill>
+                  <a:srgbClr val="FF0000"/>
+                </a:solidFill>
+              </a:rPr>
+              <a:t>VTextLine - 4</a:t>
+            </a:r>
+            <a:endParaRPr lang="zh-CN" altLang="en-US" b="1">
+              <a:solidFill>
+                <a:srgbClr val="FF0000"/>
+              </a:solidFill>
+            </a:endParaRPr>
+          </a:p>
+        </p:txBody>
+      </p:sp>
+      <p:sp>
+        <p:nvSpPr>
+          <p:cNvPr id="24" name="矩形 23">
+            <a:extLst>
+              <a:ext uri="{FF2B5EF4-FFF2-40B4-BE49-F238E27FC236}">
+                <a16:creationId xmlns:a16="http://schemas.microsoft.com/office/drawing/2014/main" id="{1A504B94-D2DE-4F0E-90F5-CFC4B9DBCF42}"/>
+              </a:ext>
+            </a:extLst>
+          </p:cNvPr>
+          <p:cNvSpPr/>
+          <p:nvPr/>
+        </p:nvSpPr>
+        <p:spPr>
+          <a:xfrm>
+            <a:off x="7395503" y="3311501"/>
+            <a:ext cx="2566331" cy="285225"/>
+          </a:xfrm>
+          <a:prstGeom prst="rect">
+            <a:avLst/>
+          </a:prstGeom>
+          <a:solidFill>
+            <a:schemeClr val="accent1">
+              <a:lumMod val="40000"/>
+              <a:lumOff val="60000"/>
+            </a:schemeClr>
+          </a:solidFill>
+        </p:spPr>
+        <p:style>
+          <a:lnRef idx="2">
+            <a:schemeClr val="accent1">
+              <a:shade val="50000"/>
+            </a:schemeClr>
+          </a:lnRef>
+          <a:fillRef idx="1">
+            <a:schemeClr val="accent1"/>
+          </a:fillRef>
+          <a:effectRef idx="0">
+            <a:schemeClr val="accent1"/>
+          </a:effectRef>
+          <a:fontRef idx="minor">
+            <a:schemeClr val="lt1"/>
+          </a:fontRef>
+        </p:style>
+        <p:txBody>
+          <a:bodyPr rtlCol="0" anchor="ctr"/>
+          <a:lstStyle/>
+          <a:p>
+            <a:pPr algn="ctr"/>
+            <a:r>
+              <a:rPr lang="en-US" altLang="zh-CN">
+                <a:solidFill>
+                  <a:schemeClr val="tx1"/>
+                </a:solidFill>
+              </a:rPr>
+              <a:t>VTextLine – 5</a:t>
+            </a:r>
+            <a:endParaRPr lang="zh-CN" altLang="en-US">
+              <a:solidFill>
+                <a:schemeClr val="tx1"/>
+              </a:solidFill>
+            </a:endParaRPr>
+          </a:p>
+        </p:txBody>
+      </p:sp>
+      <p:sp>
+        <p:nvSpPr>
+          <p:cNvPr id="25" name="矩形 24">
+            <a:extLst>
+              <a:ext uri="{FF2B5EF4-FFF2-40B4-BE49-F238E27FC236}">
+                <a16:creationId xmlns:a16="http://schemas.microsoft.com/office/drawing/2014/main" id="{DA50D2C4-4D8E-4E14-BB49-CACA340F7244}"/>
+              </a:ext>
+            </a:extLst>
+          </p:cNvPr>
+          <p:cNvSpPr/>
+          <p:nvPr/>
+        </p:nvSpPr>
+        <p:spPr>
+          <a:xfrm>
+            <a:off x="7395503" y="3596725"/>
+            <a:ext cx="2566331" cy="285225"/>
+          </a:xfrm>
+          <a:prstGeom prst="rect">
+            <a:avLst/>
+          </a:prstGeom>
+          <a:solidFill>
+            <a:schemeClr val="accent1">
+              <a:lumMod val="40000"/>
+              <a:lumOff val="60000"/>
+            </a:schemeClr>
+          </a:solidFill>
+        </p:spPr>
+        <p:style>
+          <a:lnRef idx="2">
+            <a:schemeClr val="accent1">
+              <a:shade val="50000"/>
+            </a:schemeClr>
+          </a:lnRef>
+          <a:fillRef idx="1">
+            <a:schemeClr val="accent1"/>
+          </a:fillRef>
+          <a:effectRef idx="0">
+            <a:schemeClr val="accent1"/>
+          </a:effectRef>
+          <a:fontRef idx="minor">
+            <a:schemeClr val="lt1"/>
+          </a:fontRef>
+        </p:style>
+        <p:txBody>
+          <a:bodyPr rtlCol="0" anchor="ctr"/>
+          <a:lstStyle/>
+          <a:p>
+            <a:pPr algn="ctr"/>
+            <a:r>
+              <a:rPr lang="en-US" altLang="zh-CN">
+                <a:solidFill>
+                  <a:schemeClr val="tx1"/>
+                </a:solidFill>
+              </a:rPr>
+              <a:t>VTextLine - 6</a:t>
+            </a:r>
+            <a:endParaRPr lang="zh-CN" altLang="en-US">
+              <a:solidFill>
+                <a:schemeClr val="tx1"/>
+              </a:solidFill>
+            </a:endParaRPr>
+          </a:p>
+        </p:txBody>
+      </p:sp>
+      <p:sp>
+        <p:nvSpPr>
+          <p:cNvPr id="26" name="矩形 25">
+            <a:extLst>
+              <a:ext uri="{FF2B5EF4-FFF2-40B4-BE49-F238E27FC236}">
+                <a16:creationId xmlns:a16="http://schemas.microsoft.com/office/drawing/2014/main" id="{C0317732-0F34-411B-A949-C13E93E99D16}"/>
+              </a:ext>
+            </a:extLst>
+          </p:cNvPr>
+          <p:cNvSpPr/>
+          <p:nvPr/>
+        </p:nvSpPr>
+        <p:spPr>
+          <a:xfrm>
+            <a:off x="7395503" y="3881950"/>
+            <a:ext cx="2566331" cy="285225"/>
+          </a:xfrm>
+          <a:prstGeom prst="rect">
+            <a:avLst/>
+          </a:prstGeom>
+          <a:solidFill>
+            <a:schemeClr val="accent1">
+              <a:lumMod val="40000"/>
+              <a:lumOff val="60000"/>
+            </a:schemeClr>
+          </a:solidFill>
+        </p:spPr>
+        <p:style>
+          <a:lnRef idx="2">
+            <a:schemeClr val="accent1">
+              <a:shade val="50000"/>
+            </a:schemeClr>
+          </a:lnRef>
+          <a:fillRef idx="1">
+            <a:schemeClr val="accent1"/>
+          </a:fillRef>
+          <a:effectRef idx="0">
+            <a:schemeClr val="accent1"/>
+          </a:effectRef>
+          <a:fontRef idx="minor">
+            <a:schemeClr val="lt1"/>
+          </a:fontRef>
+        </p:style>
+        <p:txBody>
+          <a:bodyPr rtlCol="0" anchor="ctr"/>
+          <a:lstStyle/>
+          <a:p>
+            <a:pPr algn="ctr"/>
+            <a:r>
+              <a:rPr lang="en-US" altLang="zh-CN">
+                <a:solidFill>
+                  <a:schemeClr val="tx1"/>
+                </a:solidFill>
+              </a:rPr>
+              <a:t>VTextLine - 7</a:t>
+            </a:r>
+            <a:endParaRPr lang="zh-CN" altLang="en-US">
+              <a:solidFill>
+                <a:schemeClr val="tx1"/>
+              </a:solidFill>
+            </a:endParaRPr>
+          </a:p>
+        </p:txBody>
+      </p:sp>
+      <p:sp>
+        <p:nvSpPr>
+          <p:cNvPr id="27" name="矩形 26">
+            <a:extLst>
+              <a:ext uri="{FF2B5EF4-FFF2-40B4-BE49-F238E27FC236}">
+                <a16:creationId xmlns:a16="http://schemas.microsoft.com/office/drawing/2014/main" id="{4803045B-45DC-49BD-9811-0A75C0E37E6A}"/>
+              </a:ext>
+            </a:extLst>
+          </p:cNvPr>
+          <p:cNvSpPr/>
+          <p:nvPr/>
+        </p:nvSpPr>
+        <p:spPr>
+          <a:xfrm>
+            <a:off x="7395503" y="4167174"/>
+            <a:ext cx="2566331" cy="285225"/>
+          </a:xfrm>
+          <a:prstGeom prst="rect">
+            <a:avLst/>
+          </a:prstGeom>
+          <a:solidFill>
+            <a:schemeClr val="accent1">
+              <a:lumMod val="40000"/>
+              <a:lumOff val="60000"/>
+            </a:schemeClr>
+          </a:solidFill>
+        </p:spPr>
+        <p:style>
+          <a:lnRef idx="2">
+            <a:schemeClr val="accent1">
+              <a:shade val="50000"/>
+            </a:schemeClr>
+          </a:lnRef>
+          <a:fillRef idx="1">
+            <a:schemeClr val="accent1"/>
+          </a:fillRef>
+          <a:effectRef idx="0">
+            <a:schemeClr val="accent1"/>
+          </a:effectRef>
+          <a:fontRef idx="minor">
+            <a:schemeClr val="lt1"/>
+          </a:fontRef>
+        </p:style>
+        <p:txBody>
+          <a:bodyPr rtlCol="0" anchor="ctr"/>
+          <a:lstStyle/>
+          <a:p>
+            <a:pPr algn="ctr"/>
+            <a:r>
+              <a:rPr lang="en-US" altLang="zh-CN">
+                <a:solidFill>
+                  <a:schemeClr val="tx1"/>
+                </a:solidFill>
+              </a:rPr>
+              <a:t>VTextLine - 8</a:t>
+            </a:r>
+            <a:endParaRPr lang="zh-CN" altLang="en-US">
+              <a:solidFill>
+                <a:schemeClr val="tx1"/>
+              </a:solidFill>
+            </a:endParaRPr>
+          </a:p>
+        </p:txBody>
+      </p:sp>
+      <p:sp>
+        <p:nvSpPr>
+          <p:cNvPr id="28" name="矩形 27">
+            <a:extLst>
+              <a:ext uri="{FF2B5EF4-FFF2-40B4-BE49-F238E27FC236}">
+                <a16:creationId xmlns:a16="http://schemas.microsoft.com/office/drawing/2014/main" id="{D623FDBC-C611-4415-8658-0335DC5CD094}"/>
+              </a:ext>
+            </a:extLst>
+          </p:cNvPr>
+          <p:cNvSpPr/>
+          <p:nvPr/>
+        </p:nvSpPr>
+        <p:spPr>
+          <a:xfrm>
+            <a:off x="7395503" y="4452399"/>
+            <a:ext cx="2566331" cy="285225"/>
+          </a:xfrm>
+          <a:prstGeom prst="rect">
+            <a:avLst/>
+          </a:prstGeom>
+          <a:solidFill>
+            <a:schemeClr val="accent1">
+              <a:lumMod val="40000"/>
+              <a:lumOff val="60000"/>
+            </a:schemeClr>
+          </a:solidFill>
+        </p:spPr>
+        <p:style>
+          <a:lnRef idx="2">
+            <a:schemeClr val="accent1">
+              <a:shade val="50000"/>
+            </a:schemeClr>
+          </a:lnRef>
+          <a:fillRef idx="1">
+            <a:schemeClr val="accent1"/>
+          </a:fillRef>
+          <a:effectRef idx="0">
+            <a:schemeClr val="accent1"/>
+          </a:effectRef>
+          <a:fontRef idx="minor">
+            <a:schemeClr val="lt1"/>
+          </a:fontRef>
+        </p:style>
+        <p:txBody>
+          <a:bodyPr rtlCol="0" anchor="ctr"/>
+          <a:lstStyle/>
+          <a:p>
+            <a:pPr algn="ctr"/>
+            <a:r>
+              <a:rPr lang="en-US" altLang="zh-CN">
+                <a:solidFill>
+                  <a:schemeClr val="tx1"/>
+                </a:solidFill>
+              </a:rPr>
+              <a:t>VTextLine - 9</a:t>
+            </a:r>
+            <a:endParaRPr lang="zh-CN" altLang="en-US">
+              <a:solidFill>
+                <a:schemeClr val="tx1"/>
+              </a:solidFill>
+            </a:endParaRPr>
+          </a:p>
+        </p:txBody>
+      </p:sp>
+      <p:sp>
+        <p:nvSpPr>
+          <p:cNvPr id="29" name="矩形 28">
+            <a:extLst>
+              <a:ext uri="{FF2B5EF4-FFF2-40B4-BE49-F238E27FC236}">
+                <a16:creationId xmlns:a16="http://schemas.microsoft.com/office/drawing/2014/main" id="{2CA8179B-8174-4A4B-882D-621379C53AB5}"/>
+              </a:ext>
+            </a:extLst>
+          </p:cNvPr>
+          <p:cNvSpPr/>
+          <p:nvPr/>
+        </p:nvSpPr>
+        <p:spPr>
+          <a:xfrm>
+            <a:off x="7395503" y="4737623"/>
+            <a:ext cx="2566331" cy="285225"/>
+          </a:xfrm>
+          <a:prstGeom prst="rect">
+            <a:avLst/>
+          </a:prstGeom>
+          <a:solidFill>
+            <a:schemeClr val="accent1">
+              <a:lumMod val="40000"/>
+              <a:lumOff val="60000"/>
+            </a:schemeClr>
+          </a:solidFill>
+        </p:spPr>
+        <p:style>
+          <a:lnRef idx="2">
+            <a:schemeClr val="accent1">
+              <a:shade val="50000"/>
+            </a:schemeClr>
+          </a:lnRef>
+          <a:fillRef idx="1">
+            <a:schemeClr val="accent1"/>
+          </a:fillRef>
+          <a:effectRef idx="0">
+            <a:schemeClr val="accent1"/>
+          </a:effectRef>
+          <a:fontRef idx="minor">
+            <a:schemeClr val="lt1"/>
+          </a:fontRef>
+        </p:style>
+        <p:txBody>
+          <a:bodyPr rtlCol="0" anchor="ctr"/>
+          <a:lstStyle/>
+          <a:p>
+            <a:pPr algn="ctr"/>
+            <a:r>
+              <a:rPr lang="en-US" altLang="zh-CN">
+                <a:solidFill>
+                  <a:schemeClr val="tx1"/>
+                </a:solidFill>
+              </a:rPr>
+              <a:t>VTextLine - 10</a:t>
+            </a:r>
+            <a:endParaRPr lang="zh-CN" altLang="en-US">
+              <a:solidFill>
+                <a:schemeClr val="tx1"/>
+              </a:solidFill>
+            </a:endParaRPr>
+          </a:p>
+        </p:txBody>
+      </p:sp>
+      <p:sp>
+        <p:nvSpPr>
+          <p:cNvPr id="30" name="矩形 29">
+            <a:extLst>
+              <a:ext uri="{FF2B5EF4-FFF2-40B4-BE49-F238E27FC236}">
+                <a16:creationId xmlns:a16="http://schemas.microsoft.com/office/drawing/2014/main" id="{1C6B4649-06BB-4C4E-84B5-25CDB9FED855}"/>
+              </a:ext>
+            </a:extLst>
+          </p:cNvPr>
+          <p:cNvSpPr/>
+          <p:nvPr/>
+        </p:nvSpPr>
+        <p:spPr>
+          <a:xfrm>
+            <a:off x="7395503" y="5022848"/>
+            <a:ext cx="2566331" cy="285225"/>
+          </a:xfrm>
+          <a:prstGeom prst="rect">
+            <a:avLst/>
+          </a:prstGeom>
+          <a:solidFill>
+            <a:schemeClr val="accent1">
+              <a:lumMod val="40000"/>
+              <a:lumOff val="60000"/>
+            </a:schemeClr>
+          </a:solidFill>
+        </p:spPr>
+        <p:style>
+          <a:lnRef idx="2">
+            <a:schemeClr val="accent1">
+              <a:shade val="50000"/>
+            </a:schemeClr>
+          </a:lnRef>
+          <a:fillRef idx="1">
+            <a:schemeClr val="accent1"/>
+          </a:fillRef>
+          <a:effectRef idx="0">
+            <a:schemeClr val="accent1"/>
+          </a:effectRef>
+          <a:fontRef idx="minor">
+            <a:schemeClr val="lt1"/>
+          </a:fontRef>
+        </p:style>
+        <p:txBody>
+          <a:bodyPr rtlCol="0" anchor="ctr"/>
+          <a:lstStyle/>
+          <a:p>
+            <a:pPr algn="ctr"/>
+            <a:r>
+              <a:rPr lang="en-US" altLang="zh-CN">
+                <a:solidFill>
+                  <a:schemeClr val="tx1"/>
+                </a:solidFill>
+              </a:rPr>
+              <a:t>VTextLine - 11</a:t>
+            </a:r>
+            <a:endParaRPr lang="zh-CN" altLang="en-US">
+              <a:solidFill>
+                <a:schemeClr val="tx1"/>
+              </a:solidFill>
+            </a:endParaRPr>
+          </a:p>
+        </p:txBody>
+      </p:sp>
+      <p:sp>
+        <p:nvSpPr>
+          <p:cNvPr id="31" name="矩形 30">
+            <a:extLst>
+              <a:ext uri="{FF2B5EF4-FFF2-40B4-BE49-F238E27FC236}">
+                <a16:creationId xmlns:a16="http://schemas.microsoft.com/office/drawing/2014/main" id="{56657B86-A647-45EB-BDE1-1DA4B58E863B}"/>
+              </a:ext>
+            </a:extLst>
+          </p:cNvPr>
+          <p:cNvSpPr/>
+          <p:nvPr/>
+        </p:nvSpPr>
+        <p:spPr>
+          <a:xfrm>
+            <a:off x="7397923" y="2746218"/>
+            <a:ext cx="2566331" cy="285225"/>
+          </a:xfrm>
+          <a:prstGeom prst="rect">
+            <a:avLst/>
+          </a:prstGeom>
+          <a:solidFill>
+            <a:schemeClr val="accent2">
+              <a:lumMod val="20000"/>
+              <a:lumOff val="80000"/>
+            </a:schemeClr>
+          </a:solidFill>
+        </p:spPr>
+        <p:style>
+          <a:lnRef idx="2">
+            <a:schemeClr val="accent1">
+              <a:shade val="50000"/>
+            </a:schemeClr>
+          </a:lnRef>
+          <a:fillRef idx="1">
+            <a:schemeClr val="accent1"/>
+          </a:fillRef>
+          <a:effectRef idx="0">
+            <a:schemeClr val="accent1"/>
+          </a:effectRef>
+          <a:fontRef idx="minor">
+            <a:schemeClr val="lt1"/>
+          </a:fontRef>
+        </p:style>
+        <p:txBody>
+          <a:bodyPr rtlCol="0" anchor="ctr"/>
+          <a:lstStyle/>
+          <a:p>
+            <a:pPr algn="ctr"/>
+            <a:r>
+              <a:rPr lang="en-US" altLang="zh-CN">
+                <a:solidFill>
+                  <a:schemeClr val="tx1"/>
+                </a:solidFill>
+              </a:rPr>
+              <a:t>VTextLine - 2</a:t>
+            </a:r>
+            <a:endParaRPr lang="zh-CN" altLang="en-US">
+              <a:solidFill>
+                <a:schemeClr val="tx1"/>
+              </a:solidFill>
+            </a:endParaRPr>
+          </a:p>
+        </p:txBody>
+      </p:sp>
+      <p:sp>
+        <p:nvSpPr>
+          <p:cNvPr id="32" name="矩形 31">
+            <a:extLst>
+              <a:ext uri="{FF2B5EF4-FFF2-40B4-BE49-F238E27FC236}">
+                <a16:creationId xmlns:a16="http://schemas.microsoft.com/office/drawing/2014/main" id="{EBCD7821-434A-4F0C-B747-9D63B066022B}"/>
+              </a:ext>
+            </a:extLst>
+          </p:cNvPr>
+          <p:cNvSpPr/>
+          <p:nvPr/>
+        </p:nvSpPr>
+        <p:spPr>
+          <a:xfrm>
+            <a:off x="7397923" y="2460993"/>
+            <a:ext cx="2566331" cy="285225"/>
+          </a:xfrm>
+          <a:prstGeom prst="rect">
+            <a:avLst/>
+          </a:prstGeom>
+          <a:solidFill>
+            <a:schemeClr val="accent2">
+              <a:lumMod val="20000"/>
+              <a:lumOff val="80000"/>
+            </a:schemeClr>
+          </a:solidFill>
+        </p:spPr>
+        <p:style>
+          <a:lnRef idx="2">
+            <a:schemeClr val="accent1">
+              <a:shade val="50000"/>
+            </a:schemeClr>
+          </a:lnRef>
+          <a:fillRef idx="1">
+            <a:schemeClr val="accent1"/>
+          </a:fillRef>
+          <a:effectRef idx="0">
+            <a:schemeClr val="accent1"/>
+          </a:effectRef>
+          <a:fontRef idx="minor">
+            <a:schemeClr val="lt1"/>
+          </a:fontRef>
+        </p:style>
+        <p:txBody>
+          <a:bodyPr rtlCol="0" anchor="ctr"/>
+          <a:lstStyle/>
+          <a:p>
+            <a:pPr algn="ctr"/>
+            <a:r>
+              <a:rPr lang="en-US" altLang="zh-CN">
+                <a:solidFill>
+                  <a:schemeClr val="tx1"/>
+                </a:solidFill>
+              </a:rPr>
+              <a:t>VTextLine - 1</a:t>
+            </a:r>
+            <a:endParaRPr lang="zh-CN" altLang="en-US">
+              <a:solidFill>
+                <a:schemeClr val="tx1"/>
+              </a:solidFill>
+            </a:endParaRPr>
+          </a:p>
+        </p:txBody>
+      </p:sp>
+      <p:sp>
+        <p:nvSpPr>
+          <p:cNvPr id="33" name="矩形 32">
+            <a:extLst>
+              <a:ext uri="{FF2B5EF4-FFF2-40B4-BE49-F238E27FC236}">
+                <a16:creationId xmlns:a16="http://schemas.microsoft.com/office/drawing/2014/main" id="{FCDEB43D-6C5C-4F3E-93CE-689B55C5C125}"/>
+              </a:ext>
+            </a:extLst>
+          </p:cNvPr>
+          <p:cNvSpPr/>
+          <p:nvPr/>
+        </p:nvSpPr>
+        <p:spPr>
+          <a:xfrm>
+            <a:off x="7397923" y="5598464"/>
+            <a:ext cx="2566331" cy="285225"/>
+          </a:xfrm>
+          <a:prstGeom prst="rect">
+            <a:avLst/>
+          </a:prstGeom>
+          <a:solidFill>
+            <a:schemeClr val="accent2">
+              <a:lumMod val="20000"/>
+              <a:lumOff val="80000"/>
+            </a:schemeClr>
+          </a:solidFill>
+        </p:spPr>
+        <p:style>
+          <a:lnRef idx="2">
+            <a:schemeClr val="accent1">
+              <a:shade val="50000"/>
+            </a:schemeClr>
+          </a:lnRef>
+          <a:fillRef idx="1">
+            <a:schemeClr val="accent1"/>
+          </a:fillRef>
+          <a:effectRef idx="0">
+            <a:schemeClr val="accent1"/>
+          </a:effectRef>
+          <a:fontRef idx="minor">
+            <a:schemeClr val="lt1"/>
+          </a:fontRef>
+        </p:style>
+        <p:txBody>
+          <a:bodyPr rtlCol="0" anchor="ctr"/>
+          <a:lstStyle/>
+          <a:p>
+            <a:pPr algn="ctr"/>
+            <a:r>
+              <a:rPr lang="en-US" altLang="zh-CN">
+                <a:solidFill>
+                  <a:schemeClr val="tx1"/>
+                </a:solidFill>
+              </a:rPr>
+              <a:t>VTextLine - 12</a:t>
+            </a:r>
+            <a:endParaRPr lang="zh-CN" altLang="en-US">
+              <a:solidFill>
+                <a:schemeClr val="tx1"/>
+              </a:solidFill>
+            </a:endParaRPr>
+          </a:p>
+        </p:txBody>
+      </p:sp>
+      <p:sp>
+        <p:nvSpPr>
+          <p:cNvPr id="34" name="矩形 33">
+            <a:extLst>
+              <a:ext uri="{FF2B5EF4-FFF2-40B4-BE49-F238E27FC236}">
+                <a16:creationId xmlns:a16="http://schemas.microsoft.com/office/drawing/2014/main" id="{0D91B2CC-7EEF-4B0F-A747-1F29670F2A9E}"/>
+              </a:ext>
+            </a:extLst>
+          </p:cNvPr>
+          <p:cNvSpPr/>
+          <p:nvPr/>
+        </p:nvSpPr>
+        <p:spPr>
+          <a:xfrm>
+            <a:off x="7397923" y="5873354"/>
+            <a:ext cx="2566331" cy="285225"/>
+          </a:xfrm>
+          <a:prstGeom prst="rect">
+            <a:avLst/>
+          </a:prstGeom>
+          <a:solidFill>
+            <a:schemeClr val="accent2">
+              <a:lumMod val="20000"/>
+              <a:lumOff val="80000"/>
+            </a:schemeClr>
+          </a:solidFill>
+        </p:spPr>
+        <p:style>
+          <a:lnRef idx="2">
+            <a:schemeClr val="accent1">
+              <a:shade val="50000"/>
+            </a:schemeClr>
+          </a:lnRef>
+          <a:fillRef idx="1">
+            <a:schemeClr val="accent1"/>
+          </a:fillRef>
+          <a:effectRef idx="0">
+            <a:schemeClr val="accent1"/>
+          </a:effectRef>
+          <a:fontRef idx="minor">
+            <a:schemeClr val="lt1"/>
+          </a:fontRef>
+        </p:style>
+        <p:txBody>
+          <a:bodyPr rtlCol="0" anchor="ctr"/>
+          <a:lstStyle/>
+          <a:p>
+            <a:pPr algn="ctr"/>
+            <a:r>
+              <a:rPr lang="en-US" altLang="zh-CN">
+                <a:solidFill>
+                  <a:schemeClr val="tx1"/>
+                </a:solidFill>
+              </a:rPr>
+              <a:t>VTextLine - 13</a:t>
+            </a:r>
+            <a:endParaRPr lang="zh-CN" altLang="en-US">
+              <a:solidFill>
+                <a:schemeClr val="tx1"/>
+              </a:solidFill>
+            </a:endParaRPr>
+          </a:p>
+        </p:txBody>
+      </p:sp>
+      <p:sp>
+        <p:nvSpPr>
+          <p:cNvPr id="35" name="右大括号 34">
+            <a:extLst>
+              <a:ext uri="{FF2B5EF4-FFF2-40B4-BE49-F238E27FC236}">
+                <a16:creationId xmlns:a16="http://schemas.microsoft.com/office/drawing/2014/main" id="{EB47DF1B-36C2-4798-A994-562061A78E05}"/>
+              </a:ext>
+            </a:extLst>
+          </p:cNvPr>
+          <p:cNvSpPr/>
+          <p:nvPr/>
+        </p:nvSpPr>
+        <p:spPr>
+          <a:xfrm>
+            <a:off x="10032067" y="3031443"/>
+            <a:ext cx="328268" cy="2567021"/>
+          </a:xfrm>
+          <a:prstGeom prst="rightBrace">
+            <a:avLst>
+              <a:gd name="adj1" fmla="val 8333"/>
+              <a:gd name="adj2" fmla="val 48693"/>
+            </a:avLst>
+          </a:prstGeom>
+          <a:ln w="28575">
+            <a:solidFill>
+              <a:schemeClr val="tx1">
+                <a:lumMod val="95000"/>
+                <a:lumOff val="5000"/>
+              </a:schemeClr>
+            </a:solidFill>
+          </a:ln>
+        </p:spPr>
+        <p:style>
+          <a:lnRef idx="1">
+            <a:schemeClr val="accent1"/>
+          </a:lnRef>
+          <a:fillRef idx="0">
+            <a:schemeClr val="accent1"/>
+          </a:fillRef>
+          <a:effectRef idx="0">
+            <a:schemeClr val="accent1"/>
+          </a:effectRef>
+          <a:fontRef idx="minor">
+            <a:schemeClr val="tx1"/>
+          </a:fontRef>
+        </p:style>
+        <p:txBody>
+          <a:bodyPr rtlCol="0" anchor="ctr"/>
+          <a:lstStyle/>
+          <a:p>
+            <a:pPr algn="ctr"/>
+            <a:endParaRPr lang="zh-CN" altLang="en-US"/>
+          </a:p>
+        </p:txBody>
+      </p:sp>
+      <p:sp>
+        <p:nvSpPr>
+          <p:cNvPr id="36" name="右大括号 35">
+            <a:extLst>
+              <a:ext uri="{FF2B5EF4-FFF2-40B4-BE49-F238E27FC236}">
+                <a16:creationId xmlns:a16="http://schemas.microsoft.com/office/drawing/2014/main" id="{A9019A95-386E-439C-85CB-57B5A439E3FF}"/>
+              </a:ext>
+            </a:extLst>
+          </p:cNvPr>
+          <p:cNvSpPr/>
+          <p:nvPr/>
+        </p:nvSpPr>
+        <p:spPr>
+          <a:xfrm>
+            <a:off x="10032067" y="2455477"/>
+            <a:ext cx="328268" cy="560813"/>
+          </a:xfrm>
+          <a:prstGeom prst="rightBrace">
+            <a:avLst>
+              <a:gd name="adj1" fmla="val 8333"/>
+              <a:gd name="adj2" fmla="val 36537"/>
+            </a:avLst>
+          </a:prstGeom>
+          <a:ln w="28575">
+            <a:solidFill>
+              <a:schemeClr val="tx1">
+                <a:lumMod val="95000"/>
+                <a:lumOff val="5000"/>
+              </a:schemeClr>
+            </a:solidFill>
+          </a:ln>
+        </p:spPr>
+        <p:style>
+          <a:lnRef idx="1">
+            <a:schemeClr val="accent1"/>
+          </a:lnRef>
+          <a:fillRef idx="0">
+            <a:schemeClr val="accent1"/>
+          </a:fillRef>
+          <a:effectRef idx="0">
+            <a:schemeClr val="accent1"/>
+          </a:effectRef>
+          <a:fontRef idx="minor">
+            <a:schemeClr val="tx1"/>
+          </a:fontRef>
+        </p:style>
+        <p:txBody>
+          <a:bodyPr rtlCol="0" anchor="ctr"/>
+          <a:lstStyle/>
+          <a:p>
+            <a:pPr algn="ctr"/>
+            <a:endParaRPr lang="zh-CN" altLang="en-US"/>
+          </a:p>
+        </p:txBody>
+      </p:sp>
+      <p:sp>
+        <p:nvSpPr>
+          <p:cNvPr id="37" name="右大括号 36">
+            <a:extLst>
+              <a:ext uri="{FF2B5EF4-FFF2-40B4-BE49-F238E27FC236}">
+                <a16:creationId xmlns:a16="http://schemas.microsoft.com/office/drawing/2014/main" id="{8A79A876-9E4B-4A04-B0BB-1B8413533AC1}"/>
+              </a:ext>
+            </a:extLst>
+          </p:cNvPr>
+          <p:cNvSpPr/>
+          <p:nvPr/>
+        </p:nvSpPr>
+        <p:spPr>
+          <a:xfrm>
+            <a:off x="10032067" y="5613617"/>
+            <a:ext cx="328268" cy="560813"/>
+          </a:xfrm>
+          <a:prstGeom prst="rightBrace">
+            <a:avLst>
+              <a:gd name="adj1" fmla="val 8333"/>
+              <a:gd name="adj2" fmla="val 36537"/>
+            </a:avLst>
+          </a:prstGeom>
+          <a:ln w="28575">
+            <a:solidFill>
+              <a:schemeClr val="tx1">
+                <a:lumMod val="95000"/>
+                <a:lumOff val="5000"/>
+              </a:schemeClr>
+            </a:solidFill>
+          </a:ln>
+        </p:spPr>
+        <p:style>
+          <a:lnRef idx="1">
+            <a:schemeClr val="accent1"/>
+          </a:lnRef>
+          <a:fillRef idx="0">
+            <a:schemeClr val="accent1"/>
+          </a:fillRef>
+          <a:effectRef idx="0">
+            <a:schemeClr val="accent1"/>
+          </a:effectRef>
+          <a:fontRef idx="minor">
+            <a:schemeClr val="tx1"/>
+          </a:fontRef>
+        </p:style>
+        <p:txBody>
+          <a:bodyPr rtlCol="0" anchor="ctr"/>
+          <a:lstStyle/>
+          <a:p>
+            <a:pPr algn="ctr"/>
+            <a:endParaRPr lang="zh-CN" altLang="en-US"/>
+          </a:p>
+        </p:txBody>
+      </p:sp>
+      <p:sp>
+        <p:nvSpPr>
+          <p:cNvPr id="38" name="文本框 37">
+            <a:extLst>
+              <a:ext uri="{FF2B5EF4-FFF2-40B4-BE49-F238E27FC236}">
+                <a16:creationId xmlns:a16="http://schemas.microsoft.com/office/drawing/2014/main" id="{927EA46A-C13B-4895-92BB-9D69C666499F}"/>
+              </a:ext>
+            </a:extLst>
+          </p:cNvPr>
+          <p:cNvSpPr txBox="1"/>
+          <p:nvPr/>
+        </p:nvSpPr>
+        <p:spPr>
+          <a:xfrm>
+            <a:off x="10547517" y="2551000"/>
+            <a:ext cx="910827" cy="276999"/>
+          </a:xfrm>
+          <a:prstGeom prst="rect">
+            <a:avLst/>
+          </a:prstGeom>
+          <a:noFill/>
+        </p:spPr>
+        <p:txBody>
+          <a:bodyPr wrap="none" rtlCol="0">
+            <a:spAutoFit/>
+          </a:bodyPr>
+          <a:lstStyle/>
+          <a:p>
+            <a:r>
+              <a:rPr lang="en-US" altLang="zh-CN" sz="1200" err="1"/>
+              <a:t>MarginTop</a:t>
+            </a:r>
+            <a:endParaRPr lang="zh-CN" altLang="en-US" sz="1200"/>
+          </a:p>
+        </p:txBody>
+      </p:sp>
+      <p:sp>
+        <p:nvSpPr>
+          <p:cNvPr id="39" name="文本框 38">
+            <a:extLst>
+              <a:ext uri="{FF2B5EF4-FFF2-40B4-BE49-F238E27FC236}">
+                <a16:creationId xmlns:a16="http://schemas.microsoft.com/office/drawing/2014/main" id="{8F4E6176-3AB7-424E-A9F4-E3009C8DD67C}"/>
+              </a:ext>
+            </a:extLst>
+          </p:cNvPr>
+          <p:cNvSpPr txBox="1"/>
+          <p:nvPr/>
+        </p:nvSpPr>
+        <p:spPr>
+          <a:xfrm>
+            <a:off x="10547517" y="5644149"/>
+            <a:ext cx="1146468" cy="276999"/>
+          </a:xfrm>
+          <a:prstGeom prst="rect">
+            <a:avLst/>
+          </a:prstGeom>
+          <a:noFill/>
+        </p:spPr>
+        <p:txBody>
+          <a:bodyPr wrap="none" rtlCol="0">
+            <a:spAutoFit/>
+          </a:bodyPr>
+          <a:lstStyle/>
+          <a:p>
+            <a:r>
+              <a:rPr lang="en-US" altLang="zh-CN" sz="1200" err="1"/>
+              <a:t>MarginBottom</a:t>
+            </a:r>
+            <a:endParaRPr lang="zh-CN" altLang="en-US" sz="1200"/>
+          </a:p>
+        </p:txBody>
+      </p:sp>
+      <p:sp>
+        <p:nvSpPr>
+          <p:cNvPr id="40" name="箭头: 右 39">
+            <a:extLst>
+              <a:ext uri="{FF2B5EF4-FFF2-40B4-BE49-F238E27FC236}">
+                <a16:creationId xmlns:a16="http://schemas.microsoft.com/office/drawing/2014/main" id="{235D3858-1943-454D-BE12-603B4D1E1AC1}"/>
+              </a:ext>
+            </a:extLst>
+          </p:cNvPr>
+          <p:cNvSpPr/>
+          <p:nvPr/>
+        </p:nvSpPr>
+        <p:spPr>
+          <a:xfrm flipV="1">
+            <a:off x="4407224" y="4148193"/>
+            <a:ext cx="2566331" cy="45719"/>
+          </a:xfrm>
+          <a:prstGeom prst="rightArrow">
+            <a:avLst/>
+          </a:prstGeom>
+          <a:ln w="63500">
+            <a:solidFill>
+              <a:schemeClr val="tx1"/>
+            </a:solidFill>
+            <a:round/>
+          </a:ln>
+        </p:spPr>
+        <p:style>
+          <a:lnRef idx="2">
+            <a:schemeClr val="accent1">
+              <a:shade val="50000"/>
+            </a:schemeClr>
+          </a:lnRef>
+          <a:fillRef idx="1">
+            <a:schemeClr val="accent1"/>
+          </a:fillRef>
+          <a:effectRef idx="0">
+            <a:schemeClr val="accent1"/>
+          </a:effectRef>
+          <a:fontRef idx="minor">
+            <a:schemeClr val="lt1"/>
+          </a:fontRef>
+        </p:style>
+        <p:txBody>
+          <a:bodyPr rtlCol="0" anchor="ctr"/>
+          <a:lstStyle/>
+          <a:p>
+            <a:pPr algn="ctr"/>
+            <a:endParaRPr lang="zh-CN" altLang="en-US"/>
+          </a:p>
+        </p:txBody>
+      </p:sp>
+      <p:sp>
+        <p:nvSpPr>
+          <p:cNvPr id="41" name="文本框 40">
+            <a:extLst>
+              <a:ext uri="{FF2B5EF4-FFF2-40B4-BE49-F238E27FC236}">
+                <a16:creationId xmlns:a16="http://schemas.microsoft.com/office/drawing/2014/main" id="{A53A83B7-3734-478F-8F15-C753AEB1C606}"/>
+              </a:ext>
+            </a:extLst>
+          </p:cNvPr>
+          <p:cNvSpPr txBox="1"/>
+          <p:nvPr/>
+        </p:nvSpPr>
+        <p:spPr>
+          <a:xfrm>
+            <a:off x="4970425" y="3715142"/>
+            <a:ext cx="1253869" cy="369332"/>
+          </a:xfrm>
+          <a:prstGeom prst="rect">
+            <a:avLst/>
+          </a:prstGeom>
+          <a:noFill/>
+        </p:spPr>
+        <p:txBody>
+          <a:bodyPr wrap="none" rtlCol="0">
+            <a:spAutoFit/>
+          </a:bodyPr>
+          <a:lstStyle/>
+          <a:p>
+            <a:r>
+              <a:rPr lang="en-US" altLang="zh-CN" err="1"/>
+              <a:t>LineFeed</a:t>
+            </a:r>
+            <a:r>
+              <a:rPr lang="en-US" altLang="zh-CN"/>
+              <a:t> 1</a:t>
+            </a:r>
+            <a:endParaRPr lang="zh-CN" altLang="en-US"/>
+          </a:p>
+        </p:txBody>
+      </p:sp>
+      <p:sp>
+        <p:nvSpPr>
+          <p:cNvPr id="42" name="文本框 41">
+            <a:extLst>
+              <a:ext uri="{FF2B5EF4-FFF2-40B4-BE49-F238E27FC236}">
+                <a16:creationId xmlns:a16="http://schemas.microsoft.com/office/drawing/2014/main" id="{D84C3D18-2D0A-43E3-942A-75C423FF1342}"/>
+              </a:ext>
+            </a:extLst>
+          </p:cNvPr>
+          <p:cNvSpPr txBox="1"/>
+          <p:nvPr/>
+        </p:nvSpPr>
+        <p:spPr>
+          <a:xfrm>
+            <a:off x="838200" y="1350956"/>
+            <a:ext cx="13221889" cy="923330"/>
+          </a:xfrm>
+          <a:prstGeom prst="rect">
+            <a:avLst/>
+          </a:prstGeom>
+          <a:noFill/>
+        </p:spPr>
+        <p:txBody>
+          <a:bodyPr wrap="none" rtlCol="0">
+            <a:spAutoFit/>
+          </a:bodyPr>
+          <a:lstStyle/>
+          <a:p>
+            <a:r>
+              <a:rPr lang="en-US" altLang="zh-CN"/>
+              <a:t>LineFeed</a:t>
+            </a:r>
+            <a:r>
+              <a:rPr lang="zh-CN" altLang="en-US"/>
+              <a:t>表示换行，此时要在文档的</a:t>
+            </a:r>
+            <a:r>
+              <a:rPr lang="en-US" altLang="zh-CN"/>
+              <a:t>margin</a:t>
+            </a:r>
+            <a:r>
+              <a:rPr lang="zh-CN" altLang="en-US"/>
+              <a:t>内显示新的行。</a:t>
+            </a:r>
+            <a:endParaRPr lang="en-US" altLang="zh-CN"/>
+          </a:p>
+          <a:p>
+            <a:r>
+              <a:rPr lang="en-US" altLang="zh-CN"/>
+              <a:t>Xterminal</a:t>
+            </a:r>
+            <a:r>
+              <a:rPr lang="zh-CN" altLang="en-US"/>
+              <a:t>会把</a:t>
+            </a:r>
+            <a:r>
+              <a:rPr lang="en-US" altLang="zh-CN"/>
+              <a:t>MarginTop</a:t>
+            </a:r>
+            <a:r>
+              <a:rPr lang="zh-CN" altLang="en-US"/>
+              <a:t>下的第一行拿出来，插入到</a:t>
+            </a:r>
+            <a:r>
+              <a:rPr lang="en-US" altLang="zh-CN"/>
+              <a:t>MarginBottom</a:t>
+            </a:r>
+            <a:r>
+              <a:rPr lang="zh-CN" altLang="en-US"/>
+              <a:t>的上一行，复用行对象来保存该行要显示的数据</a:t>
+            </a:r>
+            <a:endParaRPr lang="en-US" altLang="zh-CN"/>
+          </a:p>
+          <a:p>
+            <a:r>
+              <a:rPr lang="zh-CN" altLang="en-US"/>
+              <a:t>下图表示了当执行</a:t>
+            </a:r>
+            <a:r>
+              <a:rPr lang="en-US" altLang="zh-CN"/>
+              <a:t>LineFeed</a:t>
+            </a:r>
+            <a:r>
+              <a:rPr lang="zh-CN" altLang="en-US"/>
+              <a:t>行为的时候，</a:t>
+            </a:r>
+            <a:r>
+              <a:rPr lang="en-US" altLang="zh-CN"/>
+              <a:t>XTerminal</a:t>
+            </a:r>
+            <a:r>
+              <a:rPr lang="zh-CN" altLang="en-US"/>
+              <a:t>复用</a:t>
+            </a:r>
+            <a:r>
+              <a:rPr lang="en-US" altLang="zh-CN"/>
+              <a:t>VTextLine3</a:t>
+            </a:r>
+            <a:r>
+              <a:rPr lang="zh-CN" altLang="en-US"/>
+              <a:t>对象，把</a:t>
+            </a:r>
+            <a:r>
+              <a:rPr lang="en-US" altLang="zh-CN"/>
+              <a:t>VTextLine3</a:t>
+            </a:r>
+            <a:r>
+              <a:rPr lang="zh-CN" altLang="en-US"/>
+              <a:t>对象拿出来，放到了可滚动区域的最后一行</a:t>
+            </a:r>
+            <a:endParaRPr lang="en-US" altLang="zh-CN"/>
+          </a:p>
+        </p:txBody>
+      </p:sp>
+      <p:sp>
+        <p:nvSpPr>
+          <p:cNvPr id="43" name="标题 1">
+            <a:extLst>
+              <a:ext uri="{FF2B5EF4-FFF2-40B4-BE49-F238E27FC236}">
+                <a16:creationId xmlns:a16="http://schemas.microsoft.com/office/drawing/2014/main" id="{95FC3FF5-1DC7-44FE-BC54-036E4828F110}"/>
+              </a:ext>
+            </a:extLst>
+          </p:cNvPr>
+          <p:cNvSpPr>
+            <a:spLocks noGrp="1"/>
+          </p:cNvSpPr>
+          <p:nvPr>
+            <p:ph type="title"/>
+          </p:nvPr>
+        </p:nvSpPr>
+        <p:spPr>
+          <a:xfrm>
+            <a:off x="838200" y="150849"/>
+            <a:ext cx="10515600" cy="1325563"/>
+          </a:xfrm>
+        </p:spPr>
+        <p:txBody>
+          <a:bodyPr/>
+          <a:lstStyle/>
+          <a:p>
+            <a:r>
+              <a:rPr lang="en-US" altLang="zh-CN"/>
+              <a:t>LineFeed</a:t>
+            </a:r>
+            <a:r>
+              <a:rPr lang="zh-CN" altLang="en-US"/>
+              <a:t>行为</a:t>
+            </a:r>
+          </a:p>
+        </p:txBody>
+      </p:sp>
+    </p:spTree>
+    <p:extLst>
+      <p:ext uri="{BB962C8B-B14F-4D97-AF65-F5344CB8AC3E}">
+        <p14:creationId xmlns:p14="http://schemas.microsoft.com/office/powerpoint/2010/main" val="1312780303"/>
+      </p:ext>
+    </p:extLst>
+  </p:cSld>
+  <p:clrMapOvr>
+    <a:masterClrMapping/>
+  </p:clrMapOvr>
+</p:sld>
+</file>
+
+<file path=ppt/slides/slide6.xml><?xml version="1.0" encoding="utf-8"?>
+<p:sld xmlns:a="http://schemas.openxmlformats.org/drawingml/2006/main" xmlns:r="http://schemas.openxmlformats.org/officeDocument/2006/relationships" xmlns:p="http://schemas.openxmlformats.org/presentationml/2006/main">
+  <p:cSld>
+    <p:spTree>
+      <p:nvGrpSpPr>
+        <p:cNvPr id="1" name=""/>
+        <p:cNvGrpSpPr/>
+        <p:nvPr/>
+      </p:nvGrpSpPr>
+      <p:grpSpPr>
+        <a:xfrm>
+          <a:off x="0" y="0"/>
+          <a:ext cx="0" cy="0"/>
+          <a:chOff x="0" y="0"/>
+          <a:chExt cx="0" cy="0"/>
+        </a:xfrm>
+      </p:grpSpPr>
+      <p:sp>
+        <p:nvSpPr>
           <p:cNvPr id="2" name="标题 1">
             <a:extLst>
               <a:ext uri="{FF2B5EF4-FFF2-40B4-BE49-F238E27FC236}">
@@ -9462,7 +10663,7 @@
 </p:sld>
 </file>
 
-<file path=ppt/slides/slide6.xml><?xml version="1.0" encoding="utf-8"?>
+<file path=ppt/slides/slide7.xml><?xml version="1.0" encoding="utf-8"?>
 <p:sld xmlns:a="http://schemas.openxmlformats.org/drawingml/2006/main" xmlns:r="http://schemas.openxmlformats.org/officeDocument/2006/relationships" xmlns:p="http://schemas.openxmlformats.org/presentationml/2006/main">
   <p:cSld>
     <p:spTree>
